--- a/坚持.pptx
+++ b/坚持.pptx
@@ -3805,7 +3805,7 @@
         <p:spPr>
           <a:xfrm>
             <a:off x="1945640" y="2644775"/>
-            <a:ext cx="6586220" cy="1753235"/>
+            <a:ext cx="8571865" cy="1753235"/>
           </a:xfrm>
           <a:prstGeom prst="rect">
             <a:avLst/>
@@ -3834,6 +3834,10 @@
             <a:r>
               <a:rPr lang="en-US" altLang="zh-CN" sz="3600"/>
               <a:t>2. </a:t>
+            </a:r>
+            <a:r>
+              <a:rPr lang="zh-CN" altLang="en-US" sz="3600"/>
+              <a:t>你又如何运用到自己的学习中去</a:t>
             </a:r>
             <a:endParaRPr lang="zh-CN" altLang="en-US" sz="3600"/>
           </a:p>
@@ -3862,7 +3866,7 @@
           <a:p>
             <a:r>
               <a:rPr lang="zh-CN" altLang="en-US" sz="4800"/>
-              <a:t>小组分享</a:t>
+              <a:t>分享</a:t>
             </a:r>
             <a:endParaRPr lang="zh-CN" altLang="en-US" sz="4800"/>
           </a:p>
@@ -3895,7 +3899,7 @@
         <p:spPr>
           <a:xfrm>
             <a:off x="2040255" y="2111375"/>
-            <a:ext cx="8112125" cy="1322070"/>
+            <a:ext cx="8112125" cy="1938020"/>
           </a:xfrm>
           <a:prstGeom prst="rect">
             <a:avLst/>
@@ -3917,14 +3921,18 @@
           <a:p>
             <a:pPr algn="ctr"/>
             <a:r>
-              <a:rPr lang="zh-CN" altLang="en-US" sz="4000"/>
-              <a:t>比如</a:t>
-            </a:r>
-            <a:r>
-              <a:rPr lang="" altLang="zh-CN" sz="4000"/>
-              <a:t>......</a:t>
-            </a:r>
-            <a:endParaRPr lang="" altLang="zh-CN" sz="4000"/>
+              <a:rPr lang="zh-CN" altLang="" sz="4000"/>
+              <a:t>所以</a:t>
+            </a:r>
+            <a:endParaRPr lang="zh-CN" altLang="" sz="4000"/>
+          </a:p>
+          <a:p>
+            <a:pPr algn="ctr"/>
+            <a:r>
+              <a:rPr lang="zh-CN" altLang="" sz="4000"/>
+              <a:t>你应该如何坚持下去？</a:t>
+            </a:r>
+            <a:endParaRPr lang="zh-CN" altLang="" sz="4000"/>
           </a:p>
         </p:txBody>
       </p:sp>
@@ -5042,69 +5050,33 @@
           <a:p>
             <a:r>
               <a:rPr lang="en-US" altLang="zh-CN" sz="3600"/>
-              <a:t>	1. </a:t>
+              <a:t>	</a:t>
             </a:r>
             <a:r>
               <a:rPr lang="zh-CN" altLang="en-US" sz="3600"/>
-              <a:t>游戏分为</a:t>
-            </a:r>
+              <a:t>两只手一只向前抬平，一只向两侧抬平，不要放下。</a:t>
+            </a:r>
+            <a:endParaRPr lang="zh-CN" altLang="en-US" sz="3600"/>
+          </a:p>
+          <a:p>
             <a:r>
               <a:rPr lang="en-US" altLang="zh-CN" sz="3600"/>
-              <a:t>2</a:t>
+              <a:t>	</a:t>
             </a:r>
             <a:r>
               <a:rPr lang="zh-CN" altLang="en-US" sz="3600"/>
-              <a:t>轮，</a:t>
-            </a:r>
-            <a:r>
-              <a:rPr lang="zh-CN" sz="3600"/>
-              <a:t>第一轮</a:t>
-            </a:r>
+              <a:t>坚持时间最久者获胜。</a:t>
+            </a:r>
+            <a:endParaRPr lang="zh-CN" altLang="en-US" sz="3600"/>
+          </a:p>
+          <a:p>
             <a:r>
               <a:rPr lang="en-US" altLang="zh-CN" sz="3600"/>
-              <a:t>1</a:t>
+              <a:t>	</a:t>
             </a:r>
             <a:r>
               <a:rPr lang="zh-CN" altLang="en-US" sz="3600"/>
-              <a:t>分钟，第二轮</a:t>
-            </a:r>
-            <a:r>
-              <a:rPr lang="en-US" altLang="zh-CN" sz="3600"/>
-              <a:t>2</a:t>
-            </a:r>
-            <a:r>
-              <a:rPr lang="zh-CN" altLang="en-US" sz="3600"/>
-              <a:t>分钟</a:t>
-            </a:r>
-            <a:endParaRPr lang="zh-CN" altLang="en-US" sz="3600"/>
-          </a:p>
-          <a:p>
-            <a:r>
-              <a:rPr lang="en-US" altLang="zh-CN" sz="3600"/>
-              <a:t>	2. </a:t>
-            </a:r>
-            <a:r>
-              <a:rPr lang="zh-CN" altLang="en-US" sz="3600"/>
-              <a:t>两只手一只向前抬平，一只向两侧抬平，坚持</a:t>
-            </a:r>
-            <a:r>
-              <a:rPr lang="en-US" altLang="zh-CN" sz="3600"/>
-              <a:t> shijian</a:t>
-            </a:r>
-            <a:r>
-              <a:rPr lang="zh-CN" altLang="en-US" sz="3600"/>
-              <a:t>一定。</a:t>
-            </a:r>
-            <a:endParaRPr lang="zh-CN" altLang="en-US" sz="3600"/>
-          </a:p>
-          <a:p>
-            <a:r>
-              <a:rPr lang="en-US" altLang="zh-CN" sz="3600"/>
-              <a:t>	3. </a:t>
-            </a:r>
-            <a:r>
-              <a:rPr lang="zh-CN" altLang="en-US" sz="3600"/>
-              <a:t>坚持时间最久的人便可以获得奖励</a:t>
+              <a:t>可以获得零食奖励。</a:t>
             </a:r>
             <a:endParaRPr lang="zh-CN" altLang="en-US" sz="3600"/>
           </a:p>

--- a/坚持.pptx
+++ b/坚持.pptx
@@ -5,10 +5,10 @@
     <p:sldMasterId id="2147483648" r:id="rId1"/>
   </p:sldMasterIdLst>
   <p:notesMasterIdLst>
-    <p:notesMasterId r:id="rId14"/>
+    <p:notesMasterId r:id="rId13"/>
   </p:notesMasterIdLst>
   <p:handoutMasterIdLst>
-    <p:handoutMasterId r:id="rId15"/>
+    <p:handoutMasterId r:id="rId14"/>
   </p:handoutMasterIdLst>
   <p:sldIdLst>
     <p:sldId id="256" r:id="rId3"/>
@@ -17,11 +17,10 @@
     <p:sldId id="270" r:id="rId6"/>
     <p:sldId id="268" r:id="rId7"/>
     <p:sldId id="275" r:id="rId8"/>
-    <p:sldId id="274" r:id="rId9"/>
-    <p:sldId id="259" r:id="rId10"/>
-    <p:sldId id="261" r:id="rId11"/>
-    <p:sldId id="277" r:id="rId12"/>
-    <p:sldId id="276" r:id="rId13"/>
+    <p:sldId id="259" r:id="rId9"/>
+    <p:sldId id="261" r:id="rId10"/>
+    <p:sldId id="277" r:id="rId11"/>
+    <p:sldId id="278" r:id="rId12"/>
   </p:sldIdLst>
   <p:sldSz cx="12192000" cy="6858000"/>
   <p:notesSz cx="7103745" cy="10234295"/>
@@ -380,8 +379,8 @@
         </p:nvSpPr>
         <p:spPr>
           <a:xfrm>
-            <a:off x="482600" y="1279525"/>
-            <a:ext cx="6140450" cy="3454400"/>
+            <a:off x="482247" y="1279525"/>
+            <a:ext cx="6141156" cy="3454400"/>
           </a:xfrm>
           <a:prstGeom prst="rect">
             <a:avLst/>
@@ -3798,14 +3797,14 @@
       <p:grpSpPr/>
       <p:sp>
         <p:nvSpPr>
-          <p:cNvPr id="4" name="Text Box 3"/>
+          <p:cNvPr id="5" name="Text Box 4"/>
           <p:cNvSpPr txBox="true"/>
           <p:nvPr/>
         </p:nvSpPr>
         <p:spPr>
           <a:xfrm>
-            <a:off x="1945640" y="2644775"/>
-            <a:ext cx="8571865" cy="1753235"/>
+            <a:off x="3033395" y="2552065"/>
+            <a:ext cx="6125845" cy="1753235"/>
           </a:xfrm>
           <a:prstGeom prst="rect">
             <a:avLst/>
@@ -3817,122 +3816,52 @@
             <a:spAutoFit/>
           </a:bodyPr>
           <a:p>
-            <a:r>
-              <a:rPr lang="en-US" altLang="zh-CN" sz="3600"/>
-              <a:t>1. </a:t>
-            </a:r>
-            <a:r>
-              <a:rPr lang="zh-CN" altLang="en-US" sz="3600"/>
-              <a:t>你从名人身上学到了什么</a:t>
-            </a:r>
-            <a:endParaRPr lang="zh-CN" altLang="en-US" sz="3600"/>
-          </a:p>
-          <a:p>
-            <a:endParaRPr lang="zh-CN" altLang="en-US" sz="3600"/>
-          </a:p>
-          <a:p>
-            <a:r>
-              <a:rPr lang="en-US" altLang="zh-CN" sz="3600"/>
-              <a:t>2. </a:t>
-            </a:r>
-            <a:r>
-              <a:rPr lang="zh-CN" altLang="en-US" sz="3600"/>
-              <a:t>你又如何运用到自己的学习中去</a:t>
-            </a:r>
-            <a:endParaRPr lang="zh-CN" altLang="en-US" sz="3600"/>
-          </a:p>
-        </p:txBody>
-      </p:sp>
-      <p:sp>
-        <p:nvSpPr>
-          <p:cNvPr id="5" name="Text Box 4"/>
-          <p:cNvSpPr txBox="true"/>
-          <p:nvPr/>
-        </p:nvSpPr>
-        <p:spPr>
-          <a:xfrm>
-            <a:off x="1286510" y="794385"/>
-            <a:ext cx="4307205" cy="829945"/>
-          </a:xfrm>
-          <a:prstGeom prst="rect">
-            <a:avLst/>
-          </a:prstGeom>
-          <a:noFill/>
-        </p:spPr>
-        <p:txBody>
-          <a:bodyPr wrap="square" rtlCol="0">
-            <a:spAutoFit/>
-          </a:bodyPr>
-          <a:p>
-            <a:r>
-              <a:rPr lang="zh-CN" altLang="en-US" sz="4800"/>
-              <a:t>分享</a:t>
-            </a:r>
-            <a:endParaRPr lang="zh-CN" altLang="en-US" sz="4800"/>
-          </a:p>
-        </p:txBody>
-      </p:sp>
-    </p:spTree>
-  </p:cSld>
-  <p:clrMapOvr>
-    <a:masterClrMapping/>
-  </p:clrMapOvr>
-</p:sld>
-</file>
-
-<file path=ppt/slides/slide11.xml><?xml version="1.0" encoding="utf-8"?>
-<p:sld xmlns:a="http://schemas.openxmlformats.org/drawingml/2006/main" xmlns:r="http://schemas.openxmlformats.org/officeDocument/2006/relationships" xmlns:p="http://schemas.openxmlformats.org/presentationml/2006/main">
-  <p:cSld>
-    <p:spTree>
-      <p:nvGrpSpPr>
-        <p:cNvPr id="1" name=""/>
-        <p:cNvGrpSpPr/>
-        <p:nvPr/>
-      </p:nvGrpSpPr>
-      <p:grpSpPr/>
-      <p:sp>
-        <p:nvSpPr>
-          <p:cNvPr id="4" name="Text Box 3"/>
-          <p:cNvSpPr txBox="true"/>
-          <p:nvPr/>
-        </p:nvSpPr>
-        <p:spPr>
-          <a:xfrm>
-            <a:off x="2040255" y="2111375"/>
-            <a:ext cx="8112125" cy="1938020"/>
-          </a:xfrm>
-          <a:prstGeom prst="rect">
-            <a:avLst/>
-          </a:prstGeom>
-          <a:noFill/>
-        </p:spPr>
-        <p:txBody>
-          <a:bodyPr wrap="square" rtlCol="0">
-            <a:spAutoFit/>
-          </a:bodyPr>
-          <a:p>
-            <a:pPr algn="ctr"/>
-            <a:r>
-              <a:rPr lang="zh-CN" altLang="en-US" sz="4000"/>
-              <a:t>其实学习上，我们也需要坚持</a:t>
-            </a:r>
-            <a:endParaRPr lang="zh-CN" altLang="en-US" sz="4000"/>
-          </a:p>
-          <a:p>
-            <a:pPr algn="ctr"/>
-            <a:r>
-              <a:rPr lang="zh-CN" altLang="" sz="4000"/>
-              <a:t>所以</a:t>
-            </a:r>
-            <a:endParaRPr lang="zh-CN" altLang="" sz="4000"/>
-          </a:p>
-          <a:p>
-            <a:pPr algn="ctr"/>
-            <a:r>
-              <a:rPr lang="zh-CN" altLang="" sz="4000"/>
-              <a:t>你应该如何坚持下去？</a:t>
-            </a:r>
-            <a:endParaRPr lang="zh-CN" altLang="" sz="4000"/>
+            <a:pPr algn="ctr" fontAlgn="auto">
+              <a:lnSpc>
+                <a:spcPct val="150000"/>
+              </a:lnSpc>
+            </a:pPr>
+            <a:r>
+              <a:rPr lang="zh-CN" altLang="en-US" sz="3600">
+                <a:solidFill>
+                  <a:schemeClr val="accent1">
+                    <a:lumMod val="75000"/>
+                  </a:schemeClr>
+                </a:solidFill>
+              </a:rPr>
+              <a:t>不仅生活上要坚持</a:t>
+            </a:r>
+            <a:endParaRPr lang="zh-CN" altLang="en-US" sz="3600">
+              <a:solidFill>
+                <a:schemeClr val="accent1">
+                  <a:lumMod val="75000"/>
+                </a:schemeClr>
+              </a:solidFill>
+            </a:endParaRPr>
+          </a:p>
+          <a:p>
+            <a:pPr algn="ctr" fontAlgn="auto">
+              <a:lnSpc>
+                <a:spcPct val="150000"/>
+              </a:lnSpc>
+            </a:pPr>
+            <a:r>
+              <a:rPr lang="zh-CN" altLang="en-US" sz="3600">
+                <a:solidFill>
+                  <a:schemeClr val="accent1">
+                    <a:lumMod val="75000"/>
+                  </a:schemeClr>
+                </a:solidFill>
+              </a:rPr>
+              <a:t>学习我们也要坚持</a:t>
+            </a:r>
+            <a:endParaRPr lang="zh-CN" altLang="en-US" sz="3600">
+              <a:solidFill>
+                <a:schemeClr val="accent1">
+                  <a:lumMod val="75000"/>
+                </a:schemeClr>
+              </a:solidFill>
+            </a:endParaRPr>
           </a:p>
         </p:txBody>
       </p:sp>
@@ -3970,9 +3899,26 @@
           <a:p>
             <a:r>
               <a:rPr lang="zh-CN" altLang="en-US" sz="5400">
-                <a:solidFill>
-                  <a:schemeClr val="tx1"/>
-                </a:solidFill>
+                <a:ln/>
+                <a:gradFill>
+                  <a:gsLst>
+                    <a:gs pos="0">
+                      <a:schemeClr val="accent5">
+                        <a:lumMod val="50000"/>
+                      </a:schemeClr>
+                    </a:gs>
+                    <a:gs pos="50000">
+                      <a:schemeClr val="accent5"/>
+                    </a:gs>
+                    <a:gs pos="100000">
+                      <a:schemeClr val="accent5">
+                        <a:lumMod val="60000"/>
+                        <a:lumOff val="40000"/>
+                      </a:schemeClr>
+                    </a:gs>
+                  </a:gsLst>
+                  <a:lin ang="5400000"/>
+                </a:gradFill>
                 <a:effectLst>
                   <a:reflection blurRad="6350" stA="53000" endA="300" endPos="35500" dir="5400000" sy="-90000" algn="bl" rotWithShape="0"/>
                 </a:effectLst>
@@ -3980,9 +3926,26 @@
               <a:t>目录</a:t>
             </a:r>
             <a:endParaRPr lang="zh-CN" altLang="en-US" sz="5400">
-              <a:solidFill>
-                <a:schemeClr val="tx1"/>
-              </a:solidFill>
+              <a:ln/>
+              <a:gradFill>
+                <a:gsLst>
+                  <a:gs pos="0">
+                    <a:schemeClr val="accent5">
+                      <a:lumMod val="50000"/>
+                    </a:schemeClr>
+                  </a:gs>
+                  <a:gs pos="50000">
+                    <a:schemeClr val="accent5"/>
+                  </a:gs>
+                  <a:gs pos="100000">
+                    <a:schemeClr val="accent5">
+                      <a:lumMod val="60000"/>
+                      <a:lumOff val="40000"/>
+                    </a:schemeClr>
+                  </a:gs>
+                </a:gsLst>
+                <a:lin ang="5400000"/>
+              </a:gradFill>
               <a:effectLst>
                 <a:reflection blurRad="6350" stA="53000" endA="300" endPos="35500" dir="5400000" sy="-90000" algn="bl" rotWithShape="0"/>
               </a:effectLst>
@@ -3990,116 +3953,663 @@
           </a:p>
         </p:txBody>
       </p:sp>
-      <p:sp>
-        <p:nvSpPr>
-          <p:cNvPr id="4" name="Text Box 3"/>
-          <p:cNvSpPr txBox="true"/>
+      <p:grpSp>
+        <p:nvGrpSpPr>
+          <p:cNvPr id="25" name="Group 24"/>
+          <p:cNvGrpSpPr/>
           <p:nvPr/>
-        </p:nvSpPr>
-        <p:spPr>
+        </p:nvGrpSpPr>
+        <p:grpSpPr>
           <a:xfrm>
-            <a:off x="1914525" y="1948815"/>
-            <a:ext cx="8362950" cy="2999740"/>
+            <a:off x="2727960" y="2091690"/>
+            <a:ext cx="8656320" cy="2999740"/>
+            <a:chOff x="2553" y="3069"/>
+            <a:chExt cx="13632" cy="4724"/>
           </a:xfrm>
-          <a:prstGeom prst="rect">
-            <a:avLst/>
-          </a:prstGeom>
-          <a:noFill/>
-        </p:spPr>
-        <p:txBody>
-          <a:bodyPr wrap="square" rtlCol="0">
-            <a:spAutoFit/>
-          </a:bodyPr>
-          <a:p>
-            <a:pPr fontAlgn="auto">
-              <a:lnSpc>
-                <a:spcPct val="75000"/>
-              </a:lnSpc>
-            </a:pPr>
-            <a:r>
-              <a:rPr lang="en-US" sz="3600"/>
-              <a:t>1. </a:t>
-            </a:r>
-            <a:r>
-              <a:rPr lang="zh-CN" altLang="en-US" sz="3600"/>
-              <a:t>名人故事</a:t>
-            </a:r>
-            <a:endParaRPr lang="zh-CN" altLang="en-US" sz="3600"/>
-          </a:p>
-          <a:p>
-            <a:pPr fontAlgn="auto">
-              <a:lnSpc>
-                <a:spcPct val="75000"/>
-              </a:lnSpc>
-            </a:pPr>
-            <a:endParaRPr lang="zh-CN" altLang="en-US" sz="3600"/>
-          </a:p>
-          <a:p>
-            <a:pPr fontAlgn="auto">
-              <a:lnSpc>
-                <a:spcPct val="75000"/>
-              </a:lnSpc>
-            </a:pPr>
-            <a:r>
-              <a:rPr lang="en-US" altLang="zh-CN" sz="3600"/>
-              <a:t>	2. </a:t>
-            </a:r>
-            <a:r>
-              <a:rPr lang="zh-CN" altLang="en-US" sz="3600"/>
-              <a:t>一起坚持</a:t>
-            </a:r>
-            <a:endParaRPr lang="zh-CN" altLang="en-US" sz="3600"/>
-          </a:p>
-          <a:p>
-            <a:pPr fontAlgn="auto">
-              <a:lnSpc>
-                <a:spcPct val="75000"/>
-              </a:lnSpc>
-            </a:pPr>
-            <a:endParaRPr lang="en-US" altLang="zh-CN" sz="3600"/>
-          </a:p>
-          <a:p>
-            <a:pPr fontAlgn="auto">
-              <a:lnSpc>
-                <a:spcPct val="75000"/>
-              </a:lnSpc>
-            </a:pPr>
-            <a:r>
-              <a:rPr lang="en-US" altLang="zh-CN" sz="3600"/>
-              <a:t>		3. </a:t>
-            </a:r>
-            <a:r>
-              <a:rPr lang="zh-CN" altLang="en-US" sz="3600"/>
-              <a:t>如何坚持</a:t>
-            </a:r>
-            <a:endParaRPr lang="zh-CN" altLang="en-US" sz="3600"/>
-          </a:p>
-          <a:p>
-            <a:pPr fontAlgn="auto">
-              <a:lnSpc>
-                <a:spcPct val="75000"/>
-              </a:lnSpc>
-            </a:pPr>
-            <a:endParaRPr lang="zh-CN" altLang="en-US" sz="3600"/>
-          </a:p>
-          <a:p>
-            <a:pPr fontAlgn="auto">
-              <a:lnSpc>
-                <a:spcPct val="75000"/>
-              </a:lnSpc>
-            </a:pPr>
-            <a:r>
-              <a:rPr lang="en-US" altLang="zh-CN" sz="3600"/>
-              <a:t>			4. </a:t>
-            </a:r>
-            <a:r>
-              <a:rPr lang="zh-CN" altLang="en-US" sz="3600"/>
-              <a:t>分享坚持</a:t>
-            </a:r>
-            <a:endParaRPr lang="zh-CN" altLang="en-US" sz="3600"/>
-          </a:p>
-        </p:txBody>
-      </p:sp>
+        </p:grpSpPr>
+        <p:sp>
+          <p:nvSpPr>
+            <p:cNvPr id="4" name="Text Box 3"/>
+            <p:cNvSpPr txBox="true"/>
+            <p:nvPr/>
+          </p:nvSpPr>
+          <p:spPr>
+            <a:xfrm>
+              <a:off x="3015" y="3069"/>
+              <a:ext cx="13170" cy="4724"/>
+            </a:xfrm>
+            <a:prstGeom prst="rect">
+              <a:avLst/>
+            </a:prstGeom>
+            <a:noFill/>
+          </p:spPr>
+          <p:txBody>
+            <a:bodyPr wrap="square" rtlCol="0">
+              <a:spAutoFit/>
+            </a:bodyPr>
+            <a:p>
+              <a:pPr fontAlgn="auto">
+                <a:lnSpc>
+                  <a:spcPct val="75000"/>
+                </a:lnSpc>
+              </a:pPr>
+              <a:r>
+                <a:rPr lang="zh-CN" altLang="en-US" sz="3600"/>
+                <a:t>名人故事</a:t>
+              </a:r>
+              <a:endParaRPr lang="zh-CN" altLang="en-US" sz="3600"/>
+            </a:p>
+            <a:p>
+              <a:pPr fontAlgn="auto">
+                <a:lnSpc>
+                  <a:spcPct val="75000"/>
+                </a:lnSpc>
+              </a:pPr>
+              <a:endParaRPr lang="zh-CN" altLang="en-US" sz="3600"/>
+            </a:p>
+            <a:p>
+              <a:pPr fontAlgn="auto">
+                <a:lnSpc>
+                  <a:spcPct val="75000"/>
+                </a:lnSpc>
+              </a:pPr>
+              <a:r>
+                <a:rPr lang="" altLang="zh-CN" sz="3600"/>
+                <a:t>	</a:t>
+              </a:r>
+              <a:r>
+                <a:rPr lang="zh-CN" altLang="en-US" sz="3600"/>
+                <a:t>一起坚持</a:t>
+              </a:r>
+              <a:endParaRPr lang="zh-CN" altLang="en-US" sz="3600"/>
+            </a:p>
+            <a:p>
+              <a:pPr fontAlgn="auto">
+                <a:lnSpc>
+                  <a:spcPct val="75000"/>
+                </a:lnSpc>
+              </a:pPr>
+              <a:endParaRPr lang="en-US" altLang="zh-CN" sz="3600"/>
+            </a:p>
+            <a:p>
+              <a:pPr fontAlgn="auto">
+                <a:lnSpc>
+                  <a:spcPct val="75000"/>
+                </a:lnSpc>
+              </a:pPr>
+              <a:r>
+                <a:rPr lang="" altLang="zh-CN" sz="3600"/>
+                <a:t>		</a:t>
+              </a:r>
+              <a:r>
+                <a:rPr lang="zh-CN" altLang="en-US" sz="3600"/>
+                <a:t>如何坚持</a:t>
+              </a:r>
+              <a:endParaRPr lang="zh-CN" altLang="en-US" sz="3600"/>
+            </a:p>
+            <a:p>
+              <a:pPr fontAlgn="auto">
+                <a:lnSpc>
+                  <a:spcPct val="75000"/>
+                </a:lnSpc>
+              </a:pPr>
+              <a:endParaRPr lang="zh-CN" altLang="en-US" sz="3600"/>
+            </a:p>
+            <a:p>
+              <a:pPr fontAlgn="auto">
+                <a:lnSpc>
+                  <a:spcPct val="75000"/>
+                </a:lnSpc>
+              </a:pPr>
+              <a:r>
+                <a:rPr lang="" altLang="zh-CN" sz="3600"/>
+                <a:t>			</a:t>
+              </a:r>
+              <a:r>
+                <a:rPr lang="zh-CN" altLang="en-US" sz="3600"/>
+                <a:t>分享坚持</a:t>
+              </a:r>
+              <a:endParaRPr lang="zh-CN" altLang="en-US" sz="3600"/>
+            </a:p>
+          </p:txBody>
+        </p:sp>
+        <p:grpSp>
+          <p:nvGrpSpPr>
+            <p:cNvPr id="7" name="Group 6"/>
+            <p:cNvGrpSpPr/>
+            <p:nvPr/>
+          </p:nvGrpSpPr>
+          <p:grpSpPr>
+            <a:xfrm>
+              <a:off x="2553" y="3156"/>
+              <a:ext cx="514" cy="514"/>
+              <a:chOff x="8685" y="660"/>
+              <a:chExt cx="5148" cy="5148"/>
+            </a:xfrm>
+          </p:grpSpPr>
+          <p:sp>
+            <p:nvSpPr>
+              <p:cNvPr id="5" name="Oval 4"/>
+              <p:cNvSpPr/>
+              <p:nvPr/>
+            </p:nvSpPr>
+            <p:spPr>
+              <a:xfrm>
+                <a:off x="8685" y="660"/>
+                <a:ext cx="5148" cy="5148"/>
+              </a:xfrm>
+              <a:prstGeom prst="ellipse">
+                <a:avLst/>
+              </a:prstGeom>
+              <a:gradFill>
+                <a:gsLst>
+                  <a:gs pos="11000">
+                    <a:schemeClr val="accent1">
+                      <a:lumMod val="60000"/>
+                      <a:lumOff val="40000"/>
+                    </a:schemeClr>
+                  </a:gs>
+                  <a:gs pos="100000">
+                    <a:schemeClr val="accent1">
+                      <a:lumMod val="50000"/>
+                    </a:schemeClr>
+                  </a:gs>
+                </a:gsLst>
+                <a:path path="circle">
+                  <a:fillToRect l="50000" t="50000" r="50000" b="50000"/>
+                </a:path>
+                <a:tileRect/>
+              </a:gradFill>
+            </p:spPr>
+            <p:style>
+              <a:lnRef idx="2">
+                <a:schemeClr val="accent1">
+                  <a:shade val="50000"/>
+                </a:schemeClr>
+              </a:lnRef>
+              <a:fillRef idx="1">
+                <a:schemeClr val="accent1"/>
+              </a:fillRef>
+              <a:effectRef idx="0">
+                <a:schemeClr val="accent1"/>
+              </a:effectRef>
+              <a:fontRef idx="minor">
+                <a:schemeClr val="lt1"/>
+              </a:fontRef>
+            </p:style>
+            <p:txBody>
+              <a:bodyPr rtlCol="0" anchor="ctr"/>
+              <a:p>
+                <a:pPr algn="ctr"/>
+                <a:endParaRPr lang="en-US"/>
+              </a:p>
+            </p:txBody>
+          </p:sp>
+          <p:sp>
+            <p:nvSpPr>
+              <p:cNvPr id="6" name="Oval 5"/>
+              <p:cNvSpPr/>
+              <p:nvPr/>
+            </p:nvSpPr>
+            <p:spPr>
+              <a:xfrm>
+                <a:off x="9846" y="1820"/>
+                <a:ext cx="2827" cy="2827"/>
+              </a:xfrm>
+              <a:prstGeom prst="ellipse">
+                <a:avLst/>
+              </a:prstGeom>
+              <a:gradFill>
+                <a:gsLst>
+                  <a:gs pos="20000">
+                    <a:schemeClr val="accent1">
+                      <a:lumMod val="60000"/>
+                      <a:lumOff val="40000"/>
+                    </a:schemeClr>
+                  </a:gs>
+                  <a:gs pos="100000">
+                    <a:schemeClr val="accent1">
+                      <a:lumMod val="75000"/>
+                    </a:schemeClr>
+                  </a:gs>
+                </a:gsLst>
+                <a:path path="circle">
+                  <a:fillToRect l="50000" t="50000" r="50000" b="50000"/>
+                </a:path>
+                <a:tileRect/>
+              </a:gradFill>
+              <a:ln>
+                <a:noFill/>
+              </a:ln>
+            </p:spPr>
+            <p:style>
+              <a:lnRef idx="2">
+                <a:schemeClr val="accent1">
+                  <a:shade val="50000"/>
+                </a:schemeClr>
+              </a:lnRef>
+              <a:fillRef idx="1">
+                <a:schemeClr val="accent1"/>
+              </a:fillRef>
+              <a:effectRef idx="0">
+                <a:schemeClr val="accent1"/>
+              </a:effectRef>
+              <a:fontRef idx="minor">
+                <a:schemeClr val="lt1"/>
+              </a:fontRef>
+            </p:style>
+            <p:txBody>
+              <a:bodyPr rtlCol="0" anchor="ctr"/>
+              <a:p>
+                <a:pPr algn="ctr"/>
+                <a:endParaRPr lang="en-US"/>
+              </a:p>
+            </p:txBody>
+          </p:sp>
+        </p:grpSp>
+        <p:grpSp>
+          <p:nvGrpSpPr>
+            <p:cNvPr id="12" name="Group 11"/>
+            <p:cNvGrpSpPr/>
+            <p:nvPr/>
+          </p:nvGrpSpPr>
+          <p:grpSpPr>
+            <a:xfrm>
+              <a:off x="4035" y="4470"/>
+              <a:ext cx="514" cy="514"/>
+              <a:chOff x="8685" y="660"/>
+              <a:chExt cx="5148" cy="5148"/>
+            </a:xfrm>
+          </p:grpSpPr>
+          <p:sp>
+            <p:nvSpPr>
+              <p:cNvPr id="13" name="Oval 12"/>
+              <p:cNvSpPr/>
+              <p:nvPr/>
+            </p:nvSpPr>
+            <p:spPr>
+              <a:xfrm>
+                <a:off x="8685" y="660"/>
+                <a:ext cx="5148" cy="5148"/>
+              </a:xfrm>
+              <a:prstGeom prst="ellipse">
+                <a:avLst/>
+              </a:prstGeom>
+              <a:gradFill>
+                <a:gsLst>
+                  <a:gs pos="11000">
+                    <a:schemeClr val="accent1">
+                      <a:lumMod val="60000"/>
+                      <a:lumOff val="40000"/>
+                    </a:schemeClr>
+                  </a:gs>
+                  <a:gs pos="100000">
+                    <a:schemeClr val="accent1">
+                      <a:lumMod val="50000"/>
+                    </a:schemeClr>
+                  </a:gs>
+                </a:gsLst>
+                <a:path path="circle">
+                  <a:fillToRect l="50000" t="50000" r="50000" b="50000"/>
+                </a:path>
+                <a:tileRect/>
+              </a:gradFill>
+            </p:spPr>
+            <p:style>
+              <a:lnRef idx="2">
+                <a:schemeClr val="accent1">
+                  <a:shade val="50000"/>
+                </a:schemeClr>
+              </a:lnRef>
+              <a:fillRef idx="1">
+                <a:schemeClr val="accent1"/>
+              </a:fillRef>
+              <a:effectRef idx="0">
+                <a:schemeClr val="accent1"/>
+              </a:effectRef>
+              <a:fontRef idx="minor">
+                <a:schemeClr val="lt1"/>
+              </a:fontRef>
+            </p:style>
+            <p:txBody>
+              <a:bodyPr rtlCol="0" anchor="ctr"/>
+              <a:p>
+                <a:pPr algn="ctr"/>
+                <a:endParaRPr lang="en-US"/>
+              </a:p>
+            </p:txBody>
+          </p:sp>
+          <p:sp>
+            <p:nvSpPr>
+              <p:cNvPr id="14" name="Oval 13"/>
+              <p:cNvSpPr/>
+              <p:nvPr/>
+            </p:nvSpPr>
+            <p:spPr>
+              <a:xfrm>
+                <a:off x="9846" y="1820"/>
+                <a:ext cx="2827" cy="2827"/>
+              </a:xfrm>
+              <a:prstGeom prst="ellipse">
+                <a:avLst/>
+              </a:prstGeom>
+              <a:gradFill>
+                <a:gsLst>
+                  <a:gs pos="20000">
+                    <a:schemeClr val="accent1">
+                      <a:lumMod val="60000"/>
+                      <a:lumOff val="40000"/>
+                    </a:schemeClr>
+                  </a:gs>
+                  <a:gs pos="100000">
+                    <a:schemeClr val="accent1">
+                      <a:lumMod val="75000"/>
+                    </a:schemeClr>
+                  </a:gs>
+                </a:gsLst>
+                <a:path path="circle">
+                  <a:fillToRect l="50000" t="50000" r="50000" b="50000"/>
+                </a:path>
+                <a:tileRect/>
+              </a:gradFill>
+              <a:ln>
+                <a:noFill/>
+              </a:ln>
+            </p:spPr>
+            <p:style>
+              <a:lnRef idx="2">
+                <a:schemeClr val="accent1">
+                  <a:shade val="50000"/>
+                </a:schemeClr>
+              </a:lnRef>
+              <a:fillRef idx="1">
+                <a:schemeClr val="accent1"/>
+              </a:fillRef>
+              <a:effectRef idx="0">
+                <a:schemeClr val="accent1"/>
+              </a:effectRef>
+              <a:fontRef idx="minor">
+                <a:schemeClr val="lt1"/>
+              </a:fontRef>
+            </p:style>
+            <p:txBody>
+              <a:bodyPr rtlCol="0" anchor="ctr"/>
+              <a:p>
+                <a:pPr algn="ctr"/>
+                <a:endParaRPr lang="en-US"/>
+              </a:p>
+            </p:txBody>
+          </p:sp>
+        </p:grpSp>
+        <p:grpSp>
+          <p:nvGrpSpPr>
+            <p:cNvPr id="15" name="Group 14"/>
+            <p:cNvGrpSpPr/>
+            <p:nvPr/>
+          </p:nvGrpSpPr>
+          <p:grpSpPr>
+            <a:xfrm>
+              <a:off x="5467" y="5766"/>
+              <a:ext cx="514" cy="514"/>
+              <a:chOff x="8685" y="660"/>
+              <a:chExt cx="5148" cy="5148"/>
+            </a:xfrm>
+          </p:grpSpPr>
+          <p:sp>
+            <p:nvSpPr>
+              <p:cNvPr id="16" name="Oval 15"/>
+              <p:cNvSpPr/>
+              <p:nvPr/>
+            </p:nvSpPr>
+            <p:spPr>
+              <a:xfrm>
+                <a:off x="8685" y="660"/>
+                <a:ext cx="5148" cy="5148"/>
+              </a:xfrm>
+              <a:prstGeom prst="ellipse">
+                <a:avLst/>
+              </a:prstGeom>
+              <a:gradFill>
+                <a:gsLst>
+                  <a:gs pos="11000">
+                    <a:schemeClr val="accent1">
+                      <a:lumMod val="60000"/>
+                      <a:lumOff val="40000"/>
+                    </a:schemeClr>
+                  </a:gs>
+                  <a:gs pos="100000">
+                    <a:schemeClr val="accent1">
+                      <a:lumMod val="50000"/>
+                    </a:schemeClr>
+                  </a:gs>
+                </a:gsLst>
+                <a:path path="circle">
+                  <a:fillToRect l="50000" t="50000" r="50000" b="50000"/>
+                </a:path>
+                <a:tileRect/>
+              </a:gradFill>
+            </p:spPr>
+            <p:style>
+              <a:lnRef idx="2">
+                <a:schemeClr val="accent1">
+                  <a:shade val="50000"/>
+                </a:schemeClr>
+              </a:lnRef>
+              <a:fillRef idx="1">
+                <a:schemeClr val="accent1"/>
+              </a:fillRef>
+              <a:effectRef idx="0">
+                <a:schemeClr val="accent1"/>
+              </a:effectRef>
+              <a:fontRef idx="minor">
+                <a:schemeClr val="lt1"/>
+              </a:fontRef>
+            </p:style>
+            <p:txBody>
+              <a:bodyPr rtlCol="0" anchor="ctr"/>
+              <a:p>
+                <a:pPr algn="ctr"/>
+                <a:endParaRPr lang="en-US"/>
+              </a:p>
+            </p:txBody>
+          </p:sp>
+          <p:sp>
+            <p:nvSpPr>
+              <p:cNvPr id="17" name="Oval 16"/>
+              <p:cNvSpPr/>
+              <p:nvPr/>
+            </p:nvSpPr>
+            <p:spPr>
+              <a:xfrm>
+                <a:off x="9846" y="1820"/>
+                <a:ext cx="2827" cy="2827"/>
+              </a:xfrm>
+              <a:prstGeom prst="ellipse">
+                <a:avLst/>
+              </a:prstGeom>
+              <a:gradFill>
+                <a:gsLst>
+                  <a:gs pos="20000">
+                    <a:schemeClr val="accent1">
+                      <a:lumMod val="60000"/>
+                      <a:lumOff val="40000"/>
+                    </a:schemeClr>
+                  </a:gs>
+                  <a:gs pos="100000">
+                    <a:schemeClr val="accent1">
+                      <a:lumMod val="75000"/>
+                    </a:schemeClr>
+                  </a:gs>
+                </a:gsLst>
+                <a:path path="circle">
+                  <a:fillToRect l="50000" t="50000" r="50000" b="50000"/>
+                </a:path>
+                <a:tileRect/>
+              </a:gradFill>
+              <a:ln>
+                <a:noFill/>
+              </a:ln>
+            </p:spPr>
+            <p:style>
+              <a:lnRef idx="2">
+                <a:schemeClr val="accent1">
+                  <a:shade val="50000"/>
+                </a:schemeClr>
+              </a:lnRef>
+              <a:fillRef idx="1">
+                <a:schemeClr val="accent1"/>
+              </a:fillRef>
+              <a:effectRef idx="0">
+                <a:schemeClr val="accent1"/>
+              </a:effectRef>
+              <a:fontRef idx="minor">
+                <a:schemeClr val="lt1"/>
+              </a:fontRef>
+            </p:style>
+            <p:txBody>
+              <a:bodyPr rtlCol="0" anchor="ctr"/>
+              <a:p>
+                <a:pPr algn="ctr"/>
+                <a:endParaRPr lang="en-US"/>
+              </a:p>
+            </p:txBody>
+          </p:sp>
+        </p:grpSp>
+        <p:grpSp>
+          <p:nvGrpSpPr>
+            <p:cNvPr id="22" name="Group 21"/>
+            <p:cNvGrpSpPr/>
+            <p:nvPr/>
+          </p:nvGrpSpPr>
+          <p:grpSpPr>
+            <a:xfrm>
+              <a:off x="6949" y="7048"/>
+              <a:ext cx="514" cy="514"/>
+              <a:chOff x="8685" y="660"/>
+              <a:chExt cx="5148" cy="5148"/>
+            </a:xfrm>
+          </p:grpSpPr>
+          <p:sp>
+            <p:nvSpPr>
+              <p:cNvPr id="23" name="Oval 22"/>
+              <p:cNvSpPr/>
+              <p:nvPr/>
+            </p:nvSpPr>
+            <p:spPr>
+              <a:xfrm>
+                <a:off x="8685" y="660"/>
+                <a:ext cx="5148" cy="5148"/>
+              </a:xfrm>
+              <a:prstGeom prst="ellipse">
+                <a:avLst/>
+              </a:prstGeom>
+              <a:gradFill>
+                <a:gsLst>
+                  <a:gs pos="11000">
+                    <a:schemeClr val="accent1">
+                      <a:lumMod val="60000"/>
+                      <a:lumOff val="40000"/>
+                    </a:schemeClr>
+                  </a:gs>
+                  <a:gs pos="100000">
+                    <a:schemeClr val="accent1">
+                      <a:lumMod val="50000"/>
+                    </a:schemeClr>
+                  </a:gs>
+                </a:gsLst>
+                <a:path path="circle">
+                  <a:fillToRect l="50000" t="50000" r="50000" b="50000"/>
+                </a:path>
+                <a:tileRect/>
+              </a:gradFill>
+            </p:spPr>
+            <p:style>
+              <a:lnRef idx="2">
+                <a:schemeClr val="accent1">
+                  <a:shade val="50000"/>
+                </a:schemeClr>
+              </a:lnRef>
+              <a:fillRef idx="1">
+                <a:schemeClr val="accent1"/>
+              </a:fillRef>
+              <a:effectRef idx="0">
+                <a:schemeClr val="accent1"/>
+              </a:effectRef>
+              <a:fontRef idx="minor">
+                <a:schemeClr val="lt1"/>
+              </a:fontRef>
+            </p:style>
+            <p:txBody>
+              <a:bodyPr rtlCol="0" anchor="ctr"/>
+              <a:p>
+                <a:pPr algn="ctr"/>
+                <a:endParaRPr lang="en-US"/>
+              </a:p>
+            </p:txBody>
+          </p:sp>
+          <p:sp>
+            <p:nvSpPr>
+              <p:cNvPr id="24" name="Oval 23"/>
+              <p:cNvSpPr/>
+              <p:nvPr/>
+            </p:nvSpPr>
+            <p:spPr>
+              <a:xfrm>
+                <a:off x="9846" y="1820"/>
+                <a:ext cx="2827" cy="2827"/>
+              </a:xfrm>
+              <a:prstGeom prst="ellipse">
+                <a:avLst/>
+              </a:prstGeom>
+              <a:gradFill>
+                <a:gsLst>
+                  <a:gs pos="20000">
+                    <a:schemeClr val="accent1">
+                      <a:lumMod val="60000"/>
+                      <a:lumOff val="40000"/>
+                    </a:schemeClr>
+                  </a:gs>
+                  <a:gs pos="100000">
+                    <a:schemeClr val="accent1">
+                      <a:lumMod val="75000"/>
+                    </a:schemeClr>
+                  </a:gs>
+                </a:gsLst>
+                <a:path path="circle">
+                  <a:fillToRect l="50000" t="50000" r="50000" b="50000"/>
+                </a:path>
+                <a:tileRect/>
+              </a:gradFill>
+              <a:ln>
+                <a:noFill/>
+              </a:ln>
+            </p:spPr>
+            <p:style>
+              <a:lnRef idx="2">
+                <a:schemeClr val="accent1">
+                  <a:shade val="50000"/>
+                </a:schemeClr>
+              </a:lnRef>
+              <a:fillRef idx="1">
+                <a:schemeClr val="accent1"/>
+              </a:fillRef>
+              <a:effectRef idx="0">
+                <a:schemeClr val="accent1"/>
+              </a:effectRef>
+              <a:fontRef idx="minor">
+                <a:schemeClr val="lt1"/>
+              </a:fontRef>
+            </p:style>
+            <p:txBody>
+              <a:bodyPr rtlCol="0" anchor="ctr"/>
+              <a:p>
+                <a:pPr algn="ctr"/>
+                <a:endParaRPr lang="en-US"/>
+              </a:p>
+            </p:txBody>
+          </p:sp>
+        </p:grpSp>
+      </p:grpSp>
     </p:spTree>
   </p:cSld>
   <p:clrMapOvr>
@@ -4132,24 +4642,20 @@
                             </p:stCondLst>
                             <p:childTnLst>
                               <p:par>
-                                <p:cTn id="5" presetID="47" presetClass="entr" presetSubtype="0" fill="hold" nodeType="afterEffect">
+                                <p:cTn id="5" presetID="14" presetClass="entr" presetSubtype="5" fill="hold" nodeType="afterEffect">
                                   <p:stCondLst>
                                     <p:cond delay="0"/>
                                   </p:stCondLst>
                                   <p:childTnLst>
                                     <p:set>
                                       <p:cBhvr>
-                                        <p:cTn id="6" dur="1" fill="hold">
+                                        <p:cTn id="6" dur="1000" fill="hold">
                                           <p:stCondLst>
                                             <p:cond delay="0"/>
                                           </p:stCondLst>
                                         </p:cTn>
                                         <p:tgtEl>
-                                          <p:spTgt spid="4">
-                                            <p:txEl>
-                                              <p:pRg st="0" end="0"/>
-                                            </p:txEl>
-                                          </p:spTgt>
+                                          <p:spTgt spid="25"/>
                                         </p:tgtEl>
                                         <p:attrNameLst>
                                           <p:attrName>style.visibility</p:attrName>
@@ -4159,390 +4665,14 @@
                                         <p:strVal val="visible"/>
                                       </p:to>
                                     </p:set>
-                                    <p:animEffect transition="in" filter="fade">
+                                    <p:animEffect transition="in" filter="randombar(vertical)">
                                       <p:cBhvr>
                                         <p:cTn id="7" dur="1000"/>
                                         <p:tgtEl>
-                                          <p:spTgt spid="4">
-                                            <p:txEl>
-                                              <p:pRg st="0" end="0"/>
-                                            </p:txEl>
-                                          </p:spTgt>
+                                          <p:spTgt spid="25"/>
                                         </p:tgtEl>
                                       </p:cBhvr>
                                     </p:animEffect>
-                                    <p:anim calcmode="lin" valueType="num">
-                                      <p:cBhvr>
-                                        <p:cTn id="8" dur="1000" fill="hold"/>
-                                        <p:tgtEl>
-                                          <p:spTgt spid="4">
-                                            <p:txEl>
-                                              <p:pRg st="0" end="0"/>
-                                            </p:txEl>
-                                          </p:spTgt>
-                                        </p:tgtEl>
-                                        <p:attrNameLst>
-                                          <p:attrName>ppt_x</p:attrName>
-                                        </p:attrNameLst>
-                                      </p:cBhvr>
-                                      <p:tavLst>
-                                        <p:tav tm="0">
-                                          <p:val>
-                                            <p:strVal val="#ppt_x"/>
-                                          </p:val>
-                                        </p:tav>
-                                        <p:tav tm="100000">
-                                          <p:val>
-                                            <p:strVal val="#ppt_x"/>
-                                          </p:val>
-                                        </p:tav>
-                                      </p:tavLst>
-                                    </p:anim>
-                                    <p:anim calcmode="lin" valueType="num">
-                                      <p:cBhvr>
-                                        <p:cTn id="9" dur="1000" fill="hold"/>
-                                        <p:tgtEl>
-                                          <p:spTgt spid="4">
-                                            <p:txEl>
-                                              <p:pRg st="0" end="0"/>
-                                            </p:txEl>
-                                          </p:spTgt>
-                                        </p:tgtEl>
-                                        <p:attrNameLst>
-                                          <p:attrName>ppt_y</p:attrName>
-                                        </p:attrNameLst>
-                                      </p:cBhvr>
-                                      <p:tavLst>
-                                        <p:tav tm="0">
-                                          <p:val>
-                                            <p:strVal val="#ppt_y-.1"/>
-                                          </p:val>
-                                        </p:tav>
-                                        <p:tav tm="100000">
-                                          <p:val>
-                                            <p:strVal val="#ppt_y"/>
-                                          </p:val>
-                                        </p:tav>
-                                      </p:tavLst>
-                                    </p:anim>
-                                  </p:childTnLst>
-                                </p:cTn>
-                              </p:par>
-                            </p:childTnLst>
-                          </p:cTn>
-                        </p:par>
-                        <p:par>
-                          <p:cTn id="10" fill="hold">
-                            <p:stCondLst>
-                              <p:cond delay="1000"/>
-                            </p:stCondLst>
-                            <p:childTnLst>
-                              <p:par>
-                                <p:cTn id="11" presetID="47" presetClass="entr" presetSubtype="0" fill="hold" nodeType="afterEffect">
-                                  <p:stCondLst>
-                                    <p:cond delay="0"/>
-                                  </p:stCondLst>
-                                  <p:childTnLst>
-                                    <p:set>
-                                      <p:cBhvr>
-                                        <p:cTn id="12" dur="1" fill="hold">
-                                          <p:stCondLst>
-                                            <p:cond delay="0"/>
-                                          </p:stCondLst>
-                                        </p:cTn>
-                                        <p:tgtEl>
-                                          <p:spTgt spid="4">
-                                            <p:txEl>
-                                              <p:pRg st="2" end="2"/>
-                                            </p:txEl>
-                                          </p:spTgt>
-                                        </p:tgtEl>
-                                        <p:attrNameLst>
-                                          <p:attrName>style.visibility</p:attrName>
-                                        </p:attrNameLst>
-                                      </p:cBhvr>
-                                      <p:to>
-                                        <p:strVal val="visible"/>
-                                      </p:to>
-                                    </p:set>
-                                    <p:animEffect transition="in" filter="fade">
-                                      <p:cBhvr>
-                                        <p:cTn id="13" dur="1000"/>
-                                        <p:tgtEl>
-                                          <p:spTgt spid="4">
-                                            <p:txEl>
-                                              <p:pRg st="2" end="2"/>
-                                            </p:txEl>
-                                          </p:spTgt>
-                                        </p:tgtEl>
-                                      </p:cBhvr>
-                                    </p:animEffect>
-                                    <p:anim calcmode="lin" valueType="num">
-                                      <p:cBhvr>
-                                        <p:cTn id="14" dur="1000" fill="hold"/>
-                                        <p:tgtEl>
-                                          <p:spTgt spid="4">
-                                            <p:txEl>
-                                              <p:pRg st="2" end="2"/>
-                                            </p:txEl>
-                                          </p:spTgt>
-                                        </p:tgtEl>
-                                        <p:attrNameLst>
-                                          <p:attrName>ppt_x</p:attrName>
-                                        </p:attrNameLst>
-                                      </p:cBhvr>
-                                      <p:tavLst>
-                                        <p:tav tm="0">
-                                          <p:val>
-                                            <p:strVal val="#ppt_x"/>
-                                          </p:val>
-                                        </p:tav>
-                                        <p:tav tm="100000">
-                                          <p:val>
-                                            <p:strVal val="#ppt_x"/>
-                                          </p:val>
-                                        </p:tav>
-                                      </p:tavLst>
-                                    </p:anim>
-                                    <p:anim calcmode="lin" valueType="num">
-                                      <p:cBhvr>
-                                        <p:cTn id="15" dur="1000" fill="hold"/>
-                                        <p:tgtEl>
-                                          <p:spTgt spid="4">
-                                            <p:txEl>
-                                              <p:pRg st="2" end="2"/>
-                                            </p:txEl>
-                                          </p:spTgt>
-                                        </p:tgtEl>
-                                        <p:attrNameLst>
-                                          <p:attrName>ppt_y</p:attrName>
-                                        </p:attrNameLst>
-                                      </p:cBhvr>
-                                      <p:tavLst>
-                                        <p:tav tm="0">
-                                          <p:val>
-                                            <p:strVal val="#ppt_y-.1"/>
-                                          </p:val>
-                                        </p:tav>
-                                        <p:tav tm="100000">
-                                          <p:val>
-                                            <p:strVal val="#ppt_y"/>
-                                          </p:val>
-                                        </p:tav>
-                                      </p:tavLst>
-                                    </p:anim>
-                                  </p:childTnLst>
-                                </p:cTn>
-                              </p:par>
-                            </p:childTnLst>
-                          </p:cTn>
-                        </p:par>
-                        <p:par>
-                          <p:cTn id="16" fill="hold">
-                            <p:stCondLst>
-                              <p:cond delay="2000"/>
-                            </p:stCondLst>
-                            <p:childTnLst>
-                              <p:par>
-                                <p:cTn id="17" presetID="47" presetClass="entr" presetSubtype="0" fill="hold" nodeType="afterEffect">
-                                  <p:stCondLst>
-                                    <p:cond delay="0"/>
-                                  </p:stCondLst>
-                                  <p:childTnLst>
-                                    <p:set>
-                                      <p:cBhvr>
-                                        <p:cTn id="18" dur="1" fill="hold">
-                                          <p:stCondLst>
-                                            <p:cond delay="0"/>
-                                          </p:stCondLst>
-                                        </p:cTn>
-                                        <p:tgtEl>
-                                          <p:spTgt spid="4">
-                                            <p:txEl>
-                                              <p:pRg st="4" end="4"/>
-                                            </p:txEl>
-                                          </p:spTgt>
-                                        </p:tgtEl>
-                                        <p:attrNameLst>
-                                          <p:attrName>style.visibility</p:attrName>
-                                        </p:attrNameLst>
-                                      </p:cBhvr>
-                                      <p:to>
-                                        <p:strVal val="visible"/>
-                                      </p:to>
-                                    </p:set>
-                                    <p:animEffect transition="in" filter="fade">
-                                      <p:cBhvr>
-                                        <p:cTn id="19" dur="1000"/>
-                                        <p:tgtEl>
-                                          <p:spTgt spid="4">
-                                            <p:txEl>
-                                              <p:pRg st="4" end="4"/>
-                                            </p:txEl>
-                                          </p:spTgt>
-                                        </p:tgtEl>
-                                      </p:cBhvr>
-                                    </p:animEffect>
-                                    <p:anim calcmode="lin" valueType="num">
-                                      <p:cBhvr>
-                                        <p:cTn id="20" dur="1000" fill="hold"/>
-                                        <p:tgtEl>
-                                          <p:spTgt spid="4">
-                                            <p:txEl>
-                                              <p:pRg st="4" end="4"/>
-                                            </p:txEl>
-                                          </p:spTgt>
-                                        </p:tgtEl>
-                                        <p:attrNameLst>
-                                          <p:attrName>ppt_x</p:attrName>
-                                        </p:attrNameLst>
-                                      </p:cBhvr>
-                                      <p:tavLst>
-                                        <p:tav tm="0">
-                                          <p:val>
-                                            <p:strVal val="#ppt_x"/>
-                                          </p:val>
-                                        </p:tav>
-                                        <p:tav tm="100000">
-                                          <p:val>
-                                            <p:strVal val="#ppt_x"/>
-                                          </p:val>
-                                        </p:tav>
-                                      </p:tavLst>
-                                    </p:anim>
-                                    <p:anim calcmode="lin" valueType="num">
-                                      <p:cBhvr>
-                                        <p:cTn id="21" dur="1000" fill="hold"/>
-                                        <p:tgtEl>
-                                          <p:spTgt spid="4">
-                                            <p:txEl>
-                                              <p:pRg st="4" end="4"/>
-                                            </p:txEl>
-                                          </p:spTgt>
-                                        </p:tgtEl>
-                                        <p:attrNameLst>
-                                          <p:attrName>ppt_y</p:attrName>
-                                        </p:attrNameLst>
-                                      </p:cBhvr>
-                                      <p:tavLst>
-                                        <p:tav tm="0">
-                                          <p:val>
-                                            <p:strVal val="#ppt_y-.1"/>
-                                          </p:val>
-                                        </p:tav>
-                                        <p:tav tm="100000">
-                                          <p:val>
-                                            <p:strVal val="#ppt_y"/>
-                                          </p:val>
-                                        </p:tav>
-                                      </p:tavLst>
-                                    </p:anim>
-                                  </p:childTnLst>
-                                </p:cTn>
-                              </p:par>
-                            </p:childTnLst>
-                          </p:cTn>
-                        </p:par>
-                        <p:par>
-                          <p:cTn id="22" fill="hold">
-                            <p:stCondLst>
-                              <p:cond delay="3000"/>
-                            </p:stCondLst>
-                            <p:childTnLst>
-                              <p:par>
-                                <p:cTn id="23" presetID="47" presetClass="entr" presetSubtype="0" fill="hold" nodeType="afterEffect">
-                                  <p:stCondLst>
-                                    <p:cond delay="0"/>
-                                  </p:stCondLst>
-                                  <p:childTnLst>
-                                    <p:set>
-                                      <p:cBhvr>
-                                        <p:cTn id="24" dur="1" fill="hold">
-                                          <p:stCondLst>
-                                            <p:cond delay="0"/>
-                                          </p:stCondLst>
-                                        </p:cTn>
-                                        <p:tgtEl>
-                                          <p:spTgt spid="4">
-                                            <p:txEl>
-                                              <p:pRg st="6" end="6"/>
-                                            </p:txEl>
-                                          </p:spTgt>
-                                        </p:tgtEl>
-                                        <p:attrNameLst>
-                                          <p:attrName>style.visibility</p:attrName>
-                                        </p:attrNameLst>
-                                      </p:cBhvr>
-                                      <p:to>
-                                        <p:strVal val="visible"/>
-                                      </p:to>
-                                    </p:set>
-                                    <p:animEffect transition="in" filter="fade">
-                                      <p:cBhvr>
-                                        <p:cTn id="25" dur="1000"/>
-                                        <p:tgtEl>
-                                          <p:spTgt spid="4">
-                                            <p:txEl>
-                                              <p:pRg st="6" end="6"/>
-                                            </p:txEl>
-                                          </p:spTgt>
-                                        </p:tgtEl>
-                                      </p:cBhvr>
-                                    </p:animEffect>
-                                    <p:anim calcmode="lin" valueType="num">
-                                      <p:cBhvr>
-                                        <p:cTn id="26" dur="1000" fill="hold"/>
-                                        <p:tgtEl>
-                                          <p:spTgt spid="4">
-                                            <p:txEl>
-                                              <p:pRg st="6" end="6"/>
-                                            </p:txEl>
-                                          </p:spTgt>
-                                        </p:tgtEl>
-                                        <p:attrNameLst>
-                                          <p:attrName>ppt_x</p:attrName>
-                                        </p:attrNameLst>
-                                      </p:cBhvr>
-                                      <p:tavLst>
-                                        <p:tav tm="0">
-                                          <p:val>
-                                            <p:strVal val="#ppt_x"/>
-                                          </p:val>
-                                        </p:tav>
-                                        <p:tav tm="100000">
-                                          <p:val>
-                                            <p:strVal val="#ppt_x"/>
-                                          </p:val>
-                                        </p:tav>
-                                      </p:tavLst>
-                                    </p:anim>
-                                    <p:anim calcmode="lin" valueType="num">
-                                      <p:cBhvr>
-                                        <p:cTn id="27" dur="1000" fill="hold"/>
-                                        <p:tgtEl>
-                                          <p:spTgt spid="4">
-                                            <p:txEl>
-                                              <p:pRg st="6" end="6"/>
-                                            </p:txEl>
-                                          </p:spTgt>
-                                        </p:tgtEl>
-                                        <p:attrNameLst>
-                                          <p:attrName>ppt_y</p:attrName>
-                                        </p:attrNameLst>
-                                      </p:cBhvr>
-                                      <p:tavLst>
-                                        <p:tav tm="0">
-                                          <p:val>
-                                            <p:strVal val="#ppt_y-.1"/>
-                                          </p:val>
-                                        </p:tav>
-                                        <p:tav tm="100000">
-                                          <p:val>
-                                            <p:strVal val="#ppt_y"/>
-                                          </p:val>
-                                        </p:tav>
-                                      </p:tavLst>
-                                    </p:anim>
                                   </p:childTnLst>
                                 </p:cTn>
                               </p:par>
@@ -4596,7 +4726,7 @@
         <p:spPr>
           <a:xfrm>
             <a:off x="638175" y="542925"/>
-            <a:ext cx="5164455" cy="706755"/>
+            <a:ext cx="5164455" cy="768350"/>
           </a:xfrm>
           <a:prstGeom prst="rect">
             <a:avLst/>
@@ -4609,67 +4739,114 @@
           </a:bodyPr>
           <a:p>
             <a:r>
-              <a:rPr lang="zh-CN" altLang="en-US" sz="4000" b="1">
+              <a:rPr lang="zh-CN" altLang="en-US" sz="4400" b="1">
+                <a:ln/>
                 <a:gradFill>
                   <a:gsLst>
-                    <a:gs pos="21000">
-                      <a:srgbClr val="53575C"/>
+                    <a:gs pos="0">
+                      <a:schemeClr val="accent5">
+                        <a:lumMod val="50000"/>
+                      </a:schemeClr>
                     </a:gs>
-                    <a:gs pos="90000">
-                      <a:srgbClr val="C5C7CA">
-                        <a:alpha val="100000"/>
-                        <a:lumMod val="58000"/>
-                      </a:srgbClr>
+                    <a:gs pos="50000">
+                      <a:schemeClr val="accent5"/>
+                    </a:gs>
+                    <a:gs pos="100000">
+                      <a:schemeClr val="accent5">
+                        <a:lumMod val="60000"/>
+                        <a:lumOff val="40000"/>
+                      </a:schemeClr>
                     </a:gs>
                   </a:gsLst>
                   <a:lin ang="5400000"/>
                 </a:gradFill>
-                <a:effectLst/>
+                <a:effectLst>
+                  <a:reflection blurRad="6350" stA="53000" endA="300" endPos="35500" dir="5400000" sy="-90000" algn="bl" rotWithShape="0"/>
+                </a:effectLst>
               </a:rPr>
               <a:t>海伦</a:t>
             </a:r>
             <a:r>
-              <a:rPr lang="en-US" sz="4000" b="1">
-                <a:sym typeface="+mn-ea"/>
-              </a:rPr>
-              <a:t>·</a:t>
-            </a:r>
-            <a:r>
-              <a:rPr lang="zh-CN" altLang="en-US" sz="4000" b="1">
+              <a:rPr lang="en-US" sz="4400" b="1">
+                <a:ln/>
                 <a:gradFill>
                   <a:gsLst>
-                    <a:gs pos="21000">
-                      <a:srgbClr val="53575C"/>
+                    <a:gs pos="0">
+                      <a:schemeClr val="accent5">
+                        <a:lumMod val="50000"/>
+                      </a:schemeClr>
                     </a:gs>
-                    <a:gs pos="90000">
-                      <a:srgbClr val="C5C7CA">
-                        <a:alpha val="100000"/>
-                        <a:lumMod val="58000"/>
-                      </a:srgbClr>
+                    <a:gs pos="50000">
+                      <a:schemeClr val="accent5"/>
+                    </a:gs>
+                    <a:gs pos="100000">
+                      <a:schemeClr val="accent5">
+                        <a:lumMod val="60000"/>
+                        <a:lumOff val="40000"/>
+                      </a:schemeClr>
                     </a:gs>
                   </a:gsLst>
                   <a:lin ang="5400000"/>
                 </a:gradFill>
-                <a:effectLst/>
+                <a:effectLst>
+                  <a:reflection blurRad="6350" stA="53000" endA="300" endPos="35500" dir="5400000" sy="-90000" algn="bl" rotWithShape="0"/>
+                </a:effectLst>
+                <a:sym typeface="+mn-ea"/>
+              </a:rPr>
+              <a:t>·</a:t>
+            </a:r>
+            <a:r>
+              <a:rPr lang="zh-CN" altLang="en-US" sz="4400" b="1">
+                <a:ln/>
+                <a:gradFill>
+                  <a:gsLst>
+                    <a:gs pos="0">
+                      <a:schemeClr val="accent5">
+                        <a:lumMod val="50000"/>
+                      </a:schemeClr>
+                    </a:gs>
+                    <a:gs pos="50000">
+                      <a:schemeClr val="accent5"/>
+                    </a:gs>
+                    <a:gs pos="100000">
+                      <a:schemeClr val="accent5">
+                        <a:lumMod val="60000"/>
+                        <a:lumOff val="40000"/>
+                      </a:schemeClr>
+                    </a:gs>
+                  </a:gsLst>
+                  <a:lin ang="5400000"/>
+                </a:gradFill>
+                <a:effectLst>
+                  <a:reflection blurRad="6350" stA="53000" endA="300" endPos="35500" dir="5400000" sy="-90000" algn="bl" rotWithShape="0"/>
+                </a:effectLst>
               </a:rPr>
               <a:t>凯勒</a:t>
             </a:r>
-            <a:endParaRPr lang="zh-CN" altLang="en-US" sz="4000" b="1">
+            <a:endParaRPr lang="zh-CN" altLang="en-US" sz="4400" b="1">
+              <a:ln/>
               <a:gradFill>
                 <a:gsLst>
-                  <a:gs pos="21000">
-                    <a:srgbClr val="53575C"/>
+                  <a:gs pos="0">
+                    <a:schemeClr val="accent5">
+                      <a:lumMod val="50000"/>
+                    </a:schemeClr>
                   </a:gs>
-                  <a:gs pos="90000">
-                    <a:srgbClr val="C5C7CA">
-                      <a:alpha val="100000"/>
-                      <a:lumMod val="58000"/>
-                    </a:srgbClr>
+                  <a:gs pos="50000">
+                    <a:schemeClr val="accent5"/>
+                  </a:gs>
+                  <a:gs pos="100000">
+                    <a:schemeClr val="accent5">
+                      <a:lumMod val="60000"/>
+                      <a:lumOff val="40000"/>
+                    </a:schemeClr>
                   </a:gs>
                 </a:gsLst>
                 <a:lin ang="5400000"/>
               </a:gradFill>
-              <a:effectLst/>
+              <a:effectLst>
+                <a:reflection blurRad="6350" stA="53000" endA="300" endPos="35500" dir="5400000" sy="-90000" algn="bl" rotWithShape="0"/>
+              </a:effectLst>
             </a:endParaRPr>
           </a:p>
         </p:txBody>
@@ -4702,11 +4879,22 @@
             </a:pPr>
             <a:r>
               <a:rPr lang="en-US" sz="2800">
+                <a:solidFill>
+                  <a:schemeClr val="accent1">
+                    <a:lumMod val="50000"/>
+                  </a:schemeClr>
+                </a:solidFill>
                 <a:sym typeface="+mn-ea"/>
               </a:rPr>
               <a:t>海伦·凯勒（Helen Keller，1880年6月27日—1968年6月1日），美国现代女作家、教育家、社会活动家。</a:t>
             </a:r>
-            <a:endParaRPr lang="en-US" sz="2800"/>
+            <a:endParaRPr lang="en-US" sz="2800">
+              <a:solidFill>
+                <a:schemeClr val="accent1">
+                  <a:lumMod val="50000"/>
+                </a:schemeClr>
+              </a:solidFill>
+            </a:endParaRPr>
           </a:p>
           <a:p>
             <a:pPr fontAlgn="auto">
@@ -4716,23 +4904,43 @@
             </a:pPr>
             <a:r>
               <a:rPr lang="en-US" sz="2800">
+                <a:solidFill>
+                  <a:schemeClr val="accent1">
+                    <a:lumMod val="50000"/>
+                  </a:schemeClr>
+                </a:solidFill>
                 <a:sym typeface="+mn-ea"/>
               </a:rPr>
               <a:t>1880年6月27日，在亚拉巴马州塔斯喀姆比亚市常春藤巷出生。1882年2月，因突发疾病丧失了视觉和听觉</a:t>
             </a:r>
             <a:r>
               <a:rPr lang="zh-CN" altLang="en-US" sz="2800">
+                <a:solidFill>
+                  <a:schemeClr val="accent1">
+                    <a:lumMod val="50000"/>
+                  </a:schemeClr>
+                </a:solidFill>
                 <a:sym typeface="+mn-ea"/>
               </a:rPr>
               <a:t>，</a:t>
             </a:r>
             <a:r>
               <a:rPr lang="en-US" sz="2800">
+                <a:solidFill>
+                  <a:schemeClr val="accent1">
+                    <a:lumMod val="50000"/>
+                  </a:schemeClr>
+                </a:solidFill>
                 <a:sym typeface="+mn-ea"/>
               </a:rPr>
               <a:t>1887年3月3日，开始学习美式手语。</a:t>
             </a:r>
             <a:endParaRPr lang="en-US" sz="2800">
+              <a:solidFill>
+                <a:schemeClr val="accent1">
+                  <a:lumMod val="50000"/>
+                </a:schemeClr>
+              </a:solidFill>
               <a:sym typeface="+mn-ea"/>
             </a:endParaRPr>
           </a:p>
@@ -4768,6 +4976,9 @@
   <p:clrMapOvr>
     <a:masterClrMapping/>
   </p:clrMapOvr>
+  <p:transition>
+    <p:fade/>
+  </p:transition>
   <p:timing>
     <p:tnLst>
       <p:par>
@@ -4932,10 +5143,22 @@
               </a:lnSpc>
             </a:pPr>
             <a:r>
-              <a:rPr lang="en-US" sz="2800"/>
+              <a:rPr lang="en-US" sz="2800">
+                <a:solidFill>
+                  <a:schemeClr val="accent1">
+                    <a:lumMod val="50000"/>
+                  </a:schemeClr>
+                </a:solidFill>
+              </a:rPr>
               <a:t>海伦凯勒是美国着名作家和教育家。一八八二年，在她一岁多的时候，因为发高烧，脑部受到伤害，从此以后，她的眼睛看不到，耳朵听不到，后来，连话也说不出来了。她在黑暗中摸索着长大。</a:t>
             </a:r>
-            <a:endParaRPr lang="en-US" sz="2800"/>
+            <a:endParaRPr lang="en-US" sz="2800">
+              <a:solidFill>
+                <a:schemeClr val="accent1">
+                  <a:lumMod val="50000"/>
+                </a:schemeClr>
+              </a:solidFill>
+            </a:endParaRPr>
           </a:p>
           <a:p>
             <a:pPr fontAlgn="auto">
@@ -4943,7 +5166,13 @@
                 <a:spcPct val="90000"/>
               </a:lnSpc>
             </a:pPr>
-            <a:endParaRPr lang="en-US" sz="2800"/>
+            <a:endParaRPr lang="en-US" sz="2800">
+              <a:solidFill>
+                <a:schemeClr val="accent1">
+                  <a:lumMod val="50000"/>
+                </a:schemeClr>
+              </a:solidFill>
+            </a:endParaRPr>
           </a:p>
           <a:p>
             <a:pPr fontAlgn="auto">
@@ -4952,10 +5181,22 @@
               </a:lnSpc>
             </a:pPr>
             <a:r>
-              <a:rPr lang="en-US" sz="2800"/>
+              <a:rPr lang="en-US" sz="2800">
+                <a:solidFill>
+                  <a:schemeClr val="accent1">
+                    <a:lumMod val="50000"/>
+                  </a:schemeClr>
+                </a:solidFill>
+              </a:rPr>
               <a:t>　　七岁那一年，家里为她请了一位家庭教师，也就是影响海伦一生的苏利文老师。苏利文在小时候眼睛也差点失明，了解失去光明的痛苦。在她辛苦的指导下，海伦用手触摸学会手语，摸点字卡学会了读书，后来用手摸别人的嘴唇，终于学会说话了。</a:t>
             </a:r>
-            <a:endParaRPr lang="en-US" sz="2800"/>
+            <a:endParaRPr lang="en-US" sz="2800">
+              <a:solidFill>
+                <a:schemeClr val="accent1">
+                  <a:lumMod val="50000"/>
+                </a:schemeClr>
+              </a:solidFill>
+            </a:endParaRPr>
           </a:p>
           <a:p>
             <a:pPr fontAlgn="auto">
@@ -4963,7 +5204,13 @@
                 <a:spcPct val="90000"/>
               </a:lnSpc>
             </a:pPr>
-            <a:endParaRPr lang="en-US" sz="2800"/>
+            <a:endParaRPr lang="en-US" sz="2800">
+              <a:solidFill>
+                <a:schemeClr val="accent1">
+                  <a:lumMod val="50000"/>
+                </a:schemeClr>
+              </a:solidFill>
+            </a:endParaRPr>
           </a:p>
           <a:p>
             <a:pPr fontAlgn="auto">
@@ -4972,10 +5219,22 @@
               </a:lnSpc>
             </a:pPr>
             <a:r>
-              <a:rPr lang="en-US" sz="2800"/>
+              <a:rPr lang="en-US" sz="2800">
+                <a:solidFill>
+                  <a:schemeClr val="accent1">
+                    <a:lumMod val="50000"/>
+                  </a:schemeClr>
+                </a:solidFill>
+              </a:rPr>
               <a:t>　　苏利文老师为了让海伦接近大自然，让她在草地上打滚，在田野跑跑跳跳，在地里埋下种子，爬到树上吃饭；还带她去摸一摸刚出生的小猪，也到河边去玩水。海伦在老师爱的关怀下，竟然克服失明与失聪的障碍，完成了大学学业。</a:t>
             </a:r>
-            <a:endParaRPr lang="en-US" sz="2800"/>
+            <a:endParaRPr lang="en-US" sz="2800">
+              <a:solidFill>
+                <a:schemeClr val="accent1">
+                  <a:lumMod val="50000"/>
+                </a:schemeClr>
+              </a:solidFill>
+            </a:endParaRPr>
           </a:p>
         </p:txBody>
       </p:sp>
@@ -4984,6 +5243,261 @@
   <p:clrMapOvr>
     <a:masterClrMapping/>
   </p:clrMapOvr>
+  <p:transition>
+    <p:fade/>
+  </p:transition>
+  <p:timing>
+    <p:tnLst>
+      <p:par>
+        <p:cTn id="1" dur="indefinite" restart="never" nodeType="tmRoot">
+          <p:childTnLst>
+            <p:seq concurrent="1" nextAc="seek">
+              <p:cTn id="2" dur="indefinite" nodeType="mainSeq">
+                <p:childTnLst>
+                  <p:par>
+                    <p:cTn id="3" fill="hold">
+                      <p:stCondLst>
+                        <p:cond delay="indefinite"/>
+                        <p:cond evt="onBegin" delay="0">
+                          <p:tn val="2"/>
+                        </p:cond>
+                      </p:stCondLst>
+                      <p:childTnLst>
+                        <p:par>
+                          <p:cTn id="4" fill="hold">
+                            <p:stCondLst>
+                              <p:cond delay="0"/>
+                            </p:stCondLst>
+                            <p:childTnLst>
+                              <p:par>
+                                <p:cTn id="5" presetID="47" presetClass="entr" presetSubtype="0" fill="hold" nodeType="afterEffect">
+                                  <p:stCondLst>
+                                    <p:cond delay="0"/>
+                                  </p:stCondLst>
+                                  <p:childTnLst>
+                                    <p:set>
+                                      <p:cBhvr>
+                                        <p:cTn id="6" dur="1" fill="hold">
+                                          <p:stCondLst>
+                                            <p:cond delay="0"/>
+                                          </p:stCondLst>
+                                        </p:cTn>
+                                        <p:tgtEl>
+                                          <p:spTgt spid="2">
+                                            <p:txEl>
+                                              <p:pRg st="0" end="0"/>
+                                            </p:txEl>
+                                          </p:spTgt>
+                                        </p:tgtEl>
+                                        <p:attrNameLst>
+                                          <p:attrName>style.visibility</p:attrName>
+                                        </p:attrNameLst>
+                                      </p:cBhvr>
+                                      <p:to>
+                                        <p:strVal val="visible"/>
+                                      </p:to>
+                                    </p:set>
+                                    <p:animEffect transition="in" filter="fade">
+                                      <p:cBhvr>
+                                        <p:cTn id="7" dur="1000"/>
+                                        <p:tgtEl>
+                                          <p:spTgt spid="2">
+                                            <p:txEl>
+                                              <p:pRg st="0" end="0"/>
+                                            </p:txEl>
+                                          </p:spTgt>
+                                        </p:tgtEl>
+                                      </p:cBhvr>
+                                    </p:animEffect>
+                                    <p:anim calcmode="lin" valueType="num">
+                                      <p:cBhvr>
+                                        <p:cTn id="8" dur="1000" fill="hold"/>
+                                        <p:tgtEl>
+                                          <p:spTgt spid="2">
+                                            <p:txEl>
+                                              <p:pRg st="0" end="0"/>
+                                            </p:txEl>
+                                          </p:spTgt>
+                                        </p:tgtEl>
+                                        <p:attrNameLst>
+                                          <p:attrName>ppt_x</p:attrName>
+                                        </p:attrNameLst>
+                                      </p:cBhvr>
+                                      <p:tavLst>
+                                        <p:tav tm="0">
+                                          <p:val>
+                                            <p:strVal val="#ppt_x"/>
+                                          </p:val>
+                                        </p:tav>
+                                        <p:tav tm="100000">
+                                          <p:val>
+                                            <p:strVal val="#ppt_x"/>
+                                          </p:val>
+                                        </p:tav>
+                                      </p:tavLst>
+                                    </p:anim>
+                                    <p:anim calcmode="lin" valueType="num">
+                                      <p:cBhvr>
+                                        <p:cTn id="9" dur="1000" fill="hold"/>
+                                        <p:tgtEl>
+                                          <p:spTgt spid="2">
+                                            <p:txEl>
+                                              <p:pRg st="0" end="0"/>
+                                            </p:txEl>
+                                          </p:spTgt>
+                                        </p:tgtEl>
+                                        <p:attrNameLst>
+                                          <p:attrName>ppt_y</p:attrName>
+                                        </p:attrNameLst>
+                                      </p:cBhvr>
+                                      <p:tavLst>
+                                        <p:tav tm="0">
+                                          <p:val>
+                                            <p:strVal val="#ppt_y-.1"/>
+                                          </p:val>
+                                        </p:tav>
+                                        <p:tav tm="100000">
+                                          <p:val>
+                                            <p:strVal val="#ppt_y"/>
+                                          </p:val>
+                                        </p:tav>
+                                      </p:tavLst>
+                                    </p:anim>
+                                  </p:childTnLst>
+                                </p:cTn>
+                              </p:par>
+                            </p:childTnLst>
+                          </p:cTn>
+                        </p:par>
+                        <p:par>
+                          <p:cTn id="10" fill="hold">
+                            <p:stCondLst>
+                              <p:cond delay="1000"/>
+                            </p:stCondLst>
+                            <p:childTnLst>
+                              <p:par>
+                                <p:cTn id="11" presetID="5" presetClass="entr" presetSubtype="10" fill="hold" nodeType="afterEffect">
+                                  <p:stCondLst>
+                                    <p:cond delay="0"/>
+                                  </p:stCondLst>
+                                  <p:childTnLst>
+                                    <p:set>
+                                      <p:cBhvr>
+                                        <p:cTn id="12" dur="1000" fill="hold">
+                                          <p:stCondLst>
+                                            <p:cond delay="0"/>
+                                          </p:stCondLst>
+                                        </p:cTn>
+                                        <p:tgtEl>
+                                          <p:spTgt spid="2">
+                                            <p:txEl>
+                                              <p:pRg st="2" end="2"/>
+                                            </p:txEl>
+                                          </p:spTgt>
+                                        </p:tgtEl>
+                                        <p:attrNameLst>
+                                          <p:attrName>style.visibility</p:attrName>
+                                        </p:attrNameLst>
+                                      </p:cBhvr>
+                                      <p:to>
+                                        <p:strVal val="visible"/>
+                                      </p:to>
+                                    </p:set>
+                                    <p:animEffect transition="in" filter="checkerboard(across)">
+                                      <p:cBhvr>
+                                        <p:cTn id="13" dur="1000"/>
+                                        <p:tgtEl>
+                                          <p:spTgt spid="2">
+                                            <p:txEl>
+                                              <p:pRg st="2" end="2"/>
+                                            </p:txEl>
+                                          </p:spTgt>
+                                        </p:tgtEl>
+                                      </p:cBhvr>
+                                    </p:animEffect>
+                                  </p:childTnLst>
+                                </p:cTn>
+                              </p:par>
+                            </p:childTnLst>
+                          </p:cTn>
+                        </p:par>
+                        <p:par>
+                          <p:cTn id="14" fill="hold">
+                            <p:stCondLst>
+                              <p:cond delay="2000"/>
+                            </p:stCondLst>
+                            <p:childTnLst>
+                              <p:par>
+                                <p:cTn id="15" presetID="4" presetClass="entr" presetSubtype="16" fill="hold" nodeType="afterEffect">
+                                  <p:stCondLst>
+                                    <p:cond delay="0"/>
+                                  </p:stCondLst>
+                                  <p:childTnLst>
+                                    <p:set>
+                                      <p:cBhvr>
+                                        <p:cTn id="16" dur="1000" fill="hold">
+                                          <p:stCondLst>
+                                            <p:cond delay="0"/>
+                                          </p:stCondLst>
+                                        </p:cTn>
+                                        <p:tgtEl>
+                                          <p:spTgt spid="2">
+                                            <p:txEl>
+                                              <p:pRg st="4" end="4"/>
+                                            </p:txEl>
+                                          </p:spTgt>
+                                        </p:tgtEl>
+                                        <p:attrNameLst>
+                                          <p:attrName>style.visibility</p:attrName>
+                                        </p:attrNameLst>
+                                      </p:cBhvr>
+                                      <p:to>
+                                        <p:strVal val="visible"/>
+                                      </p:to>
+                                    </p:set>
+                                    <p:animEffect transition="in" filter="box(in)">
+                                      <p:cBhvr>
+                                        <p:cTn id="17" dur="1000"/>
+                                        <p:tgtEl>
+                                          <p:spTgt spid="2">
+                                            <p:txEl>
+                                              <p:pRg st="4" end="4"/>
+                                            </p:txEl>
+                                          </p:spTgt>
+                                        </p:tgtEl>
+                                      </p:cBhvr>
+                                    </p:animEffect>
+                                  </p:childTnLst>
+                                </p:cTn>
+                              </p:par>
+                            </p:childTnLst>
+                          </p:cTn>
+                        </p:par>
+                      </p:childTnLst>
+                    </p:cTn>
+                  </p:par>
+                </p:childTnLst>
+              </p:cTn>
+              <p:prevCondLst>
+                <p:cond evt="onPrev" delay="0">
+                  <p:tgtEl>
+                    <p:sldTgt/>
+                  </p:tgtEl>
+                </p:cond>
+              </p:prevCondLst>
+              <p:nextCondLst>
+                <p:cond evt="onNext" delay="0">
+                  <p:tgtEl>
+                    <p:sldTgt/>
+                  </p:tgtEl>
+                </p:cond>
+              </p:nextCondLst>
+            </p:seq>
+          </p:childTnLst>
+        </p:cTn>
+      </p:par>
+    </p:tnLst>
+  </p:timing>
 </p:sld>
 </file>
 
@@ -5013,10 +5527,58 @@
           <a:p>
             <a:pPr algn="ctr"/>
             <a:r>
-              <a:rPr lang="zh-CN" altLang="en-US" sz="4400"/>
+              <a:rPr lang="zh-CN" altLang="en-US" sz="4800">
+                <a:ln/>
+                <a:gradFill>
+                  <a:gsLst>
+                    <a:gs pos="0">
+                      <a:schemeClr val="accent5">
+                        <a:lumMod val="50000"/>
+                      </a:schemeClr>
+                    </a:gs>
+                    <a:gs pos="50000">
+                      <a:schemeClr val="accent5"/>
+                    </a:gs>
+                    <a:gs pos="100000">
+                      <a:schemeClr val="accent5">
+                        <a:lumMod val="60000"/>
+                        <a:lumOff val="40000"/>
+                      </a:schemeClr>
+                    </a:gs>
+                  </a:gsLst>
+                  <a:lin ang="5400000"/>
+                </a:gradFill>
+                <a:effectLst>
+                  <a:reflection blurRad="6350" stA="53000" endA="300" endPos="35500" dir="5400000" sy="-90000" algn="bl" rotWithShape="0"/>
+                </a:effectLst>
+              </a:rPr>
               <a:t>游戏时间</a:t>
             </a:r>
-            <a:endParaRPr lang="zh-CN" altLang="en-US" sz="4400"/>
+            <a:endParaRPr lang="zh-CN" altLang="en-US" sz="4800">
+              <a:ln/>
+              <a:gradFill>
+                <a:gsLst>
+                  <a:gs pos="0">
+                    <a:schemeClr val="accent5">
+                      <a:lumMod val="50000"/>
+                    </a:schemeClr>
+                  </a:gs>
+                  <a:gs pos="50000">
+                    <a:schemeClr val="accent5"/>
+                  </a:gs>
+                  <a:gs pos="100000">
+                    <a:schemeClr val="accent5">
+                      <a:lumMod val="60000"/>
+                      <a:lumOff val="40000"/>
+                    </a:schemeClr>
+                  </a:gs>
+                </a:gsLst>
+                <a:lin ang="5400000"/>
+              </a:gradFill>
+              <a:effectLst>
+                <a:reflection blurRad="6350" stA="53000" endA="300" endPos="35500" dir="5400000" sy="-90000" algn="bl" rotWithShape="0"/>
+              </a:effectLst>
+            </a:endParaRPr>
           </a:p>
         </p:txBody>
       </p:sp>
@@ -5042,43 +5604,142 @@
           </a:bodyPr>
           <a:p>
             <a:r>
-              <a:rPr lang="zh-CN" altLang="en-US" sz="3600"/>
+              <a:rPr lang="zh-CN" altLang="en-US" sz="3600">
+                <a:ln>
+                  <a:noFill/>
+                </a:ln>
+                <a:solidFill>
+                  <a:schemeClr val="accent1">
+                    <a:lumMod val="50000"/>
+                  </a:schemeClr>
+                </a:solidFill>
+              </a:rPr>
               <a:t>规则：</a:t>
             </a:r>
-            <a:endParaRPr lang="zh-CN" altLang="en-US" sz="3600"/>
-          </a:p>
-          <a:p>
-            <a:r>
-              <a:rPr lang="en-US" altLang="zh-CN" sz="3600"/>
+            <a:endParaRPr lang="zh-CN" altLang="en-US" sz="3600">
+              <a:ln>
+                <a:noFill/>
+              </a:ln>
+              <a:solidFill>
+                <a:schemeClr val="accent1">
+                  <a:lumMod val="50000"/>
+                </a:schemeClr>
+              </a:solidFill>
+            </a:endParaRPr>
+          </a:p>
+          <a:p>
+            <a:r>
+              <a:rPr lang="en-US" altLang="zh-CN" sz="3600">
+                <a:ln>
+                  <a:noFill/>
+                </a:ln>
+                <a:solidFill>
+                  <a:schemeClr val="accent1">
+                    <a:lumMod val="50000"/>
+                  </a:schemeClr>
+                </a:solidFill>
+              </a:rPr>
               <a:t>	</a:t>
             </a:r>
             <a:r>
-              <a:rPr lang="zh-CN" altLang="en-US" sz="3600"/>
-              <a:t>两只手一只向前抬平，一只向两侧抬平，不要放下。</a:t>
-            </a:r>
-            <a:endParaRPr lang="zh-CN" altLang="en-US" sz="3600"/>
-          </a:p>
-          <a:p>
-            <a:r>
-              <a:rPr lang="en-US" altLang="zh-CN" sz="3600"/>
+              <a:rPr lang="zh-CN" altLang="en-US" sz="3600">
+                <a:ln>
+                  <a:noFill/>
+                </a:ln>
+                <a:solidFill>
+                  <a:schemeClr val="accent1">
+                    <a:lumMod val="50000"/>
+                  </a:schemeClr>
+                </a:solidFill>
+              </a:rPr>
+              <a:t>两只手一只向前抬平，一只向两侧抬平，不要放下</a:t>
+            </a:r>
+            <a:endParaRPr lang="zh-CN" altLang="en-US" sz="3600">
+              <a:ln>
+                <a:noFill/>
+              </a:ln>
+              <a:solidFill>
+                <a:schemeClr val="accent1">
+                  <a:lumMod val="50000"/>
+                </a:schemeClr>
+              </a:solidFill>
+            </a:endParaRPr>
+          </a:p>
+          <a:p>
+            <a:r>
+              <a:rPr lang="en-US" altLang="zh-CN" sz="3600">
+                <a:ln>
+                  <a:noFill/>
+                </a:ln>
+                <a:solidFill>
+                  <a:schemeClr val="accent1">
+                    <a:lumMod val="50000"/>
+                  </a:schemeClr>
+                </a:solidFill>
+              </a:rPr>
               <a:t>	</a:t>
             </a:r>
             <a:r>
-              <a:rPr lang="zh-CN" altLang="en-US" sz="3600"/>
-              <a:t>坚持时间最久者获胜。</a:t>
-            </a:r>
-            <a:endParaRPr lang="zh-CN" altLang="en-US" sz="3600"/>
-          </a:p>
-          <a:p>
-            <a:r>
-              <a:rPr lang="en-US" altLang="zh-CN" sz="3600"/>
+              <a:rPr lang="zh-CN" altLang="en-US" sz="3600">
+                <a:ln>
+                  <a:noFill/>
+                </a:ln>
+                <a:solidFill>
+                  <a:schemeClr val="accent1">
+                    <a:lumMod val="50000"/>
+                  </a:schemeClr>
+                </a:solidFill>
+              </a:rPr>
+              <a:t>坚持时间最久者获胜</a:t>
+            </a:r>
+            <a:endParaRPr lang="zh-CN" altLang="en-US" sz="3600">
+              <a:ln>
+                <a:noFill/>
+              </a:ln>
+              <a:solidFill>
+                <a:schemeClr val="accent1">
+                  <a:lumMod val="50000"/>
+                </a:schemeClr>
+              </a:solidFill>
+            </a:endParaRPr>
+          </a:p>
+          <a:p>
+            <a:r>
+              <a:rPr lang="en-US" altLang="zh-CN" sz="3600">
+                <a:ln>
+                  <a:noFill/>
+                </a:ln>
+                <a:solidFill>
+                  <a:schemeClr val="accent1">
+                    <a:lumMod val="50000"/>
+                  </a:schemeClr>
+                </a:solidFill>
+              </a:rPr>
               <a:t>	</a:t>
             </a:r>
             <a:r>
-              <a:rPr lang="zh-CN" altLang="en-US" sz="3600"/>
-              <a:t>可以获得零食奖励。</a:t>
-            </a:r>
-            <a:endParaRPr lang="zh-CN" altLang="en-US" sz="3600"/>
+              <a:rPr lang="zh-CN" altLang="en-US" sz="3600">
+                <a:ln>
+                  <a:noFill/>
+                </a:ln>
+                <a:solidFill>
+                  <a:schemeClr val="accent1">
+                    <a:lumMod val="50000"/>
+                  </a:schemeClr>
+                </a:solidFill>
+              </a:rPr>
+              <a:t>前五名可以获得零食奖励</a:t>
+            </a:r>
+            <a:endParaRPr lang="zh-CN" altLang="en-US" sz="3600">
+              <a:ln>
+                <a:noFill/>
+              </a:ln>
+              <a:solidFill>
+                <a:schemeClr val="accent1">
+                  <a:lumMod val="50000"/>
+                </a:schemeClr>
+              </a:solidFill>
+            </a:endParaRPr>
           </a:p>
         </p:txBody>
       </p:sp>
@@ -5087,6 +5748,754 @@
   <p:clrMapOvr>
     <a:masterClrMapping/>
   </p:clrMapOvr>
+  <p:transition>
+    <p:fade/>
+  </p:transition>
+  <p:timing>
+    <p:tnLst>
+      <p:par>
+        <p:cTn id="1" dur="indefinite" restart="never" nodeType="tmRoot">
+          <p:childTnLst>
+            <p:seq concurrent="1" nextAc="seek">
+              <p:cTn id="2" dur="indefinite" nodeType="mainSeq">
+                <p:childTnLst>
+                  <p:par>
+                    <p:cTn id="3" fill="hold">
+                      <p:stCondLst>
+                        <p:cond delay="indefinite"/>
+                        <p:cond evt="onBegin" delay="0">
+                          <p:tn val="2"/>
+                        </p:cond>
+                      </p:stCondLst>
+                      <p:childTnLst>
+                        <p:par>
+                          <p:cTn id="4" fill="hold">
+                            <p:stCondLst>
+                              <p:cond delay="0"/>
+                            </p:stCondLst>
+                            <p:childTnLst>
+                              <p:par>
+                                <p:cTn id="5" presetID="41" presetClass="entr" presetSubtype="0" fill="hold" nodeType="afterEffect">
+                                  <p:stCondLst>
+                                    <p:cond delay="0"/>
+                                  </p:stCondLst>
+                                  <p:iterate type="lt">
+                                    <p:tmPct val="10000"/>
+                                  </p:iterate>
+                                  <p:childTnLst>
+                                    <p:set>
+                                      <p:cBhvr>
+                                        <p:cTn id="6" dur="1" fill="hold">
+                                          <p:stCondLst>
+                                            <p:cond delay="0"/>
+                                          </p:stCondLst>
+                                        </p:cTn>
+                                        <p:tgtEl>
+                                          <p:spTgt spid="4">
+                                            <p:txEl>
+                                              <p:pRg st="0" end="0"/>
+                                            </p:txEl>
+                                          </p:spTgt>
+                                        </p:tgtEl>
+                                        <p:attrNameLst>
+                                          <p:attrName>style.visibility</p:attrName>
+                                        </p:attrNameLst>
+                                      </p:cBhvr>
+                                      <p:to>
+                                        <p:strVal val="visible"/>
+                                      </p:to>
+                                    </p:set>
+                                    <p:anim calcmode="lin" valueType="num">
+                                      <p:cBhvr>
+                                        <p:cTn id="7" dur="500" fill="hold"/>
+                                        <p:tgtEl>
+                                          <p:spTgt spid="4">
+                                            <p:txEl>
+                                              <p:pRg st="0" end="0"/>
+                                            </p:txEl>
+                                          </p:spTgt>
+                                        </p:tgtEl>
+                                        <p:attrNameLst>
+                                          <p:attrName>ppt_x</p:attrName>
+                                        </p:attrNameLst>
+                                      </p:cBhvr>
+                                      <p:tavLst>
+                                        <p:tav tm="0">
+                                          <p:val>
+                                            <p:strVal val="#ppt_x"/>
+                                          </p:val>
+                                        </p:tav>
+                                        <p:tav tm="50000">
+                                          <p:val>
+                                            <p:strVal val="#ppt_x+.1"/>
+                                          </p:val>
+                                        </p:tav>
+                                        <p:tav tm="100000">
+                                          <p:val>
+                                            <p:strVal val="#ppt_x"/>
+                                          </p:val>
+                                        </p:tav>
+                                      </p:tavLst>
+                                    </p:anim>
+                                    <p:anim calcmode="lin" valueType="num">
+                                      <p:cBhvr>
+                                        <p:cTn id="8" dur="500" fill="hold"/>
+                                        <p:tgtEl>
+                                          <p:spTgt spid="4">
+                                            <p:txEl>
+                                              <p:pRg st="0" end="0"/>
+                                            </p:txEl>
+                                          </p:spTgt>
+                                        </p:tgtEl>
+                                        <p:attrNameLst>
+                                          <p:attrName>ppt_y</p:attrName>
+                                        </p:attrNameLst>
+                                      </p:cBhvr>
+                                      <p:tavLst>
+                                        <p:tav tm="0">
+                                          <p:val>
+                                            <p:strVal val="#ppt_y"/>
+                                          </p:val>
+                                        </p:tav>
+                                        <p:tav tm="100000">
+                                          <p:val>
+                                            <p:strVal val="#ppt_y"/>
+                                          </p:val>
+                                        </p:tav>
+                                      </p:tavLst>
+                                    </p:anim>
+                                    <p:anim calcmode="lin" valueType="num">
+                                      <p:cBhvr>
+                                        <p:cTn id="9" dur="500" fill="hold"/>
+                                        <p:tgtEl>
+                                          <p:spTgt spid="4">
+                                            <p:txEl>
+                                              <p:pRg st="0" end="0"/>
+                                            </p:txEl>
+                                          </p:spTgt>
+                                        </p:tgtEl>
+                                        <p:attrNameLst>
+                                          <p:attrName>ppt_h</p:attrName>
+                                        </p:attrNameLst>
+                                      </p:cBhvr>
+                                      <p:tavLst>
+                                        <p:tav tm="0">
+                                          <p:val>
+                                            <p:strVal val="#ppt_h/10"/>
+                                          </p:val>
+                                        </p:tav>
+                                        <p:tav tm="50000">
+                                          <p:val>
+                                            <p:strVal val="#ppt_h+.01"/>
+                                          </p:val>
+                                        </p:tav>
+                                        <p:tav tm="100000">
+                                          <p:val>
+                                            <p:strVal val="#ppt_h"/>
+                                          </p:val>
+                                        </p:tav>
+                                      </p:tavLst>
+                                    </p:anim>
+                                    <p:anim calcmode="lin" valueType="num">
+                                      <p:cBhvr>
+                                        <p:cTn id="10" dur="500" fill="hold"/>
+                                        <p:tgtEl>
+                                          <p:spTgt spid="4">
+                                            <p:txEl>
+                                              <p:pRg st="0" end="0"/>
+                                            </p:txEl>
+                                          </p:spTgt>
+                                        </p:tgtEl>
+                                        <p:attrNameLst>
+                                          <p:attrName>ppt_w</p:attrName>
+                                        </p:attrNameLst>
+                                      </p:cBhvr>
+                                      <p:tavLst>
+                                        <p:tav tm="0">
+                                          <p:val>
+                                            <p:strVal val="#ppt_w/10"/>
+                                          </p:val>
+                                        </p:tav>
+                                        <p:tav tm="50000">
+                                          <p:val>
+                                            <p:strVal val="#ppt_w+.01"/>
+                                          </p:val>
+                                        </p:tav>
+                                        <p:tav tm="100000">
+                                          <p:val>
+                                            <p:strVal val="#ppt_w"/>
+                                          </p:val>
+                                        </p:tav>
+                                      </p:tavLst>
+                                    </p:anim>
+                                    <p:animEffect transition="in" filter="fade">
+                                      <p:cBhvr>
+                                        <p:cTn id="11" dur="500" tmFilter="0,0; .5, 1; 1, 1"/>
+                                        <p:tgtEl>
+                                          <p:spTgt spid="4">
+                                            <p:txEl>
+                                              <p:pRg st="0" end="0"/>
+                                            </p:txEl>
+                                          </p:spTgt>
+                                        </p:tgtEl>
+                                      </p:cBhvr>
+                                    </p:animEffect>
+                                  </p:childTnLst>
+                                </p:cTn>
+                              </p:par>
+                            </p:childTnLst>
+                          </p:cTn>
+                        </p:par>
+                        <p:par>
+                          <p:cTn id="12" fill="hold">
+                            <p:stCondLst>
+                              <p:cond delay="600"/>
+                            </p:stCondLst>
+                            <p:childTnLst>
+                              <p:par>
+                                <p:cTn id="13" presetID="41" presetClass="entr" presetSubtype="0" fill="hold" nodeType="afterEffect">
+                                  <p:stCondLst>
+                                    <p:cond delay="0"/>
+                                  </p:stCondLst>
+                                  <p:iterate type="lt">
+                                    <p:tmPct val="10000"/>
+                                  </p:iterate>
+                                  <p:childTnLst>
+                                    <p:set>
+                                      <p:cBhvr>
+                                        <p:cTn id="14" dur="1" fill="hold">
+                                          <p:stCondLst>
+                                            <p:cond delay="0"/>
+                                          </p:stCondLst>
+                                        </p:cTn>
+                                        <p:tgtEl>
+                                          <p:spTgt spid="4">
+                                            <p:txEl>
+                                              <p:pRg st="1" end="1"/>
+                                            </p:txEl>
+                                          </p:spTgt>
+                                        </p:tgtEl>
+                                        <p:attrNameLst>
+                                          <p:attrName>style.visibility</p:attrName>
+                                        </p:attrNameLst>
+                                      </p:cBhvr>
+                                      <p:to>
+                                        <p:strVal val="visible"/>
+                                      </p:to>
+                                    </p:set>
+                                    <p:anim calcmode="lin" valueType="num">
+                                      <p:cBhvr>
+                                        <p:cTn id="15" dur="500" fill="hold"/>
+                                        <p:tgtEl>
+                                          <p:spTgt spid="4">
+                                            <p:txEl>
+                                              <p:pRg st="1" end="1"/>
+                                            </p:txEl>
+                                          </p:spTgt>
+                                        </p:tgtEl>
+                                        <p:attrNameLst>
+                                          <p:attrName>ppt_x</p:attrName>
+                                        </p:attrNameLst>
+                                      </p:cBhvr>
+                                      <p:tavLst>
+                                        <p:tav tm="0">
+                                          <p:val>
+                                            <p:strVal val="#ppt_x"/>
+                                          </p:val>
+                                        </p:tav>
+                                        <p:tav tm="50000">
+                                          <p:val>
+                                            <p:strVal val="#ppt_x+.1"/>
+                                          </p:val>
+                                        </p:tav>
+                                        <p:tav tm="100000">
+                                          <p:val>
+                                            <p:strVal val="#ppt_x"/>
+                                          </p:val>
+                                        </p:tav>
+                                      </p:tavLst>
+                                    </p:anim>
+                                    <p:anim calcmode="lin" valueType="num">
+                                      <p:cBhvr>
+                                        <p:cTn id="16" dur="500" fill="hold"/>
+                                        <p:tgtEl>
+                                          <p:spTgt spid="4">
+                                            <p:txEl>
+                                              <p:pRg st="1" end="1"/>
+                                            </p:txEl>
+                                          </p:spTgt>
+                                        </p:tgtEl>
+                                        <p:attrNameLst>
+                                          <p:attrName>ppt_y</p:attrName>
+                                        </p:attrNameLst>
+                                      </p:cBhvr>
+                                      <p:tavLst>
+                                        <p:tav tm="0">
+                                          <p:val>
+                                            <p:strVal val="#ppt_y"/>
+                                          </p:val>
+                                        </p:tav>
+                                        <p:tav tm="100000">
+                                          <p:val>
+                                            <p:strVal val="#ppt_y"/>
+                                          </p:val>
+                                        </p:tav>
+                                      </p:tavLst>
+                                    </p:anim>
+                                    <p:anim calcmode="lin" valueType="num">
+                                      <p:cBhvr>
+                                        <p:cTn id="17" dur="500" fill="hold"/>
+                                        <p:tgtEl>
+                                          <p:spTgt spid="4">
+                                            <p:txEl>
+                                              <p:pRg st="1" end="1"/>
+                                            </p:txEl>
+                                          </p:spTgt>
+                                        </p:tgtEl>
+                                        <p:attrNameLst>
+                                          <p:attrName>ppt_h</p:attrName>
+                                        </p:attrNameLst>
+                                      </p:cBhvr>
+                                      <p:tavLst>
+                                        <p:tav tm="0">
+                                          <p:val>
+                                            <p:strVal val="#ppt_h/10"/>
+                                          </p:val>
+                                        </p:tav>
+                                        <p:tav tm="50000">
+                                          <p:val>
+                                            <p:strVal val="#ppt_h+.01"/>
+                                          </p:val>
+                                        </p:tav>
+                                        <p:tav tm="100000">
+                                          <p:val>
+                                            <p:strVal val="#ppt_h"/>
+                                          </p:val>
+                                        </p:tav>
+                                      </p:tavLst>
+                                    </p:anim>
+                                    <p:anim calcmode="lin" valueType="num">
+                                      <p:cBhvr>
+                                        <p:cTn id="18" dur="500" fill="hold"/>
+                                        <p:tgtEl>
+                                          <p:spTgt spid="4">
+                                            <p:txEl>
+                                              <p:pRg st="1" end="1"/>
+                                            </p:txEl>
+                                          </p:spTgt>
+                                        </p:tgtEl>
+                                        <p:attrNameLst>
+                                          <p:attrName>ppt_w</p:attrName>
+                                        </p:attrNameLst>
+                                      </p:cBhvr>
+                                      <p:tavLst>
+                                        <p:tav tm="0">
+                                          <p:val>
+                                            <p:strVal val="#ppt_w/10"/>
+                                          </p:val>
+                                        </p:tav>
+                                        <p:tav tm="50000">
+                                          <p:val>
+                                            <p:strVal val="#ppt_w+.01"/>
+                                          </p:val>
+                                        </p:tav>
+                                        <p:tav tm="100000">
+                                          <p:val>
+                                            <p:strVal val="#ppt_w"/>
+                                          </p:val>
+                                        </p:tav>
+                                      </p:tavLst>
+                                    </p:anim>
+                                    <p:animEffect transition="in" filter="fade">
+                                      <p:cBhvr>
+                                        <p:cTn id="19" dur="500" tmFilter="0,0; .5, 1; 1, 1"/>
+                                        <p:tgtEl>
+                                          <p:spTgt spid="4">
+                                            <p:txEl>
+                                              <p:pRg st="1" end="1"/>
+                                            </p:txEl>
+                                          </p:spTgt>
+                                        </p:tgtEl>
+                                      </p:cBhvr>
+                                    </p:animEffect>
+                                  </p:childTnLst>
+                                </p:cTn>
+                              </p:par>
+                              <p:par>
+                                <p:cTn id="20" presetID="41" presetClass="entr" presetSubtype="0" fill="hold" nodeType="withEffect">
+                                  <p:stCondLst>
+                                    <p:cond delay="1000"/>
+                                  </p:stCondLst>
+                                  <p:iterate type="lt">
+                                    <p:tmPct val="10000"/>
+                                  </p:iterate>
+                                  <p:childTnLst>
+                                    <p:set>
+                                      <p:cBhvr>
+                                        <p:cTn id="21" dur="1" fill="hold">
+                                          <p:stCondLst>
+                                            <p:cond delay="0"/>
+                                          </p:stCondLst>
+                                        </p:cTn>
+                                        <p:tgtEl>
+                                          <p:spTgt spid="4">
+                                            <p:txEl>
+                                              <p:pRg st="2" end="2"/>
+                                            </p:txEl>
+                                          </p:spTgt>
+                                        </p:tgtEl>
+                                        <p:attrNameLst>
+                                          <p:attrName>style.visibility</p:attrName>
+                                        </p:attrNameLst>
+                                      </p:cBhvr>
+                                      <p:to>
+                                        <p:strVal val="visible"/>
+                                      </p:to>
+                                    </p:set>
+                                    <p:anim calcmode="lin" valueType="num">
+                                      <p:cBhvr>
+                                        <p:cTn id="22" dur="500" fill="hold"/>
+                                        <p:tgtEl>
+                                          <p:spTgt spid="4">
+                                            <p:txEl>
+                                              <p:pRg st="2" end="2"/>
+                                            </p:txEl>
+                                          </p:spTgt>
+                                        </p:tgtEl>
+                                        <p:attrNameLst>
+                                          <p:attrName>ppt_x</p:attrName>
+                                        </p:attrNameLst>
+                                      </p:cBhvr>
+                                      <p:tavLst>
+                                        <p:tav tm="0">
+                                          <p:val>
+                                            <p:strVal val="#ppt_x"/>
+                                          </p:val>
+                                        </p:tav>
+                                        <p:tav tm="50000">
+                                          <p:val>
+                                            <p:strVal val="#ppt_x+.1"/>
+                                          </p:val>
+                                        </p:tav>
+                                        <p:tav tm="100000">
+                                          <p:val>
+                                            <p:strVal val="#ppt_x"/>
+                                          </p:val>
+                                        </p:tav>
+                                      </p:tavLst>
+                                    </p:anim>
+                                    <p:anim calcmode="lin" valueType="num">
+                                      <p:cBhvr>
+                                        <p:cTn id="23" dur="500" fill="hold"/>
+                                        <p:tgtEl>
+                                          <p:spTgt spid="4">
+                                            <p:txEl>
+                                              <p:pRg st="2" end="2"/>
+                                            </p:txEl>
+                                          </p:spTgt>
+                                        </p:tgtEl>
+                                        <p:attrNameLst>
+                                          <p:attrName>ppt_y</p:attrName>
+                                        </p:attrNameLst>
+                                      </p:cBhvr>
+                                      <p:tavLst>
+                                        <p:tav tm="0">
+                                          <p:val>
+                                            <p:strVal val="#ppt_y"/>
+                                          </p:val>
+                                        </p:tav>
+                                        <p:tav tm="100000">
+                                          <p:val>
+                                            <p:strVal val="#ppt_y"/>
+                                          </p:val>
+                                        </p:tav>
+                                      </p:tavLst>
+                                    </p:anim>
+                                    <p:anim calcmode="lin" valueType="num">
+                                      <p:cBhvr>
+                                        <p:cTn id="24" dur="500" fill="hold"/>
+                                        <p:tgtEl>
+                                          <p:spTgt spid="4">
+                                            <p:txEl>
+                                              <p:pRg st="2" end="2"/>
+                                            </p:txEl>
+                                          </p:spTgt>
+                                        </p:tgtEl>
+                                        <p:attrNameLst>
+                                          <p:attrName>ppt_h</p:attrName>
+                                        </p:attrNameLst>
+                                      </p:cBhvr>
+                                      <p:tavLst>
+                                        <p:tav tm="0">
+                                          <p:val>
+                                            <p:strVal val="#ppt_h/10"/>
+                                          </p:val>
+                                        </p:tav>
+                                        <p:tav tm="50000">
+                                          <p:val>
+                                            <p:strVal val="#ppt_h+.01"/>
+                                          </p:val>
+                                        </p:tav>
+                                        <p:tav tm="100000">
+                                          <p:val>
+                                            <p:strVal val="#ppt_h"/>
+                                          </p:val>
+                                        </p:tav>
+                                      </p:tavLst>
+                                    </p:anim>
+                                    <p:anim calcmode="lin" valueType="num">
+                                      <p:cBhvr>
+                                        <p:cTn id="25" dur="500" fill="hold"/>
+                                        <p:tgtEl>
+                                          <p:spTgt spid="4">
+                                            <p:txEl>
+                                              <p:pRg st="2" end="2"/>
+                                            </p:txEl>
+                                          </p:spTgt>
+                                        </p:tgtEl>
+                                        <p:attrNameLst>
+                                          <p:attrName>ppt_w</p:attrName>
+                                        </p:attrNameLst>
+                                      </p:cBhvr>
+                                      <p:tavLst>
+                                        <p:tav tm="0">
+                                          <p:val>
+                                            <p:strVal val="#ppt_w/10"/>
+                                          </p:val>
+                                        </p:tav>
+                                        <p:tav tm="50000">
+                                          <p:val>
+                                            <p:strVal val="#ppt_w+.01"/>
+                                          </p:val>
+                                        </p:tav>
+                                        <p:tav tm="100000">
+                                          <p:val>
+                                            <p:strVal val="#ppt_w"/>
+                                          </p:val>
+                                        </p:tav>
+                                      </p:tavLst>
+                                    </p:anim>
+                                    <p:animEffect transition="in" filter="fade">
+                                      <p:cBhvr>
+                                        <p:cTn id="26" dur="500" tmFilter="0,0; .5, 1; 1, 1"/>
+                                        <p:tgtEl>
+                                          <p:spTgt spid="4">
+                                            <p:txEl>
+                                              <p:pRg st="2" end="2"/>
+                                            </p:txEl>
+                                          </p:spTgt>
+                                        </p:tgtEl>
+                                      </p:cBhvr>
+                                    </p:animEffect>
+                                  </p:childTnLst>
+                                </p:cTn>
+                              </p:par>
+                            </p:childTnLst>
+                          </p:cTn>
+                        </p:par>
+                        <p:par>
+                          <p:cTn id="27" fill="hold">
+                            <p:stCondLst>
+                              <p:cond delay="2550"/>
+                            </p:stCondLst>
+                            <p:childTnLst>
+                              <p:par>
+                                <p:cTn id="28" presetID="41" presetClass="entr" presetSubtype="0" fill="hold" nodeType="afterEffect">
+                                  <p:stCondLst>
+                                    <p:cond delay="0"/>
+                                  </p:stCondLst>
+                                  <p:iterate type="lt">
+                                    <p:tmPct val="10000"/>
+                                  </p:iterate>
+                                  <p:childTnLst>
+                                    <p:set>
+                                      <p:cBhvr>
+                                        <p:cTn id="29" dur="1" fill="hold">
+                                          <p:stCondLst>
+                                            <p:cond delay="0"/>
+                                          </p:stCondLst>
+                                        </p:cTn>
+                                        <p:tgtEl>
+                                          <p:spTgt spid="4">
+                                            <p:txEl>
+                                              <p:pRg st="3" end="3"/>
+                                            </p:txEl>
+                                          </p:spTgt>
+                                        </p:tgtEl>
+                                        <p:attrNameLst>
+                                          <p:attrName>style.visibility</p:attrName>
+                                        </p:attrNameLst>
+                                      </p:cBhvr>
+                                      <p:to>
+                                        <p:strVal val="visible"/>
+                                      </p:to>
+                                    </p:set>
+                                    <p:anim calcmode="lin" valueType="num">
+                                      <p:cBhvr>
+                                        <p:cTn id="30" dur="500" fill="hold"/>
+                                        <p:tgtEl>
+                                          <p:spTgt spid="4">
+                                            <p:txEl>
+                                              <p:pRg st="3" end="3"/>
+                                            </p:txEl>
+                                          </p:spTgt>
+                                        </p:tgtEl>
+                                        <p:attrNameLst>
+                                          <p:attrName>ppt_x</p:attrName>
+                                        </p:attrNameLst>
+                                      </p:cBhvr>
+                                      <p:tavLst>
+                                        <p:tav tm="0">
+                                          <p:val>
+                                            <p:strVal val="#ppt_x"/>
+                                          </p:val>
+                                        </p:tav>
+                                        <p:tav tm="50000">
+                                          <p:val>
+                                            <p:strVal val="#ppt_x+.1"/>
+                                          </p:val>
+                                        </p:tav>
+                                        <p:tav tm="100000">
+                                          <p:val>
+                                            <p:strVal val="#ppt_x"/>
+                                          </p:val>
+                                        </p:tav>
+                                      </p:tavLst>
+                                    </p:anim>
+                                    <p:anim calcmode="lin" valueType="num">
+                                      <p:cBhvr>
+                                        <p:cTn id="31" dur="500" fill="hold"/>
+                                        <p:tgtEl>
+                                          <p:spTgt spid="4">
+                                            <p:txEl>
+                                              <p:pRg st="3" end="3"/>
+                                            </p:txEl>
+                                          </p:spTgt>
+                                        </p:tgtEl>
+                                        <p:attrNameLst>
+                                          <p:attrName>ppt_y</p:attrName>
+                                        </p:attrNameLst>
+                                      </p:cBhvr>
+                                      <p:tavLst>
+                                        <p:tav tm="0">
+                                          <p:val>
+                                            <p:strVal val="#ppt_y"/>
+                                          </p:val>
+                                        </p:tav>
+                                        <p:tav tm="100000">
+                                          <p:val>
+                                            <p:strVal val="#ppt_y"/>
+                                          </p:val>
+                                        </p:tav>
+                                      </p:tavLst>
+                                    </p:anim>
+                                    <p:anim calcmode="lin" valueType="num">
+                                      <p:cBhvr>
+                                        <p:cTn id="32" dur="500" fill="hold"/>
+                                        <p:tgtEl>
+                                          <p:spTgt spid="4">
+                                            <p:txEl>
+                                              <p:pRg st="3" end="3"/>
+                                            </p:txEl>
+                                          </p:spTgt>
+                                        </p:tgtEl>
+                                        <p:attrNameLst>
+                                          <p:attrName>ppt_h</p:attrName>
+                                        </p:attrNameLst>
+                                      </p:cBhvr>
+                                      <p:tavLst>
+                                        <p:tav tm="0">
+                                          <p:val>
+                                            <p:strVal val="#ppt_h/10"/>
+                                          </p:val>
+                                        </p:tav>
+                                        <p:tav tm="50000">
+                                          <p:val>
+                                            <p:strVal val="#ppt_h+.01"/>
+                                          </p:val>
+                                        </p:tav>
+                                        <p:tav tm="100000">
+                                          <p:val>
+                                            <p:strVal val="#ppt_h"/>
+                                          </p:val>
+                                        </p:tav>
+                                      </p:tavLst>
+                                    </p:anim>
+                                    <p:anim calcmode="lin" valueType="num">
+                                      <p:cBhvr>
+                                        <p:cTn id="33" dur="500" fill="hold"/>
+                                        <p:tgtEl>
+                                          <p:spTgt spid="4">
+                                            <p:txEl>
+                                              <p:pRg st="3" end="3"/>
+                                            </p:txEl>
+                                          </p:spTgt>
+                                        </p:tgtEl>
+                                        <p:attrNameLst>
+                                          <p:attrName>ppt_w</p:attrName>
+                                        </p:attrNameLst>
+                                      </p:cBhvr>
+                                      <p:tavLst>
+                                        <p:tav tm="0">
+                                          <p:val>
+                                            <p:strVal val="#ppt_w/10"/>
+                                          </p:val>
+                                        </p:tav>
+                                        <p:tav tm="50000">
+                                          <p:val>
+                                            <p:strVal val="#ppt_w+.01"/>
+                                          </p:val>
+                                        </p:tav>
+                                        <p:tav tm="100000">
+                                          <p:val>
+                                            <p:strVal val="#ppt_w"/>
+                                          </p:val>
+                                        </p:tav>
+                                      </p:tavLst>
+                                    </p:anim>
+                                    <p:animEffect transition="in" filter="fade">
+                                      <p:cBhvr>
+                                        <p:cTn id="34" dur="500" tmFilter="0,0; .5, 1; 1, 1"/>
+                                        <p:tgtEl>
+                                          <p:spTgt spid="4">
+                                            <p:txEl>
+                                              <p:pRg st="3" end="3"/>
+                                            </p:txEl>
+                                          </p:spTgt>
+                                        </p:tgtEl>
+                                      </p:cBhvr>
+                                    </p:animEffect>
+                                  </p:childTnLst>
+                                </p:cTn>
+                              </p:par>
+                            </p:childTnLst>
+                          </p:cTn>
+                        </p:par>
+                      </p:childTnLst>
+                    </p:cTn>
+                  </p:par>
+                </p:childTnLst>
+              </p:cTn>
+              <p:prevCondLst>
+                <p:cond evt="onPrev" delay="0">
+                  <p:tgtEl>
+                    <p:sldTgt/>
+                  </p:tgtEl>
+                </p:cond>
+              </p:prevCondLst>
+              <p:nextCondLst>
+                <p:cond evt="onNext" delay="0">
+                  <p:tgtEl>
+                    <p:sldTgt/>
+                  </p:tgtEl>
+                </p:cond>
+              </p:nextCondLst>
+            </p:seq>
+          </p:childTnLst>
+        </p:cTn>
+      </p:par>
+    </p:tnLst>
+  </p:timing>
 </p:sld>
 </file>
 
@@ -5108,8 +6517,8 @@
         </p:nvSpPr>
         <p:spPr>
           <a:xfrm>
-            <a:off x="1945640" y="2644775"/>
-            <a:ext cx="6586220" cy="2861310"/>
+            <a:off x="2454275" y="2411095"/>
+            <a:ext cx="8836660" cy="2861310"/>
           </a:xfrm>
           <a:prstGeom prst="rect">
             <a:avLst/>
@@ -5122,42 +6531,108 @@
           </a:bodyPr>
           <a:p>
             <a:r>
-              <a:rPr lang="en-US" altLang="zh-CN" sz="3600"/>
+              <a:rPr lang="en-US" altLang="zh-CN" sz="3600">
+                <a:solidFill>
+                  <a:schemeClr val="accent1">
+                    <a:lumMod val="50000"/>
+                  </a:schemeClr>
+                </a:solidFill>
+              </a:rPr>
               <a:t>1. </a:t>
             </a:r>
             <a:r>
-              <a:rPr lang="zh-CN" altLang="en-US" sz="3600"/>
+              <a:rPr lang="zh-CN" altLang="en-US" sz="3600">
+                <a:solidFill>
+                  <a:schemeClr val="accent1">
+                    <a:lumMod val="50000"/>
+                  </a:schemeClr>
+                </a:solidFill>
+              </a:rPr>
               <a:t>你们是怎么坚持下来的？</a:t>
             </a:r>
-            <a:endParaRPr lang="zh-CN" altLang="en-US" sz="3600"/>
-          </a:p>
-          <a:p>
-            <a:endParaRPr lang="zh-CN" altLang="en-US" sz="3600"/>
-          </a:p>
-          <a:p>
-            <a:r>
-              <a:rPr lang="en-US" altLang="zh-CN" sz="3600"/>
+            <a:endParaRPr lang="zh-CN" altLang="en-US" sz="3600">
+              <a:solidFill>
+                <a:schemeClr val="accent1">
+                  <a:lumMod val="50000"/>
+                </a:schemeClr>
+              </a:solidFill>
+            </a:endParaRPr>
+          </a:p>
+          <a:p>
+            <a:endParaRPr lang="zh-CN" altLang="en-US" sz="3600">
+              <a:solidFill>
+                <a:schemeClr val="accent1">
+                  <a:lumMod val="50000"/>
+                </a:schemeClr>
+              </a:solidFill>
+            </a:endParaRPr>
+          </a:p>
+          <a:p>
+            <a:r>
+              <a:rPr lang="en-US" altLang="zh-CN" sz="3600">
+                <a:solidFill>
+                  <a:schemeClr val="accent1">
+                    <a:lumMod val="50000"/>
+                  </a:schemeClr>
+                </a:solidFill>
+              </a:rPr>
               <a:t>2. </a:t>
             </a:r>
             <a:r>
-              <a:rPr lang="zh-CN" altLang="en-US" sz="3600"/>
+              <a:rPr lang="zh-CN" altLang="en-US" sz="3600">
+                <a:solidFill>
+                  <a:schemeClr val="accent1">
+                    <a:lumMod val="50000"/>
+                  </a:schemeClr>
+                </a:solidFill>
+              </a:rPr>
               <a:t>为什么又坚持不了？</a:t>
             </a:r>
-            <a:endParaRPr lang="zh-CN" altLang="en-US" sz="3600"/>
-          </a:p>
-          <a:p>
-            <a:endParaRPr lang="zh-CN" altLang="en-US" sz="3600"/>
-          </a:p>
-          <a:p>
-            <a:r>
-              <a:rPr lang="en-US" altLang="zh-CN" sz="3600"/>
+            <a:endParaRPr lang="zh-CN" altLang="en-US" sz="3600">
+              <a:solidFill>
+                <a:schemeClr val="accent1">
+                  <a:lumMod val="50000"/>
+                </a:schemeClr>
+              </a:solidFill>
+            </a:endParaRPr>
+          </a:p>
+          <a:p>
+            <a:endParaRPr lang="zh-CN" altLang="en-US" sz="3600">
+              <a:solidFill>
+                <a:schemeClr val="accent1">
+                  <a:lumMod val="50000"/>
+                </a:schemeClr>
+              </a:solidFill>
+            </a:endParaRPr>
+          </a:p>
+          <a:p>
+            <a:r>
+              <a:rPr lang="en-US" altLang="zh-CN" sz="3600">
+                <a:solidFill>
+                  <a:schemeClr val="accent1">
+                    <a:lumMod val="50000"/>
+                  </a:schemeClr>
+                </a:solidFill>
+              </a:rPr>
               <a:t>3. </a:t>
             </a:r>
             <a:r>
-              <a:rPr lang="zh-CN" altLang="en-US" sz="3600"/>
-              <a:t>谈谈你在生活中的经历。</a:t>
-            </a:r>
-            <a:endParaRPr lang="zh-CN" altLang="en-US" sz="3600"/>
+              <a:rPr lang="zh-CN" altLang="en-US" sz="3600">
+                <a:solidFill>
+                  <a:schemeClr val="accent1">
+                    <a:lumMod val="50000"/>
+                  </a:schemeClr>
+                </a:solidFill>
+              </a:rPr>
+              <a:t>谈谈你在生活中又是如何坚持的</a:t>
+            </a:r>
+            <a:endParaRPr lang="zh-CN" altLang="en-US" sz="3600">
+              <a:solidFill>
+                <a:schemeClr val="accent1">
+                  <a:lumMod val="50000"/>
+                </a:schemeClr>
+              </a:solidFill>
+            </a:endParaRPr>
           </a:p>
         </p:txBody>
       </p:sp>
@@ -5183,10 +6658,58 @@
           </a:bodyPr>
           <a:p>
             <a:r>
-              <a:rPr lang="zh-CN" altLang="en-US" sz="4800"/>
+              <a:rPr lang="zh-CN" altLang="en-US" sz="4800" b="1">
+                <a:ln/>
+                <a:gradFill>
+                  <a:gsLst>
+                    <a:gs pos="0">
+                      <a:schemeClr val="accent5">
+                        <a:lumMod val="50000"/>
+                      </a:schemeClr>
+                    </a:gs>
+                    <a:gs pos="50000">
+                      <a:schemeClr val="accent5"/>
+                    </a:gs>
+                    <a:gs pos="100000">
+                      <a:schemeClr val="accent5">
+                        <a:lumMod val="60000"/>
+                        <a:lumOff val="40000"/>
+                      </a:schemeClr>
+                    </a:gs>
+                  </a:gsLst>
+                  <a:lin ang="5400000"/>
+                </a:gradFill>
+                <a:effectLst>
+                  <a:reflection blurRad="6350" stA="53000" endA="300" endPos="35500" dir="5400000" sy="-90000" algn="bl" rotWithShape="0"/>
+                </a:effectLst>
+              </a:rPr>
               <a:t>小组分享</a:t>
             </a:r>
-            <a:endParaRPr lang="zh-CN" altLang="en-US" sz="4800"/>
+            <a:endParaRPr lang="zh-CN" altLang="en-US" sz="4800" b="1">
+              <a:ln/>
+              <a:gradFill>
+                <a:gsLst>
+                  <a:gs pos="0">
+                    <a:schemeClr val="accent5">
+                      <a:lumMod val="50000"/>
+                    </a:schemeClr>
+                  </a:gs>
+                  <a:gs pos="50000">
+                    <a:schemeClr val="accent5"/>
+                  </a:gs>
+                  <a:gs pos="100000">
+                    <a:schemeClr val="accent5">
+                      <a:lumMod val="60000"/>
+                      <a:lumOff val="40000"/>
+                    </a:schemeClr>
+                  </a:gs>
+                </a:gsLst>
+                <a:lin ang="5400000"/>
+              </a:gradFill>
+              <a:effectLst>
+                <a:reflection blurRad="6350" stA="53000" endA="300" endPos="35500" dir="5400000" sy="-90000" algn="bl" rotWithShape="0"/>
+              </a:effectLst>
+            </a:endParaRPr>
           </a:p>
         </p:txBody>
       </p:sp>
@@ -5195,50 +6718,262 @@
   <p:clrMapOvr>
     <a:masterClrMapping/>
   </p:clrMapOvr>
+  <p:transition>
+    <p:fade/>
+  </p:transition>
+  <p:timing>
+    <p:tnLst>
+      <p:par>
+        <p:cTn id="1" dur="indefinite" restart="never" nodeType="tmRoot">
+          <p:childTnLst>
+            <p:seq concurrent="1" nextAc="seek">
+              <p:cTn id="2" dur="indefinite" nodeType="mainSeq">
+                <p:childTnLst>
+                  <p:par>
+                    <p:cTn id="3" fill="hold">
+                      <p:stCondLst>
+                        <p:cond delay="indefinite"/>
+                        <p:cond evt="onBegin" delay="0">
+                          <p:tn val="2"/>
+                        </p:cond>
+                      </p:stCondLst>
+                      <p:childTnLst>
+                        <p:par>
+                          <p:cTn id="4" fill="hold">
+                            <p:stCondLst>
+                              <p:cond delay="0"/>
+                            </p:stCondLst>
+                            <p:childTnLst>
+                              <p:par>
+                                <p:cTn id="5" presetID="7" presetClass="entr" presetSubtype="2" fill="hold" nodeType="afterEffect">
+                                  <p:stCondLst>
+                                    <p:cond delay="1000"/>
+                                  </p:stCondLst>
+                                  <p:childTnLst>
+                                    <p:set>
+                                      <p:cBhvr>
+                                        <p:cTn id="6" dur="1000" fill="hold">
+                                          <p:stCondLst>
+                                            <p:cond delay="0"/>
+                                          </p:stCondLst>
+                                        </p:cTn>
+                                        <p:tgtEl>
+                                          <p:spTgt spid="4">
+                                            <p:txEl>
+                                              <p:pRg st="0" end="0"/>
+                                            </p:txEl>
+                                          </p:spTgt>
+                                        </p:tgtEl>
+                                        <p:attrNameLst>
+                                          <p:attrName>style.visibility</p:attrName>
+                                        </p:attrNameLst>
+                                      </p:cBhvr>
+                                      <p:to>
+                                        <p:strVal val="visible"/>
+                                      </p:to>
+                                    </p:set>
+                                    <p:anim calcmode="lin" valueType="num">
+                                      <p:cBhvr additive="base">
+                                        <p:cTn id="7" dur="1000" fill="hold"/>
+                                        <p:tgtEl>
+                                          <p:spTgt spid="4">
+                                            <p:txEl>
+                                              <p:pRg st="0" end="0"/>
+                                            </p:txEl>
+                                          </p:spTgt>
+                                        </p:tgtEl>
+                                        <p:attrNameLst>
+                                          <p:attrName>ppt_x</p:attrName>
+                                        </p:attrNameLst>
+                                      </p:cBhvr>
+                                      <p:tavLst>
+                                        <p:tav tm="0" fmla="">
+                                          <p:val>
+                                            <p:strVal val="1+#ppt_w/2"/>
+                                          </p:val>
+                                        </p:tav>
+                                        <p:tav tm="100000" fmla="">
+                                          <p:val>
+                                            <p:strVal val="#ppt_x"/>
+                                          </p:val>
+                                        </p:tav>
+                                      </p:tavLst>
+                                    </p:anim>
+                                    <p:anim calcmode="lin" valueType="num">
+                                      <p:cBhvr additive="base">
+                                        <p:cTn id="8" dur="1000" fill="hold"/>
+                                        <p:tgtEl>
+                                          <p:spTgt spid="4">
+                                            <p:txEl>
+                                              <p:pRg st="0" end="0"/>
+                                            </p:txEl>
+                                          </p:spTgt>
+                                        </p:tgtEl>
+                                        <p:attrNameLst>
+                                          <p:attrName>ppt_y</p:attrName>
+                                        </p:attrNameLst>
+                                      </p:cBhvr>
+                                      <p:tavLst>
+                                        <p:tav tm="0" fmla="">
+                                          <p:val>
+                                            <p:strVal val="#ppt_y"/>
+                                          </p:val>
+                                        </p:tav>
+                                        <p:tav tm="100000" fmla="">
+                                          <p:val>
+                                            <p:strVal val="#ppt_y"/>
+                                          </p:val>
+                                        </p:tav>
+                                      </p:tavLst>
+                                    </p:anim>
+                                  </p:childTnLst>
+                                </p:cTn>
+                              </p:par>
+                              <p:par>
+                                <p:cTn id="9" presetID="8" presetClass="entr" presetSubtype="16" fill="hold" nodeType="withEffect">
+                                  <p:stCondLst>
+                                    <p:cond delay="1500"/>
+                                  </p:stCondLst>
+                                  <p:childTnLst>
+                                    <p:set>
+                                      <p:cBhvr>
+                                        <p:cTn id="10" dur="1000" fill="hold">
+                                          <p:stCondLst>
+                                            <p:cond delay="0"/>
+                                          </p:stCondLst>
+                                        </p:cTn>
+                                        <p:tgtEl>
+                                          <p:spTgt spid="4">
+                                            <p:txEl>
+                                              <p:pRg st="2" end="2"/>
+                                            </p:txEl>
+                                          </p:spTgt>
+                                        </p:tgtEl>
+                                        <p:attrNameLst>
+                                          <p:attrName>style.visibility</p:attrName>
+                                        </p:attrNameLst>
+                                      </p:cBhvr>
+                                      <p:to>
+                                        <p:strVal val="visible"/>
+                                      </p:to>
+                                    </p:set>
+                                    <p:animEffect transition="in" filter="diamond(in)">
+                                      <p:cBhvr>
+                                        <p:cTn id="11" dur="1000"/>
+                                        <p:tgtEl>
+                                          <p:spTgt spid="4">
+                                            <p:txEl>
+                                              <p:pRg st="2" end="2"/>
+                                            </p:txEl>
+                                          </p:spTgt>
+                                        </p:tgtEl>
+                                      </p:cBhvr>
+                                    </p:animEffect>
+                                  </p:childTnLst>
+                                </p:cTn>
+                              </p:par>
+                              <p:par>
+                                <p:cTn id="12" presetID="12" presetClass="entr" presetSubtype="4" fill="hold" nodeType="withEffect">
+                                  <p:stCondLst>
+                                    <p:cond delay="2000"/>
+                                  </p:stCondLst>
+                                  <p:childTnLst>
+                                    <p:set>
+                                      <p:cBhvr>
+                                        <p:cTn id="13" dur="1000" fill="hold">
+                                          <p:stCondLst>
+                                            <p:cond delay="0"/>
+                                          </p:stCondLst>
+                                        </p:cTn>
+                                        <p:tgtEl>
+                                          <p:spTgt spid="4">
+                                            <p:txEl>
+                                              <p:pRg st="4" end="4"/>
+                                            </p:txEl>
+                                          </p:spTgt>
+                                        </p:tgtEl>
+                                        <p:attrNameLst>
+                                          <p:attrName>style.visibility</p:attrName>
+                                        </p:attrNameLst>
+                                      </p:cBhvr>
+                                      <p:to>
+                                        <p:strVal val="visible"/>
+                                      </p:to>
+                                    </p:set>
+                                    <p:anim calcmode="lin" valueType="num">
+                                      <p:cBhvr additive="base">
+                                        <p:cTn id="14" dur="1000"/>
+                                        <p:tgtEl>
+                                          <p:spTgt spid="4">
+                                            <p:txEl>
+                                              <p:pRg st="4" end="4"/>
+                                            </p:txEl>
+                                          </p:spTgt>
+                                        </p:tgtEl>
+                                        <p:attrNameLst>
+                                          <p:attrName>ppt_y</p:attrName>
+                                        </p:attrNameLst>
+                                      </p:cBhvr>
+                                      <p:tavLst>
+                                        <p:tav tm="0">
+                                          <p:val>
+                                            <p:strVal val="#ppt_y+#ppt_h*1.125000"/>
+                                          </p:val>
+                                        </p:tav>
+                                        <p:tav tm="100000">
+                                          <p:val>
+                                            <p:strVal val="#ppt_y"/>
+                                          </p:val>
+                                        </p:tav>
+                                      </p:tavLst>
+                                    </p:anim>
+                                    <p:animEffect transition="in" filter="wipe(up)">
+                                      <p:cBhvr>
+                                        <p:cTn id="15" dur="1000"/>
+                                        <p:tgtEl>
+                                          <p:spTgt spid="4">
+                                            <p:txEl>
+                                              <p:pRg st="4" end="4"/>
+                                            </p:txEl>
+                                          </p:spTgt>
+                                        </p:tgtEl>
+                                      </p:cBhvr>
+                                    </p:animEffect>
+                                  </p:childTnLst>
+                                </p:cTn>
+                              </p:par>
+                            </p:childTnLst>
+                          </p:cTn>
+                        </p:par>
+                      </p:childTnLst>
+                    </p:cTn>
+                  </p:par>
+                </p:childTnLst>
+              </p:cTn>
+              <p:prevCondLst>
+                <p:cond evt="onPrev" delay="0">
+                  <p:tgtEl>
+                    <p:sldTgt/>
+                  </p:tgtEl>
+                </p:cond>
+              </p:prevCondLst>
+              <p:nextCondLst>
+                <p:cond evt="onNext" delay="0">
+                  <p:tgtEl>
+                    <p:sldTgt/>
+                  </p:tgtEl>
+                </p:cond>
+              </p:nextCondLst>
+            </p:seq>
+          </p:childTnLst>
+        </p:cTn>
+      </p:par>
+    </p:tnLst>
+  </p:timing>
 </p:sld>
 </file>
 
 <file path=ppt/slides/slide7.xml><?xml version="1.0" encoding="utf-8"?>
-<p:sld xmlns:a="http://schemas.openxmlformats.org/drawingml/2006/main" xmlns:r="http://schemas.openxmlformats.org/officeDocument/2006/relationships" xmlns:p="http://schemas.openxmlformats.org/presentationml/2006/main">
-  <p:cSld>
-    <p:spTree>
-      <p:nvGrpSpPr>
-        <p:cNvPr id="1" name=""/>
-        <p:cNvGrpSpPr/>
-        <p:nvPr/>
-      </p:nvGrpSpPr>
-      <p:grpSpPr/>
-      <p:sp>
-        <p:nvSpPr>
-          <p:cNvPr id="3" name="Content Placeholder 2"/>
-          <p:cNvSpPr>
-            <a:spLocks noGrp="true"/>
-          </p:cNvSpPr>
-          <p:nvPr>
-            <p:ph idx="1"/>
-          </p:nvPr>
-        </p:nvSpPr>
-        <p:spPr/>
-        <p:txBody>
-          <a:bodyPr/>
-          <a:p>
-            <a:r>
-              <a:rPr lang="zh-CN" altLang="en-US"/>
-              <a:t>感悟</a:t>
-            </a:r>
-            <a:endParaRPr lang="zh-CN" altLang="en-US"/>
-          </a:p>
-        </p:txBody>
-      </p:sp>
-    </p:spTree>
-  </p:cSld>
-  <p:clrMapOvr>
-    <a:masterClrMapping/>
-  </p:clrMapOvr>
-</p:sld>
-</file>
-
-<file path=ppt/slides/slide8.xml><?xml version="1.0" encoding="utf-8"?>
 <p:sld xmlns:a="http://schemas.openxmlformats.org/drawingml/2006/main" xmlns:r="http://schemas.openxmlformats.org/officeDocument/2006/relationships" xmlns:p="http://schemas.openxmlformats.org/presentationml/2006/main">
   <p:cSld>
     <p:spTree>
@@ -5257,7 +6992,7 @@
         <p:spPr>
           <a:xfrm>
             <a:off x="638175" y="292100"/>
-            <a:ext cx="5164455" cy="706755"/>
+            <a:ext cx="5164455" cy="768350"/>
           </a:xfrm>
           <a:prstGeom prst="rect">
             <a:avLst/>
@@ -5270,41 +7005,57 @@
           </a:bodyPr>
           <a:p>
             <a:r>
-              <a:rPr lang="zh-CN" altLang="en-US" sz="4000" b="1">
+              <a:rPr lang="zh-CN" altLang="en-US" sz="4400">
+                <a:ln/>
                 <a:gradFill>
                   <a:gsLst>
-                    <a:gs pos="21000">
-                      <a:srgbClr val="53575C"/>
+                    <a:gs pos="0">
+                      <a:schemeClr val="accent5">
+                        <a:lumMod val="50000"/>
+                      </a:schemeClr>
                     </a:gs>
-                    <a:gs pos="90000">
-                      <a:srgbClr val="C5C7CA">
-                        <a:alpha val="100000"/>
-                        <a:lumMod val="58000"/>
-                      </a:srgbClr>
+                    <a:gs pos="50000">
+                      <a:schemeClr val="accent5"/>
+                    </a:gs>
+                    <a:gs pos="100000">
+                      <a:schemeClr val="accent5">
+                        <a:lumMod val="60000"/>
+                        <a:lumOff val="40000"/>
+                      </a:schemeClr>
                     </a:gs>
                   </a:gsLst>
                   <a:lin ang="5400000"/>
                 </a:gradFill>
-                <a:effectLst/>
+                <a:effectLst>
+                  <a:reflection blurRad="6350" stA="53000" endA="300" endPos="35500" dir="5400000" sy="-90000" algn="bl" rotWithShape="0"/>
+                </a:effectLst>
               </a:rPr>
               <a:t>狄更斯</a:t>
             </a:r>
-            <a:endParaRPr lang="zh-CN" altLang="en-US" sz="4000" b="1">
+            <a:endParaRPr lang="zh-CN" altLang="en-US" sz="4400">
+              <a:ln/>
               <a:gradFill>
                 <a:gsLst>
-                  <a:gs pos="21000">
-                    <a:srgbClr val="53575C"/>
+                  <a:gs pos="0">
+                    <a:schemeClr val="accent5">
+                      <a:lumMod val="50000"/>
+                    </a:schemeClr>
                   </a:gs>
-                  <a:gs pos="90000">
-                    <a:srgbClr val="C5C7CA">
-                      <a:alpha val="100000"/>
-                      <a:lumMod val="58000"/>
-                    </a:srgbClr>
+                  <a:gs pos="50000">
+                    <a:schemeClr val="accent5"/>
+                  </a:gs>
+                  <a:gs pos="100000">
+                    <a:schemeClr val="accent5">
+                      <a:lumMod val="60000"/>
+                      <a:lumOff val="40000"/>
+                    </a:schemeClr>
                   </a:gs>
                 </a:gsLst>
                 <a:lin ang="5400000"/>
               </a:gradFill>
-              <a:effectLst/>
+              <a:effectLst>
+                <a:reflection blurRad="6350" stA="53000" endA="300" endPos="35500" dir="5400000" sy="-90000" algn="bl" rotWithShape="0"/>
+              </a:effectLst>
             </a:endParaRPr>
           </a:p>
         </p:txBody>
@@ -5317,7 +7068,7 @@
         </p:nvSpPr>
         <p:spPr>
           <a:xfrm>
-            <a:off x="638175" y="1228725"/>
+            <a:off x="906145" y="1060450"/>
             <a:ext cx="6001385" cy="5477510"/>
           </a:xfrm>
           <a:prstGeom prst="rect">
@@ -5336,14 +7087,32 @@
               </a:lnSpc>
             </a:pPr>
             <a:r>
-              <a:rPr lang="en-US" sz="2800"/>
+              <a:rPr lang="en-US" sz="2800">
+                <a:solidFill>
+                  <a:schemeClr val="accent1">
+                    <a:lumMod val="50000"/>
+                  </a:schemeClr>
+                </a:solidFill>
+              </a:rPr>
               <a:t>狄更斯1812年2月7日生于朴次茅斯市郊，出生于海军小职员家庭，少年时因家庭生活窘迫，只能断断续续入校求学。后被迫到工厂做童工。15岁以后，当过律师事务所学徒、录事和法庭记录员。20岁开始当报馆采访员，报道下议院。1837年他完成了第一部长篇小说《匹克威克外传》，是第一部现实主义小说创作，后来创作才能日渐成熟</a:t>
             </a:r>
             <a:r>
-              <a:rPr lang="zh-CN" altLang="en-US" sz="2800"/>
+              <a:rPr lang="zh-CN" altLang="en-US" sz="2800">
+                <a:solidFill>
+                  <a:schemeClr val="accent1">
+                    <a:lumMod val="50000"/>
+                  </a:schemeClr>
+                </a:solidFill>
+              </a:rPr>
               <a:t>。</a:t>
             </a:r>
-            <a:endParaRPr lang="zh-CN" altLang="en-US" sz="2800"/>
+            <a:endParaRPr lang="zh-CN" altLang="en-US" sz="2800">
+              <a:solidFill>
+                <a:schemeClr val="accent1">
+                  <a:lumMod val="50000"/>
+                </a:schemeClr>
+              </a:solidFill>
+            </a:endParaRPr>
           </a:p>
         </p:txBody>
       </p:sp>
@@ -5376,10 +7145,99 @@
   <p:clrMapOvr>
     <a:masterClrMapping/>
   </p:clrMapOvr>
+  <p:transition>
+    <p:fade/>
+  </p:transition>
+  <p:timing>
+    <p:tnLst>
+      <p:par>
+        <p:cTn id="1" dur="indefinite" restart="never" nodeType="tmRoot">
+          <p:childTnLst>
+            <p:seq concurrent="1" nextAc="seek">
+              <p:cTn id="2" dur="indefinite" nodeType="mainSeq">
+                <p:childTnLst>
+                  <p:par>
+                    <p:cTn id="3" fill="hold">
+                      <p:stCondLst>
+                        <p:cond delay="indefinite"/>
+                        <p:cond evt="onBegin" delay="0">
+                          <p:tn val="2"/>
+                        </p:cond>
+                      </p:stCondLst>
+                      <p:childTnLst>
+                        <p:par>
+                          <p:cTn id="4" fill="hold">
+                            <p:stCondLst>
+                              <p:cond delay="0"/>
+                            </p:stCondLst>
+                            <p:childTnLst>
+                              <p:par>
+                                <p:cTn id="5" presetID="5" presetClass="entr" presetSubtype="10" fill="hold" nodeType="withEffect">
+                                  <p:stCondLst>
+                                    <p:cond delay="0"/>
+                                  </p:stCondLst>
+                                  <p:childTnLst>
+                                    <p:set>
+                                      <p:cBhvr>
+                                        <p:cTn id="6" dur="1" fill="hold">
+                                          <p:stCondLst>
+                                            <p:cond delay="0"/>
+                                          </p:stCondLst>
+                                        </p:cTn>
+                                        <p:tgtEl>
+                                          <p:spTgt spid="2"/>
+                                        </p:tgtEl>
+                                        <p:attrNameLst>
+                                          <p:attrName>style.visibility</p:attrName>
+                                        </p:attrNameLst>
+                                      </p:cBhvr>
+                                      <p:to>
+                                        <p:strVal val="visible"/>
+                                      </p:to>
+                                    </p:set>
+                                    <p:animEffect transition="in" filter="checkerboard(across)">
+                                      <p:cBhvr>
+                                        <p:cTn id="7" dur="500"/>
+                                        <p:tgtEl>
+                                          <p:spTgt spid="2"/>
+                                        </p:tgtEl>
+                                      </p:cBhvr>
+                                    </p:animEffect>
+                                  </p:childTnLst>
+                                </p:cTn>
+                              </p:par>
+                            </p:childTnLst>
+                          </p:cTn>
+                        </p:par>
+                      </p:childTnLst>
+                    </p:cTn>
+                  </p:par>
+                </p:childTnLst>
+              </p:cTn>
+              <p:prevCondLst>
+                <p:cond evt="onPrev" delay="0">
+                  <p:tgtEl>
+                    <p:sldTgt/>
+                  </p:tgtEl>
+                </p:cond>
+              </p:prevCondLst>
+              <p:nextCondLst>
+                <p:cond evt="onNext" delay="0">
+                  <p:tgtEl>
+                    <p:sldTgt/>
+                  </p:tgtEl>
+                </p:cond>
+              </p:nextCondLst>
+            </p:seq>
+          </p:childTnLst>
+        </p:cTn>
+      </p:par>
+    </p:tnLst>
+  </p:timing>
 </p:sld>
 </file>
 
-<file path=ppt/slides/slide9.xml><?xml version="1.0" encoding="utf-8"?>
+<file path=ppt/slides/slide8.xml><?xml version="1.0" encoding="utf-8"?>
 <p:sld xmlns:a="http://schemas.openxmlformats.org/drawingml/2006/main" xmlns:r="http://schemas.openxmlformats.org/officeDocument/2006/relationships" xmlns:p="http://schemas.openxmlformats.org/presentationml/2006/main">
   <p:cSld>
     <p:spTree>
@@ -5411,37 +7269,90 @@
           </a:bodyPr>
           <a:p>
             <a:r>
-              <a:rPr lang="zh-CN" altLang="en-US" sz="3200"/>
+              <a:rPr lang="zh-CN" altLang="en-US" sz="3200">
+                <a:solidFill>
+                  <a:schemeClr val="accent1">
+                    <a:lumMod val="50000"/>
+                  </a:schemeClr>
+                </a:solidFill>
+              </a:rPr>
               <a:t>狄更斯特别注意描写生活在英国社会底层的“小人物”的生活遭遇，体验生活，不管刮风下雨，每天都坚持去观察、谛听，记录下行人的零言碎语，积累了丰富的生活资料。</a:t>
             </a:r>
-            <a:endParaRPr lang="zh-CN" altLang="en-US" sz="3200"/>
-          </a:p>
-          <a:p>
-            <a:r>
-              <a:rPr lang="zh-CN" altLang="en-US" sz="3200"/>
+            <a:endParaRPr lang="zh-CN" altLang="en-US" sz="3200">
+              <a:solidFill>
+                <a:schemeClr val="accent1">
+                  <a:lumMod val="50000"/>
+                </a:schemeClr>
+              </a:solidFill>
+            </a:endParaRPr>
+          </a:p>
+          <a:p>
+            <a:r>
+              <a:rPr lang="zh-CN" altLang="en-US" sz="3200">
+                <a:solidFill>
+                  <a:schemeClr val="accent1">
+                    <a:lumMod val="50000"/>
+                  </a:schemeClr>
+                </a:solidFill>
+              </a:rPr>
               <a:t>因此，他在《大卫</a:t>
             </a:r>
             <a:r>
               <a:rPr lang="en-US" sz="3200">
+                <a:solidFill>
+                  <a:schemeClr val="accent1">
+                    <a:lumMod val="50000"/>
+                  </a:schemeClr>
+                </a:solidFill>
                 <a:sym typeface="+mn-ea"/>
               </a:rPr>
               <a:t>·</a:t>
             </a:r>
             <a:r>
-              <a:rPr lang="zh-CN" altLang="en-US" sz="3200"/>
+              <a:rPr lang="zh-CN" altLang="en-US" sz="3200">
+                <a:solidFill>
+                  <a:schemeClr val="accent1">
+                    <a:lumMod val="50000"/>
+                  </a:schemeClr>
+                </a:solidFill>
+              </a:rPr>
               <a:t>科波菲尔》中写下精彩的人物描写对话，在《双城记》中留下逼真的社会背景描写，从而成为英国一代文豪，取得了他文学事业上的巨大成功。</a:t>
             </a:r>
-            <a:endParaRPr lang="zh-CN" altLang="en-US" sz="3200"/>
-          </a:p>
-          <a:p>
-            <a:endParaRPr lang="zh-CN" altLang="en-US" sz="3200"/>
-          </a:p>
-          <a:p>
-            <a:r>
-              <a:rPr lang="zh-CN" altLang="en-US" sz="3200"/>
+            <a:endParaRPr lang="zh-CN" altLang="en-US" sz="3200">
+              <a:solidFill>
+                <a:schemeClr val="accent1">
+                  <a:lumMod val="50000"/>
+                </a:schemeClr>
+              </a:solidFill>
+            </a:endParaRPr>
+          </a:p>
+          <a:p>
+            <a:endParaRPr lang="zh-CN" altLang="en-US" sz="3200">
+              <a:solidFill>
+                <a:schemeClr val="accent1">
+                  <a:lumMod val="50000"/>
+                </a:schemeClr>
+              </a:solidFill>
+            </a:endParaRPr>
+          </a:p>
+          <a:p>
+            <a:r>
+              <a:rPr lang="zh-CN" altLang="en-US" sz="3200">
+                <a:solidFill>
+                  <a:schemeClr val="accent1">
+                    <a:lumMod val="50000"/>
+                  </a:schemeClr>
+                </a:solidFill>
+              </a:rPr>
               <a:t>他的作品深刻地反映了当时英国复杂的社会现实，为英国批判现实主义文学的开拓和发展做出了卓越的贡献。他的作品对英国文学发展起到了深远的影响。</a:t>
             </a:r>
-            <a:endParaRPr lang="zh-CN" altLang="en-US" sz="3200"/>
+            <a:endParaRPr lang="zh-CN" altLang="en-US" sz="3200">
+              <a:solidFill>
+                <a:schemeClr val="accent1">
+                  <a:lumMod val="50000"/>
+                </a:schemeClr>
+              </a:solidFill>
+            </a:endParaRPr>
           </a:p>
         </p:txBody>
       </p:sp>
@@ -5450,6 +7361,196 @@
   <p:clrMapOvr>
     <a:masterClrMapping/>
   </p:clrMapOvr>
+  <p:transition>
+    <p:fade/>
+  </p:transition>
+</p:sld>
+</file>
+
+<file path=ppt/slides/slide9.xml><?xml version="1.0" encoding="utf-8"?>
+<p:sld xmlns:a="http://schemas.openxmlformats.org/drawingml/2006/main" xmlns:r="http://schemas.openxmlformats.org/officeDocument/2006/relationships" xmlns:p="http://schemas.openxmlformats.org/presentationml/2006/main">
+  <p:cSld>
+    <p:spTree>
+      <p:nvGrpSpPr>
+        <p:cNvPr id="1" name=""/>
+        <p:cNvGrpSpPr/>
+        <p:nvPr/>
+      </p:nvGrpSpPr>
+      <p:grpSpPr/>
+      <p:sp>
+        <p:nvSpPr>
+          <p:cNvPr id="4" name="Text Box 3"/>
+          <p:cNvSpPr txBox="true"/>
+          <p:nvPr/>
+        </p:nvSpPr>
+        <p:spPr>
+          <a:xfrm>
+            <a:off x="1945640" y="2644775"/>
+            <a:ext cx="8571865" cy="1753235"/>
+          </a:xfrm>
+          <a:prstGeom prst="rect">
+            <a:avLst/>
+          </a:prstGeom>
+          <a:noFill/>
+        </p:spPr>
+        <p:txBody>
+          <a:bodyPr wrap="square" rtlCol="0">
+            <a:spAutoFit/>
+          </a:bodyPr>
+          <a:p>
+            <a:r>
+              <a:rPr lang="en-US" altLang="zh-CN" sz="3600">
+                <a:solidFill>
+                  <a:schemeClr val="accent1">
+                    <a:lumMod val="50000"/>
+                  </a:schemeClr>
+                </a:solidFill>
+              </a:rPr>
+              <a:t>1. </a:t>
+            </a:r>
+            <a:r>
+              <a:rPr lang="zh-CN" altLang="en-US" sz="3600">
+                <a:solidFill>
+                  <a:schemeClr val="accent1">
+                    <a:lumMod val="50000"/>
+                  </a:schemeClr>
+                </a:solidFill>
+              </a:rPr>
+              <a:t>你从名人身上学到了什么</a:t>
+            </a:r>
+            <a:endParaRPr lang="zh-CN" altLang="en-US" sz="3600">
+              <a:solidFill>
+                <a:schemeClr val="accent1">
+                  <a:lumMod val="50000"/>
+                </a:schemeClr>
+              </a:solidFill>
+            </a:endParaRPr>
+          </a:p>
+          <a:p>
+            <a:endParaRPr lang="zh-CN" altLang="en-US" sz="3600">
+              <a:solidFill>
+                <a:schemeClr val="accent1">
+                  <a:lumMod val="50000"/>
+                </a:schemeClr>
+              </a:solidFill>
+            </a:endParaRPr>
+          </a:p>
+          <a:p>
+            <a:r>
+              <a:rPr lang="en-US" altLang="zh-CN" sz="3600">
+                <a:solidFill>
+                  <a:schemeClr val="accent1">
+                    <a:lumMod val="50000"/>
+                  </a:schemeClr>
+                </a:solidFill>
+              </a:rPr>
+              <a:t>2. </a:t>
+            </a:r>
+            <a:r>
+              <a:rPr lang="zh-CN" altLang="en-US" sz="3600">
+                <a:solidFill>
+                  <a:schemeClr val="accent1">
+                    <a:lumMod val="50000"/>
+                  </a:schemeClr>
+                </a:solidFill>
+              </a:rPr>
+              <a:t>你又如何运用到自己的生活中去</a:t>
+            </a:r>
+            <a:endParaRPr lang="zh-CN" altLang="en-US" sz="3600">
+              <a:solidFill>
+                <a:schemeClr val="accent1">
+                  <a:lumMod val="50000"/>
+                </a:schemeClr>
+              </a:solidFill>
+            </a:endParaRPr>
+          </a:p>
+        </p:txBody>
+      </p:sp>
+      <p:sp>
+        <p:nvSpPr>
+          <p:cNvPr id="5" name="Text Box 4"/>
+          <p:cNvSpPr txBox="true"/>
+          <p:nvPr/>
+        </p:nvSpPr>
+        <p:spPr>
+          <a:xfrm>
+            <a:off x="1286510" y="794385"/>
+            <a:ext cx="4307205" cy="829945"/>
+          </a:xfrm>
+          <a:prstGeom prst="rect">
+            <a:avLst/>
+          </a:prstGeom>
+          <a:noFill/>
+        </p:spPr>
+        <p:txBody>
+          <a:bodyPr wrap="square" rtlCol="0">
+            <a:spAutoFit/>
+          </a:bodyPr>
+          <a:p>
+            <a:r>
+              <a:rPr lang="zh-CN" altLang="en-US" sz="4800">
+                <a:ln/>
+                <a:gradFill>
+                  <a:gsLst>
+                    <a:gs pos="0">
+                      <a:schemeClr val="accent5">
+                        <a:lumMod val="50000"/>
+                      </a:schemeClr>
+                    </a:gs>
+                    <a:gs pos="50000">
+                      <a:schemeClr val="accent5"/>
+                    </a:gs>
+                    <a:gs pos="100000">
+                      <a:schemeClr val="accent5">
+                        <a:lumMod val="60000"/>
+                        <a:lumOff val="40000"/>
+                      </a:schemeClr>
+                    </a:gs>
+                  </a:gsLst>
+                  <a:lin ang="5400000"/>
+                </a:gradFill>
+                <a:effectLst>
+                  <a:reflection blurRad="6350" stA="53000" endA="300" endPos="35500" dir="5400000" sy="-90000" algn="bl" rotWithShape="0"/>
+                </a:effectLst>
+              </a:rPr>
+              <a:t>分享</a:t>
+            </a:r>
+            <a:endParaRPr lang="zh-CN" altLang="en-US" sz="4800">
+              <a:ln/>
+              <a:gradFill>
+                <a:gsLst>
+                  <a:gs pos="0">
+                    <a:schemeClr val="accent5">
+                      <a:lumMod val="50000"/>
+                    </a:schemeClr>
+                  </a:gs>
+                  <a:gs pos="50000">
+                    <a:schemeClr val="accent5"/>
+                  </a:gs>
+                  <a:gs pos="100000">
+                    <a:schemeClr val="accent5">
+                      <a:lumMod val="60000"/>
+                      <a:lumOff val="40000"/>
+                    </a:schemeClr>
+                  </a:gs>
+                </a:gsLst>
+                <a:lin ang="5400000"/>
+              </a:gradFill>
+              <a:effectLst>
+                <a:reflection blurRad="6350" stA="53000" endA="300" endPos="35500" dir="5400000" sy="-90000" algn="bl" rotWithShape="0"/>
+              </a:effectLst>
+            </a:endParaRPr>
+          </a:p>
+        </p:txBody>
+      </p:sp>
+    </p:spTree>
+  </p:cSld>
+  <p:clrMapOvr>
+    <a:masterClrMapping/>
+  </p:clrMapOvr>
+  <p:transition>
+    <p:fade/>
+  </p:transition>
 </p:sld>
 </file>
 

--- a/坚持.pptx
+++ b/坚持.pptx
@@ -3870,6 +3870,9 @@
   <p:clrMapOvr>
     <a:masterClrMapping/>
   </p:clrMapOvr>
+  <p:transition>
+    <p:fade/>
+  </p:transition>
 </p:sld>
 </file>
 
@@ -3893,7 +3896,12 @@
             <p:ph type="title"/>
           </p:nvPr>
         </p:nvSpPr>
-        <p:spPr/>
+        <p:spPr>
+          <a:xfrm>
+            <a:off x="647700" y="380365"/>
+            <a:ext cx="10515600" cy="1325563"/>
+          </a:xfrm>
+        </p:spPr>
         <p:txBody>
           <a:bodyPr/>
           <a:p>
@@ -3955,16 +3963,16 @@
       </p:sp>
       <p:grpSp>
         <p:nvGrpSpPr>
-          <p:cNvPr id="25" name="Group 24"/>
+          <p:cNvPr id="26" name="Group 25"/>
           <p:cNvGrpSpPr/>
           <p:nvPr/>
         </p:nvGrpSpPr>
         <p:grpSpPr>
           <a:xfrm>
-            <a:off x="2727960" y="2091690"/>
-            <a:ext cx="8656320" cy="2999740"/>
-            <a:chOff x="2553" y="3069"/>
-            <a:chExt cx="13632" cy="4724"/>
+            <a:off x="2506980" y="2221230"/>
+            <a:ext cx="8656320" cy="3322320"/>
+            <a:chOff x="3948" y="3498"/>
+            <a:chExt cx="13632" cy="5232"/>
           </a:xfrm>
         </p:grpSpPr>
         <p:sp>
@@ -3975,8 +3983,8 @@
           </p:nvSpPr>
           <p:spPr>
             <a:xfrm>
-              <a:off x="3015" y="3069"/>
-              <a:ext cx="13170" cy="4724"/>
+              <a:off x="4410" y="3498"/>
+              <a:ext cx="13170" cy="5233"/>
             </a:xfrm>
             <a:prstGeom prst="rect">
               <a:avLst/>
@@ -3994,10 +4002,10 @@
                 </a:lnSpc>
               </a:pPr>
               <a:r>
-                <a:rPr lang="zh-CN" altLang="en-US" sz="3600"/>
+                <a:rPr lang="zh-CN" altLang="en-US" sz="4000"/>
                 <a:t>名人故事</a:t>
               </a:r>
-              <a:endParaRPr lang="zh-CN" altLang="en-US" sz="3600"/>
+              <a:endParaRPr lang="zh-CN" altLang="en-US" sz="4000"/>
             </a:p>
             <a:p>
               <a:pPr fontAlgn="auto">
@@ -4005,7 +4013,7 @@
                   <a:spcPct val="75000"/>
                 </a:lnSpc>
               </a:pPr>
-              <a:endParaRPr lang="zh-CN" altLang="en-US" sz="3600"/>
+              <a:endParaRPr lang="zh-CN" altLang="en-US" sz="4000"/>
             </a:p>
             <a:p>
               <a:pPr fontAlgn="auto">
@@ -4014,14 +4022,14 @@
                 </a:lnSpc>
               </a:pPr>
               <a:r>
-                <a:rPr lang="" altLang="zh-CN" sz="3600"/>
+                <a:rPr lang="" altLang="zh-CN" sz="4000"/>
                 <a:t>	</a:t>
               </a:r>
               <a:r>
-                <a:rPr lang="zh-CN" altLang="en-US" sz="3600"/>
+                <a:rPr lang="zh-CN" altLang="en-US" sz="4000"/>
                 <a:t>一起坚持</a:t>
               </a:r>
-              <a:endParaRPr lang="zh-CN" altLang="en-US" sz="3600"/>
+              <a:endParaRPr lang="zh-CN" altLang="en-US" sz="4000"/>
             </a:p>
             <a:p>
               <a:pPr fontAlgn="auto">
@@ -4029,7 +4037,7 @@
                   <a:spcPct val="75000"/>
                 </a:lnSpc>
               </a:pPr>
-              <a:endParaRPr lang="en-US" altLang="zh-CN" sz="3600"/>
+              <a:endParaRPr lang="en-US" altLang="zh-CN" sz="4000"/>
             </a:p>
             <a:p>
               <a:pPr fontAlgn="auto">
@@ -4038,14 +4046,14 @@
                 </a:lnSpc>
               </a:pPr>
               <a:r>
-                <a:rPr lang="" altLang="zh-CN" sz="3600"/>
+                <a:rPr lang="" altLang="zh-CN" sz="4000"/>
                 <a:t>		</a:t>
               </a:r>
               <a:r>
-                <a:rPr lang="zh-CN" altLang="en-US" sz="3600"/>
+                <a:rPr lang="zh-CN" altLang="en-US" sz="4000"/>
                 <a:t>如何坚持</a:t>
               </a:r>
-              <a:endParaRPr lang="zh-CN" altLang="en-US" sz="3600"/>
+              <a:endParaRPr lang="zh-CN" altLang="en-US" sz="4000"/>
             </a:p>
             <a:p>
               <a:pPr fontAlgn="auto">
@@ -4053,7 +4061,7 @@
                   <a:spcPct val="75000"/>
                 </a:lnSpc>
               </a:pPr>
-              <a:endParaRPr lang="zh-CN" altLang="en-US" sz="3600"/>
+              <a:endParaRPr lang="zh-CN" altLang="en-US" sz="4000"/>
             </a:p>
             <a:p>
               <a:pPr fontAlgn="auto">
@@ -4062,14 +4070,14 @@
                 </a:lnSpc>
               </a:pPr>
               <a:r>
-                <a:rPr lang="" altLang="zh-CN" sz="3600"/>
+                <a:rPr lang="" altLang="zh-CN" sz="4000"/>
                 <a:t>			</a:t>
               </a:r>
               <a:r>
-                <a:rPr lang="zh-CN" altLang="en-US" sz="3600"/>
+                <a:rPr lang="zh-CN" altLang="en-US" sz="4000"/>
                 <a:t>分享坚持</a:t>
               </a:r>
-              <a:endParaRPr lang="zh-CN" altLang="en-US" sz="3600"/>
+              <a:endParaRPr lang="zh-CN" altLang="en-US" sz="4000"/>
             </a:p>
           </p:txBody>
         </p:sp>
@@ -4080,8 +4088,8 @@
             <p:nvPr/>
           </p:nvGrpSpPr>
           <p:grpSpPr>
-            <a:xfrm>
-              <a:off x="2553" y="3156"/>
+            <a:xfrm rot="0">
+              <a:off x="3948" y="3585"/>
               <a:ext cx="514" cy="514"/>
               <a:chOff x="8685" y="660"/>
               <a:chExt cx="5148" cy="5148"/>
@@ -4214,8 +4222,8 @@
             <p:nvPr/>
           </p:nvGrpSpPr>
           <p:grpSpPr>
-            <a:xfrm>
-              <a:off x="4035" y="4470"/>
+            <a:xfrm rot="0">
+              <a:off x="5463" y="5059"/>
               <a:ext cx="514" cy="514"/>
               <a:chOff x="8685" y="660"/>
               <a:chExt cx="5148" cy="5148"/>
@@ -4348,8 +4356,8 @@
             <p:nvPr/>
           </p:nvGrpSpPr>
           <p:grpSpPr>
-            <a:xfrm>
-              <a:off x="5467" y="5766"/>
+            <a:xfrm rot="0">
+              <a:off x="6862" y="6483"/>
               <a:ext cx="514" cy="514"/>
               <a:chOff x="8685" y="660"/>
               <a:chExt cx="5148" cy="5148"/>
@@ -4482,8 +4490,8 @@
             <p:nvPr/>
           </p:nvGrpSpPr>
           <p:grpSpPr>
-            <a:xfrm>
-              <a:off x="6949" y="7048"/>
+            <a:xfrm rot="0">
+              <a:off x="8344" y="7925"/>
               <a:ext cx="514" cy="514"/>
               <a:chOff x="8685" y="660"/>
               <a:chExt cx="5148" cy="5148"/>
@@ -4642,7 +4650,7 @@
                             </p:stCondLst>
                             <p:childTnLst>
                               <p:par>
-                                <p:cTn id="5" presetID="14" presetClass="entr" presetSubtype="5" fill="hold" nodeType="afterEffect">
+                                <p:cTn id="5" presetID="14" presetClass="entr" presetSubtype="5" fill="hold" nodeType="withEffect">
                                   <p:stCondLst>
                                     <p:cond delay="0"/>
                                   </p:stCondLst>
@@ -4655,7 +4663,7 @@
                                           </p:stCondLst>
                                         </p:cTn>
                                         <p:tgtEl>
-                                          <p:spTgt spid="25"/>
+                                          <p:spTgt spid="26"/>
                                         </p:tgtEl>
                                         <p:attrNameLst>
                                           <p:attrName>style.visibility</p:attrName>
@@ -4669,7 +4677,7 @@
                                       <p:cBhvr>
                                         <p:cTn id="7" dur="1000"/>
                                         <p:tgtEl>
-                                          <p:spTgt spid="25"/>
+                                          <p:spTgt spid="26"/>
                                         </p:tgtEl>
                                       </p:cBhvr>
                                     </p:animEffect>

--- a/坚持.pptx
+++ b/坚持.pptx
@@ -5,10 +5,10 @@
     <p:sldMasterId id="2147483648" r:id="rId1"/>
   </p:sldMasterIdLst>
   <p:notesMasterIdLst>
-    <p:notesMasterId r:id="rId13"/>
+    <p:notesMasterId r:id="rId16"/>
   </p:notesMasterIdLst>
   <p:handoutMasterIdLst>
-    <p:handoutMasterId r:id="rId14"/>
+    <p:handoutMasterId r:id="rId17"/>
   </p:handoutMasterIdLst>
   <p:sldIdLst>
     <p:sldId id="256" r:id="rId3"/>
@@ -19,8 +19,11 @@
     <p:sldId id="275" r:id="rId8"/>
     <p:sldId id="259" r:id="rId9"/>
     <p:sldId id="261" r:id="rId10"/>
-    <p:sldId id="277" r:id="rId11"/>
-    <p:sldId id="278" r:id="rId12"/>
+    <p:sldId id="280" r:id="rId11"/>
+    <p:sldId id="281" r:id="rId12"/>
+    <p:sldId id="282" r:id="rId13"/>
+    <p:sldId id="277" r:id="rId14"/>
+    <p:sldId id="278" r:id="rId15"/>
   </p:sldIdLst>
   <p:sldSz cx="12192000" cy="6858000"/>
   <p:notesSz cx="7103745" cy="10234295"/>
@@ -119,6 +122,29 @@
       </a:defRPr>
     </a:lvl9pPr>
   </p:defaultTextStyle>
+  <p:extLst>
+    <p:ext uri="{521415D9-36F7-43E2-AB2F-B90AF26B5E84}">
+      <p14:sectionLst xmlns:p14="http://schemas.microsoft.com/office/powerpoint/2010/main">
+        <p14:section name="Default Section" id="{1770bd91-6c7b-4e0e-b269-104e2c0cf2ae}">
+          <p14:sldIdLst>
+            <p14:sldId id="256"/>
+            <p14:sldId id="257"/>
+            <p14:sldId id="269"/>
+            <p14:sldId id="270"/>
+            <p14:sldId id="268"/>
+            <p14:sldId id="275"/>
+            <p14:sldId id="259"/>
+            <p14:sldId id="261"/>
+            <p14:sldId id="280"/>
+            <p14:sldId id="281"/>
+            <p14:sldId id="282"/>
+            <p14:sldId id="277"/>
+            <p14:sldId id="278"/>
+          </p14:sldIdLst>
+        </p14:section>
+      </p14:sectionLst>
+    </p:ext>
+  </p:extLst>
 </p:presentation>
 </file>
 
@@ -3795,6 +3821,490 @@
         <p:nvPr/>
       </p:nvGrpSpPr>
       <p:grpSpPr/>
+      <p:pic>
+        <p:nvPicPr>
+          <p:cNvPr id="4" name="坚持的视频">
+            <a:hlinkClick r:id="" action="ppaction://media"/>
+          </p:cNvPr>
+          <p:cNvPicPr/>
+          <p:nvPr>
+            <p:ph idx="1"/>
+            <a:videoFile r:link="rId1"/>
+            <p:extLst>
+              <p:ext uri="{DAA4B4D4-6D71-4841-9C94-3DE7FCFB9230}">
+                <p14:media xmlns:p14="http://schemas.microsoft.com/office/powerpoint/2010/main" r:link="rId2"/>
+              </p:ext>
+            </p:extLst>
+          </p:nvPr>
+        </p:nvPicPr>
+        <p:blipFill>
+          <a:blip r:embed="rId3"/>
+          <a:stretch>
+            <a:fillRect/>
+          </a:stretch>
+        </p:blipFill>
+        <p:spPr>
+          <a:xfrm>
+            <a:off x="4297045" y="231140"/>
+            <a:ext cx="3597910" cy="6395720"/>
+          </a:xfrm>
+          <a:prstGeom prst="rect">
+            <a:avLst/>
+          </a:prstGeom>
+        </p:spPr>
+      </p:pic>
+    </p:spTree>
+  </p:cSld>
+  <p:clrMapOvr>
+    <a:masterClrMapping/>
+  </p:clrMapOvr>
+  <p:timing>
+    <p:tnLst>
+      <p:par>
+        <p:cTn id="1" dur="indefinite" restart="never" nodeType="tmRoot">
+          <p:childTnLst>
+            <p:video fullScrn="false">
+              <p:cMediaNode>
+                <p:cTn id="2" fill="hold" display="1">
+                  <p:stCondLst>
+                    <p:cond delay="indefinite"/>
+                  </p:stCondLst>
+                  <p:endCondLst>
+                    <p:cond evt="onNext">
+                      <p:tgtEl>
+                        <p:sldTgt/>
+                      </p:tgtEl>
+                    </p:cond>
+                    <p:cond evt="onPrev">
+                      <p:tgtEl>
+                        <p:sldTgt/>
+                      </p:tgtEl>
+                    </p:cond>
+                  </p:endCondLst>
+                </p:cTn>
+                <p:tgtEl>
+                  <p:spTgt spid="4"/>
+                </p:tgtEl>
+              </p:cMediaNode>
+            </p:video>
+            <p:seq concurrent="1" nextAc="seek">
+              <p:cTn id="3" restart="whenNotActive" fill="hold" evtFilter="cancelBubble" nodeType="interactiveSeq">
+                <p:stCondLst>
+                  <p:cond evt="onClick" delay="0">
+                    <p:tgtEl>
+                      <p:spTgt spid="4"/>
+                    </p:tgtEl>
+                  </p:cond>
+                </p:stCondLst>
+                <p:endSync evt="end" delay="0">
+                  <p:rtn val="all"/>
+                </p:endSync>
+                <p:childTnLst>
+                  <p:par>
+                    <p:cTn id="4" fill="hold">
+                      <p:stCondLst>
+                        <p:cond delay="0"/>
+                      </p:stCondLst>
+                      <p:childTnLst>
+                        <p:par>
+                          <p:cTn id="5" fill="hold">
+                            <p:stCondLst>
+                              <p:cond delay="0"/>
+                            </p:stCondLst>
+                            <p:childTnLst>
+                              <p:par>
+                                <p:cTn id="6" presetID="2" presetClass="mediacall" presetSubtype="0" fill="hold" nodeType="clickEffect">
+                                  <p:stCondLst>
+                                    <p:cond delay="0"/>
+                                  </p:stCondLst>
+                                  <p:childTnLst>
+                                    <p:cmd type="call" cmd="togglePause">
+                                      <p:cBhvr additive="base">
+                                        <p:cTn id="7" dur="1" fill="hold"/>
+                                        <p:tgtEl>
+                                          <p:spTgt spid="4"/>
+                                        </p:tgtEl>
+                                      </p:cBhvr>
+                                    </p:cmd>
+                                  </p:childTnLst>
+                                </p:cTn>
+                              </p:par>
+                            </p:childTnLst>
+                          </p:cTn>
+                        </p:par>
+                      </p:childTnLst>
+                    </p:cTn>
+                  </p:par>
+                </p:childTnLst>
+              </p:cTn>
+              <p:nextCondLst>
+                <p:cond evt="onClick" delay="0">
+                  <p:tgtEl>
+                    <p:spTgt spid="4"/>
+                  </p:tgtEl>
+                </p:cond>
+              </p:nextCondLst>
+            </p:seq>
+          </p:childTnLst>
+        </p:cTn>
+      </p:par>
+    </p:tnLst>
+  </p:timing>
+</p:sld>
+</file>
+
+<file path=ppt/slides/slide11.xml><?xml version="1.0" encoding="utf-8"?>
+<p:sld xmlns:a="http://schemas.openxmlformats.org/drawingml/2006/main" xmlns:r="http://schemas.openxmlformats.org/officeDocument/2006/relationships" xmlns:p="http://schemas.openxmlformats.org/presentationml/2006/main">
+  <p:cSld>
+    <p:spTree>
+      <p:nvGrpSpPr>
+        <p:cNvPr id="1" name=""/>
+        <p:cNvGrpSpPr/>
+        <p:nvPr/>
+      </p:nvGrpSpPr>
+      <p:grpSpPr/>
+      <p:pic>
+        <p:nvPicPr>
+          <p:cNvPr id="4" name="坚持的不可能">
+            <a:hlinkClick r:id="" action="ppaction://media"/>
+          </p:cNvPr>
+          <p:cNvPicPr/>
+          <p:nvPr>
+            <p:ph idx="1"/>
+            <a:videoFile r:link="rId1"/>
+            <p:extLst>
+              <p:ext uri="{DAA4B4D4-6D71-4841-9C94-3DE7FCFB9230}">
+                <p14:media xmlns:p14="http://schemas.microsoft.com/office/powerpoint/2010/main" r:link="rId2"/>
+              </p:ext>
+            </p:extLst>
+          </p:nvPr>
+        </p:nvPicPr>
+        <p:blipFill>
+          <a:blip r:embed="rId3"/>
+          <a:stretch>
+            <a:fillRect/>
+          </a:stretch>
+        </p:blipFill>
+        <p:spPr>
+          <a:xfrm>
+            <a:off x="574040" y="668020"/>
+            <a:ext cx="11043920" cy="5522595"/>
+          </a:xfrm>
+          <a:prstGeom prst="rect">
+            <a:avLst/>
+          </a:prstGeom>
+        </p:spPr>
+      </p:pic>
+    </p:spTree>
+  </p:cSld>
+  <p:clrMapOvr>
+    <a:masterClrMapping/>
+  </p:clrMapOvr>
+  <p:timing>
+    <p:tnLst>
+      <p:par>
+        <p:cTn id="1" dur="indefinite" restart="never" nodeType="tmRoot">
+          <p:childTnLst>
+            <p:video fullScrn="false">
+              <p:cMediaNode>
+                <p:cTn id="2" fill="hold" display="1">
+                  <p:stCondLst>
+                    <p:cond delay="indefinite"/>
+                  </p:stCondLst>
+                  <p:endCondLst>
+                    <p:cond evt="onNext">
+                      <p:tgtEl>
+                        <p:sldTgt/>
+                      </p:tgtEl>
+                    </p:cond>
+                    <p:cond evt="onPrev">
+                      <p:tgtEl>
+                        <p:sldTgt/>
+                      </p:tgtEl>
+                    </p:cond>
+                  </p:endCondLst>
+                </p:cTn>
+                <p:tgtEl>
+                  <p:spTgt spid="4"/>
+                </p:tgtEl>
+              </p:cMediaNode>
+            </p:video>
+            <p:seq concurrent="1" nextAc="seek">
+              <p:cTn id="3" restart="whenNotActive" fill="hold" evtFilter="cancelBubble" nodeType="interactiveSeq">
+                <p:stCondLst>
+                  <p:cond evt="onClick" delay="0">
+                    <p:tgtEl>
+                      <p:spTgt spid="4"/>
+                    </p:tgtEl>
+                  </p:cond>
+                </p:stCondLst>
+                <p:endSync evt="end" delay="0">
+                  <p:rtn val="all"/>
+                </p:endSync>
+                <p:childTnLst>
+                  <p:par>
+                    <p:cTn id="4" fill="hold">
+                      <p:stCondLst>
+                        <p:cond delay="0"/>
+                      </p:stCondLst>
+                      <p:childTnLst>
+                        <p:par>
+                          <p:cTn id="5" fill="hold">
+                            <p:stCondLst>
+                              <p:cond delay="0"/>
+                            </p:stCondLst>
+                            <p:childTnLst>
+                              <p:par>
+                                <p:cTn id="6" presetID="2" presetClass="mediacall" presetSubtype="0" fill="hold" nodeType="clickEffect">
+                                  <p:stCondLst>
+                                    <p:cond delay="0"/>
+                                  </p:stCondLst>
+                                  <p:childTnLst>
+                                    <p:cmd type="call" cmd="togglePause">
+                                      <p:cBhvr additive="base">
+                                        <p:cTn id="7" dur="1" fill="hold"/>
+                                        <p:tgtEl>
+                                          <p:spTgt spid="4"/>
+                                        </p:tgtEl>
+                                      </p:cBhvr>
+                                    </p:cmd>
+                                  </p:childTnLst>
+                                </p:cTn>
+                              </p:par>
+                            </p:childTnLst>
+                          </p:cTn>
+                        </p:par>
+                      </p:childTnLst>
+                    </p:cTn>
+                  </p:par>
+                </p:childTnLst>
+              </p:cTn>
+              <p:nextCondLst>
+                <p:cond evt="onClick" delay="0">
+                  <p:tgtEl>
+                    <p:spTgt spid="4"/>
+                  </p:tgtEl>
+                </p:cond>
+              </p:nextCondLst>
+            </p:seq>
+          </p:childTnLst>
+        </p:cTn>
+      </p:par>
+    </p:tnLst>
+  </p:timing>
+</p:sld>
+</file>
+
+<file path=ppt/slides/slide12.xml><?xml version="1.0" encoding="utf-8"?>
+<p:sld xmlns:a="http://schemas.openxmlformats.org/drawingml/2006/main" xmlns:r="http://schemas.openxmlformats.org/officeDocument/2006/relationships" xmlns:p="http://schemas.openxmlformats.org/presentationml/2006/main">
+  <p:cSld>
+    <p:spTree>
+      <p:nvGrpSpPr>
+        <p:cNvPr id="1" name=""/>
+        <p:cNvGrpSpPr/>
+        <p:nvPr/>
+      </p:nvGrpSpPr>
+      <p:grpSpPr/>
+      <p:sp>
+        <p:nvSpPr>
+          <p:cNvPr id="4" name="Text Box 3"/>
+          <p:cNvSpPr txBox="true"/>
+          <p:nvPr/>
+        </p:nvSpPr>
+        <p:spPr>
+          <a:xfrm>
+            <a:off x="1809750" y="2611120"/>
+            <a:ext cx="8571865" cy="1635760"/>
+          </a:xfrm>
+          <a:prstGeom prst="rect">
+            <a:avLst/>
+          </a:prstGeom>
+          <a:noFill/>
+        </p:spPr>
+        <p:txBody>
+          <a:bodyPr wrap="square" rtlCol="0">
+            <a:spAutoFit/>
+          </a:bodyPr>
+          <a:p>
+            <a:pPr fontAlgn="auto">
+              <a:lnSpc>
+                <a:spcPct val="93000"/>
+              </a:lnSpc>
+            </a:pPr>
+            <a:r>
+              <a:rPr lang="en-US" altLang="zh-CN" sz="3600">
+                <a:solidFill>
+                  <a:schemeClr val="accent1">
+                    <a:lumMod val="50000"/>
+                  </a:schemeClr>
+                </a:solidFill>
+              </a:rPr>
+              <a:t>1. </a:t>
+            </a:r>
+            <a:r>
+              <a:rPr lang="zh-CN" altLang="en-US" sz="3600">
+                <a:solidFill>
+                  <a:schemeClr val="accent1">
+                    <a:lumMod val="50000"/>
+                  </a:schemeClr>
+                </a:solidFill>
+              </a:rPr>
+              <a:t>你从名人身上学到了什么？</a:t>
+            </a:r>
+            <a:endParaRPr lang="zh-CN" altLang="en-US" sz="3600">
+              <a:solidFill>
+                <a:schemeClr val="accent1">
+                  <a:lumMod val="50000"/>
+                </a:schemeClr>
+              </a:solidFill>
+            </a:endParaRPr>
+          </a:p>
+          <a:p>
+            <a:pPr fontAlgn="auto">
+              <a:lnSpc>
+                <a:spcPct val="93000"/>
+              </a:lnSpc>
+            </a:pPr>
+            <a:endParaRPr lang="zh-CN" altLang="en-US" sz="3600">
+              <a:solidFill>
+                <a:schemeClr val="accent1">
+                  <a:lumMod val="50000"/>
+                </a:schemeClr>
+              </a:solidFill>
+            </a:endParaRPr>
+          </a:p>
+          <a:p>
+            <a:pPr fontAlgn="auto">
+              <a:lnSpc>
+                <a:spcPct val="93000"/>
+              </a:lnSpc>
+            </a:pPr>
+            <a:r>
+              <a:rPr lang="en-US" altLang="zh-CN" sz="3600">
+                <a:solidFill>
+                  <a:schemeClr val="accent1">
+                    <a:lumMod val="50000"/>
+                  </a:schemeClr>
+                </a:solidFill>
+              </a:rPr>
+              <a:t>2. </a:t>
+            </a:r>
+            <a:r>
+              <a:rPr lang="zh-CN" altLang="en-US" sz="3600">
+                <a:solidFill>
+                  <a:schemeClr val="accent1">
+                    <a:lumMod val="50000"/>
+                  </a:schemeClr>
+                </a:solidFill>
+              </a:rPr>
+              <a:t>你又将要如何坚持？</a:t>
+            </a:r>
+            <a:endParaRPr lang="" altLang="zh-CN" sz="3600">
+              <a:solidFill>
+                <a:schemeClr val="accent1">
+                  <a:lumMod val="50000"/>
+                </a:schemeClr>
+              </a:solidFill>
+            </a:endParaRPr>
+          </a:p>
+        </p:txBody>
+      </p:sp>
+      <p:sp>
+        <p:nvSpPr>
+          <p:cNvPr id="5" name="Text Box 4"/>
+          <p:cNvSpPr txBox="true"/>
+          <p:nvPr/>
+        </p:nvSpPr>
+        <p:spPr>
+          <a:xfrm>
+            <a:off x="1286510" y="794385"/>
+            <a:ext cx="4307205" cy="829945"/>
+          </a:xfrm>
+          <a:prstGeom prst="rect">
+            <a:avLst/>
+          </a:prstGeom>
+          <a:noFill/>
+        </p:spPr>
+        <p:txBody>
+          <a:bodyPr wrap="square" rtlCol="0">
+            <a:spAutoFit/>
+          </a:bodyPr>
+          <a:p>
+            <a:r>
+              <a:rPr lang="zh-CN" altLang="en-US" sz="4800">
+                <a:gradFill>
+                  <a:gsLst>
+                    <a:gs pos="0">
+                      <a:schemeClr val="accent5">
+                        <a:lumMod val="50000"/>
+                      </a:schemeClr>
+                    </a:gs>
+                    <a:gs pos="50000">
+                      <a:schemeClr val="accent5"/>
+                    </a:gs>
+                    <a:gs pos="100000">
+                      <a:schemeClr val="accent5">
+                        <a:lumMod val="60000"/>
+                        <a:lumOff val="40000"/>
+                      </a:schemeClr>
+                    </a:gs>
+                  </a:gsLst>
+                  <a:lin ang="5400000"/>
+                </a:gradFill>
+                <a:effectLst>
+                  <a:reflection blurRad="6350" stA="53000" endA="300" endPos="35500" dir="5400000" sy="-90000" algn="bl" rotWithShape="0"/>
+                </a:effectLst>
+              </a:rPr>
+              <a:t>分享</a:t>
+            </a:r>
+            <a:endParaRPr lang="zh-CN" altLang="en-US" sz="4800">
+              <a:gradFill>
+                <a:gsLst>
+                  <a:gs pos="0">
+                    <a:schemeClr val="accent5">
+                      <a:lumMod val="50000"/>
+                    </a:schemeClr>
+                  </a:gs>
+                  <a:gs pos="50000">
+                    <a:schemeClr val="accent5"/>
+                  </a:gs>
+                  <a:gs pos="100000">
+                    <a:schemeClr val="accent5">
+                      <a:lumMod val="60000"/>
+                      <a:lumOff val="40000"/>
+                    </a:schemeClr>
+                  </a:gs>
+                </a:gsLst>
+                <a:lin ang="5400000"/>
+              </a:gradFill>
+              <a:effectLst>
+                <a:reflection blurRad="6350" stA="53000" endA="300" endPos="35500" dir="5400000" sy="-90000" algn="bl" rotWithShape="0"/>
+              </a:effectLst>
+            </a:endParaRPr>
+          </a:p>
+        </p:txBody>
+      </p:sp>
+    </p:spTree>
+  </p:cSld>
+  <p:clrMapOvr>
+    <a:masterClrMapping/>
+  </p:clrMapOvr>
+  <p:transition>
+    <p:fade/>
+  </p:transition>
+</p:sld>
+</file>
+
+<file path=ppt/slides/slide13.xml><?xml version="1.0" encoding="utf-8"?>
+<p:sld xmlns:a="http://schemas.openxmlformats.org/drawingml/2006/main" xmlns:r="http://schemas.openxmlformats.org/officeDocument/2006/relationships" xmlns:p="http://schemas.openxmlformats.org/presentationml/2006/main">
+  <p:cSld>
+    <p:spTree>
+      <p:nvGrpSpPr>
+        <p:cNvPr id="1" name=""/>
+        <p:cNvGrpSpPr/>
+        <p:nvPr/>
+      </p:nvGrpSpPr>
+      <p:grpSpPr/>
       <p:sp>
         <p:nvSpPr>
           <p:cNvPr id="5" name="Text Box 4"/>
@@ -3907,7 +4417,6 @@
           <a:p>
             <a:r>
               <a:rPr lang="zh-CN" altLang="en-US" sz="5400">
-                <a:ln/>
                 <a:gradFill>
                   <a:gsLst>
                     <a:gs pos="0">
@@ -3934,7 +4443,6 @@
               <a:t>目录</a:t>
             </a:r>
             <a:endParaRPr lang="zh-CN" altLang="en-US" sz="5400">
-              <a:ln/>
               <a:gradFill>
                 <a:gsLst>
                   <a:gs pos="0">
@@ -4022,7 +4530,7 @@
                 </a:lnSpc>
               </a:pPr>
               <a:r>
-                <a:rPr lang="" altLang="zh-CN" sz="4000"/>
+                <a:rPr lang="en-US" altLang="zh-CN" sz="4000"/>
                 <a:t>	</a:t>
               </a:r>
               <a:r>
@@ -4046,7 +4554,7 @@
                 </a:lnSpc>
               </a:pPr>
               <a:r>
-                <a:rPr lang="" altLang="zh-CN" sz="4000"/>
+                <a:rPr lang="en-US" altLang="zh-CN" sz="4000"/>
                 <a:t>		</a:t>
               </a:r>
               <a:r>
@@ -4070,7 +4578,7 @@
                 </a:lnSpc>
               </a:pPr>
               <a:r>
-                <a:rPr lang="" altLang="zh-CN" sz="4000"/>
+                <a:rPr lang="en-US" altLang="zh-CN" sz="4000"/>
                 <a:t>			</a:t>
               </a:r>
               <a:r>
@@ -4748,7 +5256,6 @@
           <a:p>
             <a:r>
               <a:rPr lang="zh-CN" altLang="en-US" sz="4400" b="1">
-                <a:ln/>
                 <a:gradFill>
                   <a:gsLst>
                     <a:gs pos="0">
@@ -4776,7 +5283,6 @@
             </a:r>
             <a:r>
               <a:rPr lang="en-US" sz="4400" b="1">
-                <a:ln/>
                 <a:gradFill>
                   <a:gsLst>
                     <a:gs pos="0">
@@ -4805,7 +5311,6 @@
             </a:r>
             <a:r>
               <a:rPr lang="zh-CN" altLang="en-US" sz="4400" b="1">
-                <a:ln/>
                 <a:gradFill>
                   <a:gsLst>
                     <a:gs pos="0">
@@ -4832,7 +5337,6 @@
               <a:t>凯勒</a:t>
             </a:r>
             <a:endParaRPr lang="zh-CN" altLang="en-US" sz="4400" b="1">
-              <a:ln/>
               <a:gradFill>
                 <a:gsLst>
                   <a:gs pos="0">
@@ -5536,7 +6040,6 @@
             <a:pPr algn="ctr"/>
             <a:r>
               <a:rPr lang="zh-CN" altLang="en-US" sz="4800">
-                <a:ln/>
                 <a:gradFill>
                   <a:gsLst>
                     <a:gs pos="0">
@@ -5563,7 +6066,6 @@
               <a:t>游戏时间</a:t>
             </a:r>
             <a:endParaRPr lang="zh-CN" altLang="en-US" sz="4800">
-              <a:ln/>
               <a:gradFill>
                 <a:gsLst>
                   <a:gs pos="0">
@@ -6667,7 +7169,6 @@
           <a:p>
             <a:r>
               <a:rPr lang="zh-CN" altLang="en-US" sz="4800" b="1">
-                <a:ln/>
                 <a:gradFill>
                   <a:gsLst>
                     <a:gs pos="0">
@@ -6694,7 +7195,6 @@
               <a:t>小组分享</a:t>
             </a:r>
             <a:endParaRPr lang="zh-CN" altLang="en-US" sz="4800" b="1">
-              <a:ln/>
               <a:gradFill>
                 <a:gsLst>
                   <a:gs pos="0">
@@ -7014,7 +7514,6 @@
           <a:p>
             <a:r>
               <a:rPr lang="zh-CN" altLang="en-US" sz="4400">
-                <a:ln/>
                 <a:gradFill>
                   <a:gsLst>
                     <a:gs pos="0">
@@ -7041,7 +7540,6 @@
               <a:t>狄更斯</a:t>
             </a:r>
             <a:endParaRPr lang="zh-CN" altLang="en-US" sz="4400">
-              <a:ln/>
               <a:gradFill>
                 <a:gsLst>
                   <a:gs pos="0">
@@ -7393,8 +7891,8 @@
         </p:nvSpPr>
         <p:spPr>
           <a:xfrm>
-            <a:off x="1945640" y="2644775"/>
-            <a:ext cx="8571865" cy="1753235"/>
+            <a:off x="2248535" y="563880"/>
+            <a:ext cx="6062980" cy="1198880"/>
           </a:xfrm>
           <a:prstGeom prst="rect">
             <a:avLst/>
@@ -7407,147 +7905,17 @@
           </a:bodyPr>
           <a:p>
             <a:r>
-              <a:rPr lang="en-US" altLang="zh-CN" sz="3600">
-                <a:solidFill>
-                  <a:schemeClr val="accent1">
-                    <a:lumMod val="50000"/>
-                  </a:schemeClr>
-                </a:solidFill>
-              </a:rPr>
-              <a:t>1. </a:t>
-            </a:r>
-            <a:r>
-              <a:rPr lang="zh-CN" altLang="en-US" sz="3600">
-                <a:solidFill>
-                  <a:schemeClr val="accent1">
-                    <a:lumMod val="50000"/>
-                  </a:schemeClr>
-                </a:solidFill>
-              </a:rPr>
-              <a:t>你从名人身上学到了什么</a:t>
-            </a:r>
-            <a:endParaRPr lang="zh-CN" altLang="en-US" sz="3600">
-              <a:solidFill>
-                <a:schemeClr val="accent1">
-                  <a:lumMod val="50000"/>
-                </a:schemeClr>
-              </a:solidFill>
-            </a:endParaRPr>
-          </a:p>
-          <a:p>
-            <a:endParaRPr lang="zh-CN" altLang="en-US" sz="3600">
-              <a:solidFill>
-                <a:schemeClr val="accent1">
-                  <a:lumMod val="50000"/>
-                </a:schemeClr>
-              </a:solidFill>
-            </a:endParaRPr>
-          </a:p>
-          <a:p>
-            <a:r>
-              <a:rPr lang="en-US" altLang="zh-CN" sz="3600">
-                <a:solidFill>
-                  <a:schemeClr val="accent1">
-                    <a:lumMod val="50000"/>
-                  </a:schemeClr>
-                </a:solidFill>
-              </a:rPr>
-              <a:t>2. </a:t>
-            </a:r>
-            <a:r>
-              <a:rPr lang="zh-CN" altLang="en-US" sz="3600">
-                <a:solidFill>
-                  <a:schemeClr val="accent1">
-                    <a:lumMod val="50000"/>
-                  </a:schemeClr>
-                </a:solidFill>
-              </a:rPr>
-              <a:t>你又如何运用到自己的生活中去</a:t>
-            </a:r>
-            <a:endParaRPr lang="zh-CN" altLang="en-US" sz="3600">
-              <a:solidFill>
-                <a:schemeClr val="accent1">
-                  <a:lumMod val="50000"/>
-                </a:schemeClr>
-              </a:solidFill>
-            </a:endParaRPr>
-          </a:p>
-        </p:txBody>
-      </p:sp>
-      <p:sp>
-        <p:nvSpPr>
-          <p:cNvPr id="5" name="Text Box 4"/>
-          <p:cNvSpPr txBox="true"/>
-          <p:nvPr/>
-        </p:nvSpPr>
-        <p:spPr>
-          <a:xfrm>
-            <a:off x="1286510" y="794385"/>
-            <a:ext cx="4307205" cy="829945"/>
-          </a:xfrm>
-          <a:prstGeom prst="rect">
-            <a:avLst/>
-          </a:prstGeom>
-          <a:noFill/>
-        </p:spPr>
-        <p:txBody>
-          <a:bodyPr wrap="square" rtlCol="0">
-            <a:spAutoFit/>
-          </a:bodyPr>
-          <a:p>
-            <a:r>
-              <a:rPr lang="zh-CN" altLang="en-US" sz="4800">
-                <a:ln/>
-                <a:gradFill>
-                  <a:gsLst>
-                    <a:gs pos="0">
-                      <a:schemeClr val="accent5">
-                        <a:lumMod val="50000"/>
-                      </a:schemeClr>
-                    </a:gs>
-                    <a:gs pos="50000">
-                      <a:schemeClr val="accent5"/>
-                    </a:gs>
-                    <a:gs pos="100000">
-                      <a:schemeClr val="accent5">
-                        <a:lumMod val="60000"/>
-                        <a:lumOff val="40000"/>
-                      </a:schemeClr>
-                    </a:gs>
-                  </a:gsLst>
-                  <a:lin ang="5400000"/>
-                </a:gradFill>
-                <a:effectLst>
-                  <a:reflection blurRad="6350" stA="53000" endA="300" endPos="35500" dir="5400000" sy="-90000" algn="bl" rotWithShape="0"/>
-                </a:effectLst>
-              </a:rPr>
-              <a:t>分享</a:t>
-            </a:r>
-            <a:endParaRPr lang="zh-CN" altLang="en-US" sz="4800">
-              <a:ln/>
-              <a:gradFill>
-                <a:gsLst>
-                  <a:gs pos="0">
-                    <a:schemeClr val="accent5">
-                      <a:lumMod val="50000"/>
-                    </a:schemeClr>
-                  </a:gs>
-                  <a:gs pos="50000">
-                    <a:schemeClr val="accent5"/>
-                  </a:gs>
-                  <a:gs pos="100000">
-                    <a:schemeClr val="accent5">
-                      <a:lumMod val="60000"/>
-                      <a:lumOff val="40000"/>
-                    </a:schemeClr>
-                  </a:gs>
-                </a:gsLst>
-                <a:lin ang="5400000"/>
-              </a:gradFill>
-              <a:effectLst>
-                <a:reflection blurRad="6350" stA="53000" endA="300" endPos="35500" dir="5400000" sy="-90000" algn="bl" rotWithShape="0"/>
-              </a:effectLst>
-            </a:endParaRPr>
+              <a:rPr lang="zh-CN" altLang="en-US" sz="3600"/>
+              <a:t>可是这好像都里我们很远，</a:t>
+            </a:r>
+            <a:endParaRPr lang="zh-CN" altLang="en-US" sz="3600"/>
+          </a:p>
+          <a:p>
+            <a:r>
+              <a:rPr lang="zh-CN" altLang="en-US" sz="3600"/>
+              <a:t>我们也没有这么</a:t>
+            </a:r>
+            <a:endParaRPr lang="zh-CN" altLang="en-US" sz="3600"/>
           </a:p>
         </p:txBody>
       </p:sp>

--- a/坚持.pptx
+++ b/坚持.pptx
@@ -125,19 +125,39 @@
   <p:extLst>
     <p:ext uri="{521415D9-36F7-43E2-AB2F-B90AF26B5E84}">
       <p14:sectionLst xmlns:p14="http://schemas.microsoft.com/office/powerpoint/2010/main">
-        <p14:section name="Default Section" id="{1770bd91-6c7b-4e0e-b269-104e2c0cf2ae}">
+        <p14:section name="开始" id="{1770bd91-6c7b-4e0e-b269-104e2c0cf2ae}">
           <p14:sldIdLst>
             <p14:sldId id="256"/>
             <p14:sldId id="257"/>
+          </p14:sldIdLst>
+        </p14:section>
+        <p14:section name="海伦凯勒" id="{fa1661ce-a94c-40a8-9315-06a54926f8cb}">
+          <p14:sldIdLst>
             <p14:sldId id="269"/>
             <p14:sldId id="270"/>
+          </p14:sldIdLst>
+        </p14:section>
+        <p14:section name="游戏" id="{31574325-10de-4d02-82e4-eb85caf11fd1}">
+          <p14:sldIdLst>
             <p14:sldId id="268"/>
             <p14:sldId id="275"/>
+          </p14:sldIdLst>
+        </p14:section>
+        <p14:section name="狄更斯" id="{ac32b775-c28d-457f-b24f-26f493094af9}">
+          <p14:sldIdLst>
             <p14:sldId id="259"/>
             <p14:sldId id="261"/>
+          </p14:sldIdLst>
+        </p14:section>
+        <p14:section name="过渡-视频" id="{f2f1e13f-c0da-4da0-874b-5e20686398ee}">
+          <p14:sldIdLst>
             <p14:sldId id="280"/>
             <p14:sldId id="281"/>
             <p14:sldId id="282"/>
+          </p14:sldIdLst>
+        </p14:section>
+        <p14:section name="分享+卢灌鸡汤" id="{afe18866-15f7-42d7-9226-cd0032636a3b}">
+          <p14:sldIdLst>
             <p14:sldId id="277"/>
             <p14:sldId id="278"/>
           </p14:sldIdLst>
@@ -4199,7 +4219,7 @@
               </a:rPr>
               <a:t>你又将要如何坚持？</a:t>
             </a:r>
-            <a:endParaRPr lang="" altLang="zh-CN" sz="3600">
+            <a:endParaRPr lang="en-US" altLang="zh-CN" sz="3600">
               <a:solidFill>
                 <a:schemeClr val="accent1">
                   <a:lumMod val="50000"/>

--- a/坚持.pptx
+++ b/坚持.pptx
@@ -5,25 +5,26 @@
     <p:sldMasterId id="2147483648" r:id="rId1"/>
   </p:sldMasterIdLst>
   <p:notesMasterIdLst>
-    <p:notesMasterId r:id="rId16"/>
+    <p:notesMasterId r:id="rId17"/>
   </p:notesMasterIdLst>
   <p:handoutMasterIdLst>
-    <p:handoutMasterId r:id="rId17"/>
+    <p:handoutMasterId r:id="rId18"/>
   </p:handoutMasterIdLst>
   <p:sldIdLst>
     <p:sldId id="256" r:id="rId3"/>
     <p:sldId id="257" r:id="rId4"/>
     <p:sldId id="269" r:id="rId5"/>
     <p:sldId id="270" r:id="rId6"/>
-    <p:sldId id="268" r:id="rId7"/>
-    <p:sldId id="275" r:id="rId8"/>
-    <p:sldId id="259" r:id="rId9"/>
-    <p:sldId id="261" r:id="rId10"/>
-    <p:sldId id="280" r:id="rId11"/>
-    <p:sldId id="281" r:id="rId12"/>
-    <p:sldId id="282" r:id="rId13"/>
-    <p:sldId id="277" r:id="rId14"/>
-    <p:sldId id="278" r:id="rId15"/>
+    <p:sldId id="287" r:id="rId7"/>
+    <p:sldId id="286" r:id="rId8"/>
+    <p:sldId id="268" r:id="rId9"/>
+    <p:sldId id="275" r:id="rId10"/>
+    <p:sldId id="259" r:id="rId11"/>
+    <p:sldId id="261" r:id="rId12"/>
+    <p:sldId id="280" r:id="rId13"/>
+    <p:sldId id="285" r:id="rId14"/>
+    <p:sldId id="277" r:id="rId15"/>
+    <p:sldId id="278" r:id="rId16"/>
   </p:sldIdLst>
   <p:sldSz cx="12192000" cy="6858000"/>
   <p:notesSz cx="7103745" cy="10234295"/>
@@ -137,6 +138,12 @@
             <p14:sldId id="270"/>
           </p14:sldIdLst>
         </p14:section>
+        <p14:section name="第一个视频" id="{6693e550-bd99-4fc5-9b93-c1ccc593b92e}">
+          <p14:sldIdLst>
+            <p14:sldId id="287"/>
+            <p14:sldId id="286"/>
+          </p14:sldIdLst>
+        </p14:section>
         <p14:section name="游戏" id="{31574325-10de-4d02-82e4-eb85caf11fd1}">
           <p14:sldIdLst>
             <p14:sldId id="268"/>
@@ -152,8 +159,7 @@
         <p14:section name="过渡-视频" id="{f2f1e13f-c0da-4da0-874b-5e20686398ee}">
           <p14:sldIdLst>
             <p14:sldId id="280"/>
-            <p14:sldId id="281"/>
-            <p14:sldId id="282"/>
+            <p14:sldId id="285"/>
           </p14:sldIdLst>
         </p14:section>
         <p14:section name="分享+卢灌鸡汤" id="{afe18866-15f7-42d7-9226-cd0032636a3b}">
@@ -3841,6 +3847,1012 @@
         <p:nvPr/>
       </p:nvGrpSpPr>
       <p:grpSpPr/>
+      <p:sp>
+        <p:nvSpPr>
+          <p:cNvPr id="5" name="Text Box 4"/>
+          <p:cNvSpPr txBox="true"/>
+          <p:nvPr/>
+        </p:nvSpPr>
+        <p:spPr>
+          <a:xfrm>
+            <a:off x="1099185" y="675005"/>
+            <a:ext cx="9993630" cy="5507990"/>
+          </a:xfrm>
+          <a:prstGeom prst="rect">
+            <a:avLst/>
+          </a:prstGeom>
+          <a:noFill/>
+        </p:spPr>
+        <p:txBody>
+          <a:bodyPr wrap="square" rtlCol="0">
+            <a:spAutoFit/>
+          </a:bodyPr>
+          <a:p>
+            <a:r>
+              <a:rPr lang="zh-CN" altLang="en-US" sz="3200">
+                <a:solidFill>
+                  <a:schemeClr val="accent1">
+                    <a:lumMod val="50000"/>
+                  </a:schemeClr>
+                </a:solidFill>
+              </a:rPr>
+              <a:t>狄更斯特别注意描写生活在英国社会底层的“小人物”的生活遭遇，体验生活，不管刮风下雨，每天都坚持去观察、谛听，记录下行人的零言碎语，积累了丰富的生活资料。</a:t>
+            </a:r>
+            <a:endParaRPr lang="zh-CN" altLang="en-US" sz="3200">
+              <a:solidFill>
+                <a:schemeClr val="accent1">
+                  <a:lumMod val="50000"/>
+                </a:schemeClr>
+              </a:solidFill>
+            </a:endParaRPr>
+          </a:p>
+          <a:p>
+            <a:r>
+              <a:rPr lang="zh-CN" altLang="en-US" sz="3200">
+                <a:solidFill>
+                  <a:schemeClr val="accent1">
+                    <a:lumMod val="50000"/>
+                  </a:schemeClr>
+                </a:solidFill>
+              </a:rPr>
+              <a:t>因此，他在《大卫</a:t>
+            </a:r>
+            <a:r>
+              <a:rPr lang="en-US" sz="3200">
+                <a:solidFill>
+                  <a:schemeClr val="accent1">
+                    <a:lumMod val="50000"/>
+                  </a:schemeClr>
+                </a:solidFill>
+                <a:sym typeface="+mn-ea"/>
+              </a:rPr>
+              <a:t>·</a:t>
+            </a:r>
+            <a:r>
+              <a:rPr lang="zh-CN" altLang="en-US" sz="3200">
+                <a:solidFill>
+                  <a:schemeClr val="accent1">
+                    <a:lumMod val="50000"/>
+                  </a:schemeClr>
+                </a:solidFill>
+              </a:rPr>
+              <a:t>科波菲尔》中写下精彩的人物描写对话，在《双城记》中留下逼真的社会背景描写，从而成为英国一代文豪，取得了他文学事业上的巨大成功。</a:t>
+            </a:r>
+            <a:endParaRPr lang="zh-CN" altLang="en-US" sz="3200">
+              <a:solidFill>
+                <a:schemeClr val="accent1">
+                  <a:lumMod val="50000"/>
+                </a:schemeClr>
+              </a:solidFill>
+            </a:endParaRPr>
+          </a:p>
+          <a:p>
+            <a:endParaRPr lang="zh-CN" altLang="en-US" sz="3200">
+              <a:solidFill>
+                <a:schemeClr val="accent1">
+                  <a:lumMod val="50000"/>
+                </a:schemeClr>
+              </a:solidFill>
+            </a:endParaRPr>
+          </a:p>
+          <a:p>
+            <a:r>
+              <a:rPr lang="zh-CN" altLang="en-US" sz="3200">
+                <a:solidFill>
+                  <a:schemeClr val="accent1">
+                    <a:lumMod val="50000"/>
+                  </a:schemeClr>
+                </a:solidFill>
+              </a:rPr>
+              <a:t>他的作品深刻地反映了当时英国复杂的社会现实，为英国批判现实主义文学的开拓和发展做出了卓越的贡献。他的作品对英国文学发展起到了深远的影响。</a:t>
+            </a:r>
+            <a:endParaRPr lang="zh-CN" altLang="en-US" sz="3200">
+              <a:solidFill>
+                <a:schemeClr val="accent1">
+                  <a:lumMod val="50000"/>
+                </a:schemeClr>
+              </a:solidFill>
+            </a:endParaRPr>
+          </a:p>
+        </p:txBody>
+      </p:sp>
+    </p:spTree>
+  </p:cSld>
+  <p:clrMapOvr>
+    <a:masterClrMapping/>
+  </p:clrMapOvr>
+  <p:transition>
+    <p:fade/>
+  </p:transition>
+</p:sld>
+</file>
+
+<file path=ppt/slides/slide11.xml><?xml version="1.0" encoding="utf-8"?>
+<p:sld xmlns:a="http://schemas.openxmlformats.org/drawingml/2006/main" xmlns:r="http://schemas.openxmlformats.org/officeDocument/2006/relationships" xmlns:p="http://schemas.openxmlformats.org/presentationml/2006/main">
+  <p:cSld>
+    <p:spTree>
+      <p:nvGrpSpPr>
+        <p:cNvPr id="1" name=""/>
+        <p:cNvGrpSpPr/>
+        <p:nvPr/>
+      </p:nvGrpSpPr>
+      <p:grpSpPr/>
+      <p:sp>
+        <p:nvSpPr>
+          <p:cNvPr id="4" name="Text Box 3"/>
+          <p:cNvSpPr txBox="true"/>
+          <p:nvPr/>
+        </p:nvSpPr>
+        <p:spPr>
+          <a:xfrm>
+            <a:off x="529590" y="336550"/>
+            <a:ext cx="11132820" cy="6185535"/>
+          </a:xfrm>
+          <a:prstGeom prst="rect">
+            <a:avLst/>
+          </a:prstGeom>
+          <a:noFill/>
+        </p:spPr>
+        <p:txBody>
+          <a:bodyPr wrap="square" rtlCol="0">
+            <a:spAutoFit/>
+          </a:bodyPr>
+          <a:p>
+            <a:r>
+              <a:rPr lang="zh-CN" altLang="en-US" sz="3600">
+                <a:solidFill>
+                  <a:schemeClr val="accent1">
+                    <a:lumMod val="50000"/>
+                  </a:schemeClr>
+                </a:solidFill>
+              </a:rPr>
+              <a:t>可是你知道自己应该怎么做吗？</a:t>
+            </a:r>
+            <a:endParaRPr lang="zh-CN" altLang="en-US" sz="3600">
+              <a:solidFill>
+                <a:schemeClr val="accent1">
+                  <a:lumMod val="50000"/>
+                </a:schemeClr>
+              </a:solidFill>
+            </a:endParaRPr>
+          </a:p>
+          <a:p>
+            <a:r>
+              <a:rPr lang="zh-CN" altLang="" sz="3600">
+                <a:solidFill>
+                  <a:schemeClr val="accent1">
+                    <a:lumMod val="50000"/>
+                  </a:schemeClr>
+                </a:solidFill>
+              </a:rPr>
+              <a:t>你知道吗？</a:t>
+            </a:r>
+            <a:endParaRPr lang="zh-CN" altLang="" sz="3600">
+              <a:solidFill>
+                <a:schemeClr val="accent1">
+                  <a:lumMod val="50000"/>
+                </a:schemeClr>
+              </a:solidFill>
+            </a:endParaRPr>
+          </a:p>
+          <a:p>
+            <a:r>
+              <a:rPr lang="zh-CN" altLang="" sz="3600">
+                <a:solidFill>
+                  <a:schemeClr val="accent1">
+                    <a:lumMod val="50000"/>
+                  </a:schemeClr>
+                </a:solidFill>
+              </a:rPr>
+              <a:t>你可能说我坚持过，可是我放都不是弃了</a:t>
+            </a:r>
+            <a:endParaRPr lang="zh-CN" altLang="" sz="3600">
+              <a:solidFill>
+                <a:schemeClr val="accent1">
+                  <a:lumMod val="50000"/>
+                </a:schemeClr>
+              </a:solidFill>
+            </a:endParaRPr>
+          </a:p>
+          <a:p>
+            <a:r>
+              <a:rPr lang="zh-CN" altLang="" sz="3600">
+                <a:solidFill>
+                  <a:schemeClr val="accent1">
+                    <a:lumMod val="50000"/>
+                  </a:schemeClr>
+                </a:solidFill>
+              </a:rPr>
+              <a:t>那这，还叫坚持吗？</a:t>
+            </a:r>
+            <a:endParaRPr lang="zh-CN" altLang="" sz="3600">
+              <a:solidFill>
+                <a:schemeClr val="accent1">
+                  <a:lumMod val="50000"/>
+                </a:schemeClr>
+              </a:solidFill>
+            </a:endParaRPr>
+          </a:p>
+          <a:p>
+            <a:r>
+              <a:rPr lang="zh-CN" altLang="" sz="3600">
+                <a:solidFill>
+                  <a:schemeClr val="accent1">
+                    <a:lumMod val="50000"/>
+                  </a:schemeClr>
+                </a:solidFill>
+              </a:rPr>
+              <a:t>不，这不是，这不叫坚持</a:t>
+            </a:r>
+            <a:endParaRPr lang="zh-CN" altLang="" sz="3600">
+              <a:solidFill>
+                <a:schemeClr val="accent1">
+                  <a:lumMod val="50000"/>
+                </a:schemeClr>
+              </a:solidFill>
+            </a:endParaRPr>
+          </a:p>
+          <a:p>
+            <a:r>
+              <a:rPr lang="zh-CN" altLang="" sz="3600">
+                <a:solidFill>
+                  <a:schemeClr val="accent1">
+                    <a:lumMod val="50000"/>
+                  </a:schemeClr>
+                </a:solidFill>
+              </a:rPr>
+              <a:t>坚持，坚持是什么，</a:t>
+            </a:r>
+            <a:endParaRPr lang="zh-CN" altLang="" sz="3600">
+              <a:solidFill>
+                <a:schemeClr val="accent1">
+                  <a:lumMod val="50000"/>
+                </a:schemeClr>
+              </a:solidFill>
+            </a:endParaRPr>
+          </a:p>
+          <a:p>
+            <a:r>
+              <a:rPr lang="zh-CN" altLang="" sz="3600">
+                <a:solidFill>
+                  <a:schemeClr val="accent1">
+                    <a:lumMod val="50000"/>
+                  </a:schemeClr>
+                </a:solidFill>
+              </a:rPr>
+              <a:t>坚持是无论发生什么，</a:t>
+            </a:r>
+            <a:endParaRPr lang="zh-CN" altLang="" sz="3600">
+              <a:solidFill>
+                <a:schemeClr val="accent1">
+                  <a:lumMod val="50000"/>
+                </a:schemeClr>
+              </a:solidFill>
+            </a:endParaRPr>
+          </a:p>
+          <a:p>
+            <a:r>
+              <a:rPr lang="zh-CN" altLang="" sz="3600">
+                <a:solidFill>
+                  <a:schemeClr val="accent1">
+                    <a:lumMod val="50000"/>
+                  </a:schemeClr>
+                </a:solidFill>
+              </a:rPr>
+              <a:t>都不会成为你不坚持的理由，</a:t>
+            </a:r>
+            <a:endParaRPr lang="zh-CN" altLang="" sz="3600">
+              <a:solidFill>
+                <a:schemeClr val="accent1">
+                  <a:lumMod val="50000"/>
+                </a:schemeClr>
+              </a:solidFill>
+            </a:endParaRPr>
+          </a:p>
+          <a:p>
+            <a:r>
+              <a:rPr lang="zh-CN" altLang="" sz="3600">
+                <a:solidFill>
+                  <a:schemeClr val="accent1">
+                    <a:lumMod val="50000"/>
+                  </a:schemeClr>
+                </a:solidFill>
+              </a:rPr>
+              <a:t>都不会成为你逃避的理由，</a:t>
+            </a:r>
+            <a:endParaRPr lang="zh-CN" altLang="" sz="3600">
+              <a:solidFill>
+                <a:schemeClr val="accent1">
+                  <a:lumMod val="50000"/>
+                </a:schemeClr>
+              </a:solidFill>
+            </a:endParaRPr>
+          </a:p>
+          <a:p>
+            <a:r>
+              <a:rPr lang="zh-CN" altLang="" sz="3600">
+                <a:solidFill>
+                  <a:schemeClr val="accent1">
+                    <a:lumMod val="50000"/>
+                  </a:schemeClr>
+                </a:solidFill>
+              </a:rPr>
+              <a:t>是一件，唯一一件你要从开始，做到结束，</a:t>
+            </a:r>
+            <a:endParaRPr lang="zh-CN" altLang="" sz="3600">
+              <a:solidFill>
+                <a:schemeClr val="accent1">
+                  <a:lumMod val="50000"/>
+                </a:schemeClr>
+              </a:solidFill>
+            </a:endParaRPr>
+          </a:p>
+          <a:p>
+            <a:r>
+              <a:rPr lang="zh-CN" altLang="" sz="3600">
+                <a:solidFill>
+                  <a:schemeClr val="accent1">
+                    <a:lumMod val="50000"/>
+                  </a:schemeClr>
+                </a:solidFill>
+              </a:rPr>
+              <a:t>没有停止过，没有放弃过</a:t>
+            </a:r>
+            <a:r>
+              <a:rPr lang="" altLang="zh-CN" sz="3600">
+                <a:solidFill>
+                  <a:schemeClr val="accent1">
+                    <a:lumMod val="50000"/>
+                  </a:schemeClr>
+                </a:solidFill>
+              </a:rPr>
+              <a:t>......</a:t>
+            </a:r>
+            <a:endParaRPr lang="" altLang="zh-CN" sz="3600">
+              <a:solidFill>
+                <a:schemeClr val="accent1">
+                  <a:lumMod val="50000"/>
+                </a:schemeClr>
+              </a:solidFill>
+            </a:endParaRPr>
+          </a:p>
+        </p:txBody>
+      </p:sp>
+    </p:spTree>
+  </p:cSld>
+  <p:clrMapOvr>
+    <a:masterClrMapping/>
+  </p:clrMapOvr>
+  <p:transition>
+    <p:fade/>
+  </p:transition>
+  <p:timing>
+    <p:tnLst>
+      <p:par>
+        <p:cTn id="1" dur="indefinite" restart="never" nodeType="tmRoot">
+          <p:childTnLst>
+            <p:seq concurrent="1" nextAc="seek">
+              <p:cTn id="2" dur="indefinite" nodeType="mainSeq">
+                <p:childTnLst>
+                  <p:par>
+                    <p:cTn id="3" fill="hold">
+                      <p:stCondLst>
+                        <p:cond delay="indefinite"/>
+                        <p:cond evt="onBegin" delay="0">
+                          <p:tn val="2"/>
+                        </p:cond>
+                      </p:stCondLst>
+                      <p:childTnLst>
+                        <p:par>
+                          <p:cTn id="4" fill="hold">
+                            <p:stCondLst>
+                              <p:cond delay="0"/>
+                            </p:stCondLst>
+                            <p:childTnLst>
+                              <p:par>
+                                <p:cTn id="5" presetID="16" presetClass="entr" presetSubtype="42" fill="hold" nodeType="afterEffect">
+                                  <p:stCondLst>
+                                    <p:cond delay="0"/>
+                                  </p:stCondLst>
+                                  <p:childTnLst>
+                                    <p:set>
+                                      <p:cBhvr>
+                                        <p:cTn id="6" dur="1000" fill="hold">
+                                          <p:stCondLst>
+                                            <p:cond delay="0"/>
+                                          </p:stCondLst>
+                                        </p:cTn>
+                                        <p:tgtEl>
+                                          <p:spTgt spid="4">
+                                            <p:txEl>
+                                              <p:pRg st="0" end="0"/>
+                                            </p:txEl>
+                                          </p:spTgt>
+                                        </p:tgtEl>
+                                        <p:attrNameLst>
+                                          <p:attrName>style.visibility</p:attrName>
+                                        </p:attrNameLst>
+                                      </p:cBhvr>
+                                      <p:to>
+                                        <p:strVal val="visible"/>
+                                      </p:to>
+                                    </p:set>
+                                    <p:animEffect transition="in" filter="barn(outHorizontal)">
+                                      <p:cBhvr>
+                                        <p:cTn id="7" dur="1000"/>
+                                        <p:tgtEl>
+                                          <p:spTgt spid="4">
+                                            <p:txEl>
+                                              <p:pRg st="0" end="0"/>
+                                            </p:txEl>
+                                          </p:spTgt>
+                                        </p:tgtEl>
+                                      </p:cBhvr>
+                                    </p:animEffect>
+                                  </p:childTnLst>
+                                </p:cTn>
+                              </p:par>
+                            </p:childTnLst>
+                          </p:cTn>
+                        </p:par>
+                        <p:par>
+                          <p:cTn id="8" fill="hold">
+                            <p:stCondLst>
+                              <p:cond delay="1000"/>
+                            </p:stCondLst>
+                            <p:childTnLst>
+                              <p:par>
+                                <p:cTn id="9" presetID="16" presetClass="entr" presetSubtype="42" fill="hold" nodeType="afterEffect">
+                                  <p:stCondLst>
+                                    <p:cond delay="0"/>
+                                  </p:stCondLst>
+                                  <p:childTnLst>
+                                    <p:set>
+                                      <p:cBhvr>
+                                        <p:cTn id="10" dur="1000" fill="hold">
+                                          <p:stCondLst>
+                                            <p:cond delay="0"/>
+                                          </p:stCondLst>
+                                        </p:cTn>
+                                        <p:tgtEl>
+                                          <p:spTgt spid="4">
+                                            <p:txEl>
+                                              <p:pRg st="1" end="1"/>
+                                            </p:txEl>
+                                          </p:spTgt>
+                                        </p:tgtEl>
+                                        <p:attrNameLst>
+                                          <p:attrName>style.visibility</p:attrName>
+                                        </p:attrNameLst>
+                                      </p:cBhvr>
+                                      <p:to>
+                                        <p:strVal val="visible"/>
+                                      </p:to>
+                                    </p:set>
+                                    <p:animEffect transition="in" filter="barn(outHorizontal)">
+                                      <p:cBhvr>
+                                        <p:cTn id="11" dur="1000"/>
+                                        <p:tgtEl>
+                                          <p:spTgt spid="4">
+                                            <p:txEl>
+                                              <p:pRg st="1" end="1"/>
+                                            </p:txEl>
+                                          </p:spTgt>
+                                        </p:tgtEl>
+                                      </p:cBhvr>
+                                    </p:animEffect>
+                                  </p:childTnLst>
+                                </p:cTn>
+                              </p:par>
+                            </p:childTnLst>
+                          </p:cTn>
+                        </p:par>
+                        <p:par>
+                          <p:cTn id="12" fill="hold">
+                            <p:stCondLst>
+                              <p:cond delay="2000"/>
+                            </p:stCondLst>
+                            <p:childTnLst>
+                              <p:par>
+                                <p:cTn id="13" presetID="16" presetClass="entr" presetSubtype="42" fill="hold" nodeType="afterEffect">
+                                  <p:stCondLst>
+                                    <p:cond delay="0"/>
+                                  </p:stCondLst>
+                                  <p:childTnLst>
+                                    <p:set>
+                                      <p:cBhvr>
+                                        <p:cTn id="14" dur="1000" fill="hold">
+                                          <p:stCondLst>
+                                            <p:cond delay="0"/>
+                                          </p:stCondLst>
+                                        </p:cTn>
+                                        <p:tgtEl>
+                                          <p:spTgt spid="4">
+                                            <p:txEl>
+                                              <p:pRg st="2" end="2"/>
+                                            </p:txEl>
+                                          </p:spTgt>
+                                        </p:tgtEl>
+                                        <p:attrNameLst>
+                                          <p:attrName>style.visibility</p:attrName>
+                                        </p:attrNameLst>
+                                      </p:cBhvr>
+                                      <p:to>
+                                        <p:strVal val="visible"/>
+                                      </p:to>
+                                    </p:set>
+                                    <p:animEffect transition="in" filter="barn(outHorizontal)">
+                                      <p:cBhvr>
+                                        <p:cTn id="15" dur="1000"/>
+                                        <p:tgtEl>
+                                          <p:spTgt spid="4">
+                                            <p:txEl>
+                                              <p:pRg st="2" end="2"/>
+                                            </p:txEl>
+                                          </p:spTgt>
+                                        </p:tgtEl>
+                                      </p:cBhvr>
+                                    </p:animEffect>
+                                  </p:childTnLst>
+                                </p:cTn>
+                              </p:par>
+                            </p:childTnLst>
+                          </p:cTn>
+                        </p:par>
+                        <p:par>
+                          <p:cTn id="16" fill="hold">
+                            <p:stCondLst>
+                              <p:cond delay="3000"/>
+                            </p:stCondLst>
+                            <p:childTnLst>
+                              <p:par>
+                                <p:cTn id="17" presetID="16" presetClass="entr" presetSubtype="42" fill="hold" nodeType="afterEffect">
+                                  <p:stCondLst>
+                                    <p:cond delay="0"/>
+                                  </p:stCondLst>
+                                  <p:childTnLst>
+                                    <p:set>
+                                      <p:cBhvr>
+                                        <p:cTn id="18" dur="1000" fill="hold">
+                                          <p:stCondLst>
+                                            <p:cond delay="0"/>
+                                          </p:stCondLst>
+                                        </p:cTn>
+                                        <p:tgtEl>
+                                          <p:spTgt spid="4">
+                                            <p:txEl>
+                                              <p:pRg st="3" end="3"/>
+                                            </p:txEl>
+                                          </p:spTgt>
+                                        </p:tgtEl>
+                                        <p:attrNameLst>
+                                          <p:attrName>style.visibility</p:attrName>
+                                        </p:attrNameLst>
+                                      </p:cBhvr>
+                                      <p:to>
+                                        <p:strVal val="visible"/>
+                                      </p:to>
+                                    </p:set>
+                                    <p:animEffect transition="in" filter="barn(outHorizontal)">
+                                      <p:cBhvr>
+                                        <p:cTn id="19" dur="1000"/>
+                                        <p:tgtEl>
+                                          <p:spTgt spid="4">
+                                            <p:txEl>
+                                              <p:pRg st="3" end="3"/>
+                                            </p:txEl>
+                                          </p:spTgt>
+                                        </p:tgtEl>
+                                      </p:cBhvr>
+                                    </p:animEffect>
+                                  </p:childTnLst>
+                                </p:cTn>
+                              </p:par>
+                            </p:childTnLst>
+                          </p:cTn>
+                        </p:par>
+                        <p:par>
+                          <p:cTn id="20" fill="hold">
+                            <p:stCondLst>
+                              <p:cond delay="4000"/>
+                            </p:stCondLst>
+                            <p:childTnLst>
+                              <p:par>
+                                <p:cTn id="21" presetID="16" presetClass="entr" presetSubtype="42" fill="hold" nodeType="afterEffect">
+                                  <p:stCondLst>
+                                    <p:cond delay="0"/>
+                                  </p:stCondLst>
+                                  <p:childTnLst>
+                                    <p:set>
+                                      <p:cBhvr>
+                                        <p:cTn id="22" dur="1000" fill="hold">
+                                          <p:stCondLst>
+                                            <p:cond delay="0"/>
+                                          </p:stCondLst>
+                                        </p:cTn>
+                                        <p:tgtEl>
+                                          <p:spTgt spid="4">
+                                            <p:txEl>
+                                              <p:pRg st="4" end="4"/>
+                                            </p:txEl>
+                                          </p:spTgt>
+                                        </p:tgtEl>
+                                        <p:attrNameLst>
+                                          <p:attrName>style.visibility</p:attrName>
+                                        </p:attrNameLst>
+                                      </p:cBhvr>
+                                      <p:to>
+                                        <p:strVal val="visible"/>
+                                      </p:to>
+                                    </p:set>
+                                    <p:animEffect transition="in" filter="barn(outHorizontal)">
+                                      <p:cBhvr>
+                                        <p:cTn id="23" dur="1000"/>
+                                        <p:tgtEl>
+                                          <p:spTgt spid="4">
+                                            <p:txEl>
+                                              <p:pRg st="4" end="4"/>
+                                            </p:txEl>
+                                          </p:spTgt>
+                                        </p:tgtEl>
+                                      </p:cBhvr>
+                                    </p:animEffect>
+                                  </p:childTnLst>
+                                </p:cTn>
+                              </p:par>
+                            </p:childTnLst>
+                          </p:cTn>
+                        </p:par>
+                        <p:par>
+                          <p:cTn id="24" fill="hold">
+                            <p:stCondLst>
+                              <p:cond delay="5000"/>
+                            </p:stCondLst>
+                            <p:childTnLst>
+                              <p:par>
+                                <p:cTn id="25" presetID="16" presetClass="entr" presetSubtype="42" fill="hold" nodeType="afterEffect">
+                                  <p:stCondLst>
+                                    <p:cond delay="0"/>
+                                  </p:stCondLst>
+                                  <p:childTnLst>
+                                    <p:set>
+                                      <p:cBhvr>
+                                        <p:cTn id="26" dur="1000" fill="hold">
+                                          <p:stCondLst>
+                                            <p:cond delay="0"/>
+                                          </p:stCondLst>
+                                        </p:cTn>
+                                        <p:tgtEl>
+                                          <p:spTgt spid="4">
+                                            <p:txEl>
+                                              <p:pRg st="5" end="5"/>
+                                            </p:txEl>
+                                          </p:spTgt>
+                                        </p:tgtEl>
+                                        <p:attrNameLst>
+                                          <p:attrName>style.visibility</p:attrName>
+                                        </p:attrNameLst>
+                                      </p:cBhvr>
+                                      <p:to>
+                                        <p:strVal val="visible"/>
+                                      </p:to>
+                                    </p:set>
+                                    <p:animEffect transition="in" filter="barn(outHorizontal)">
+                                      <p:cBhvr>
+                                        <p:cTn id="27" dur="1000"/>
+                                        <p:tgtEl>
+                                          <p:spTgt spid="4">
+                                            <p:txEl>
+                                              <p:pRg st="5" end="5"/>
+                                            </p:txEl>
+                                          </p:spTgt>
+                                        </p:tgtEl>
+                                      </p:cBhvr>
+                                    </p:animEffect>
+                                  </p:childTnLst>
+                                </p:cTn>
+                              </p:par>
+                            </p:childTnLst>
+                          </p:cTn>
+                        </p:par>
+                        <p:par>
+                          <p:cTn id="28" fill="hold">
+                            <p:stCondLst>
+                              <p:cond delay="6000"/>
+                            </p:stCondLst>
+                            <p:childTnLst>
+                              <p:par>
+                                <p:cTn id="29" presetID="16" presetClass="entr" presetSubtype="42" fill="hold" nodeType="afterEffect">
+                                  <p:stCondLst>
+                                    <p:cond delay="0"/>
+                                  </p:stCondLst>
+                                  <p:childTnLst>
+                                    <p:set>
+                                      <p:cBhvr>
+                                        <p:cTn id="30" dur="500" fill="hold">
+                                          <p:stCondLst>
+                                            <p:cond delay="0"/>
+                                          </p:stCondLst>
+                                        </p:cTn>
+                                        <p:tgtEl>
+                                          <p:spTgt spid="4">
+                                            <p:txEl>
+                                              <p:pRg st="6" end="6"/>
+                                            </p:txEl>
+                                          </p:spTgt>
+                                        </p:tgtEl>
+                                        <p:attrNameLst>
+                                          <p:attrName>style.visibility</p:attrName>
+                                        </p:attrNameLst>
+                                      </p:cBhvr>
+                                      <p:to>
+                                        <p:strVal val="visible"/>
+                                      </p:to>
+                                    </p:set>
+                                    <p:animEffect transition="in" filter="barn(outHorizontal)">
+                                      <p:cBhvr>
+                                        <p:cTn id="31" dur="500"/>
+                                        <p:tgtEl>
+                                          <p:spTgt spid="4">
+                                            <p:txEl>
+                                              <p:pRg st="6" end="6"/>
+                                            </p:txEl>
+                                          </p:spTgt>
+                                        </p:tgtEl>
+                                      </p:cBhvr>
+                                    </p:animEffect>
+                                  </p:childTnLst>
+                                </p:cTn>
+                              </p:par>
+                            </p:childTnLst>
+                          </p:cTn>
+                        </p:par>
+                        <p:par>
+                          <p:cTn id="32" fill="hold">
+                            <p:stCondLst>
+                              <p:cond delay="6500"/>
+                            </p:stCondLst>
+                            <p:childTnLst>
+                              <p:par>
+                                <p:cTn id="33" presetID="16" presetClass="entr" presetSubtype="42" fill="hold" nodeType="afterEffect">
+                                  <p:stCondLst>
+                                    <p:cond delay="0"/>
+                                  </p:stCondLst>
+                                  <p:childTnLst>
+                                    <p:set>
+                                      <p:cBhvr>
+                                        <p:cTn id="34" dur="1000" fill="hold">
+                                          <p:stCondLst>
+                                            <p:cond delay="0"/>
+                                          </p:stCondLst>
+                                        </p:cTn>
+                                        <p:tgtEl>
+                                          <p:spTgt spid="4">
+                                            <p:txEl>
+                                              <p:pRg st="7" end="7"/>
+                                            </p:txEl>
+                                          </p:spTgt>
+                                        </p:tgtEl>
+                                        <p:attrNameLst>
+                                          <p:attrName>style.visibility</p:attrName>
+                                        </p:attrNameLst>
+                                      </p:cBhvr>
+                                      <p:to>
+                                        <p:strVal val="visible"/>
+                                      </p:to>
+                                    </p:set>
+                                    <p:animEffect transition="in" filter="barn(outHorizontal)">
+                                      <p:cBhvr>
+                                        <p:cTn id="35" dur="1000"/>
+                                        <p:tgtEl>
+                                          <p:spTgt spid="4">
+                                            <p:txEl>
+                                              <p:pRg st="7" end="7"/>
+                                            </p:txEl>
+                                          </p:spTgt>
+                                        </p:tgtEl>
+                                      </p:cBhvr>
+                                    </p:animEffect>
+                                  </p:childTnLst>
+                                </p:cTn>
+                              </p:par>
+                            </p:childTnLst>
+                          </p:cTn>
+                        </p:par>
+                        <p:par>
+                          <p:cTn id="36" fill="hold">
+                            <p:stCondLst>
+                              <p:cond delay="7500"/>
+                            </p:stCondLst>
+                            <p:childTnLst>
+                              <p:par>
+                                <p:cTn id="37" presetID="16" presetClass="entr" presetSubtype="42" fill="hold" nodeType="afterEffect">
+                                  <p:stCondLst>
+                                    <p:cond delay="0"/>
+                                  </p:stCondLst>
+                                  <p:childTnLst>
+                                    <p:set>
+                                      <p:cBhvr>
+                                        <p:cTn id="38" dur="1000" fill="hold">
+                                          <p:stCondLst>
+                                            <p:cond delay="0"/>
+                                          </p:stCondLst>
+                                        </p:cTn>
+                                        <p:tgtEl>
+                                          <p:spTgt spid="4">
+                                            <p:txEl>
+                                              <p:pRg st="8" end="8"/>
+                                            </p:txEl>
+                                          </p:spTgt>
+                                        </p:tgtEl>
+                                        <p:attrNameLst>
+                                          <p:attrName>style.visibility</p:attrName>
+                                        </p:attrNameLst>
+                                      </p:cBhvr>
+                                      <p:to>
+                                        <p:strVal val="visible"/>
+                                      </p:to>
+                                    </p:set>
+                                    <p:animEffect transition="in" filter="barn(outHorizontal)">
+                                      <p:cBhvr>
+                                        <p:cTn id="39" dur="1000"/>
+                                        <p:tgtEl>
+                                          <p:spTgt spid="4">
+                                            <p:txEl>
+                                              <p:pRg st="8" end="8"/>
+                                            </p:txEl>
+                                          </p:spTgt>
+                                        </p:tgtEl>
+                                      </p:cBhvr>
+                                    </p:animEffect>
+                                  </p:childTnLst>
+                                </p:cTn>
+                              </p:par>
+                            </p:childTnLst>
+                          </p:cTn>
+                        </p:par>
+                        <p:par>
+                          <p:cTn id="40" fill="hold">
+                            <p:stCondLst>
+                              <p:cond delay="8500"/>
+                            </p:stCondLst>
+                            <p:childTnLst>
+                              <p:par>
+                                <p:cTn id="41" presetID="16" presetClass="entr" presetSubtype="42" fill="hold" nodeType="afterEffect">
+                                  <p:stCondLst>
+                                    <p:cond delay="0"/>
+                                  </p:stCondLst>
+                                  <p:childTnLst>
+                                    <p:set>
+                                      <p:cBhvr>
+                                        <p:cTn id="42" dur="1000" fill="hold">
+                                          <p:stCondLst>
+                                            <p:cond delay="0"/>
+                                          </p:stCondLst>
+                                        </p:cTn>
+                                        <p:tgtEl>
+                                          <p:spTgt spid="4">
+                                            <p:txEl>
+                                              <p:pRg st="9" end="9"/>
+                                            </p:txEl>
+                                          </p:spTgt>
+                                        </p:tgtEl>
+                                        <p:attrNameLst>
+                                          <p:attrName>style.visibility</p:attrName>
+                                        </p:attrNameLst>
+                                      </p:cBhvr>
+                                      <p:to>
+                                        <p:strVal val="visible"/>
+                                      </p:to>
+                                    </p:set>
+                                    <p:animEffect transition="in" filter="barn(outHorizontal)">
+                                      <p:cBhvr>
+                                        <p:cTn id="43" dur="1000"/>
+                                        <p:tgtEl>
+                                          <p:spTgt spid="4">
+                                            <p:txEl>
+                                              <p:pRg st="9" end="9"/>
+                                            </p:txEl>
+                                          </p:spTgt>
+                                        </p:tgtEl>
+                                      </p:cBhvr>
+                                    </p:animEffect>
+                                  </p:childTnLst>
+                                </p:cTn>
+                              </p:par>
+                            </p:childTnLst>
+                          </p:cTn>
+                        </p:par>
+                        <p:par>
+                          <p:cTn id="44" fill="hold">
+                            <p:stCondLst>
+                              <p:cond delay="9500"/>
+                            </p:stCondLst>
+                            <p:childTnLst>
+                              <p:par>
+                                <p:cTn id="45" presetID="16" presetClass="entr" presetSubtype="42" fill="hold" nodeType="afterEffect">
+                                  <p:stCondLst>
+                                    <p:cond delay="0"/>
+                                  </p:stCondLst>
+                                  <p:childTnLst>
+                                    <p:set>
+                                      <p:cBhvr>
+                                        <p:cTn id="46" dur="1000" fill="hold">
+                                          <p:stCondLst>
+                                            <p:cond delay="0"/>
+                                          </p:stCondLst>
+                                        </p:cTn>
+                                        <p:tgtEl>
+                                          <p:spTgt spid="4">
+                                            <p:txEl>
+                                              <p:pRg st="10" end="10"/>
+                                            </p:txEl>
+                                          </p:spTgt>
+                                        </p:tgtEl>
+                                        <p:attrNameLst>
+                                          <p:attrName>style.visibility</p:attrName>
+                                        </p:attrNameLst>
+                                      </p:cBhvr>
+                                      <p:to>
+                                        <p:strVal val="visible"/>
+                                      </p:to>
+                                    </p:set>
+                                    <p:animEffect transition="in" filter="barn(outHorizontal)">
+                                      <p:cBhvr>
+                                        <p:cTn id="47" dur="1000"/>
+                                        <p:tgtEl>
+                                          <p:spTgt spid="4">
+                                            <p:txEl>
+                                              <p:pRg st="10" end="10"/>
+                                            </p:txEl>
+                                          </p:spTgt>
+                                        </p:tgtEl>
+                                      </p:cBhvr>
+                                    </p:animEffect>
+                                  </p:childTnLst>
+                                </p:cTn>
+                              </p:par>
+                            </p:childTnLst>
+                          </p:cTn>
+                        </p:par>
+                      </p:childTnLst>
+                    </p:cTn>
+                  </p:par>
+                </p:childTnLst>
+              </p:cTn>
+              <p:prevCondLst>
+                <p:cond evt="onPrev" delay="0">
+                  <p:tgtEl>
+                    <p:sldTgt/>
+                  </p:tgtEl>
+                </p:cond>
+              </p:prevCondLst>
+              <p:nextCondLst>
+                <p:cond evt="onNext" delay="0">
+                  <p:tgtEl>
+                    <p:sldTgt/>
+                  </p:tgtEl>
+                </p:cond>
+              </p:nextCondLst>
+            </p:seq>
+          </p:childTnLst>
+        </p:cTn>
+      </p:par>
+    </p:tnLst>
+  </p:timing>
+</p:sld>
+</file>
+
+<file path=ppt/slides/slide12.xml><?xml version="1.0" encoding="utf-8"?>
+<p:sld xmlns:a="http://schemas.openxmlformats.org/drawingml/2006/main" xmlns:r="http://schemas.openxmlformats.org/officeDocument/2006/relationships" xmlns:p="http://schemas.openxmlformats.org/presentationml/2006/main">
+  <p:cSld>
+    <p:spTree>
+      <p:nvGrpSpPr>
+        <p:cNvPr id="1" name=""/>
+        <p:cNvGrpSpPr/>
+        <p:nvPr/>
+      </p:nvGrpSpPr>
+      <p:grpSpPr/>
       <p:pic>
         <p:nvPicPr>
           <p:cNvPr id="4" name="坚持的视频">
@@ -3865,8 +4877,8 @@
         </p:blipFill>
         <p:spPr>
           <a:xfrm>
-            <a:off x="4297045" y="231140"/>
-            <a:ext cx="3597910" cy="6395720"/>
+            <a:off x="545465" y="266700"/>
+            <a:ext cx="10902950" cy="5996940"/>
           </a:xfrm>
           <a:prstGeom prst="rect">
             <a:avLst/>
@@ -3973,149 +4985,7 @@
 </p:sld>
 </file>
 
-<file path=ppt/slides/slide11.xml><?xml version="1.0" encoding="utf-8"?>
-<p:sld xmlns:a="http://schemas.openxmlformats.org/drawingml/2006/main" xmlns:r="http://schemas.openxmlformats.org/officeDocument/2006/relationships" xmlns:p="http://schemas.openxmlformats.org/presentationml/2006/main">
-  <p:cSld>
-    <p:spTree>
-      <p:nvGrpSpPr>
-        <p:cNvPr id="1" name=""/>
-        <p:cNvGrpSpPr/>
-        <p:nvPr/>
-      </p:nvGrpSpPr>
-      <p:grpSpPr/>
-      <p:pic>
-        <p:nvPicPr>
-          <p:cNvPr id="4" name="坚持的不可能">
-            <a:hlinkClick r:id="" action="ppaction://media"/>
-          </p:cNvPr>
-          <p:cNvPicPr/>
-          <p:nvPr>
-            <p:ph idx="1"/>
-            <a:videoFile r:link="rId1"/>
-            <p:extLst>
-              <p:ext uri="{DAA4B4D4-6D71-4841-9C94-3DE7FCFB9230}">
-                <p14:media xmlns:p14="http://schemas.microsoft.com/office/powerpoint/2010/main" r:link="rId2"/>
-              </p:ext>
-            </p:extLst>
-          </p:nvPr>
-        </p:nvPicPr>
-        <p:blipFill>
-          <a:blip r:embed="rId3"/>
-          <a:stretch>
-            <a:fillRect/>
-          </a:stretch>
-        </p:blipFill>
-        <p:spPr>
-          <a:xfrm>
-            <a:off x="574040" y="668020"/>
-            <a:ext cx="11043920" cy="5522595"/>
-          </a:xfrm>
-          <a:prstGeom prst="rect">
-            <a:avLst/>
-          </a:prstGeom>
-        </p:spPr>
-      </p:pic>
-    </p:spTree>
-  </p:cSld>
-  <p:clrMapOvr>
-    <a:masterClrMapping/>
-  </p:clrMapOvr>
-  <p:timing>
-    <p:tnLst>
-      <p:par>
-        <p:cTn id="1" dur="indefinite" restart="never" nodeType="tmRoot">
-          <p:childTnLst>
-            <p:video fullScrn="false">
-              <p:cMediaNode>
-                <p:cTn id="2" fill="hold" display="1">
-                  <p:stCondLst>
-                    <p:cond delay="indefinite"/>
-                  </p:stCondLst>
-                  <p:endCondLst>
-                    <p:cond evt="onNext">
-                      <p:tgtEl>
-                        <p:sldTgt/>
-                      </p:tgtEl>
-                    </p:cond>
-                    <p:cond evt="onPrev">
-                      <p:tgtEl>
-                        <p:sldTgt/>
-                      </p:tgtEl>
-                    </p:cond>
-                  </p:endCondLst>
-                </p:cTn>
-                <p:tgtEl>
-                  <p:spTgt spid="4"/>
-                </p:tgtEl>
-              </p:cMediaNode>
-            </p:video>
-            <p:seq concurrent="1" nextAc="seek">
-              <p:cTn id="3" restart="whenNotActive" fill="hold" evtFilter="cancelBubble" nodeType="interactiveSeq">
-                <p:stCondLst>
-                  <p:cond evt="onClick" delay="0">
-                    <p:tgtEl>
-                      <p:spTgt spid="4"/>
-                    </p:tgtEl>
-                  </p:cond>
-                </p:stCondLst>
-                <p:endSync evt="end" delay="0">
-                  <p:rtn val="all"/>
-                </p:endSync>
-                <p:childTnLst>
-                  <p:par>
-                    <p:cTn id="4" fill="hold">
-                      <p:stCondLst>
-                        <p:cond delay="0"/>
-                      </p:stCondLst>
-                      <p:childTnLst>
-                        <p:par>
-                          <p:cTn id="5" fill="hold">
-                            <p:stCondLst>
-                              <p:cond delay="0"/>
-                            </p:stCondLst>
-                            <p:childTnLst>
-                              <p:par>
-                                <p:cTn id="6" presetID="2" presetClass="mediacall" presetSubtype="0" fill="hold" nodeType="clickEffect">
-                                  <p:stCondLst>
-                                    <p:cond delay="0"/>
-                                  </p:stCondLst>
-                                  <p:childTnLst>
-                                    <p:cmd type="call" cmd="togglePause">
-                                      <p:cBhvr additive="base">
-                                        <p:cTn id="7" dur="1" fill="hold"/>
-                                        <p:tgtEl>
-                                          <p:spTgt spid="4"/>
-                                        </p:tgtEl>
-                                      </p:cBhvr>
-                                    </p:cmd>
-                                  </p:childTnLst>
-                                </p:cTn>
-                              </p:par>
-                            </p:childTnLst>
-                          </p:cTn>
-                        </p:par>
-                      </p:childTnLst>
-                    </p:cTn>
-                  </p:par>
-                </p:childTnLst>
-              </p:cTn>
-              <p:nextCondLst>
-                <p:cond evt="onClick" delay="0">
-                  <p:tgtEl>
-                    <p:spTgt spid="4"/>
-                  </p:tgtEl>
-                </p:cond>
-              </p:nextCondLst>
-            </p:seq>
-          </p:childTnLst>
-        </p:cTn>
-      </p:par>
-    </p:tnLst>
-  </p:timing>
-</p:sld>
-</file>
-
-<file path=ppt/slides/slide12.xml><?xml version="1.0" encoding="utf-8"?>
+<file path=ppt/slides/slide13.xml><?xml version="1.0" encoding="utf-8"?>
 <p:sld xmlns:a="http://schemas.openxmlformats.org/drawingml/2006/main" xmlns:r="http://schemas.openxmlformats.org/officeDocument/2006/relationships" xmlns:p="http://schemas.openxmlformats.org/presentationml/2006/main">
   <p:cSld>
     <p:spTree>
@@ -4315,7 +5185,7 @@
 </p:sld>
 </file>
 
-<file path=ppt/slides/slide13.xml><?xml version="1.0" encoding="utf-8"?>
+<file path=ppt/slides/slide14.xml><?xml version="1.0" encoding="utf-8"?>
 <p:sld xmlns:a="http://schemas.openxmlformats.org/drawingml/2006/main" xmlns:r="http://schemas.openxmlformats.org/officeDocument/2006/relationships" xmlns:p="http://schemas.openxmlformats.org/presentationml/2006/main">
   <p:cSld>
     <p:spTree>
@@ -6045,6 +6915,357 @@
       <p:grpSpPr/>
       <p:sp>
         <p:nvSpPr>
+          <p:cNvPr id="4" name="Text Box 3"/>
+          <p:cNvSpPr txBox="true"/>
+          <p:nvPr/>
+        </p:nvSpPr>
+        <p:spPr>
+          <a:xfrm>
+            <a:off x="2014855" y="2152650"/>
+            <a:ext cx="9063355" cy="2553335"/>
+          </a:xfrm>
+          <a:prstGeom prst="rect">
+            <a:avLst/>
+          </a:prstGeom>
+          <a:noFill/>
+        </p:spPr>
+        <p:txBody>
+          <a:bodyPr wrap="square" rtlCol="0">
+            <a:spAutoFit/>
+          </a:bodyPr>
+          <a:p>
+            <a:r>
+              <a:rPr lang="zh-CN" altLang="" sz="4000">
+                <a:solidFill>
+                  <a:schemeClr val="accent1">
+                    <a:lumMod val="50000"/>
+                  </a:schemeClr>
+                </a:solidFill>
+              </a:rPr>
+              <a:t>你们最爱的视频来了，</a:t>
+            </a:r>
+            <a:endParaRPr lang="zh-CN" altLang="" sz="4000">
+              <a:solidFill>
+                <a:schemeClr val="accent1">
+                  <a:lumMod val="50000"/>
+                </a:schemeClr>
+              </a:solidFill>
+            </a:endParaRPr>
+          </a:p>
+          <a:p>
+            <a:r>
+              <a:rPr lang="zh-CN" altLang="" sz="4000">
+                <a:solidFill>
+                  <a:schemeClr val="accent1">
+                    <a:lumMod val="50000"/>
+                  </a:schemeClr>
+                </a:solidFill>
+              </a:rPr>
+              <a:t>不过先说好，</a:t>
+            </a:r>
+            <a:endParaRPr lang="zh-CN" altLang="" sz="4000">
+              <a:solidFill>
+                <a:schemeClr val="accent1">
+                  <a:lumMod val="50000"/>
+                </a:schemeClr>
+              </a:solidFill>
+            </a:endParaRPr>
+          </a:p>
+          <a:p>
+            <a:r>
+              <a:rPr lang="zh-CN" altLang="en-US" sz="4000">
+                <a:solidFill>
+                  <a:schemeClr val="accent1">
+                    <a:lumMod val="50000"/>
+                  </a:schemeClr>
+                </a:solidFill>
+              </a:rPr>
+              <a:t>你们可不能闹腾，不然最后的精彩，</a:t>
+            </a:r>
+            <a:endParaRPr lang="zh-CN" altLang="en-US" sz="4000">
+              <a:solidFill>
+                <a:schemeClr val="accent1">
+                  <a:lumMod val="50000"/>
+                </a:schemeClr>
+              </a:solidFill>
+            </a:endParaRPr>
+          </a:p>
+          <a:p>
+            <a:r>
+              <a:rPr lang="zh-CN" altLang="en-US" sz="4000">
+                <a:solidFill>
+                  <a:schemeClr val="accent1">
+                    <a:lumMod val="50000"/>
+                  </a:schemeClr>
+                </a:solidFill>
+              </a:rPr>
+              <a:t>可就要错过了！</a:t>
+            </a:r>
+            <a:endParaRPr lang="" altLang="zh-CN" sz="4000">
+              <a:solidFill>
+                <a:schemeClr val="accent1">
+                  <a:lumMod val="50000"/>
+                </a:schemeClr>
+              </a:solidFill>
+            </a:endParaRPr>
+          </a:p>
+        </p:txBody>
+      </p:sp>
+    </p:spTree>
+  </p:cSld>
+  <p:clrMapOvr>
+    <a:masterClrMapping/>
+  </p:clrMapOvr>
+  <p:transition>
+    <p:wipe/>
+  </p:transition>
+  <p:timing>
+    <p:tnLst>
+      <p:par>
+        <p:cTn id="1" dur="indefinite" restart="never" nodeType="tmRoot">
+          <p:childTnLst>
+            <p:seq concurrent="1" nextAc="seek">
+              <p:cTn id="2" dur="indefinite" nodeType="mainSeq">
+                <p:childTnLst>
+                  <p:par>
+                    <p:cTn id="3" fill="hold">
+                      <p:stCondLst>
+                        <p:cond delay="indefinite"/>
+                        <p:cond evt="onBegin" delay="0">
+                          <p:tn val="2"/>
+                        </p:cond>
+                      </p:stCondLst>
+                      <p:childTnLst>
+                        <p:par>
+                          <p:cTn id="4" fill="hold">
+                            <p:stCondLst>
+                              <p:cond delay="0"/>
+                            </p:stCondLst>
+                            <p:childTnLst>
+                              <p:par>
+                                <p:cTn id="5" presetID="24" presetClass="entr" presetSubtype="0" fill="hold" grpId="0" nodeType="afterEffect">
+                                  <p:stCondLst>
+                                    <p:cond delay="0"/>
+                                  </p:stCondLst>
+                                  <p:childTnLst>
+                                    <p:set>
+                                      <p:cBhvr>
+                                        <p:cTn id="6" dur="1" fill="hold">
+                                          <p:stCondLst>
+                                            <p:cond delay="0"/>
+                                          </p:stCondLst>
+                                        </p:cTn>
+                                        <p:tgtEl>
+                                          <p:spTgt spid="4"/>
+                                        </p:tgtEl>
+                                        <p:attrNameLst>
+                                          <p:attrName>style.visibility</p:attrName>
+                                        </p:attrNameLst>
+                                      </p:cBhvr>
+                                      <p:to>
+                                        <p:strVal val="visible"/>
+                                      </p:to>
+                                    </p:set>
+                                    <p:anim to="" calcmode="lin" valueType="num">
+                                      <p:cBhvr>
+                                        <p:cTn id="7" dur="1" fill="hold"/>
+                                        <p:tgtEl>
+                                          <p:spTgt spid="4"/>
+                                        </p:tgtEl>
+                                      </p:cBhvr>
+                                    </p:anim>
+                                  </p:childTnLst>
+                                </p:cTn>
+                              </p:par>
+                            </p:childTnLst>
+                          </p:cTn>
+                        </p:par>
+                      </p:childTnLst>
+                    </p:cTn>
+                  </p:par>
+                </p:childTnLst>
+              </p:cTn>
+              <p:prevCondLst>
+                <p:cond evt="onPrev" delay="0">
+                  <p:tgtEl>
+                    <p:sldTgt/>
+                  </p:tgtEl>
+                </p:cond>
+              </p:prevCondLst>
+              <p:nextCondLst>
+                <p:cond evt="onNext" delay="0">
+                  <p:tgtEl>
+                    <p:sldTgt/>
+                  </p:tgtEl>
+                </p:cond>
+              </p:nextCondLst>
+            </p:seq>
+          </p:childTnLst>
+        </p:cTn>
+      </p:par>
+    </p:tnLst>
+    <p:bldLst>
+      <p:bldP spid="4" grpId="0"/>
+      <p:bldP spid="4" grpId="1"/>
+    </p:bldLst>
+  </p:timing>
+</p:sld>
+</file>
+
+<file path=ppt/slides/slide6.xml><?xml version="1.0" encoding="utf-8"?>
+<p:sld xmlns:a="http://schemas.openxmlformats.org/drawingml/2006/main" xmlns:r="http://schemas.openxmlformats.org/officeDocument/2006/relationships" xmlns:p="http://schemas.openxmlformats.org/presentationml/2006/main">
+  <p:cSld>
+    <p:spTree>
+      <p:nvGrpSpPr>
+        <p:cNvPr id="1" name=""/>
+        <p:cNvGrpSpPr/>
+        <p:nvPr/>
+      </p:nvGrpSpPr>
+      <p:grpSpPr/>
+      <p:pic>
+        <p:nvPicPr>
+          <p:cNvPr id="4" name="坚持的不可能">
+            <a:hlinkClick r:id="" action="ppaction://media"/>
+          </p:cNvPr>
+          <p:cNvPicPr/>
+          <p:nvPr>
+            <p:ph idx="1"/>
+            <a:videoFile r:link="rId1"/>
+            <p:extLst>
+              <p:ext uri="{DAA4B4D4-6D71-4841-9C94-3DE7FCFB9230}">
+                <p14:media xmlns:p14="http://schemas.microsoft.com/office/powerpoint/2010/main" r:link="rId2"/>
+              </p:ext>
+            </p:extLst>
+          </p:nvPr>
+        </p:nvPicPr>
+        <p:blipFill>
+          <a:blip r:embed="rId3"/>
+          <a:stretch>
+            <a:fillRect/>
+          </a:stretch>
+        </p:blipFill>
+        <p:spPr>
+          <a:xfrm>
+            <a:off x="574040" y="668020"/>
+            <a:ext cx="11043920" cy="5522595"/>
+          </a:xfrm>
+          <a:prstGeom prst="rect">
+            <a:avLst/>
+          </a:prstGeom>
+        </p:spPr>
+      </p:pic>
+    </p:spTree>
+  </p:cSld>
+  <p:clrMapOvr>
+    <a:masterClrMapping/>
+  </p:clrMapOvr>
+  <p:timing>
+    <p:tnLst>
+      <p:par>
+        <p:cTn id="1" dur="indefinite" restart="never" nodeType="tmRoot">
+          <p:childTnLst>
+            <p:video fullScrn="false">
+              <p:cMediaNode>
+                <p:cTn id="2" fill="hold" display="1">
+                  <p:stCondLst>
+                    <p:cond delay="indefinite"/>
+                  </p:stCondLst>
+                  <p:endCondLst>
+                    <p:cond evt="onNext">
+                      <p:tgtEl>
+                        <p:sldTgt/>
+                      </p:tgtEl>
+                    </p:cond>
+                    <p:cond evt="onPrev">
+                      <p:tgtEl>
+                        <p:sldTgt/>
+                      </p:tgtEl>
+                    </p:cond>
+                  </p:endCondLst>
+                </p:cTn>
+                <p:tgtEl>
+                  <p:spTgt spid="4"/>
+                </p:tgtEl>
+              </p:cMediaNode>
+            </p:video>
+            <p:seq concurrent="1" nextAc="seek">
+              <p:cTn id="3" restart="whenNotActive" fill="hold" evtFilter="cancelBubble" nodeType="interactiveSeq">
+                <p:stCondLst>
+                  <p:cond evt="onClick" delay="0">
+                    <p:tgtEl>
+                      <p:spTgt spid="4"/>
+                    </p:tgtEl>
+                  </p:cond>
+                </p:stCondLst>
+                <p:endSync evt="end" delay="0">
+                  <p:rtn val="all"/>
+                </p:endSync>
+                <p:childTnLst>
+                  <p:par>
+                    <p:cTn id="4" fill="hold">
+                      <p:stCondLst>
+                        <p:cond delay="0"/>
+                      </p:stCondLst>
+                      <p:childTnLst>
+                        <p:par>
+                          <p:cTn id="5" fill="hold">
+                            <p:stCondLst>
+                              <p:cond delay="0"/>
+                            </p:stCondLst>
+                            <p:childTnLst>
+                              <p:par>
+                                <p:cTn id="6" presetID="2" presetClass="mediacall" presetSubtype="0" fill="hold" nodeType="clickEffect">
+                                  <p:stCondLst>
+                                    <p:cond delay="0"/>
+                                  </p:stCondLst>
+                                  <p:childTnLst>
+                                    <p:cmd type="call" cmd="togglePause">
+                                      <p:cBhvr additive="base">
+                                        <p:cTn id="7" dur="1" fill="hold"/>
+                                        <p:tgtEl>
+                                          <p:spTgt spid="4"/>
+                                        </p:tgtEl>
+                                      </p:cBhvr>
+                                    </p:cmd>
+                                  </p:childTnLst>
+                                </p:cTn>
+                              </p:par>
+                            </p:childTnLst>
+                          </p:cTn>
+                        </p:par>
+                      </p:childTnLst>
+                    </p:cTn>
+                  </p:par>
+                </p:childTnLst>
+              </p:cTn>
+              <p:nextCondLst>
+                <p:cond evt="onClick" delay="0">
+                  <p:tgtEl>
+                    <p:spTgt spid="4"/>
+                  </p:tgtEl>
+                </p:cond>
+              </p:nextCondLst>
+            </p:seq>
+          </p:childTnLst>
+        </p:cTn>
+      </p:par>
+    </p:tnLst>
+  </p:timing>
+</p:sld>
+</file>
+
+<file path=ppt/slides/slide7.xml><?xml version="1.0" encoding="utf-8"?>
+<p:sld xmlns:a="http://schemas.openxmlformats.org/drawingml/2006/main" xmlns:r="http://schemas.openxmlformats.org/officeDocument/2006/relationships" xmlns:p="http://schemas.openxmlformats.org/presentationml/2006/main">
+  <p:cSld>
+    <p:spTree>
+      <p:nvGrpSpPr>
+        <p:cNvPr id="1" name=""/>
+        <p:cNvGrpSpPr/>
+        <p:nvPr/>
+      </p:nvGrpSpPr>
+      <p:grpSpPr/>
+      <p:sp>
+        <p:nvSpPr>
           <p:cNvPr id="2" name="Title 1"/>
           <p:cNvSpPr>
             <a:spLocks noGrp="true"/>
@@ -7029,7 +8250,7 @@
 </p:sld>
 </file>
 
-<file path=ppt/slides/slide6.xml><?xml version="1.0" encoding="utf-8"?>
+<file path=ppt/slides/slide8.xml><?xml version="1.0" encoding="utf-8"?>
 <p:sld xmlns:a="http://schemas.openxmlformats.org/drawingml/2006/main" xmlns:r="http://schemas.openxmlformats.org/officeDocument/2006/relationships" xmlns:p="http://schemas.openxmlformats.org/presentationml/2006/main">
   <p:cSld>
     <p:spTree>
@@ -7501,7 +8722,7 @@
 </p:sld>
 </file>
 
-<file path=ppt/slides/slide7.xml><?xml version="1.0" encoding="utf-8"?>
+<file path=ppt/slides/slide9.xml><?xml version="1.0" encoding="utf-8"?>
 <p:sld xmlns:a="http://schemas.openxmlformats.org/drawingml/2006/main" xmlns:r="http://schemas.openxmlformats.org/officeDocument/2006/relationships" xmlns:p="http://schemas.openxmlformats.org/presentationml/2006/main">
   <p:cSld>
     <p:spTree>
@@ -7760,193 +8981,6 @@
       </p:par>
     </p:tnLst>
   </p:timing>
-</p:sld>
-</file>
-
-<file path=ppt/slides/slide8.xml><?xml version="1.0" encoding="utf-8"?>
-<p:sld xmlns:a="http://schemas.openxmlformats.org/drawingml/2006/main" xmlns:r="http://schemas.openxmlformats.org/officeDocument/2006/relationships" xmlns:p="http://schemas.openxmlformats.org/presentationml/2006/main">
-  <p:cSld>
-    <p:spTree>
-      <p:nvGrpSpPr>
-        <p:cNvPr id="1" name=""/>
-        <p:cNvGrpSpPr/>
-        <p:nvPr/>
-      </p:nvGrpSpPr>
-      <p:grpSpPr/>
-      <p:sp>
-        <p:nvSpPr>
-          <p:cNvPr id="5" name="Text Box 4"/>
-          <p:cNvSpPr txBox="true"/>
-          <p:nvPr/>
-        </p:nvSpPr>
-        <p:spPr>
-          <a:xfrm>
-            <a:off x="1099185" y="675005"/>
-            <a:ext cx="9993630" cy="5507990"/>
-          </a:xfrm>
-          <a:prstGeom prst="rect">
-            <a:avLst/>
-          </a:prstGeom>
-          <a:noFill/>
-        </p:spPr>
-        <p:txBody>
-          <a:bodyPr wrap="square" rtlCol="0">
-            <a:spAutoFit/>
-          </a:bodyPr>
-          <a:p>
-            <a:r>
-              <a:rPr lang="zh-CN" altLang="en-US" sz="3200">
-                <a:solidFill>
-                  <a:schemeClr val="accent1">
-                    <a:lumMod val="50000"/>
-                  </a:schemeClr>
-                </a:solidFill>
-              </a:rPr>
-              <a:t>狄更斯特别注意描写生活在英国社会底层的“小人物”的生活遭遇，体验生活，不管刮风下雨，每天都坚持去观察、谛听，记录下行人的零言碎语，积累了丰富的生活资料。</a:t>
-            </a:r>
-            <a:endParaRPr lang="zh-CN" altLang="en-US" sz="3200">
-              <a:solidFill>
-                <a:schemeClr val="accent1">
-                  <a:lumMod val="50000"/>
-                </a:schemeClr>
-              </a:solidFill>
-            </a:endParaRPr>
-          </a:p>
-          <a:p>
-            <a:r>
-              <a:rPr lang="zh-CN" altLang="en-US" sz="3200">
-                <a:solidFill>
-                  <a:schemeClr val="accent1">
-                    <a:lumMod val="50000"/>
-                  </a:schemeClr>
-                </a:solidFill>
-              </a:rPr>
-              <a:t>因此，他在《大卫</a:t>
-            </a:r>
-            <a:r>
-              <a:rPr lang="en-US" sz="3200">
-                <a:solidFill>
-                  <a:schemeClr val="accent1">
-                    <a:lumMod val="50000"/>
-                  </a:schemeClr>
-                </a:solidFill>
-                <a:sym typeface="+mn-ea"/>
-              </a:rPr>
-              <a:t>·</a:t>
-            </a:r>
-            <a:r>
-              <a:rPr lang="zh-CN" altLang="en-US" sz="3200">
-                <a:solidFill>
-                  <a:schemeClr val="accent1">
-                    <a:lumMod val="50000"/>
-                  </a:schemeClr>
-                </a:solidFill>
-              </a:rPr>
-              <a:t>科波菲尔》中写下精彩的人物描写对话，在《双城记》中留下逼真的社会背景描写，从而成为英国一代文豪，取得了他文学事业上的巨大成功。</a:t>
-            </a:r>
-            <a:endParaRPr lang="zh-CN" altLang="en-US" sz="3200">
-              <a:solidFill>
-                <a:schemeClr val="accent1">
-                  <a:lumMod val="50000"/>
-                </a:schemeClr>
-              </a:solidFill>
-            </a:endParaRPr>
-          </a:p>
-          <a:p>
-            <a:endParaRPr lang="zh-CN" altLang="en-US" sz="3200">
-              <a:solidFill>
-                <a:schemeClr val="accent1">
-                  <a:lumMod val="50000"/>
-                </a:schemeClr>
-              </a:solidFill>
-            </a:endParaRPr>
-          </a:p>
-          <a:p>
-            <a:r>
-              <a:rPr lang="zh-CN" altLang="en-US" sz="3200">
-                <a:solidFill>
-                  <a:schemeClr val="accent1">
-                    <a:lumMod val="50000"/>
-                  </a:schemeClr>
-                </a:solidFill>
-              </a:rPr>
-              <a:t>他的作品深刻地反映了当时英国复杂的社会现实，为英国批判现实主义文学的开拓和发展做出了卓越的贡献。他的作品对英国文学发展起到了深远的影响。</a:t>
-            </a:r>
-            <a:endParaRPr lang="zh-CN" altLang="en-US" sz="3200">
-              <a:solidFill>
-                <a:schemeClr val="accent1">
-                  <a:lumMod val="50000"/>
-                </a:schemeClr>
-              </a:solidFill>
-            </a:endParaRPr>
-          </a:p>
-        </p:txBody>
-      </p:sp>
-    </p:spTree>
-  </p:cSld>
-  <p:clrMapOvr>
-    <a:masterClrMapping/>
-  </p:clrMapOvr>
-  <p:transition>
-    <p:fade/>
-  </p:transition>
-</p:sld>
-</file>
-
-<file path=ppt/slides/slide9.xml><?xml version="1.0" encoding="utf-8"?>
-<p:sld xmlns:a="http://schemas.openxmlformats.org/drawingml/2006/main" xmlns:r="http://schemas.openxmlformats.org/officeDocument/2006/relationships" xmlns:p="http://schemas.openxmlformats.org/presentationml/2006/main">
-  <p:cSld>
-    <p:spTree>
-      <p:nvGrpSpPr>
-        <p:cNvPr id="1" name=""/>
-        <p:cNvGrpSpPr/>
-        <p:nvPr/>
-      </p:nvGrpSpPr>
-      <p:grpSpPr/>
-      <p:sp>
-        <p:nvSpPr>
-          <p:cNvPr id="4" name="Text Box 3"/>
-          <p:cNvSpPr txBox="true"/>
-          <p:nvPr/>
-        </p:nvSpPr>
-        <p:spPr>
-          <a:xfrm>
-            <a:off x="2248535" y="563880"/>
-            <a:ext cx="6062980" cy="1198880"/>
-          </a:xfrm>
-          <a:prstGeom prst="rect">
-            <a:avLst/>
-          </a:prstGeom>
-          <a:noFill/>
-        </p:spPr>
-        <p:txBody>
-          <a:bodyPr wrap="square" rtlCol="0">
-            <a:spAutoFit/>
-          </a:bodyPr>
-          <a:p>
-            <a:r>
-              <a:rPr lang="zh-CN" altLang="en-US" sz="3600"/>
-              <a:t>可是这好像都里我们很远，</a:t>
-            </a:r>
-            <a:endParaRPr lang="zh-CN" altLang="en-US" sz="3600"/>
-          </a:p>
-          <a:p>
-            <a:r>
-              <a:rPr lang="zh-CN" altLang="en-US" sz="3600"/>
-              <a:t>我们也没有这么</a:t>
-            </a:r>
-            <a:endParaRPr lang="zh-CN" altLang="en-US" sz="3600"/>
-          </a:p>
-        </p:txBody>
-      </p:sp>
-    </p:spTree>
-  </p:cSld>
-  <p:clrMapOvr>
-    <a:masterClrMapping/>
-  </p:clrMapOvr>
-  <p:transition>
-    <p:fade/>
-  </p:transition>
 </p:sld>
 </file>
 
@@ -8201,6 +9235,21 @@
       </a:bgFillStyleLst>
     </a:fmtScheme>
   </a:themeElements>
+  <a:objectDefaults>
+    <a:txDef>
+      <a:spPr>
+        <a:noFill/>
+      </a:spPr>
+      <a:bodyPr wrap="square" rtlCol="0">
+        <a:spAutoFit/>
+      </a:bodyPr>
+      <a:lstStyle>
+        <a:defPPr>
+          <a:defRPr lang="zh-CN" altLang="" sz="4000"/>
+        </a:defPPr>
+      </a:lstStyle>
+    </a:txDef>
+  </a:objectDefaults>
   <a:extLst>
     <a:ext uri="{05A4C25C-085E-4340-85A3-A5531E510DB2}">
       <thm15:themeFamily xmlns:thm15="http://schemas.microsoft.com/office/thememl/2012/main" name="Office Theme" id="{62F939B6-93AF-4DB8-9C6B-D6C7DFDC589F}" vid="{4A3C46E8-61CC-4603-A589-7422A47A8E4A}"/>

--- a/坚持.pptx
+++ b/坚持.pptx
@@ -5,10 +5,10 @@
     <p:sldMasterId id="2147483648" r:id="rId1"/>
   </p:sldMasterIdLst>
   <p:notesMasterIdLst>
-    <p:notesMasterId r:id="rId17"/>
+    <p:notesMasterId r:id="rId18"/>
   </p:notesMasterIdLst>
   <p:handoutMasterIdLst>
-    <p:handoutMasterId r:id="rId18"/>
+    <p:handoutMasterId r:id="rId19"/>
   </p:handoutMasterIdLst>
   <p:sldIdLst>
     <p:sldId id="256" r:id="rId3"/>
@@ -18,13 +18,14 @@
     <p:sldId id="287" r:id="rId7"/>
     <p:sldId id="286" r:id="rId8"/>
     <p:sldId id="268" r:id="rId9"/>
-    <p:sldId id="275" r:id="rId10"/>
-    <p:sldId id="259" r:id="rId11"/>
-    <p:sldId id="261" r:id="rId12"/>
-    <p:sldId id="280" r:id="rId13"/>
-    <p:sldId id="285" r:id="rId14"/>
-    <p:sldId id="277" r:id="rId15"/>
-    <p:sldId id="278" r:id="rId16"/>
+    <p:sldId id="297" r:id="rId10"/>
+    <p:sldId id="275" r:id="rId11"/>
+    <p:sldId id="259" r:id="rId12"/>
+    <p:sldId id="261" r:id="rId13"/>
+    <p:sldId id="280" r:id="rId14"/>
+    <p:sldId id="285" r:id="rId15"/>
+    <p:sldId id="277" r:id="rId16"/>
+    <p:sldId id="278" r:id="rId17"/>
   </p:sldIdLst>
   <p:sldSz cx="12192000" cy="6858000"/>
   <p:notesSz cx="7103745" cy="10234295"/>
@@ -147,6 +148,7 @@
         <p14:section name="游戏" id="{31574325-10de-4d02-82e4-eb85caf11fd1}">
           <p14:sldIdLst>
             <p14:sldId id="268"/>
+            <p14:sldId id="297"/>
             <p14:sldId id="275"/>
           </p14:sldIdLst>
         </p14:section>
@@ -3849,6 +3851,268 @@
       <p:grpSpPr/>
       <p:sp>
         <p:nvSpPr>
+          <p:cNvPr id="4" name="Text Box 3"/>
+          <p:cNvSpPr txBox="true"/>
+          <p:nvPr/>
+        </p:nvSpPr>
+        <p:spPr>
+          <a:xfrm>
+            <a:off x="638175" y="292100"/>
+            <a:ext cx="5164455" cy="768350"/>
+          </a:xfrm>
+          <a:prstGeom prst="rect">
+            <a:avLst/>
+          </a:prstGeom>
+          <a:noFill/>
+        </p:spPr>
+        <p:txBody>
+          <a:bodyPr wrap="square" rtlCol="0">
+            <a:spAutoFit/>
+          </a:bodyPr>
+          <a:p>
+            <a:r>
+              <a:rPr lang="zh-CN" altLang="en-US" sz="4400">
+                <a:gradFill>
+                  <a:gsLst>
+                    <a:gs pos="0">
+                      <a:schemeClr val="accent5">
+                        <a:lumMod val="50000"/>
+                      </a:schemeClr>
+                    </a:gs>
+                    <a:gs pos="50000">
+                      <a:schemeClr val="accent5"/>
+                    </a:gs>
+                    <a:gs pos="100000">
+                      <a:schemeClr val="accent5">
+                        <a:lumMod val="60000"/>
+                        <a:lumOff val="40000"/>
+                      </a:schemeClr>
+                    </a:gs>
+                  </a:gsLst>
+                  <a:lin ang="5400000"/>
+                </a:gradFill>
+                <a:effectLst>
+                  <a:reflection blurRad="6350" stA="53000" endA="300" endPos="35500" dir="5400000" sy="-90000" algn="bl" rotWithShape="0"/>
+                </a:effectLst>
+              </a:rPr>
+              <a:t>狄更斯</a:t>
+            </a:r>
+            <a:endParaRPr lang="zh-CN" altLang="en-US" sz="4400">
+              <a:gradFill>
+                <a:gsLst>
+                  <a:gs pos="0">
+                    <a:schemeClr val="accent5">
+                      <a:lumMod val="50000"/>
+                    </a:schemeClr>
+                  </a:gs>
+                  <a:gs pos="50000">
+                    <a:schemeClr val="accent5"/>
+                  </a:gs>
+                  <a:gs pos="100000">
+                    <a:schemeClr val="accent5">
+                      <a:lumMod val="60000"/>
+                      <a:lumOff val="40000"/>
+                    </a:schemeClr>
+                  </a:gs>
+                </a:gsLst>
+                <a:lin ang="5400000"/>
+              </a:gradFill>
+              <a:effectLst>
+                <a:reflection blurRad="6350" stA="53000" endA="300" endPos="35500" dir="5400000" sy="-90000" algn="bl" rotWithShape="0"/>
+              </a:effectLst>
+            </a:endParaRPr>
+          </a:p>
+        </p:txBody>
+      </p:sp>
+      <p:sp>
+        <p:nvSpPr>
+          <p:cNvPr id="6" name="Text Box 5"/>
+          <p:cNvSpPr txBox="true"/>
+          <p:nvPr/>
+        </p:nvSpPr>
+        <p:spPr>
+          <a:xfrm>
+            <a:off x="906145" y="1060450"/>
+            <a:ext cx="6001385" cy="5477510"/>
+          </a:xfrm>
+          <a:prstGeom prst="rect">
+            <a:avLst/>
+          </a:prstGeom>
+          <a:noFill/>
+        </p:spPr>
+        <p:txBody>
+          <a:bodyPr wrap="square" rtlCol="0">
+            <a:spAutoFit/>
+          </a:bodyPr>
+          <a:p>
+            <a:pPr fontAlgn="auto">
+              <a:lnSpc>
+                <a:spcPct val="125000"/>
+              </a:lnSpc>
+            </a:pPr>
+            <a:r>
+              <a:rPr lang="en-US" sz="2800">
+                <a:solidFill>
+                  <a:schemeClr val="accent1">
+                    <a:lumMod val="50000"/>
+                  </a:schemeClr>
+                </a:solidFill>
+              </a:rPr>
+              <a:t>狄更斯1812年2月7日生于朴次茅斯市郊，出生于海军小职员家庭，少年时因家庭生活窘迫，只能断断续续入校求学。后被迫到工厂做童工。15岁以后，当过律师事务所学徒、录事和法庭记录员。20岁开始当报馆采访员，报道下议院。1837年他完成了第一部长篇小说《匹克威克外传》，是第一部现实主义小说创作，后来创作才能日渐成熟</a:t>
+            </a:r>
+            <a:r>
+              <a:rPr lang="zh-CN" altLang="en-US" sz="2800">
+                <a:solidFill>
+                  <a:schemeClr val="accent1">
+                    <a:lumMod val="50000"/>
+                  </a:schemeClr>
+                </a:solidFill>
+              </a:rPr>
+              <a:t>。</a:t>
+            </a:r>
+            <a:endParaRPr lang="zh-CN" altLang="en-US" sz="2800">
+              <a:solidFill>
+                <a:schemeClr val="accent1">
+                  <a:lumMod val="50000"/>
+                </a:schemeClr>
+              </a:solidFill>
+            </a:endParaRPr>
+          </a:p>
+        </p:txBody>
+      </p:sp>
+      <p:pic>
+        <p:nvPicPr>
+          <p:cNvPr id="2" name="Picture 1" descr="timg"/>
+          <p:cNvPicPr>
+            <a:picLocks noChangeAspect="true"/>
+          </p:cNvPicPr>
+          <p:nvPr/>
+        </p:nvPicPr>
+        <p:blipFill>
+          <a:blip r:embed="rId1"/>
+          <a:stretch>
+            <a:fillRect/>
+          </a:stretch>
+        </p:blipFill>
+        <p:spPr>
+          <a:xfrm>
+            <a:off x="7131050" y="725170"/>
+            <a:ext cx="4254500" cy="5408295"/>
+          </a:xfrm>
+          <a:prstGeom prst="rect">
+            <a:avLst/>
+          </a:prstGeom>
+        </p:spPr>
+      </p:pic>
+    </p:spTree>
+  </p:cSld>
+  <p:clrMapOvr>
+    <a:masterClrMapping/>
+  </p:clrMapOvr>
+  <p:transition>
+    <p:fade/>
+  </p:transition>
+  <p:timing>
+    <p:tnLst>
+      <p:par>
+        <p:cTn id="1" dur="indefinite" restart="never" nodeType="tmRoot">
+          <p:childTnLst>
+            <p:seq concurrent="1" nextAc="seek">
+              <p:cTn id="2" dur="indefinite" nodeType="mainSeq">
+                <p:childTnLst>
+                  <p:par>
+                    <p:cTn id="3" fill="hold">
+                      <p:stCondLst>
+                        <p:cond delay="indefinite"/>
+                        <p:cond evt="onBegin" delay="0">
+                          <p:tn val="2"/>
+                        </p:cond>
+                      </p:stCondLst>
+                      <p:childTnLst>
+                        <p:par>
+                          <p:cTn id="4" fill="hold">
+                            <p:stCondLst>
+                              <p:cond delay="0"/>
+                            </p:stCondLst>
+                            <p:childTnLst>
+                              <p:par>
+                                <p:cTn id="5" presetID="5" presetClass="entr" presetSubtype="10" fill="hold" nodeType="withEffect">
+                                  <p:stCondLst>
+                                    <p:cond delay="0"/>
+                                  </p:stCondLst>
+                                  <p:childTnLst>
+                                    <p:set>
+                                      <p:cBhvr>
+                                        <p:cTn id="6" dur="1" fill="hold">
+                                          <p:stCondLst>
+                                            <p:cond delay="0"/>
+                                          </p:stCondLst>
+                                        </p:cTn>
+                                        <p:tgtEl>
+                                          <p:spTgt spid="2"/>
+                                        </p:tgtEl>
+                                        <p:attrNameLst>
+                                          <p:attrName>style.visibility</p:attrName>
+                                        </p:attrNameLst>
+                                      </p:cBhvr>
+                                      <p:to>
+                                        <p:strVal val="visible"/>
+                                      </p:to>
+                                    </p:set>
+                                    <p:animEffect transition="in" filter="checkerboard(across)">
+                                      <p:cBhvr>
+                                        <p:cTn id="7" dur="500"/>
+                                        <p:tgtEl>
+                                          <p:spTgt spid="2"/>
+                                        </p:tgtEl>
+                                      </p:cBhvr>
+                                    </p:animEffect>
+                                  </p:childTnLst>
+                                </p:cTn>
+                              </p:par>
+                            </p:childTnLst>
+                          </p:cTn>
+                        </p:par>
+                      </p:childTnLst>
+                    </p:cTn>
+                  </p:par>
+                </p:childTnLst>
+              </p:cTn>
+              <p:prevCondLst>
+                <p:cond evt="onPrev" delay="0">
+                  <p:tgtEl>
+                    <p:sldTgt/>
+                  </p:tgtEl>
+                </p:cond>
+              </p:prevCondLst>
+              <p:nextCondLst>
+                <p:cond evt="onNext" delay="0">
+                  <p:tgtEl>
+                    <p:sldTgt/>
+                  </p:tgtEl>
+                </p:cond>
+              </p:nextCondLst>
+            </p:seq>
+          </p:childTnLst>
+        </p:cTn>
+      </p:par>
+    </p:tnLst>
+  </p:timing>
+</p:sld>
+</file>
+
+<file path=ppt/slides/slide11.xml><?xml version="1.0" encoding="utf-8"?>
+<p:sld xmlns:a="http://schemas.openxmlformats.org/drawingml/2006/main" xmlns:r="http://schemas.openxmlformats.org/officeDocument/2006/relationships" xmlns:p="http://schemas.openxmlformats.org/presentationml/2006/main">
+  <p:cSld>
+    <p:spTree>
+      <p:nvGrpSpPr>
+        <p:cNvPr id="1" name=""/>
+        <p:cNvGrpSpPr/>
+        <p:nvPr/>
+      </p:nvGrpSpPr>
+      <p:grpSpPr/>
+      <p:sp>
+        <p:nvSpPr>
           <p:cNvPr id="5" name="Text Box 4"/>
           <p:cNvSpPr txBox="true"/>
           <p:nvPr/>
@@ -3967,7 +4231,7 @@
 </p:sld>
 </file>
 
-<file path=ppt/slides/slide11.xml><?xml version="1.0" encoding="utf-8"?>
+<file path=ppt/slides/slide12.xml><?xml version="1.0" encoding="utf-8"?>
 <p:sld xmlns:a="http://schemas.openxmlformats.org/drawingml/2006/main" xmlns:r="http://schemas.openxmlformats.org/officeDocument/2006/relationships" xmlns:p="http://schemas.openxmlformats.org/presentationml/2006/main">
   <p:cSld>
     <p:spTree>
@@ -4018,7 +4282,7 @@
           </a:p>
           <a:p>
             <a:r>
-              <a:rPr lang="zh-CN" altLang="" sz="3600">
+              <a:rPr lang="zh-CN" altLang="en-US" sz="3600">
                 <a:solidFill>
                   <a:schemeClr val="accent1">
                     <a:lumMod val="50000"/>
@@ -4027,7 +4291,7 @@
               </a:rPr>
               <a:t>你知道吗？</a:t>
             </a:r>
-            <a:endParaRPr lang="zh-CN" altLang="" sz="3600">
+            <a:endParaRPr lang="zh-CN" altLang="en-US" sz="3600">
               <a:solidFill>
                 <a:schemeClr val="accent1">
                   <a:lumMod val="50000"/>
@@ -4037,7 +4301,7 @@
           </a:p>
           <a:p>
             <a:r>
-              <a:rPr lang="zh-CN" altLang="" sz="3600">
+              <a:rPr lang="zh-CN" altLang="en-US" sz="3600">
                 <a:solidFill>
                   <a:schemeClr val="accent1">
                     <a:lumMod val="50000"/>
@@ -4046,7 +4310,7 @@
               </a:rPr>
               <a:t>你可能说我坚持过，可是我放都不是弃了</a:t>
             </a:r>
-            <a:endParaRPr lang="zh-CN" altLang="" sz="3600">
+            <a:endParaRPr lang="zh-CN" altLang="en-US" sz="3600">
               <a:solidFill>
                 <a:schemeClr val="accent1">
                   <a:lumMod val="50000"/>
@@ -4056,7 +4320,7 @@
           </a:p>
           <a:p>
             <a:r>
-              <a:rPr lang="zh-CN" altLang="" sz="3600">
+              <a:rPr lang="zh-CN" altLang="en-US" sz="3600">
                 <a:solidFill>
                   <a:schemeClr val="accent1">
                     <a:lumMod val="50000"/>
@@ -4065,7 +4329,7 @@
               </a:rPr>
               <a:t>那这，还叫坚持吗？</a:t>
             </a:r>
-            <a:endParaRPr lang="zh-CN" altLang="" sz="3600">
+            <a:endParaRPr lang="zh-CN" altLang="en-US" sz="3600">
               <a:solidFill>
                 <a:schemeClr val="accent1">
                   <a:lumMod val="50000"/>
@@ -4075,7 +4339,7 @@
           </a:p>
           <a:p>
             <a:r>
-              <a:rPr lang="zh-CN" altLang="" sz="3600">
+              <a:rPr lang="zh-CN" altLang="en-US" sz="3600">
                 <a:solidFill>
                   <a:schemeClr val="accent1">
                     <a:lumMod val="50000"/>
@@ -4084,7 +4348,7 @@
               </a:rPr>
               <a:t>不，这不是，这不叫坚持</a:t>
             </a:r>
-            <a:endParaRPr lang="zh-CN" altLang="" sz="3600">
+            <a:endParaRPr lang="zh-CN" altLang="en-US" sz="3600">
               <a:solidFill>
                 <a:schemeClr val="accent1">
                   <a:lumMod val="50000"/>
@@ -4094,7 +4358,7 @@
           </a:p>
           <a:p>
             <a:r>
-              <a:rPr lang="zh-CN" altLang="" sz="3600">
+              <a:rPr lang="zh-CN" altLang="en-US" sz="3600">
                 <a:solidFill>
                   <a:schemeClr val="accent1">
                     <a:lumMod val="50000"/>
@@ -4103,7 +4367,7 @@
               </a:rPr>
               <a:t>坚持，坚持是什么，</a:t>
             </a:r>
-            <a:endParaRPr lang="zh-CN" altLang="" sz="3600">
+            <a:endParaRPr lang="zh-CN" altLang="en-US" sz="3600">
               <a:solidFill>
                 <a:schemeClr val="accent1">
                   <a:lumMod val="50000"/>
@@ -4113,7 +4377,7 @@
           </a:p>
           <a:p>
             <a:r>
-              <a:rPr lang="zh-CN" altLang="" sz="3600">
+              <a:rPr lang="zh-CN" altLang="en-US" sz="3600">
                 <a:solidFill>
                   <a:schemeClr val="accent1">
                     <a:lumMod val="50000"/>
@@ -4122,7 +4386,7 @@
               </a:rPr>
               <a:t>坚持是无论发生什么，</a:t>
             </a:r>
-            <a:endParaRPr lang="zh-CN" altLang="" sz="3600">
+            <a:endParaRPr lang="zh-CN" altLang="en-US" sz="3600">
               <a:solidFill>
                 <a:schemeClr val="accent1">
                   <a:lumMod val="50000"/>
@@ -4132,7 +4396,7 @@
           </a:p>
           <a:p>
             <a:r>
-              <a:rPr lang="zh-CN" altLang="" sz="3600">
+              <a:rPr lang="zh-CN" altLang="en-US" sz="3600">
                 <a:solidFill>
                   <a:schemeClr val="accent1">
                     <a:lumMod val="50000"/>
@@ -4141,7 +4405,7 @@
               </a:rPr>
               <a:t>都不会成为你不坚持的理由，</a:t>
             </a:r>
-            <a:endParaRPr lang="zh-CN" altLang="" sz="3600">
+            <a:endParaRPr lang="zh-CN" altLang="en-US" sz="3600">
               <a:solidFill>
                 <a:schemeClr val="accent1">
                   <a:lumMod val="50000"/>
@@ -4151,7 +4415,7 @@
           </a:p>
           <a:p>
             <a:r>
-              <a:rPr lang="zh-CN" altLang="" sz="3600">
+              <a:rPr lang="zh-CN" altLang="en-US" sz="3600">
                 <a:solidFill>
                   <a:schemeClr val="accent1">
                     <a:lumMod val="50000"/>
@@ -4160,7 +4424,7 @@
               </a:rPr>
               <a:t>都不会成为你逃避的理由，</a:t>
             </a:r>
-            <a:endParaRPr lang="zh-CN" altLang="" sz="3600">
+            <a:endParaRPr lang="zh-CN" altLang="en-US" sz="3600">
               <a:solidFill>
                 <a:schemeClr val="accent1">
                   <a:lumMod val="50000"/>
@@ -4170,7 +4434,7 @@
           </a:p>
           <a:p>
             <a:r>
-              <a:rPr lang="zh-CN" altLang="" sz="3600">
+              <a:rPr lang="zh-CN" altLang="en-US" sz="3600">
                 <a:solidFill>
                   <a:schemeClr val="accent1">
                     <a:lumMod val="50000"/>
@@ -4179,7 +4443,7 @@
               </a:rPr>
               <a:t>是一件，唯一一件你要从开始，做到结束，</a:t>
             </a:r>
-            <a:endParaRPr lang="zh-CN" altLang="" sz="3600">
+            <a:endParaRPr lang="zh-CN" altLang="en-US" sz="3600">
               <a:solidFill>
                 <a:schemeClr val="accent1">
                   <a:lumMod val="50000"/>
@@ -4189,7 +4453,7 @@
           </a:p>
           <a:p>
             <a:r>
-              <a:rPr lang="zh-CN" altLang="" sz="3600">
+              <a:rPr lang="zh-CN" altLang="en-US" sz="3600">
                 <a:solidFill>
                   <a:schemeClr val="accent1">
                     <a:lumMod val="50000"/>
@@ -4199,7 +4463,7 @@
               <a:t>没有停止过，没有放弃过</a:t>
             </a:r>
             <a:r>
-              <a:rPr lang="" altLang="zh-CN" sz="3600">
+              <a:rPr lang="en-US" altLang="zh-CN" sz="3600">
                 <a:solidFill>
                   <a:schemeClr val="accent1">
                     <a:lumMod val="50000"/>
@@ -4208,7 +4472,7 @@
               </a:rPr>
               <a:t>......</a:t>
             </a:r>
-            <a:endParaRPr lang="" altLang="zh-CN" sz="3600">
+            <a:endParaRPr lang="en-US" altLang="zh-CN" sz="3600">
               <a:solidFill>
                 <a:schemeClr val="accent1">
                   <a:lumMod val="50000"/>
@@ -4843,7 +5107,7 @@
 </p:sld>
 </file>
 
-<file path=ppt/slides/slide12.xml><?xml version="1.0" encoding="utf-8"?>
+<file path=ppt/slides/slide13.xml><?xml version="1.0" encoding="utf-8"?>
 <p:sld xmlns:a="http://schemas.openxmlformats.org/drawingml/2006/main" xmlns:r="http://schemas.openxmlformats.org/officeDocument/2006/relationships" xmlns:p="http://schemas.openxmlformats.org/presentationml/2006/main">
   <p:cSld>
     <p:spTree>
@@ -4985,7 +5249,7 @@
 </p:sld>
 </file>
 
-<file path=ppt/slides/slide13.xml><?xml version="1.0" encoding="utf-8"?>
+<file path=ppt/slides/slide14.xml><?xml version="1.0" encoding="utf-8"?>
 <p:sld xmlns:a="http://schemas.openxmlformats.org/drawingml/2006/main" xmlns:r="http://schemas.openxmlformats.org/officeDocument/2006/relationships" xmlns:p="http://schemas.openxmlformats.org/presentationml/2006/main">
   <p:cSld>
     <p:spTree>
@@ -5185,7 +5449,7 @@
 </p:sld>
 </file>
 
-<file path=ppt/slides/slide14.xml><?xml version="1.0" encoding="utf-8"?>
+<file path=ppt/slides/slide15.xml><?xml version="1.0" encoding="utf-8"?>
 <p:sld xmlns:a="http://schemas.openxmlformats.org/drawingml/2006/main" xmlns:r="http://schemas.openxmlformats.org/officeDocument/2006/relationships" xmlns:p="http://schemas.openxmlformats.org/presentationml/2006/main">
   <p:cSld>
     <p:spTree>
@@ -5367,10 +5631,10 @@
         </p:nvGrpSpPr>
         <p:grpSpPr>
           <a:xfrm>
-            <a:off x="2506980" y="2221230"/>
-            <a:ext cx="8656320" cy="3322320"/>
+            <a:off x="3342640" y="2021840"/>
+            <a:ext cx="8656320" cy="3322955"/>
             <a:chOff x="3948" y="3498"/>
-            <a:chExt cx="13632" cy="5232"/>
+            <a:chExt cx="13632" cy="5233"/>
           </a:xfrm>
         </p:grpSpPr>
         <p:sp>
@@ -6935,7 +7199,7 @@
           </a:bodyPr>
           <a:p>
             <a:r>
-              <a:rPr lang="zh-CN" altLang="" sz="4000">
+              <a:rPr lang="zh-CN" altLang="en-US" sz="4000">
                 <a:solidFill>
                   <a:schemeClr val="accent1">
                     <a:lumMod val="50000"/>
@@ -6944,7 +7208,7 @@
               </a:rPr>
               <a:t>你们最爱的视频来了，</a:t>
             </a:r>
-            <a:endParaRPr lang="zh-CN" altLang="" sz="4000">
+            <a:endParaRPr lang="zh-CN" altLang="en-US" sz="4000">
               <a:solidFill>
                 <a:schemeClr val="accent1">
                   <a:lumMod val="50000"/>
@@ -6954,7 +7218,7 @@
           </a:p>
           <a:p>
             <a:r>
-              <a:rPr lang="zh-CN" altLang="" sz="4000">
+              <a:rPr lang="zh-CN" altLang="en-US" sz="4000">
                 <a:solidFill>
                   <a:schemeClr val="accent1">
                     <a:lumMod val="50000"/>
@@ -6963,7 +7227,7 @@
               </a:rPr>
               <a:t>不过先说好，</a:t>
             </a:r>
-            <a:endParaRPr lang="zh-CN" altLang="" sz="4000">
+            <a:endParaRPr lang="zh-CN" altLang="en-US" sz="4000">
               <a:solidFill>
                 <a:schemeClr val="accent1">
                   <a:lumMod val="50000"/>
@@ -7001,7 +7265,7 @@
               </a:rPr>
               <a:t>可就要错过了！</a:t>
             </a:r>
-            <a:endParaRPr lang="" altLang="zh-CN" sz="4000">
+            <a:endParaRPr lang="en-US" altLang="zh-CN" sz="4000">
               <a:solidFill>
                 <a:schemeClr val="accent1">
                   <a:lumMod val="50000"/>
@@ -7403,7 +7667,7 @@
                   </a:schemeClr>
                 </a:solidFill>
               </a:rPr>
-              <a:t>两只手一只向前抬平，一只向两侧抬平，不要放下</a:t>
+              <a:t>每个人先熟悉接下来所要挑战的英语文章，</a:t>
             </a:r>
             <a:endParaRPr lang="zh-CN" altLang="en-US" sz="3600">
               <a:ln>
@@ -7441,7 +7705,7 @@
                   </a:schemeClr>
                 </a:solidFill>
               </a:rPr>
-              <a:t>坚持时间最久者获胜</a:t>
+              <a:t>一个或多个人同时挑战自己的极限，</a:t>
             </a:r>
             <a:endParaRPr lang="zh-CN" altLang="en-US" sz="3600">
               <a:ln>
@@ -7479,7 +7743,45 @@
                   </a:schemeClr>
                 </a:solidFill>
               </a:rPr>
-              <a:t>前五名可以获得零食奖励</a:t>
+              <a:t>看看在一口气之内最多能读到什么位置。</a:t>
+            </a:r>
+            <a:endParaRPr lang="zh-CN" altLang="en-US" sz="3600">
+              <a:ln>
+                <a:noFill/>
+              </a:ln>
+              <a:solidFill>
+                <a:schemeClr val="accent1">
+                  <a:lumMod val="50000"/>
+                </a:schemeClr>
+              </a:solidFill>
+            </a:endParaRPr>
+          </a:p>
+          <a:p>
+            <a:r>
+              <a:rPr lang="en-US" altLang="zh-CN" sz="3600">
+                <a:ln>
+                  <a:noFill/>
+                </a:ln>
+                <a:solidFill>
+                  <a:schemeClr val="accent1">
+                    <a:lumMod val="50000"/>
+                  </a:schemeClr>
+                </a:solidFill>
+              </a:rPr>
+              <a:t>	</a:t>
+            </a:r>
+            <a:r>
+              <a:rPr lang="zh-CN" altLang="en-US" sz="3600">
+                <a:ln>
+                  <a:noFill/>
+                </a:ln>
+                <a:solidFill>
+                  <a:schemeClr val="accent1">
+                    <a:lumMod val="50000"/>
+                  </a:schemeClr>
+                </a:solidFill>
+              </a:rPr>
+              <a:t>读得最多的人获胜</a:t>
             </a:r>
             <a:endParaRPr lang="zh-CN" altLang="en-US" sz="3600">
               <a:ln>
@@ -7872,10 +8174,19 @@
                                   </p:childTnLst>
                                 </p:cTn>
                               </p:par>
+                            </p:childTnLst>
+                          </p:cTn>
+                        </p:par>
+                        <p:par>
+                          <p:cTn id="20" fill="hold">
+                            <p:stCondLst>
+                              <p:cond delay="2050"/>
+                            </p:stCondLst>
+                            <p:childTnLst>
                               <p:par>
-                                <p:cTn id="20" presetID="41" presetClass="entr" presetSubtype="0" fill="hold" nodeType="withEffect">
+                                <p:cTn id="21" presetID="41" presetClass="entr" presetSubtype="0" fill="hold" nodeType="afterEffect">
                                   <p:stCondLst>
-                                    <p:cond delay="1000"/>
+                                    <p:cond delay="0"/>
                                   </p:stCondLst>
                                   <p:iterate type="lt">
                                     <p:tmPct val="10000"/>
@@ -7883,7 +8194,7 @@
                                   <p:childTnLst>
                                     <p:set>
                                       <p:cBhvr>
-                                        <p:cTn id="21" dur="1" fill="hold">
+                                        <p:cTn id="22" dur="1" fill="hold">
                                           <p:stCondLst>
                                             <p:cond delay="0"/>
                                           </p:stCondLst>
@@ -7905,7 +8216,7 @@
                                     </p:set>
                                     <p:anim calcmode="lin" valueType="num">
                                       <p:cBhvr>
-                                        <p:cTn id="22" dur="500" fill="hold"/>
+                                        <p:cTn id="23" dur="500" fill="hold"/>
                                         <p:tgtEl>
                                           <p:spTgt spid="4">
                                             <p:txEl>
@@ -7937,7 +8248,7 @@
                                     </p:anim>
                                     <p:anim calcmode="lin" valueType="num">
                                       <p:cBhvr>
-                                        <p:cTn id="23" dur="500" fill="hold"/>
+                                        <p:cTn id="24" dur="500" fill="hold"/>
                                         <p:tgtEl>
                                           <p:spTgt spid="4">
                                             <p:txEl>
@@ -7964,7 +8275,7 @@
                                     </p:anim>
                                     <p:anim calcmode="lin" valueType="num">
                                       <p:cBhvr>
-                                        <p:cTn id="24" dur="500" fill="hold"/>
+                                        <p:cTn id="25" dur="500" fill="hold"/>
                                         <p:tgtEl>
                                           <p:spTgt spid="4">
                                             <p:txEl>
@@ -7996,7 +8307,7 @@
                                     </p:anim>
                                     <p:anim calcmode="lin" valueType="num">
                                       <p:cBhvr>
-                                        <p:cTn id="25" dur="500" fill="hold"/>
+                                        <p:cTn id="26" dur="500" fill="hold"/>
                                         <p:tgtEl>
                                           <p:spTgt spid="4">
                                             <p:txEl>
@@ -8028,7 +8339,7 @@
                                     </p:anim>
                                     <p:animEffect transition="in" filter="fade">
                                       <p:cBhvr>
-                                        <p:cTn id="26" dur="500" tmFilter="0,0; .5, 1; 1, 1"/>
+                                        <p:cTn id="27" dur="500" tmFilter="0,0; .5, 1; 1, 1"/>
                                         <p:tgtEl>
                                           <p:spTgt spid="4">
                                             <p:txEl>
@@ -8045,13 +8356,13 @@
                           </p:cTn>
                         </p:par>
                         <p:par>
-                          <p:cTn id="27" fill="hold">
+                          <p:cTn id="28" fill="hold">
                             <p:stCondLst>
-                              <p:cond delay="2550"/>
+                              <p:cond delay="3350"/>
                             </p:stCondLst>
                             <p:childTnLst>
                               <p:par>
-                                <p:cTn id="28" presetID="41" presetClass="entr" presetSubtype="0" fill="hold" nodeType="afterEffect">
+                                <p:cTn id="29" presetID="41" presetClass="entr" presetSubtype="0" fill="hold" nodeType="afterEffect">
                                   <p:stCondLst>
                                     <p:cond delay="0"/>
                                   </p:stCondLst>
@@ -8061,7 +8372,7 @@
                                   <p:childTnLst>
                                     <p:set>
                                       <p:cBhvr>
-                                        <p:cTn id="29" dur="1" fill="hold">
+                                        <p:cTn id="30" dur="1" fill="hold">
                                           <p:stCondLst>
                                             <p:cond delay="0"/>
                                           </p:stCondLst>
@@ -8083,7 +8394,7 @@
                                     </p:set>
                                     <p:anim calcmode="lin" valueType="num">
                                       <p:cBhvr>
-                                        <p:cTn id="30" dur="500" fill="hold"/>
+                                        <p:cTn id="31" dur="500" fill="hold"/>
                                         <p:tgtEl>
                                           <p:spTgt spid="4">
                                             <p:txEl>
@@ -8115,7 +8426,7 @@
                                     </p:anim>
                                     <p:anim calcmode="lin" valueType="num">
                                       <p:cBhvr>
-                                        <p:cTn id="31" dur="500" fill="hold"/>
+                                        <p:cTn id="32" dur="500" fill="hold"/>
                                         <p:tgtEl>
                                           <p:spTgt spid="4">
                                             <p:txEl>
@@ -8142,7 +8453,7 @@
                                     </p:anim>
                                     <p:anim calcmode="lin" valueType="num">
                                       <p:cBhvr>
-                                        <p:cTn id="32" dur="500" fill="hold"/>
+                                        <p:cTn id="33" dur="500" fill="hold"/>
                                         <p:tgtEl>
                                           <p:spTgt spid="4">
                                             <p:txEl>
@@ -8174,7 +8485,7 @@
                                     </p:anim>
                                     <p:anim calcmode="lin" valueType="num">
                                       <p:cBhvr>
-                                        <p:cTn id="33" dur="500" fill="hold"/>
+                                        <p:cTn id="34" dur="500" fill="hold"/>
                                         <p:tgtEl>
                                           <p:spTgt spid="4">
                                             <p:txEl>
@@ -8206,7 +8517,646 @@
                                     </p:anim>
                                     <p:animEffect transition="in" filter="fade">
                                       <p:cBhvr>
-                                        <p:cTn id="34" dur="500" tmFilter="0,0; .5, 1; 1, 1"/>
+                                        <p:cTn id="35" dur="500" tmFilter="0,0; .5, 1; 1, 1"/>
+                                        <p:tgtEl>
+                                          <p:spTgt spid="4">
+                                            <p:txEl>
+                                              <p:pRg st="3" end="3"/>
+                                            </p:txEl>
+                                          </p:spTgt>
+                                        </p:tgtEl>
+                                      </p:cBhvr>
+                                    </p:animEffect>
+                                  </p:childTnLst>
+                                </p:cTn>
+                              </p:par>
+                            </p:childTnLst>
+                          </p:cTn>
+                        </p:par>
+                        <p:par>
+                          <p:cTn id="36" fill="hold">
+                            <p:stCondLst>
+                              <p:cond delay="4749"/>
+                            </p:stCondLst>
+                            <p:childTnLst>
+                              <p:par>
+                                <p:cTn id="37" presetID="41" presetClass="entr" presetSubtype="0" fill="hold" nodeType="afterEffect">
+                                  <p:stCondLst>
+                                    <p:cond delay="0"/>
+                                  </p:stCondLst>
+                                  <p:iterate type="lt">
+                                    <p:tmPct val="10000"/>
+                                  </p:iterate>
+                                  <p:childTnLst>
+                                    <p:set>
+                                      <p:cBhvr>
+                                        <p:cTn id="38" dur="1" fill="hold">
+                                          <p:stCondLst>
+                                            <p:cond delay="0"/>
+                                          </p:stCondLst>
+                                        </p:cTn>
+                                        <p:tgtEl>
+                                          <p:spTgt spid="4">
+                                            <p:txEl>
+                                              <p:pRg st="4" end="4"/>
+                                            </p:txEl>
+                                          </p:spTgt>
+                                        </p:tgtEl>
+                                        <p:attrNameLst>
+                                          <p:attrName>style.visibility</p:attrName>
+                                        </p:attrNameLst>
+                                      </p:cBhvr>
+                                      <p:to>
+                                        <p:strVal val="visible"/>
+                                      </p:to>
+                                    </p:set>
+                                    <p:anim calcmode="lin" valueType="num">
+                                      <p:cBhvr>
+                                        <p:cTn id="39" dur="500" fill="hold"/>
+                                        <p:tgtEl>
+                                          <p:spTgt spid="4">
+                                            <p:txEl>
+                                              <p:pRg st="4" end="4"/>
+                                            </p:txEl>
+                                          </p:spTgt>
+                                        </p:tgtEl>
+                                        <p:attrNameLst>
+                                          <p:attrName>ppt_x</p:attrName>
+                                        </p:attrNameLst>
+                                      </p:cBhvr>
+                                      <p:tavLst>
+                                        <p:tav tm="0">
+                                          <p:val>
+                                            <p:strVal val="#ppt_x"/>
+                                          </p:val>
+                                        </p:tav>
+                                        <p:tav tm="50000">
+                                          <p:val>
+                                            <p:strVal val="#ppt_x+.1"/>
+                                          </p:val>
+                                        </p:tav>
+                                        <p:tav tm="100000">
+                                          <p:val>
+                                            <p:strVal val="#ppt_x"/>
+                                          </p:val>
+                                        </p:tav>
+                                      </p:tavLst>
+                                    </p:anim>
+                                    <p:anim calcmode="lin" valueType="num">
+                                      <p:cBhvr>
+                                        <p:cTn id="40" dur="500" fill="hold"/>
+                                        <p:tgtEl>
+                                          <p:spTgt spid="4">
+                                            <p:txEl>
+                                              <p:pRg st="4" end="4"/>
+                                            </p:txEl>
+                                          </p:spTgt>
+                                        </p:tgtEl>
+                                        <p:attrNameLst>
+                                          <p:attrName>ppt_y</p:attrName>
+                                        </p:attrNameLst>
+                                      </p:cBhvr>
+                                      <p:tavLst>
+                                        <p:tav tm="0">
+                                          <p:val>
+                                            <p:strVal val="#ppt_y"/>
+                                          </p:val>
+                                        </p:tav>
+                                        <p:tav tm="100000">
+                                          <p:val>
+                                            <p:strVal val="#ppt_y"/>
+                                          </p:val>
+                                        </p:tav>
+                                      </p:tavLst>
+                                    </p:anim>
+                                    <p:anim calcmode="lin" valueType="num">
+                                      <p:cBhvr>
+                                        <p:cTn id="41" dur="500" fill="hold"/>
+                                        <p:tgtEl>
+                                          <p:spTgt spid="4">
+                                            <p:txEl>
+                                              <p:pRg st="4" end="4"/>
+                                            </p:txEl>
+                                          </p:spTgt>
+                                        </p:tgtEl>
+                                        <p:attrNameLst>
+                                          <p:attrName>ppt_h</p:attrName>
+                                        </p:attrNameLst>
+                                      </p:cBhvr>
+                                      <p:tavLst>
+                                        <p:tav tm="0">
+                                          <p:val>
+                                            <p:strVal val="#ppt_h/10"/>
+                                          </p:val>
+                                        </p:tav>
+                                        <p:tav tm="50000">
+                                          <p:val>
+                                            <p:strVal val="#ppt_h+.01"/>
+                                          </p:val>
+                                        </p:tav>
+                                        <p:tav tm="100000">
+                                          <p:val>
+                                            <p:strVal val="#ppt_h"/>
+                                          </p:val>
+                                        </p:tav>
+                                      </p:tavLst>
+                                    </p:anim>
+                                    <p:anim calcmode="lin" valueType="num">
+                                      <p:cBhvr>
+                                        <p:cTn id="42" dur="500" fill="hold"/>
+                                        <p:tgtEl>
+                                          <p:spTgt spid="4">
+                                            <p:txEl>
+                                              <p:pRg st="4" end="4"/>
+                                            </p:txEl>
+                                          </p:spTgt>
+                                        </p:tgtEl>
+                                        <p:attrNameLst>
+                                          <p:attrName>ppt_w</p:attrName>
+                                        </p:attrNameLst>
+                                      </p:cBhvr>
+                                      <p:tavLst>
+                                        <p:tav tm="0">
+                                          <p:val>
+                                            <p:strVal val="#ppt_w/10"/>
+                                          </p:val>
+                                        </p:tav>
+                                        <p:tav tm="50000">
+                                          <p:val>
+                                            <p:strVal val="#ppt_w+.01"/>
+                                          </p:val>
+                                        </p:tav>
+                                        <p:tav tm="100000">
+                                          <p:val>
+                                            <p:strVal val="#ppt_w"/>
+                                          </p:val>
+                                        </p:tav>
+                                      </p:tavLst>
+                                    </p:anim>
+                                    <p:animEffect transition="in" filter="fade">
+                                      <p:cBhvr>
+                                        <p:cTn id="43" dur="500" tmFilter="0,0; .5, 1; 1, 1"/>
+                                        <p:tgtEl>
+                                          <p:spTgt spid="4">
+                                            <p:txEl>
+                                              <p:pRg st="4" end="4"/>
+                                            </p:txEl>
+                                          </p:spTgt>
+                                        </p:tgtEl>
+                                      </p:cBhvr>
+                                    </p:animEffect>
+                                  </p:childTnLst>
+                                </p:cTn>
+                              </p:par>
+                            </p:childTnLst>
+                          </p:cTn>
+                        </p:par>
+                      </p:childTnLst>
+                    </p:cTn>
+                  </p:par>
+                </p:childTnLst>
+              </p:cTn>
+              <p:prevCondLst>
+                <p:cond evt="onPrev" delay="0">
+                  <p:tgtEl>
+                    <p:sldTgt/>
+                  </p:tgtEl>
+                </p:cond>
+              </p:prevCondLst>
+              <p:nextCondLst>
+                <p:cond evt="onNext" delay="0">
+                  <p:tgtEl>
+                    <p:sldTgt/>
+                  </p:tgtEl>
+                </p:cond>
+              </p:nextCondLst>
+            </p:seq>
+          </p:childTnLst>
+        </p:cTn>
+      </p:par>
+    </p:tnLst>
+  </p:timing>
+</p:sld>
+</file>
+
+<file path=ppt/slides/slide8.xml><?xml version="1.0" encoding="utf-8"?>
+<p:sld xmlns:a="http://schemas.openxmlformats.org/drawingml/2006/main" xmlns:r="http://schemas.openxmlformats.org/officeDocument/2006/relationships" xmlns:p="http://schemas.openxmlformats.org/presentationml/2006/main">
+  <p:cSld>
+    <p:spTree>
+      <p:nvGrpSpPr>
+        <p:cNvPr id="1" name=""/>
+        <p:cNvGrpSpPr/>
+        <p:nvPr/>
+      </p:nvGrpSpPr>
+      <p:grpSpPr/>
+      <p:sp>
+        <p:nvSpPr>
+          <p:cNvPr id="4" name="Text Box 3"/>
+          <p:cNvSpPr txBox="true"/>
+          <p:nvPr/>
+        </p:nvSpPr>
+        <p:spPr>
+          <a:xfrm>
+            <a:off x="753745" y="367030"/>
+            <a:ext cx="10684510" cy="6040120"/>
+          </a:xfrm>
+          <a:prstGeom prst="rect">
+            <a:avLst/>
+          </a:prstGeom>
+          <a:noFill/>
+        </p:spPr>
+        <p:txBody>
+          <a:bodyPr wrap="square" rtlCol="0">
+            <a:spAutoFit/>
+          </a:bodyPr>
+          <a:p>
+            <a:pPr algn="ctr" fontAlgn="auto">
+              <a:lnSpc>
+                <a:spcPct val="120000"/>
+              </a:lnSpc>
+              <a:spcAft>
+                <a:spcPts val="1800"/>
+              </a:spcAft>
+            </a:pPr>
+            <a:r>
+              <a:rPr lang="" altLang="zh-CN" sz="4000">
+                <a:ln/>
+                <a:gradFill>
+                  <a:gsLst>
+                    <a:gs pos="0">
+                      <a:schemeClr val="accent5">
+                        <a:lumMod val="50000"/>
+                      </a:schemeClr>
+                    </a:gs>
+                    <a:gs pos="50000">
+                      <a:schemeClr val="accent1">
+                        <a:lumMod val="75000"/>
+                      </a:schemeClr>
+                    </a:gs>
+                    <a:gs pos="100000">
+                      <a:schemeClr val="accent5">
+                        <a:lumMod val="86000"/>
+                      </a:schemeClr>
+                    </a:gs>
+                  </a:gsLst>
+                  <a:lin ang="5400000"/>
+                </a:gradFill>
+                <a:effectLst>
+                  <a:reflection blurRad="6350" stA="53000" endA="300" endPos="35500" dir="5400000" sy="-90000" algn="bl" rotWithShape="0"/>
+                </a:effectLst>
+              </a:rPr>
+              <a:t>Austria creates COVID stamp</a:t>
+            </a:r>
+            <a:endParaRPr lang="" altLang="zh-CN" sz="4000">
+              <a:solidFill>
+                <a:schemeClr val="accent1">
+                  <a:lumMod val="50000"/>
+                </a:schemeClr>
+              </a:solidFill>
+            </a:endParaRPr>
+          </a:p>
+          <a:p>
+            <a:pPr algn="l" fontAlgn="auto">
+              <a:lnSpc>
+                <a:spcPct val="92000"/>
+              </a:lnSpc>
+            </a:pPr>
+            <a:r>
+              <a:rPr lang="" altLang="zh-CN" sz="3200">
+                <a:solidFill>
+                  <a:schemeClr val="accent1">
+                    <a:lumMod val="50000"/>
+                  </a:schemeClr>
+                </a:solidFill>
+              </a:rPr>
+              <a:t>  You might remember seeing pictures of empty store shelves in some countries earlier this year.People were panic-buying food, soap and even toilet paper during the COVID-19 pandemic.</a:t>
+            </a:r>
+            <a:endParaRPr lang="" altLang="zh-CN" sz="3200">
+              <a:solidFill>
+                <a:schemeClr val="accent1">
+                  <a:lumMod val="50000"/>
+                </a:schemeClr>
+              </a:solidFill>
+            </a:endParaRPr>
+          </a:p>
+          <a:p>
+            <a:pPr algn="l" fontAlgn="auto">
+              <a:lnSpc>
+                <a:spcPct val="92000"/>
+              </a:lnSpc>
+            </a:pPr>
+            <a:r>
+              <a:rPr lang="" altLang="zh-CN" sz="3200">
+                <a:solidFill>
+                  <a:schemeClr val="accent1">
+                    <a:lumMod val="50000"/>
+                  </a:schemeClr>
+                </a:solidFill>
+              </a:rPr>
+              <a:t>  In memory of this, Austria made a toilet paper stamp. Each stamp is about 10 cm long, the same size and shape of a single sheet of toilet paper.</a:t>
+            </a:r>
+            <a:endParaRPr lang="" altLang="zh-CN" sz="3200">
+              <a:solidFill>
+                <a:schemeClr val="accent1">
+                  <a:lumMod val="50000"/>
+                </a:schemeClr>
+              </a:solidFill>
+            </a:endParaRPr>
+          </a:p>
+          <a:p>
+            <a:pPr algn="l" fontAlgn="auto">
+              <a:lnSpc>
+                <a:spcPct val="92000"/>
+              </a:lnSpc>
+            </a:pPr>
+            <a:r>
+              <a:rPr lang="" altLang="zh-CN" sz="3200">
+                <a:solidFill>
+                  <a:schemeClr val="accent1">
+                    <a:lumMod val="50000"/>
+                  </a:schemeClr>
+                </a:solidFill>
+              </a:rPr>
+              <a:t>  There is a picture of the COVID-19 pathogen(</a:t>
+            </a:r>
+            <a:r>
+              <a:rPr lang="zh-CN" altLang="" sz="3200">
+                <a:solidFill>
+                  <a:schemeClr val="accent1">
+                    <a:lumMod val="50000"/>
+                  </a:schemeClr>
+                </a:solidFill>
+              </a:rPr>
+              <a:t>病原体</a:t>
+            </a:r>
+            <a:r>
+              <a:rPr lang="" altLang="zh-CN" sz="3200">
+                <a:solidFill>
+                  <a:schemeClr val="accent1">
+                    <a:lumMod val="50000"/>
+                  </a:schemeClr>
+                </a:solidFill>
+              </a:rPr>
+              <a:t>) and a baby elephant on the stamp. On average, a baby elephant is one meter long. The pictuire remind people to stay one meter away from each other in public areas.</a:t>
+            </a:r>
+            <a:endParaRPr lang="" altLang="zh-CN" sz="3200">
+              <a:solidFill>
+                <a:schemeClr val="accent1">
+                  <a:lumMod val="50000"/>
+                </a:schemeClr>
+              </a:solidFill>
+            </a:endParaRPr>
+          </a:p>
+        </p:txBody>
+      </p:sp>
+    </p:spTree>
+  </p:cSld>
+  <p:clrMapOvr>
+    <a:masterClrMapping/>
+  </p:clrMapOvr>
+  <p:transition>
+    <p:fade/>
+  </p:transition>
+  <p:timing>
+    <p:tnLst>
+      <p:par>
+        <p:cTn id="1" dur="indefinite" restart="never" nodeType="tmRoot">
+          <p:childTnLst>
+            <p:seq concurrent="1" nextAc="seek">
+              <p:cTn id="2" dur="indefinite" nodeType="mainSeq">
+                <p:childTnLst>
+                  <p:par>
+                    <p:cTn id="3" fill="hold">
+                      <p:stCondLst>
+                        <p:cond delay="indefinite"/>
+                        <p:cond evt="onBegin" delay="0">
+                          <p:tn val="2"/>
+                        </p:cond>
+                      </p:stCondLst>
+                      <p:childTnLst>
+                        <p:par>
+                          <p:cTn id="4" fill="hold">
+                            <p:stCondLst>
+                              <p:cond delay="0"/>
+                            </p:stCondLst>
+                            <p:childTnLst>
+                              <p:par>
+                                <p:cTn id="5" presetID="40" presetClass="entr" presetSubtype="0" fill="hold" nodeType="withEffect">
+                                  <p:stCondLst>
+                                    <p:cond delay="0"/>
+                                  </p:stCondLst>
+                                  <p:iterate type="lt">
+                                    <p:tmPct val="7000"/>
+                                  </p:iterate>
+                                  <p:childTnLst>
+                                    <p:set>
+                                      <p:cBhvr>
+                                        <p:cTn id="6" dur="500" fill="hold">
+                                          <p:stCondLst>
+                                            <p:cond delay="0"/>
+                                          </p:stCondLst>
+                                        </p:cTn>
+                                        <p:tgtEl>
+                                          <p:spTgt spid="4">
+                                            <p:txEl>
+                                              <p:pRg st="0" end="0"/>
+                                            </p:txEl>
+                                          </p:spTgt>
+                                        </p:tgtEl>
+                                        <p:attrNameLst>
+                                          <p:attrName>style.visibility</p:attrName>
+                                        </p:attrNameLst>
+                                      </p:cBhvr>
+                                      <p:to>
+                                        <p:strVal val="visible"/>
+                                      </p:to>
+                                    </p:set>
+                                    <p:animEffect transition="in" filter="fade">
+                                      <p:cBhvr>
+                                        <p:cTn id="7" dur="500"/>
+                                        <p:tgtEl>
+                                          <p:spTgt spid="4">
+                                            <p:txEl>
+                                              <p:pRg st="0" end="0"/>
+                                            </p:txEl>
+                                          </p:spTgt>
+                                        </p:tgtEl>
+                                      </p:cBhvr>
+                                    </p:animEffect>
+                                    <p:anim calcmode="lin" valueType="num">
+                                      <p:cBhvr>
+                                        <p:cTn id="8" dur="500" fill="hold"/>
+                                        <p:tgtEl>
+                                          <p:spTgt spid="4">
+                                            <p:txEl>
+                                              <p:pRg st="0" end="0"/>
+                                            </p:txEl>
+                                          </p:spTgt>
+                                        </p:tgtEl>
+                                        <p:attrNameLst>
+                                          <p:attrName>ppt_x</p:attrName>
+                                        </p:attrNameLst>
+                                      </p:cBhvr>
+                                      <p:tavLst>
+                                        <p:tav tm="0">
+                                          <p:val>
+                                            <p:strVal val="#ppt_x-.1"/>
+                                          </p:val>
+                                        </p:tav>
+                                        <p:tav tm="100000">
+                                          <p:val>
+                                            <p:strVal val="#ppt_x"/>
+                                          </p:val>
+                                        </p:tav>
+                                      </p:tavLst>
+                                    </p:anim>
+                                    <p:anim calcmode="lin" valueType="num">
+                                      <p:cBhvr>
+                                        <p:cTn id="9" dur="500" fill="hold"/>
+                                        <p:tgtEl>
+                                          <p:spTgt spid="4">
+                                            <p:txEl>
+                                              <p:pRg st="0" end="0"/>
+                                            </p:txEl>
+                                          </p:spTgt>
+                                        </p:tgtEl>
+                                        <p:attrNameLst>
+                                          <p:attrName>ppt_y</p:attrName>
+                                        </p:attrNameLst>
+                                      </p:cBhvr>
+                                      <p:tavLst>
+                                        <p:tav tm="0">
+                                          <p:val>
+                                            <p:strVal val="#ppt_y"/>
+                                          </p:val>
+                                        </p:tav>
+                                        <p:tav tm="100000">
+                                          <p:val>
+                                            <p:strVal val="#ppt_y"/>
+                                          </p:val>
+                                        </p:tav>
+                                      </p:tavLst>
+                                    </p:anim>
+                                  </p:childTnLst>
+                                </p:cTn>
+                              </p:par>
+                              <p:par>
+                                <p:cTn id="10" presetID="8" presetClass="entr" presetSubtype="16" fill="hold" nodeType="withEffect">
+                                  <p:stCondLst>
+                                    <p:cond delay="300"/>
+                                  </p:stCondLst>
+                                  <p:childTnLst>
+                                    <p:set>
+                                      <p:cBhvr>
+                                        <p:cTn id="11" dur="1" fill="hold">
+                                          <p:stCondLst>
+                                            <p:cond delay="0"/>
+                                          </p:stCondLst>
+                                        </p:cTn>
+                                        <p:tgtEl>
+                                          <p:spTgt spid="4">
+                                            <p:txEl>
+                                              <p:pRg st="1" end="1"/>
+                                            </p:txEl>
+                                          </p:spTgt>
+                                        </p:tgtEl>
+                                        <p:attrNameLst>
+                                          <p:attrName>style.visibility</p:attrName>
+                                        </p:attrNameLst>
+                                      </p:cBhvr>
+                                      <p:to>
+                                        <p:strVal val="visible"/>
+                                      </p:to>
+                                    </p:set>
+                                    <p:animEffect transition="in" filter="diamond(in)">
+                                      <p:cBhvr>
+                                        <p:cTn id="12" dur="2000"/>
+                                        <p:tgtEl>
+                                          <p:spTgt spid="4">
+                                            <p:txEl>
+                                              <p:pRg st="1" end="1"/>
+                                            </p:txEl>
+                                          </p:spTgt>
+                                        </p:tgtEl>
+                                      </p:cBhvr>
+                                    </p:animEffect>
+                                  </p:childTnLst>
+                                </p:cTn>
+                              </p:par>
+                              <p:par>
+                                <p:cTn id="13" presetID="8" presetClass="entr" presetSubtype="16" fill="hold" nodeType="withEffect">
+                                  <p:stCondLst>
+                                    <p:cond delay="300"/>
+                                  </p:stCondLst>
+                                  <p:childTnLst>
+                                    <p:set>
+                                      <p:cBhvr>
+                                        <p:cTn id="14" dur="1" fill="hold">
+                                          <p:stCondLst>
+                                            <p:cond delay="0"/>
+                                          </p:stCondLst>
+                                        </p:cTn>
+                                        <p:tgtEl>
+                                          <p:spTgt spid="4">
+                                            <p:txEl>
+                                              <p:pRg st="2" end="2"/>
+                                            </p:txEl>
+                                          </p:spTgt>
+                                        </p:tgtEl>
+                                        <p:attrNameLst>
+                                          <p:attrName>style.visibility</p:attrName>
+                                        </p:attrNameLst>
+                                      </p:cBhvr>
+                                      <p:to>
+                                        <p:strVal val="visible"/>
+                                      </p:to>
+                                    </p:set>
+                                    <p:animEffect transition="in" filter="diamond(in)">
+                                      <p:cBhvr>
+                                        <p:cTn id="15" dur="2000"/>
+                                        <p:tgtEl>
+                                          <p:spTgt spid="4">
+                                            <p:txEl>
+                                              <p:pRg st="2" end="2"/>
+                                            </p:txEl>
+                                          </p:spTgt>
+                                        </p:tgtEl>
+                                      </p:cBhvr>
+                                    </p:animEffect>
+                                  </p:childTnLst>
+                                </p:cTn>
+                              </p:par>
+                              <p:par>
+                                <p:cTn id="16" presetID="8" presetClass="entr" presetSubtype="16" fill="hold" nodeType="withEffect">
+                                  <p:stCondLst>
+                                    <p:cond delay="300"/>
+                                  </p:stCondLst>
+                                  <p:childTnLst>
+                                    <p:set>
+                                      <p:cBhvr>
+                                        <p:cTn id="17" dur="1" fill="hold">
+                                          <p:stCondLst>
+                                            <p:cond delay="0"/>
+                                          </p:stCondLst>
+                                        </p:cTn>
+                                        <p:tgtEl>
+                                          <p:spTgt spid="4">
+                                            <p:txEl>
+                                              <p:pRg st="3" end="3"/>
+                                            </p:txEl>
+                                          </p:spTgt>
+                                        </p:tgtEl>
+                                        <p:attrNameLst>
+                                          <p:attrName>style.visibility</p:attrName>
+                                        </p:attrNameLst>
+                                      </p:cBhvr>
+                                      <p:to>
+                                        <p:strVal val="visible"/>
+                                      </p:to>
+                                    </p:set>
+                                    <p:animEffect transition="in" filter="diamond(in)">
+                                      <p:cBhvr>
+                                        <p:cTn id="18" dur="2000"/>
                                         <p:tgtEl>
                                           <p:spTgt spid="4">
                                             <p:txEl>
@@ -8250,7 +9200,7 @@
 </p:sld>
 </file>
 
-<file path=ppt/slides/slide8.xml><?xml version="1.0" encoding="utf-8"?>
+<file path=ppt/slides/slide9.xml><?xml version="1.0" encoding="utf-8"?>
 <p:sld xmlns:a="http://schemas.openxmlformats.org/drawingml/2006/main" xmlns:r="http://schemas.openxmlformats.org/officeDocument/2006/relationships" xmlns:p="http://schemas.openxmlformats.org/presentationml/2006/main">
   <p:cSld>
     <p:spTree>
@@ -8685,268 +9635,6 @@
                                               <p:pRg st="4" end="4"/>
                                             </p:txEl>
                                           </p:spTgt>
-                                        </p:tgtEl>
-                                      </p:cBhvr>
-                                    </p:animEffect>
-                                  </p:childTnLst>
-                                </p:cTn>
-                              </p:par>
-                            </p:childTnLst>
-                          </p:cTn>
-                        </p:par>
-                      </p:childTnLst>
-                    </p:cTn>
-                  </p:par>
-                </p:childTnLst>
-              </p:cTn>
-              <p:prevCondLst>
-                <p:cond evt="onPrev" delay="0">
-                  <p:tgtEl>
-                    <p:sldTgt/>
-                  </p:tgtEl>
-                </p:cond>
-              </p:prevCondLst>
-              <p:nextCondLst>
-                <p:cond evt="onNext" delay="0">
-                  <p:tgtEl>
-                    <p:sldTgt/>
-                  </p:tgtEl>
-                </p:cond>
-              </p:nextCondLst>
-            </p:seq>
-          </p:childTnLst>
-        </p:cTn>
-      </p:par>
-    </p:tnLst>
-  </p:timing>
-</p:sld>
-</file>
-
-<file path=ppt/slides/slide9.xml><?xml version="1.0" encoding="utf-8"?>
-<p:sld xmlns:a="http://schemas.openxmlformats.org/drawingml/2006/main" xmlns:r="http://schemas.openxmlformats.org/officeDocument/2006/relationships" xmlns:p="http://schemas.openxmlformats.org/presentationml/2006/main">
-  <p:cSld>
-    <p:spTree>
-      <p:nvGrpSpPr>
-        <p:cNvPr id="1" name=""/>
-        <p:cNvGrpSpPr/>
-        <p:nvPr/>
-      </p:nvGrpSpPr>
-      <p:grpSpPr/>
-      <p:sp>
-        <p:nvSpPr>
-          <p:cNvPr id="4" name="Text Box 3"/>
-          <p:cNvSpPr txBox="true"/>
-          <p:nvPr/>
-        </p:nvSpPr>
-        <p:spPr>
-          <a:xfrm>
-            <a:off x="638175" y="292100"/>
-            <a:ext cx="5164455" cy="768350"/>
-          </a:xfrm>
-          <a:prstGeom prst="rect">
-            <a:avLst/>
-          </a:prstGeom>
-          <a:noFill/>
-        </p:spPr>
-        <p:txBody>
-          <a:bodyPr wrap="square" rtlCol="0">
-            <a:spAutoFit/>
-          </a:bodyPr>
-          <a:p>
-            <a:r>
-              <a:rPr lang="zh-CN" altLang="en-US" sz="4400">
-                <a:gradFill>
-                  <a:gsLst>
-                    <a:gs pos="0">
-                      <a:schemeClr val="accent5">
-                        <a:lumMod val="50000"/>
-                      </a:schemeClr>
-                    </a:gs>
-                    <a:gs pos="50000">
-                      <a:schemeClr val="accent5"/>
-                    </a:gs>
-                    <a:gs pos="100000">
-                      <a:schemeClr val="accent5">
-                        <a:lumMod val="60000"/>
-                        <a:lumOff val="40000"/>
-                      </a:schemeClr>
-                    </a:gs>
-                  </a:gsLst>
-                  <a:lin ang="5400000"/>
-                </a:gradFill>
-                <a:effectLst>
-                  <a:reflection blurRad="6350" stA="53000" endA="300" endPos="35500" dir="5400000" sy="-90000" algn="bl" rotWithShape="0"/>
-                </a:effectLst>
-              </a:rPr>
-              <a:t>狄更斯</a:t>
-            </a:r>
-            <a:endParaRPr lang="zh-CN" altLang="en-US" sz="4400">
-              <a:gradFill>
-                <a:gsLst>
-                  <a:gs pos="0">
-                    <a:schemeClr val="accent5">
-                      <a:lumMod val="50000"/>
-                    </a:schemeClr>
-                  </a:gs>
-                  <a:gs pos="50000">
-                    <a:schemeClr val="accent5"/>
-                  </a:gs>
-                  <a:gs pos="100000">
-                    <a:schemeClr val="accent5">
-                      <a:lumMod val="60000"/>
-                      <a:lumOff val="40000"/>
-                    </a:schemeClr>
-                  </a:gs>
-                </a:gsLst>
-                <a:lin ang="5400000"/>
-              </a:gradFill>
-              <a:effectLst>
-                <a:reflection blurRad="6350" stA="53000" endA="300" endPos="35500" dir="5400000" sy="-90000" algn="bl" rotWithShape="0"/>
-              </a:effectLst>
-            </a:endParaRPr>
-          </a:p>
-        </p:txBody>
-      </p:sp>
-      <p:sp>
-        <p:nvSpPr>
-          <p:cNvPr id="6" name="Text Box 5"/>
-          <p:cNvSpPr txBox="true"/>
-          <p:nvPr/>
-        </p:nvSpPr>
-        <p:spPr>
-          <a:xfrm>
-            <a:off x="906145" y="1060450"/>
-            <a:ext cx="6001385" cy="5477510"/>
-          </a:xfrm>
-          <a:prstGeom prst="rect">
-            <a:avLst/>
-          </a:prstGeom>
-          <a:noFill/>
-        </p:spPr>
-        <p:txBody>
-          <a:bodyPr wrap="square" rtlCol="0">
-            <a:spAutoFit/>
-          </a:bodyPr>
-          <a:p>
-            <a:pPr fontAlgn="auto">
-              <a:lnSpc>
-                <a:spcPct val="125000"/>
-              </a:lnSpc>
-            </a:pPr>
-            <a:r>
-              <a:rPr lang="en-US" sz="2800">
-                <a:solidFill>
-                  <a:schemeClr val="accent1">
-                    <a:lumMod val="50000"/>
-                  </a:schemeClr>
-                </a:solidFill>
-              </a:rPr>
-              <a:t>狄更斯1812年2月7日生于朴次茅斯市郊，出生于海军小职员家庭，少年时因家庭生活窘迫，只能断断续续入校求学。后被迫到工厂做童工。15岁以后，当过律师事务所学徒、录事和法庭记录员。20岁开始当报馆采访员，报道下议院。1837年他完成了第一部长篇小说《匹克威克外传》，是第一部现实主义小说创作，后来创作才能日渐成熟</a:t>
-            </a:r>
-            <a:r>
-              <a:rPr lang="zh-CN" altLang="en-US" sz="2800">
-                <a:solidFill>
-                  <a:schemeClr val="accent1">
-                    <a:lumMod val="50000"/>
-                  </a:schemeClr>
-                </a:solidFill>
-              </a:rPr>
-              <a:t>。</a:t>
-            </a:r>
-            <a:endParaRPr lang="zh-CN" altLang="en-US" sz="2800">
-              <a:solidFill>
-                <a:schemeClr val="accent1">
-                  <a:lumMod val="50000"/>
-                </a:schemeClr>
-              </a:solidFill>
-            </a:endParaRPr>
-          </a:p>
-        </p:txBody>
-      </p:sp>
-      <p:pic>
-        <p:nvPicPr>
-          <p:cNvPr id="2" name="Picture 1" descr="timg"/>
-          <p:cNvPicPr>
-            <a:picLocks noChangeAspect="true"/>
-          </p:cNvPicPr>
-          <p:nvPr/>
-        </p:nvPicPr>
-        <p:blipFill>
-          <a:blip r:embed="rId1"/>
-          <a:stretch>
-            <a:fillRect/>
-          </a:stretch>
-        </p:blipFill>
-        <p:spPr>
-          <a:xfrm>
-            <a:off x="7131050" y="725170"/>
-            <a:ext cx="4254500" cy="5408295"/>
-          </a:xfrm>
-          <a:prstGeom prst="rect">
-            <a:avLst/>
-          </a:prstGeom>
-        </p:spPr>
-      </p:pic>
-    </p:spTree>
-  </p:cSld>
-  <p:clrMapOvr>
-    <a:masterClrMapping/>
-  </p:clrMapOvr>
-  <p:transition>
-    <p:fade/>
-  </p:transition>
-  <p:timing>
-    <p:tnLst>
-      <p:par>
-        <p:cTn id="1" dur="indefinite" restart="never" nodeType="tmRoot">
-          <p:childTnLst>
-            <p:seq concurrent="1" nextAc="seek">
-              <p:cTn id="2" dur="indefinite" nodeType="mainSeq">
-                <p:childTnLst>
-                  <p:par>
-                    <p:cTn id="3" fill="hold">
-                      <p:stCondLst>
-                        <p:cond delay="indefinite"/>
-                        <p:cond evt="onBegin" delay="0">
-                          <p:tn val="2"/>
-                        </p:cond>
-                      </p:stCondLst>
-                      <p:childTnLst>
-                        <p:par>
-                          <p:cTn id="4" fill="hold">
-                            <p:stCondLst>
-                              <p:cond delay="0"/>
-                            </p:stCondLst>
-                            <p:childTnLst>
-                              <p:par>
-                                <p:cTn id="5" presetID="5" presetClass="entr" presetSubtype="10" fill="hold" nodeType="withEffect">
-                                  <p:stCondLst>
-                                    <p:cond delay="0"/>
-                                  </p:stCondLst>
-                                  <p:childTnLst>
-                                    <p:set>
-                                      <p:cBhvr>
-                                        <p:cTn id="6" dur="1" fill="hold">
-                                          <p:stCondLst>
-                                            <p:cond delay="0"/>
-                                          </p:stCondLst>
-                                        </p:cTn>
-                                        <p:tgtEl>
-                                          <p:spTgt spid="2"/>
-                                        </p:tgtEl>
-                                        <p:attrNameLst>
-                                          <p:attrName>style.visibility</p:attrName>
-                                        </p:attrNameLst>
-                                      </p:cBhvr>
-                                      <p:to>
-                                        <p:strVal val="visible"/>
-                                      </p:to>
-                                    </p:set>
-                                    <p:animEffect transition="in" filter="checkerboard(across)">
-                                      <p:cBhvr>
-                                        <p:cTn id="7" dur="500"/>
-                                        <p:tgtEl>
-                                          <p:spTgt spid="2"/>
                                         </p:tgtEl>
                                       </p:cBhvr>
                                     </p:animEffect>
@@ -9245,7 +9933,7 @@
       </a:bodyPr>
       <a:lstStyle>
         <a:defPPr>
-          <a:defRPr lang="zh-CN" altLang="" sz="4000"/>
+          <a:defRPr lang="zh-CN" altLang="en-US" sz="4000"/>
         </a:defPPr>
       </a:lstStyle>
     </a:txDef>

--- a/坚持.pptx
+++ b/坚持.pptx
@@ -19,10 +19,10 @@
     <p:sldId id="286" r:id="rId8"/>
     <p:sldId id="268" r:id="rId9"/>
     <p:sldId id="297" r:id="rId10"/>
-    <p:sldId id="275" r:id="rId11"/>
-    <p:sldId id="259" r:id="rId12"/>
-    <p:sldId id="261" r:id="rId13"/>
-    <p:sldId id="280" r:id="rId14"/>
+    <p:sldId id="305" r:id="rId11"/>
+    <p:sldId id="275" r:id="rId12"/>
+    <p:sldId id="259" r:id="rId13"/>
+    <p:sldId id="261" r:id="rId14"/>
     <p:sldId id="285" r:id="rId15"/>
     <p:sldId id="277" r:id="rId16"/>
     <p:sldId id="278" r:id="rId17"/>
@@ -147,8 +147,9 @@
         </p14:section>
         <p14:section name="游戏" id="{31574325-10de-4d02-82e4-eb85caf11fd1}">
           <p14:sldIdLst>
+            <p14:sldId id="297"/>
             <p14:sldId id="268"/>
-            <p14:sldId id="297"/>
+            <p14:sldId id="305"/>
             <p14:sldId id="275"/>
           </p14:sldIdLst>
         </p14:section>
@@ -158,9 +159,8 @@
             <p14:sldId id="261"/>
           </p14:sldIdLst>
         </p14:section>
-        <p14:section name="过渡-视频" id="{f2f1e13f-c0da-4da0-874b-5e20686398ee}">
+        <p14:section name="视频，演讲" id="{f2f1e13f-c0da-4da0-874b-5e20686398ee}">
           <p14:sldIdLst>
-            <p14:sldId id="280"/>
             <p14:sldId id="285"/>
           </p14:sldIdLst>
         </p14:section>
@@ -3857,6 +3857,478 @@
         </p:nvSpPr>
         <p:spPr>
           <a:xfrm>
+            <a:off x="2454275" y="2411095"/>
+            <a:ext cx="8836660" cy="2861310"/>
+          </a:xfrm>
+          <a:prstGeom prst="rect">
+            <a:avLst/>
+          </a:prstGeom>
+          <a:noFill/>
+        </p:spPr>
+        <p:txBody>
+          <a:bodyPr wrap="square" rtlCol="0">
+            <a:spAutoFit/>
+          </a:bodyPr>
+          <a:p>
+            <a:r>
+              <a:rPr lang="en-US" altLang="zh-CN" sz="3600">
+                <a:solidFill>
+                  <a:schemeClr val="accent1">
+                    <a:lumMod val="50000"/>
+                  </a:schemeClr>
+                </a:solidFill>
+              </a:rPr>
+              <a:t>1. </a:t>
+            </a:r>
+            <a:r>
+              <a:rPr lang="zh-CN" altLang="en-US" sz="3600">
+                <a:solidFill>
+                  <a:schemeClr val="accent1">
+                    <a:lumMod val="50000"/>
+                  </a:schemeClr>
+                </a:solidFill>
+              </a:rPr>
+              <a:t>你们是怎么坚持下来的？</a:t>
+            </a:r>
+            <a:endParaRPr lang="zh-CN" altLang="en-US" sz="3600">
+              <a:solidFill>
+                <a:schemeClr val="accent1">
+                  <a:lumMod val="50000"/>
+                </a:schemeClr>
+              </a:solidFill>
+            </a:endParaRPr>
+          </a:p>
+          <a:p>
+            <a:endParaRPr lang="zh-CN" altLang="en-US" sz="3600">
+              <a:solidFill>
+                <a:schemeClr val="accent1">
+                  <a:lumMod val="50000"/>
+                </a:schemeClr>
+              </a:solidFill>
+            </a:endParaRPr>
+          </a:p>
+          <a:p>
+            <a:r>
+              <a:rPr lang="en-US" altLang="zh-CN" sz="3600">
+                <a:solidFill>
+                  <a:schemeClr val="accent1">
+                    <a:lumMod val="50000"/>
+                  </a:schemeClr>
+                </a:solidFill>
+              </a:rPr>
+              <a:t>2. </a:t>
+            </a:r>
+            <a:r>
+              <a:rPr lang="zh-CN" altLang="en-US" sz="3600">
+                <a:solidFill>
+                  <a:schemeClr val="accent1">
+                    <a:lumMod val="50000"/>
+                  </a:schemeClr>
+                </a:solidFill>
+              </a:rPr>
+              <a:t>为什么又坚持不了？</a:t>
+            </a:r>
+            <a:endParaRPr lang="zh-CN" altLang="en-US" sz="3600">
+              <a:solidFill>
+                <a:schemeClr val="accent1">
+                  <a:lumMod val="50000"/>
+                </a:schemeClr>
+              </a:solidFill>
+            </a:endParaRPr>
+          </a:p>
+          <a:p>
+            <a:endParaRPr lang="zh-CN" altLang="en-US" sz="3600">
+              <a:solidFill>
+                <a:schemeClr val="accent1">
+                  <a:lumMod val="50000"/>
+                </a:schemeClr>
+              </a:solidFill>
+            </a:endParaRPr>
+          </a:p>
+          <a:p>
+            <a:r>
+              <a:rPr lang="en-US" altLang="zh-CN" sz="3600">
+                <a:solidFill>
+                  <a:schemeClr val="accent1">
+                    <a:lumMod val="50000"/>
+                  </a:schemeClr>
+                </a:solidFill>
+              </a:rPr>
+              <a:t>3. </a:t>
+            </a:r>
+            <a:r>
+              <a:rPr lang="zh-CN" altLang="en-US" sz="3600">
+                <a:solidFill>
+                  <a:schemeClr val="accent1">
+                    <a:lumMod val="50000"/>
+                  </a:schemeClr>
+                </a:solidFill>
+              </a:rPr>
+              <a:t>谈谈你在生活中又是如何坚持的</a:t>
+            </a:r>
+            <a:endParaRPr lang="zh-CN" altLang="en-US" sz="3600">
+              <a:solidFill>
+                <a:schemeClr val="accent1">
+                  <a:lumMod val="50000"/>
+                </a:schemeClr>
+              </a:solidFill>
+            </a:endParaRPr>
+          </a:p>
+        </p:txBody>
+      </p:sp>
+      <p:sp>
+        <p:nvSpPr>
+          <p:cNvPr id="5" name="Text Box 4"/>
+          <p:cNvSpPr txBox="true"/>
+          <p:nvPr/>
+        </p:nvSpPr>
+        <p:spPr>
+          <a:xfrm>
+            <a:off x="1286510" y="794385"/>
+            <a:ext cx="4307205" cy="829945"/>
+          </a:xfrm>
+          <a:prstGeom prst="rect">
+            <a:avLst/>
+          </a:prstGeom>
+          <a:noFill/>
+        </p:spPr>
+        <p:txBody>
+          <a:bodyPr wrap="square" rtlCol="0">
+            <a:spAutoFit/>
+          </a:bodyPr>
+          <a:p>
+            <a:r>
+              <a:rPr lang="zh-CN" altLang="en-US" sz="4800" b="1">
+                <a:gradFill>
+                  <a:gsLst>
+                    <a:gs pos="0">
+                      <a:schemeClr val="accent5">
+                        <a:lumMod val="50000"/>
+                      </a:schemeClr>
+                    </a:gs>
+                    <a:gs pos="50000">
+                      <a:schemeClr val="accent5"/>
+                    </a:gs>
+                    <a:gs pos="100000">
+                      <a:schemeClr val="accent5">
+                        <a:lumMod val="60000"/>
+                        <a:lumOff val="40000"/>
+                      </a:schemeClr>
+                    </a:gs>
+                  </a:gsLst>
+                  <a:lin ang="5400000"/>
+                </a:gradFill>
+                <a:effectLst>
+                  <a:reflection blurRad="6350" stA="53000" endA="300" endPos="35500" dir="5400000" sy="-90000" algn="bl" rotWithShape="0"/>
+                </a:effectLst>
+              </a:rPr>
+              <a:t>小组分享</a:t>
+            </a:r>
+            <a:endParaRPr lang="zh-CN" altLang="en-US" sz="4800" b="1">
+              <a:gradFill>
+                <a:gsLst>
+                  <a:gs pos="0">
+                    <a:schemeClr val="accent5">
+                      <a:lumMod val="50000"/>
+                    </a:schemeClr>
+                  </a:gs>
+                  <a:gs pos="50000">
+                    <a:schemeClr val="accent5"/>
+                  </a:gs>
+                  <a:gs pos="100000">
+                    <a:schemeClr val="accent5">
+                      <a:lumMod val="60000"/>
+                      <a:lumOff val="40000"/>
+                    </a:schemeClr>
+                  </a:gs>
+                </a:gsLst>
+                <a:lin ang="5400000"/>
+              </a:gradFill>
+              <a:effectLst>
+                <a:reflection blurRad="6350" stA="53000" endA="300" endPos="35500" dir="5400000" sy="-90000" algn="bl" rotWithShape="0"/>
+              </a:effectLst>
+            </a:endParaRPr>
+          </a:p>
+        </p:txBody>
+      </p:sp>
+    </p:spTree>
+  </p:cSld>
+  <p:clrMapOvr>
+    <a:masterClrMapping/>
+  </p:clrMapOvr>
+  <p:transition>
+    <p:fade/>
+  </p:transition>
+  <p:timing>
+    <p:tnLst>
+      <p:par>
+        <p:cTn id="1" dur="indefinite" restart="never" nodeType="tmRoot">
+          <p:childTnLst>
+            <p:seq concurrent="1" nextAc="seek">
+              <p:cTn id="2" dur="indefinite" nodeType="mainSeq">
+                <p:childTnLst>
+                  <p:par>
+                    <p:cTn id="3" fill="hold">
+                      <p:stCondLst>
+                        <p:cond delay="indefinite"/>
+                        <p:cond evt="onBegin" delay="0">
+                          <p:tn val="2"/>
+                        </p:cond>
+                      </p:stCondLst>
+                      <p:childTnLst>
+                        <p:par>
+                          <p:cTn id="4" fill="hold">
+                            <p:stCondLst>
+                              <p:cond delay="0"/>
+                            </p:stCondLst>
+                            <p:childTnLst>
+                              <p:par>
+                                <p:cTn id="5" presetID="7" presetClass="entr" presetSubtype="2" fill="hold" nodeType="afterEffect">
+                                  <p:stCondLst>
+                                    <p:cond delay="1000"/>
+                                  </p:stCondLst>
+                                  <p:childTnLst>
+                                    <p:set>
+                                      <p:cBhvr>
+                                        <p:cTn id="6" dur="1000" fill="hold">
+                                          <p:stCondLst>
+                                            <p:cond delay="0"/>
+                                          </p:stCondLst>
+                                        </p:cTn>
+                                        <p:tgtEl>
+                                          <p:spTgt spid="4">
+                                            <p:txEl>
+                                              <p:pRg st="0" end="0"/>
+                                            </p:txEl>
+                                          </p:spTgt>
+                                        </p:tgtEl>
+                                        <p:attrNameLst>
+                                          <p:attrName>style.visibility</p:attrName>
+                                        </p:attrNameLst>
+                                      </p:cBhvr>
+                                      <p:to>
+                                        <p:strVal val="visible"/>
+                                      </p:to>
+                                    </p:set>
+                                    <p:anim calcmode="lin" valueType="num">
+                                      <p:cBhvr additive="base">
+                                        <p:cTn id="7" dur="1000" fill="hold"/>
+                                        <p:tgtEl>
+                                          <p:spTgt spid="4">
+                                            <p:txEl>
+                                              <p:pRg st="0" end="0"/>
+                                            </p:txEl>
+                                          </p:spTgt>
+                                        </p:tgtEl>
+                                        <p:attrNameLst>
+                                          <p:attrName>ppt_x</p:attrName>
+                                        </p:attrNameLst>
+                                      </p:cBhvr>
+                                      <p:tavLst>
+                                        <p:tav tm="0" fmla="">
+                                          <p:val>
+                                            <p:strVal val="1+#ppt_w/2"/>
+                                          </p:val>
+                                        </p:tav>
+                                        <p:tav tm="100000" fmla="">
+                                          <p:val>
+                                            <p:strVal val="#ppt_x"/>
+                                          </p:val>
+                                        </p:tav>
+                                      </p:tavLst>
+                                    </p:anim>
+                                    <p:anim calcmode="lin" valueType="num">
+                                      <p:cBhvr additive="base">
+                                        <p:cTn id="8" dur="1000" fill="hold"/>
+                                        <p:tgtEl>
+                                          <p:spTgt spid="4">
+                                            <p:txEl>
+                                              <p:pRg st="0" end="0"/>
+                                            </p:txEl>
+                                          </p:spTgt>
+                                        </p:tgtEl>
+                                        <p:attrNameLst>
+                                          <p:attrName>ppt_y</p:attrName>
+                                        </p:attrNameLst>
+                                      </p:cBhvr>
+                                      <p:tavLst>
+                                        <p:tav tm="0" fmla="">
+                                          <p:val>
+                                            <p:strVal val="#ppt_y"/>
+                                          </p:val>
+                                        </p:tav>
+                                        <p:tav tm="100000" fmla="">
+                                          <p:val>
+                                            <p:strVal val="#ppt_y"/>
+                                          </p:val>
+                                        </p:tav>
+                                      </p:tavLst>
+                                    </p:anim>
+                                  </p:childTnLst>
+                                </p:cTn>
+                              </p:par>
+                              <p:par>
+                                <p:cTn id="9" presetID="8" presetClass="entr" presetSubtype="16" fill="hold" nodeType="withEffect">
+                                  <p:stCondLst>
+                                    <p:cond delay="1500"/>
+                                  </p:stCondLst>
+                                  <p:childTnLst>
+                                    <p:set>
+                                      <p:cBhvr>
+                                        <p:cTn id="10" dur="1000" fill="hold">
+                                          <p:stCondLst>
+                                            <p:cond delay="0"/>
+                                          </p:stCondLst>
+                                        </p:cTn>
+                                        <p:tgtEl>
+                                          <p:spTgt spid="4">
+                                            <p:txEl>
+                                              <p:pRg st="2" end="2"/>
+                                            </p:txEl>
+                                          </p:spTgt>
+                                        </p:tgtEl>
+                                        <p:attrNameLst>
+                                          <p:attrName>style.visibility</p:attrName>
+                                        </p:attrNameLst>
+                                      </p:cBhvr>
+                                      <p:to>
+                                        <p:strVal val="visible"/>
+                                      </p:to>
+                                    </p:set>
+                                    <p:animEffect transition="in" filter="diamond(in)">
+                                      <p:cBhvr>
+                                        <p:cTn id="11" dur="1000"/>
+                                        <p:tgtEl>
+                                          <p:spTgt spid="4">
+                                            <p:txEl>
+                                              <p:pRg st="2" end="2"/>
+                                            </p:txEl>
+                                          </p:spTgt>
+                                        </p:tgtEl>
+                                      </p:cBhvr>
+                                    </p:animEffect>
+                                  </p:childTnLst>
+                                </p:cTn>
+                              </p:par>
+                              <p:par>
+                                <p:cTn id="12" presetID="12" presetClass="entr" presetSubtype="4" fill="hold" nodeType="withEffect">
+                                  <p:stCondLst>
+                                    <p:cond delay="2000"/>
+                                  </p:stCondLst>
+                                  <p:childTnLst>
+                                    <p:set>
+                                      <p:cBhvr>
+                                        <p:cTn id="13" dur="1000" fill="hold">
+                                          <p:stCondLst>
+                                            <p:cond delay="0"/>
+                                          </p:stCondLst>
+                                        </p:cTn>
+                                        <p:tgtEl>
+                                          <p:spTgt spid="4">
+                                            <p:txEl>
+                                              <p:pRg st="4" end="4"/>
+                                            </p:txEl>
+                                          </p:spTgt>
+                                        </p:tgtEl>
+                                        <p:attrNameLst>
+                                          <p:attrName>style.visibility</p:attrName>
+                                        </p:attrNameLst>
+                                      </p:cBhvr>
+                                      <p:to>
+                                        <p:strVal val="visible"/>
+                                      </p:to>
+                                    </p:set>
+                                    <p:anim calcmode="lin" valueType="num">
+                                      <p:cBhvr additive="base">
+                                        <p:cTn id="14" dur="1000"/>
+                                        <p:tgtEl>
+                                          <p:spTgt spid="4">
+                                            <p:txEl>
+                                              <p:pRg st="4" end="4"/>
+                                            </p:txEl>
+                                          </p:spTgt>
+                                        </p:tgtEl>
+                                        <p:attrNameLst>
+                                          <p:attrName>ppt_y</p:attrName>
+                                        </p:attrNameLst>
+                                      </p:cBhvr>
+                                      <p:tavLst>
+                                        <p:tav tm="0">
+                                          <p:val>
+                                            <p:strVal val="#ppt_y+#ppt_h*1.125000"/>
+                                          </p:val>
+                                        </p:tav>
+                                        <p:tav tm="100000">
+                                          <p:val>
+                                            <p:strVal val="#ppt_y"/>
+                                          </p:val>
+                                        </p:tav>
+                                      </p:tavLst>
+                                    </p:anim>
+                                    <p:animEffect transition="in" filter="wipe(up)">
+                                      <p:cBhvr>
+                                        <p:cTn id="15" dur="1000"/>
+                                        <p:tgtEl>
+                                          <p:spTgt spid="4">
+                                            <p:txEl>
+                                              <p:pRg st="4" end="4"/>
+                                            </p:txEl>
+                                          </p:spTgt>
+                                        </p:tgtEl>
+                                      </p:cBhvr>
+                                    </p:animEffect>
+                                  </p:childTnLst>
+                                </p:cTn>
+                              </p:par>
+                            </p:childTnLst>
+                          </p:cTn>
+                        </p:par>
+                      </p:childTnLst>
+                    </p:cTn>
+                  </p:par>
+                </p:childTnLst>
+              </p:cTn>
+              <p:prevCondLst>
+                <p:cond evt="onPrev" delay="0">
+                  <p:tgtEl>
+                    <p:sldTgt/>
+                  </p:tgtEl>
+                </p:cond>
+              </p:prevCondLst>
+              <p:nextCondLst>
+                <p:cond evt="onNext" delay="0">
+                  <p:tgtEl>
+                    <p:sldTgt/>
+                  </p:tgtEl>
+                </p:cond>
+              </p:nextCondLst>
+            </p:seq>
+          </p:childTnLst>
+        </p:cTn>
+      </p:par>
+    </p:tnLst>
+  </p:timing>
+</p:sld>
+</file>
+
+<file path=ppt/slides/slide11.xml><?xml version="1.0" encoding="utf-8"?>
+<p:sld xmlns:a="http://schemas.openxmlformats.org/drawingml/2006/main" xmlns:r="http://schemas.openxmlformats.org/officeDocument/2006/relationships" xmlns:p="http://schemas.openxmlformats.org/presentationml/2006/main">
+  <p:cSld>
+    <p:spTree>
+      <p:nvGrpSpPr>
+        <p:cNvPr id="1" name=""/>
+        <p:cNvGrpSpPr/>
+        <p:nvPr/>
+      </p:nvGrpSpPr>
+      <p:grpSpPr/>
+      <p:sp>
+        <p:nvSpPr>
+          <p:cNvPr id="4" name="Text Box 3"/>
+          <p:cNvSpPr txBox="true"/>
+          <p:nvPr/>
+        </p:nvSpPr>
+        <p:spPr>
+          <a:xfrm>
             <a:off x="638175" y="292100"/>
             <a:ext cx="5164455" cy="768350"/>
           </a:xfrm>
@@ -4101,7 +4573,7 @@
 </p:sld>
 </file>
 
-<file path=ppt/slides/slide11.xml><?xml version="1.0" encoding="utf-8"?>
+<file path=ppt/slides/slide12.xml><?xml version="1.0" encoding="utf-8"?>
 <p:sld xmlns:a="http://schemas.openxmlformats.org/drawingml/2006/main" xmlns:r="http://schemas.openxmlformats.org/officeDocument/2006/relationships" xmlns:p="http://schemas.openxmlformats.org/presentationml/2006/main">
   <p:cSld>
     <p:spTree>
@@ -4228,882 +4700,6 @@
   <p:transition>
     <p:fade/>
   </p:transition>
-</p:sld>
-</file>
-
-<file path=ppt/slides/slide12.xml><?xml version="1.0" encoding="utf-8"?>
-<p:sld xmlns:a="http://schemas.openxmlformats.org/drawingml/2006/main" xmlns:r="http://schemas.openxmlformats.org/officeDocument/2006/relationships" xmlns:p="http://schemas.openxmlformats.org/presentationml/2006/main">
-  <p:cSld>
-    <p:spTree>
-      <p:nvGrpSpPr>
-        <p:cNvPr id="1" name=""/>
-        <p:cNvGrpSpPr/>
-        <p:nvPr/>
-      </p:nvGrpSpPr>
-      <p:grpSpPr/>
-      <p:sp>
-        <p:nvSpPr>
-          <p:cNvPr id="4" name="Text Box 3"/>
-          <p:cNvSpPr txBox="true"/>
-          <p:nvPr/>
-        </p:nvSpPr>
-        <p:spPr>
-          <a:xfrm>
-            <a:off x="529590" y="336550"/>
-            <a:ext cx="11132820" cy="6185535"/>
-          </a:xfrm>
-          <a:prstGeom prst="rect">
-            <a:avLst/>
-          </a:prstGeom>
-          <a:noFill/>
-        </p:spPr>
-        <p:txBody>
-          <a:bodyPr wrap="square" rtlCol="0">
-            <a:spAutoFit/>
-          </a:bodyPr>
-          <a:p>
-            <a:r>
-              <a:rPr lang="zh-CN" altLang="en-US" sz="3600">
-                <a:solidFill>
-                  <a:schemeClr val="accent1">
-                    <a:lumMod val="50000"/>
-                  </a:schemeClr>
-                </a:solidFill>
-              </a:rPr>
-              <a:t>可是你知道自己应该怎么做吗？</a:t>
-            </a:r>
-            <a:endParaRPr lang="zh-CN" altLang="en-US" sz="3600">
-              <a:solidFill>
-                <a:schemeClr val="accent1">
-                  <a:lumMod val="50000"/>
-                </a:schemeClr>
-              </a:solidFill>
-            </a:endParaRPr>
-          </a:p>
-          <a:p>
-            <a:r>
-              <a:rPr lang="zh-CN" altLang="en-US" sz="3600">
-                <a:solidFill>
-                  <a:schemeClr val="accent1">
-                    <a:lumMod val="50000"/>
-                  </a:schemeClr>
-                </a:solidFill>
-              </a:rPr>
-              <a:t>你知道吗？</a:t>
-            </a:r>
-            <a:endParaRPr lang="zh-CN" altLang="en-US" sz="3600">
-              <a:solidFill>
-                <a:schemeClr val="accent1">
-                  <a:lumMod val="50000"/>
-                </a:schemeClr>
-              </a:solidFill>
-            </a:endParaRPr>
-          </a:p>
-          <a:p>
-            <a:r>
-              <a:rPr lang="zh-CN" altLang="en-US" sz="3600">
-                <a:solidFill>
-                  <a:schemeClr val="accent1">
-                    <a:lumMod val="50000"/>
-                  </a:schemeClr>
-                </a:solidFill>
-              </a:rPr>
-              <a:t>你可能说我坚持过，可是我放都不是弃了</a:t>
-            </a:r>
-            <a:endParaRPr lang="zh-CN" altLang="en-US" sz="3600">
-              <a:solidFill>
-                <a:schemeClr val="accent1">
-                  <a:lumMod val="50000"/>
-                </a:schemeClr>
-              </a:solidFill>
-            </a:endParaRPr>
-          </a:p>
-          <a:p>
-            <a:r>
-              <a:rPr lang="zh-CN" altLang="en-US" sz="3600">
-                <a:solidFill>
-                  <a:schemeClr val="accent1">
-                    <a:lumMod val="50000"/>
-                  </a:schemeClr>
-                </a:solidFill>
-              </a:rPr>
-              <a:t>那这，还叫坚持吗？</a:t>
-            </a:r>
-            <a:endParaRPr lang="zh-CN" altLang="en-US" sz="3600">
-              <a:solidFill>
-                <a:schemeClr val="accent1">
-                  <a:lumMod val="50000"/>
-                </a:schemeClr>
-              </a:solidFill>
-            </a:endParaRPr>
-          </a:p>
-          <a:p>
-            <a:r>
-              <a:rPr lang="zh-CN" altLang="en-US" sz="3600">
-                <a:solidFill>
-                  <a:schemeClr val="accent1">
-                    <a:lumMod val="50000"/>
-                  </a:schemeClr>
-                </a:solidFill>
-              </a:rPr>
-              <a:t>不，这不是，这不叫坚持</a:t>
-            </a:r>
-            <a:endParaRPr lang="zh-CN" altLang="en-US" sz="3600">
-              <a:solidFill>
-                <a:schemeClr val="accent1">
-                  <a:lumMod val="50000"/>
-                </a:schemeClr>
-              </a:solidFill>
-            </a:endParaRPr>
-          </a:p>
-          <a:p>
-            <a:r>
-              <a:rPr lang="zh-CN" altLang="en-US" sz="3600">
-                <a:solidFill>
-                  <a:schemeClr val="accent1">
-                    <a:lumMod val="50000"/>
-                  </a:schemeClr>
-                </a:solidFill>
-              </a:rPr>
-              <a:t>坚持，坚持是什么，</a:t>
-            </a:r>
-            <a:endParaRPr lang="zh-CN" altLang="en-US" sz="3600">
-              <a:solidFill>
-                <a:schemeClr val="accent1">
-                  <a:lumMod val="50000"/>
-                </a:schemeClr>
-              </a:solidFill>
-            </a:endParaRPr>
-          </a:p>
-          <a:p>
-            <a:r>
-              <a:rPr lang="zh-CN" altLang="en-US" sz="3600">
-                <a:solidFill>
-                  <a:schemeClr val="accent1">
-                    <a:lumMod val="50000"/>
-                  </a:schemeClr>
-                </a:solidFill>
-              </a:rPr>
-              <a:t>坚持是无论发生什么，</a:t>
-            </a:r>
-            <a:endParaRPr lang="zh-CN" altLang="en-US" sz="3600">
-              <a:solidFill>
-                <a:schemeClr val="accent1">
-                  <a:lumMod val="50000"/>
-                </a:schemeClr>
-              </a:solidFill>
-            </a:endParaRPr>
-          </a:p>
-          <a:p>
-            <a:r>
-              <a:rPr lang="zh-CN" altLang="en-US" sz="3600">
-                <a:solidFill>
-                  <a:schemeClr val="accent1">
-                    <a:lumMod val="50000"/>
-                  </a:schemeClr>
-                </a:solidFill>
-              </a:rPr>
-              <a:t>都不会成为你不坚持的理由，</a:t>
-            </a:r>
-            <a:endParaRPr lang="zh-CN" altLang="en-US" sz="3600">
-              <a:solidFill>
-                <a:schemeClr val="accent1">
-                  <a:lumMod val="50000"/>
-                </a:schemeClr>
-              </a:solidFill>
-            </a:endParaRPr>
-          </a:p>
-          <a:p>
-            <a:r>
-              <a:rPr lang="zh-CN" altLang="en-US" sz="3600">
-                <a:solidFill>
-                  <a:schemeClr val="accent1">
-                    <a:lumMod val="50000"/>
-                  </a:schemeClr>
-                </a:solidFill>
-              </a:rPr>
-              <a:t>都不会成为你逃避的理由，</a:t>
-            </a:r>
-            <a:endParaRPr lang="zh-CN" altLang="en-US" sz="3600">
-              <a:solidFill>
-                <a:schemeClr val="accent1">
-                  <a:lumMod val="50000"/>
-                </a:schemeClr>
-              </a:solidFill>
-            </a:endParaRPr>
-          </a:p>
-          <a:p>
-            <a:r>
-              <a:rPr lang="zh-CN" altLang="en-US" sz="3600">
-                <a:solidFill>
-                  <a:schemeClr val="accent1">
-                    <a:lumMod val="50000"/>
-                  </a:schemeClr>
-                </a:solidFill>
-              </a:rPr>
-              <a:t>是一件，唯一一件你要从开始，做到结束，</a:t>
-            </a:r>
-            <a:endParaRPr lang="zh-CN" altLang="en-US" sz="3600">
-              <a:solidFill>
-                <a:schemeClr val="accent1">
-                  <a:lumMod val="50000"/>
-                </a:schemeClr>
-              </a:solidFill>
-            </a:endParaRPr>
-          </a:p>
-          <a:p>
-            <a:r>
-              <a:rPr lang="zh-CN" altLang="en-US" sz="3600">
-                <a:solidFill>
-                  <a:schemeClr val="accent1">
-                    <a:lumMod val="50000"/>
-                  </a:schemeClr>
-                </a:solidFill>
-              </a:rPr>
-              <a:t>没有停止过，没有放弃过</a:t>
-            </a:r>
-            <a:r>
-              <a:rPr lang="en-US" altLang="zh-CN" sz="3600">
-                <a:solidFill>
-                  <a:schemeClr val="accent1">
-                    <a:lumMod val="50000"/>
-                  </a:schemeClr>
-                </a:solidFill>
-              </a:rPr>
-              <a:t>......</a:t>
-            </a:r>
-            <a:endParaRPr lang="en-US" altLang="zh-CN" sz="3600">
-              <a:solidFill>
-                <a:schemeClr val="accent1">
-                  <a:lumMod val="50000"/>
-                </a:schemeClr>
-              </a:solidFill>
-            </a:endParaRPr>
-          </a:p>
-        </p:txBody>
-      </p:sp>
-    </p:spTree>
-  </p:cSld>
-  <p:clrMapOvr>
-    <a:masterClrMapping/>
-  </p:clrMapOvr>
-  <p:transition>
-    <p:fade/>
-  </p:transition>
-  <p:timing>
-    <p:tnLst>
-      <p:par>
-        <p:cTn id="1" dur="indefinite" restart="never" nodeType="tmRoot">
-          <p:childTnLst>
-            <p:seq concurrent="1" nextAc="seek">
-              <p:cTn id="2" dur="indefinite" nodeType="mainSeq">
-                <p:childTnLst>
-                  <p:par>
-                    <p:cTn id="3" fill="hold">
-                      <p:stCondLst>
-                        <p:cond delay="indefinite"/>
-                        <p:cond evt="onBegin" delay="0">
-                          <p:tn val="2"/>
-                        </p:cond>
-                      </p:stCondLst>
-                      <p:childTnLst>
-                        <p:par>
-                          <p:cTn id="4" fill="hold">
-                            <p:stCondLst>
-                              <p:cond delay="0"/>
-                            </p:stCondLst>
-                            <p:childTnLst>
-                              <p:par>
-                                <p:cTn id="5" presetID="16" presetClass="entr" presetSubtype="42" fill="hold" nodeType="afterEffect">
-                                  <p:stCondLst>
-                                    <p:cond delay="0"/>
-                                  </p:stCondLst>
-                                  <p:childTnLst>
-                                    <p:set>
-                                      <p:cBhvr>
-                                        <p:cTn id="6" dur="1000" fill="hold">
-                                          <p:stCondLst>
-                                            <p:cond delay="0"/>
-                                          </p:stCondLst>
-                                        </p:cTn>
-                                        <p:tgtEl>
-                                          <p:spTgt spid="4">
-                                            <p:txEl>
-                                              <p:pRg st="0" end="0"/>
-                                            </p:txEl>
-                                          </p:spTgt>
-                                        </p:tgtEl>
-                                        <p:attrNameLst>
-                                          <p:attrName>style.visibility</p:attrName>
-                                        </p:attrNameLst>
-                                      </p:cBhvr>
-                                      <p:to>
-                                        <p:strVal val="visible"/>
-                                      </p:to>
-                                    </p:set>
-                                    <p:animEffect transition="in" filter="barn(outHorizontal)">
-                                      <p:cBhvr>
-                                        <p:cTn id="7" dur="1000"/>
-                                        <p:tgtEl>
-                                          <p:spTgt spid="4">
-                                            <p:txEl>
-                                              <p:pRg st="0" end="0"/>
-                                            </p:txEl>
-                                          </p:spTgt>
-                                        </p:tgtEl>
-                                      </p:cBhvr>
-                                    </p:animEffect>
-                                  </p:childTnLst>
-                                </p:cTn>
-                              </p:par>
-                            </p:childTnLst>
-                          </p:cTn>
-                        </p:par>
-                        <p:par>
-                          <p:cTn id="8" fill="hold">
-                            <p:stCondLst>
-                              <p:cond delay="1000"/>
-                            </p:stCondLst>
-                            <p:childTnLst>
-                              <p:par>
-                                <p:cTn id="9" presetID="16" presetClass="entr" presetSubtype="42" fill="hold" nodeType="afterEffect">
-                                  <p:stCondLst>
-                                    <p:cond delay="0"/>
-                                  </p:stCondLst>
-                                  <p:childTnLst>
-                                    <p:set>
-                                      <p:cBhvr>
-                                        <p:cTn id="10" dur="1000" fill="hold">
-                                          <p:stCondLst>
-                                            <p:cond delay="0"/>
-                                          </p:stCondLst>
-                                        </p:cTn>
-                                        <p:tgtEl>
-                                          <p:spTgt spid="4">
-                                            <p:txEl>
-                                              <p:pRg st="1" end="1"/>
-                                            </p:txEl>
-                                          </p:spTgt>
-                                        </p:tgtEl>
-                                        <p:attrNameLst>
-                                          <p:attrName>style.visibility</p:attrName>
-                                        </p:attrNameLst>
-                                      </p:cBhvr>
-                                      <p:to>
-                                        <p:strVal val="visible"/>
-                                      </p:to>
-                                    </p:set>
-                                    <p:animEffect transition="in" filter="barn(outHorizontal)">
-                                      <p:cBhvr>
-                                        <p:cTn id="11" dur="1000"/>
-                                        <p:tgtEl>
-                                          <p:spTgt spid="4">
-                                            <p:txEl>
-                                              <p:pRg st="1" end="1"/>
-                                            </p:txEl>
-                                          </p:spTgt>
-                                        </p:tgtEl>
-                                      </p:cBhvr>
-                                    </p:animEffect>
-                                  </p:childTnLst>
-                                </p:cTn>
-                              </p:par>
-                            </p:childTnLst>
-                          </p:cTn>
-                        </p:par>
-                        <p:par>
-                          <p:cTn id="12" fill="hold">
-                            <p:stCondLst>
-                              <p:cond delay="2000"/>
-                            </p:stCondLst>
-                            <p:childTnLst>
-                              <p:par>
-                                <p:cTn id="13" presetID="16" presetClass="entr" presetSubtype="42" fill="hold" nodeType="afterEffect">
-                                  <p:stCondLst>
-                                    <p:cond delay="0"/>
-                                  </p:stCondLst>
-                                  <p:childTnLst>
-                                    <p:set>
-                                      <p:cBhvr>
-                                        <p:cTn id="14" dur="1000" fill="hold">
-                                          <p:stCondLst>
-                                            <p:cond delay="0"/>
-                                          </p:stCondLst>
-                                        </p:cTn>
-                                        <p:tgtEl>
-                                          <p:spTgt spid="4">
-                                            <p:txEl>
-                                              <p:pRg st="2" end="2"/>
-                                            </p:txEl>
-                                          </p:spTgt>
-                                        </p:tgtEl>
-                                        <p:attrNameLst>
-                                          <p:attrName>style.visibility</p:attrName>
-                                        </p:attrNameLst>
-                                      </p:cBhvr>
-                                      <p:to>
-                                        <p:strVal val="visible"/>
-                                      </p:to>
-                                    </p:set>
-                                    <p:animEffect transition="in" filter="barn(outHorizontal)">
-                                      <p:cBhvr>
-                                        <p:cTn id="15" dur="1000"/>
-                                        <p:tgtEl>
-                                          <p:spTgt spid="4">
-                                            <p:txEl>
-                                              <p:pRg st="2" end="2"/>
-                                            </p:txEl>
-                                          </p:spTgt>
-                                        </p:tgtEl>
-                                      </p:cBhvr>
-                                    </p:animEffect>
-                                  </p:childTnLst>
-                                </p:cTn>
-                              </p:par>
-                            </p:childTnLst>
-                          </p:cTn>
-                        </p:par>
-                        <p:par>
-                          <p:cTn id="16" fill="hold">
-                            <p:stCondLst>
-                              <p:cond delay="3000"/>
-                            </p:stCondLst>
-                            <p:childTnLst>
-                              <p:par>
-                                <p:cTn id="17" presetID="16" presetClass="entr" presetSubtype="42" fill="hold" nodeType="afterEffect">
-                                  <p:stCondLst>
-                                    <p:cond delay="0"/>
-                                  </p:stCondLst>
-                                  <p:childTnLst>
-                                    <p:set>
-                                      <p:cBhvr>
-                                        <p:cTn id="18" dur="1000" fill="hold">
-                                          <p:stCondLst>
-                                            <p:cond delay="0"/>
-                                          </p:stCondLst>
-                                        </p:cTn>
-                                        <p:tgtEl>
-                                          <p:spTgt spid="4">
-                                            <p:txEl>
-                                              <p:pRg st="3" end="3"/>
-                                            </p:txEl>
-                                          </p:spTgt>
-                                        </p:tgtEl>
-                                        <p:attrNameLst>
-                                          <p:attrName>style.visibility</p:attrName>
-                                        </p:attrNameLst>
-                                      </p:cBhvr>
-                                      <p:to>
-                                        <p:strVal val="visible"/>
-                                      </p:to>
-                                    </p:set>
-                                    <p:animEffect transition="in" filter="barn(outHorizontal)">
-                                      <p:cBhvr>
-                                        <p:cTn id="19" dur="1000"/>
-                                        <p:tgtEl>
-                                          <p:spTgt spid="4">
-                                            <p:txEl>
-                                              <p:pRg st="3" end="3"/>
-                                            </p:txEl>
-                                          </p:spTgt>
-                                        </p:tgtEl>
-                                      </p:cBhvr>
-                                    </p:animEffect>
-                                  </p:childTnLst>
-                                </p:cTn>
-                              </p:par>
-                            </p:childTnLst>
-                          </p:cTn>
-                        </p:par>
-                        <p:par>
-                          <p:cTn id="20" fill="hold">
-                            <p:stCondLst>
-                              <p:cond delay="4000"/>
-                            </p:stCondLst>
-                            <p:childTnLst>
-                              <p:par>
-                                <p:cTn id="21" presetID="16" presetClass="entr" presetSubtype="42" fill="hold" nodeType="afterEffect">
-                                  <p:stCondLst>
-                                    <p:cond delay="0"/>
-                                  </p:stCondLst>
-                                  <p:childTnLst>
-                                    <p:set>
-                                      <p:cBhvr>
-                                        <p:cTn id="22" dur="1000" fill="hold">
-                                          <p:stCondLst>
-                                            <p:cond delay="0"/>
-                                          </p:stCondLst>
-                                        </p:cTn>
-                                        <p:tgtEl>
-                                          <p:spTgt spid="4">
-                                            <p:txEl>
-                                              <p:pRg st="4" end="4"/>
-                                            </p:txEl>
-                                          </p:spTgt>
-                                        </p:tgtEl>
-                                        <p:attrNameLst>
-                                          <p:attrName>style.visibility</p:attrName>
-                                        </p:attrNameLst>
-                                      </p:cBhvr>
-                                      <p:to>
-                                        <p:strVal val="visible"/>
-                                      </p:to>
-                                    </p:set>
-                                    <p:animEffect transition="in" filter="barn(outHorizontal)">
-                                      <p:cBhvr>
-                                        <p:cTn id="23" dur="1000"/>
-                                        <p:tgtEl>
-                                          <p:spTgt spid="4">
-                                            <p:txEl>
-                                              <p:pRg st="4" end="4"/>
-                                            </p:txEl>
-                                          </p:spTgt>
-                                        </p:tgtEl>
-                                      </p:cBhvr>
-                                    </p:animEffect>
-                                  </p:childTnLst>
-                                </p:cTn>
-                              </p:par>
-                            </p:childTnLst>
-                          </p:cTn>
-                        </p:par>
-                        <p:par>
-                          <p:cTn id="24" fill="hold">
-                            <p:stCondLst>
-                              <p:cond delay="5000"/>
-                            </p:stCondLst>
-                            <p:childTnLst>
-                              <p:par>
-                                <p:cTn id="25" presetID="16" presetClass="entr" presetSubtype="42" fill="hold" nodeType="afterEffect">
-                                  <p:stCondLst>
-                                    <p:cond delay="0"/>
-                                  </p:stCondLst>
-                                  <p:childTnLst>
-                                    <p:set>
-                                      <p:cBhvr>
-                                        <p:cTn id="26" dur="1000" fill="hold">
-                                          <p:stCondLst>
-                                            <p:cond delay="0"/>
-                                          </p:stCondLst>
-                                        </p:cTn>
-                                        <p:tgtEl>
-                                          <p:spTgt spid="4">
-                                            <p:txEl>
-                                              <p:pRg st="5" end="5"/>
-                                            </p:txEl>
-                                          </p:spTgt>
-                                        </p:tgtEl>
-                                        <p:attrNameLst>
-                                          <p:attrName>style.visibility</p:attrName>
-                                        </p:attrNameLst>
-                                      </p:cBhvr>
-                                      <p:to>
-                                        <p:strVal val="visible"/>
-                                      </p:to>
-                                    </p:set>
-                                    <p:animEffect transition="in" filter="barn(outHorizontal)">
-                                      <p:cBhvr>
-                                        <p:cTn id="27" dur="1000"/>
-                                        <p:tgtEl>
-                                          <p:spTgt spid="4">
-                                            <p:txEl>
-                                              <p:pRg st="5" end="5"/>
-                                            </p:txEl>
-                                          </p:spTgt>
-                                        </p:tgtEl>
-                                      </p:cBhvr>
-                                    </p:animEffect>
-                                  </p:childTnLst>
-                                </p:cTn>
-                              </p:par>
-                            </p:childTnLst>
-                          </p:cTn>
-                        </p:par>
-                        <p:par>
-                          <p:cTn id="28" fill="hold">
-                            <p:stCondLst>
-                              <p:cond delay="6000"/>
-                            </p:stCondLst>
-                            <p:childTnLst>
-                              <p:par>
-                                <p:cTn id="29" presetID="16" presetClass="entr" presetSubtype="42" fill="hold" nodeType="afterEffect">
-                                  <p:stCondLst>
-                                    <p:cond delay="0"/>
-                                  </p:stCondLst>
-                                  <p:childTnLst>
-                                    <p:set>
-                                      <p:cBhvr>
-                                        <p:cTn id="30" dur="500" fill="hold">
-                                          <p:stCondLst>
-                                            <p:cond delay="0"/>
-                                          </p:stCondLst>
-                                        </p:cTn>
-                                        <p:tgtEl>
-                                          <p:spTgt spid="4">
-                                            <p:txEl>
-                                              <p:pRg st="6" end="6"/>
-                                            </p:txEl>
-                                          </p:spTgt>
-                                        </p:tgtEl>
-                                        <p:attrNameLst>
-                                          <p:attrName>style.visibility</p:attrName>
-                                        </p:attrNameLst>
-                                      </p:cBhvr>
-                                      <p:to>
-                                        <p:strVal val="visible"/>
-                                      </p:to>
-                                    </p:set>
-                                    <p:animEffect transition="in" filter="barn(outHorizontal)">
-                                      <p:cBhvr>
-                                        <p:cTn id="31" dur="500"/>
-                                        <p:tgtEl>
-                                          <p:spTgt spid="4">
-                                            <p:txEl>
-                                              <p:pRg st="6" end="6"/>
-                                            </p:txEl>
-                                          </p:spTgt>
-                                        </p:tgtEl>
-                                      </p:cBhvr>
-                                    </p:animEffect>
-                                  </p:childTnLst>
-                                </p:cTn>
-                              </p:par>
-                            </p:childTnLst>
-                          </p:cTn>
-                        </p:par>
-                        <p:par>
-                          <p:cTn id="32" fill="hold">
-                            <p:stCondLst>
-                              <p:cond delay="6500"/>
-                            </p:stCondLst>
-                            <p:childTnLst>
-                              <p:par>
-                                <p:cTn id="33" presetID="16" presetClass="entr" presetSubtype="42" fill="hold" nodeType="afterEffect">
-                                  <p:stCondLst>
-                                    <p:cond delay="0"/>
-                                  </p:stCondLst>
-                                  <p:childTnLst>
-                                    <p:set>
-                                      <p:cBhvr>
-                                        <p:cTn id="34" dur="1000" fill="hold">
-                                          <p:stCondLst>
-                                            <p:cond delay="0"/>
-                                          </p:stCondLst>
-                                        </p:cTn>
-                                        <p:tgtEl>
-                                          <p:spTgt spid="4">
-                                            <p:txEl>
-                                              <p:pRg st="7" end="7"/>
-                                            </p:txEl>
-                                          </p:spTgt>
-                                        </p:tgtEl>
-                                        <p:attrNameLst>
-                                          <p:attrName>style.visibility</p:attrName>
-                                        </p:attrNameLst>
-                                      </p:cBhvr>
-                                      <p:to>
-                                        <p:strVal val="visible"/>
-                                      </p:to>
-                                    </p:set>
-                                    <p:animEffect transition="in" filter="barn(outHorizontal)">
-                                      <p:cBhvr>
-                                        <p:cTn id="35" dur="1000"/>
-                                        <p:tgtEl>
-                                          <p:spTgt spid="4">
-                                            <p:txEl>
-                                              <p:pRg st="7" end="7"/>
-                                            </p:txEl>
-                                          </p:spTgt>
-                                        </p:tgtEl>
-                                      </p:cBhvr>
-                                    </p:animEffect>
-                                  </p:childTnLst>
-                                </p:cTn>
-                              </p:par>
-                            </p:childTnLst>
-                          </p:cTn>
-                        </p:par>
-                        <p:par>
-                          <p:cTn id="36" fill="hold">
-                            <p:stCondLst>
-                              <p:cond delay="7500"/>
-                            </p:stCondLst>
-                            <p:childTnLst>
-                              <p:par>
-                                <p:cTn id="37" presetID="16" presetClass="entr" presetSubtype="42" fill="hold" nodeType="afterEffect">
-                                  <p:stCondLst>
-                                    <p:cond delay="0"/>
-                                  </p:stCondLst>
-                                  <p:childTnLst>
-                                    <p:set>
-                                      <p:cBhvr>
-                                        <p:cTn id="38" dur="1000" fill="hold">
-                                          <p:stCondLst>
-                                            <p:cond delay="0"/>
-                                          </p:stCondLst>
-                                        </p:cTn>
-                                        <p:tgtEl>
-                                          <p:spTgt spid="4">
-                                            <p:txEl>
-                                              <p:pRg st="8" end="8"/>
-                                            </p:txEl>
-                                          </p:spTgt>
-                                        </p:tgtEl>
-                                        <p:attrNameLst>
-                                          <p:attrName>style.visibility</p:attrName>
-                                        </p:attrNameLst>
-                                      </p:cBhvr>
-                                      <p:to>
-                                        <p:strVal val="visible"/>
-                                      </p:to>
-                                    </p:set>
-                                    <p:animEffect transition="in" filter="barn(outHorizontal)">
-                                      <p:cBhvr>
-                                        <p:cTn id="39" dur="1000"/>
-                                        <p:tgtEl>
-                                          <p:spTgt spid="4">
-                                            <p:txEl>
-                                              <p:pRg st="8" end="8"/>
-                                            </p:txEl>
-                                          </p:spTgt>
-                                        </p:tgtEl>
-                                      </p:cBhvr>
-                                    </p:animEffect>
-                                  </p:childTnLst>
-                                </p:cTn>
-                              </p:par>
-                            </p:childTnLst>
-                          </p:cTn>
-                        </p:par>
-                        <p:par>
-                          <p:cTn id="40" fill="hold">
-                            <p:stCondLst>
-                              <p:cond delay="8500"/>
-                            </p:stCondLst>
-                            <p:childTnLst>
-                              <p:par>
-                                <p:cTn id="41" presetID="16" presetClass="entr" presetSubtype="42" fill="hold" nodeType="afterEffect">
-                                  <p:stCondLst>
-                                    <p:cond delay="0"/>
-                                  </p:stCondLst>
-                                  <p:childTnLst>
-                                    <p:set>
-                                      <p:cBhvr>
-                                        <p:cTn id="42" dur="1000" fill="hold">
-                                          <p:stCondLst>
-                                            <p:cond delay="0"/>
-                                          </p:stCondLst>
-                                        </p:cTn>
-                                        <p:tgtEl>
-                                          <p:spTgt spid="4">
-                                            <p:txEl>
-                                              <p:pRg st="9" end="9"/>
-                                            </p:txEl>
-                                          </p:spTgt>
-                                        </p:tgtEl>
-                                        <p:attrNameLst>
-                                          <p:attrName>style.visibility</p:attrName>
-                                        </p:attrNameLst>
-                                      </p:cBhvr>
-                                      <p:to>
-                                        <p:strVal val="visible"/>
-                                      </p:to>
-                                    </p:set>
-                                    <p:animEffect transition="in" filter="barn(outHorizontal)">
-                                      <p:cBhvr>
-                                        <p:cTn id="43" dur="1000"/>
-                                        <p:tgtEl>
-                                          <p:spTgt spid="4">
-                                            <p:txEl>
-                                              <p:pRg st="9" end="9"/>
-                                            </p:txEl>
-                                          </p:spTgt>
-                                        </p:tgtEl>
-                                      </p:cBhvr>
-                                    </p:animEffect>
-                                  </p:childTnLst>
-                                </p:cTn>
-                              </p:par>
-                            </p:childTnLst>
-                          </p:cTn>
-                        </p:par>
-                        <p:par>
-                          <p:cTn id="44" fill="hold">
-                            <p:stCondLst>
-                              <p:cond delay="9500"/>
-                            </p:stCondLst>
-                            <p:childTnLst>
-                              <p:par>
-                                <p:cTn id="45" presetID="16" presetClass="entr" presetSubtype="42" fill="hold" nodeType="afterEffect">
-                                  <p:stCondLst>
-                                    <p:cond delay="0"/>
-                                  </p:stCondLst>
-                                  <p:childTnLst>
-                                    <p:set>
-                                      <p:cBhvr>
-                                        <p:cTn id="46" dur="1000" fill="hold">
-                                          <p:stCondLst>
-                                            <p:cond delay="0"/>
-                                          </p:stCondLst>
-                                        </p:cTn>
-                                        <p:tgtEl>
-                                          <p:spTgt spid="4">
-                                            <p:txEl>
-                                              <p:pRg st="10" end="10"/>
-                                            </p:txEl>
-                                          </p:spTgt>
-                                        </p:tgtEl>
-                                        <p:attrNameLst>
-                                          <p:attrName>style.visibility</p:attrName>
-                                        </p:attrNameLst>
-                                      </p:cBhvr>
-                                      <p:to>
-                                        <p:strVal val="visible"/>
-                                      </p:to>
-                                    </p:set>
-                                    <p:animEffect transition="in" filter="barn(outHorizontal)">
-                                      <p:cBhvr>
-                                        <p:cTn id="47" dur="1000"/>
-                                        <p:tgtEl>
-                                          <p:spTgt spid="4">
-                                            <p:txEl>
-                                              <p:pRg st="10" end="10"/>
-                                            </p:txEl>
-                                          </p:spTgt>
-                                        </p:tgtEl>
-                                      </p:cBhvr>
-                                    </p:animEffect>
-                                  </p:childTnLst>
-                                </p:cTn>
-                              </p:par>
-                            </p:childTnLst>
-                          </p:cTn>
-                        </p:par>
-                      </p:childTnLst>
-                    </p:cTn>
-                  </p:par>
-                </p:childTnLst>
-              </p:cTn>
-              <p:prevCondLst>
-                <p:cond evt="onPrev" delay="0">
-                  <p:tgtEl>
-                    <p:sldTgt/>
-                  </p:tgtEl>
-                </p:cond>
-              </p:prevCondLst>
-              <p:nextCondLst>
-                <p:cond evt="onNext" delay="0">
-                  <p:tgtEl>
-                    <p:sldTgt/>
-                  </p:tgtEl>
-                </p:cond>
-              </p:nextCondLst>
-            </p:seq>
-          </p:childTnLst>
-        </p:cTn>
-      </p:par>
-    </p:tnLst>
-  </p:timing>
 </p:sld>
 </file>
 
@@ -5289,7 +4885,7 @@
               <a:rPr lang="en-US" altLang="zh-CN" sz="3600">
                 <a:solidFill>
                   <a:schemeClr val="accent1">
-                    <a:lumMod val="50000"/>
+                    <a:lumMod val="75000"/>
                   </a:schemeClr>
                 </a:solidFill>
               </a:rPr>
@@ -5299,7 +4895,7 @@
               <a:rPr lang="zh-CN" altLang="en-US" sz="3600">
                 <a:solidFill>
                   <a:schemeClr val="accent1">
-                    <a:lumMod val="50000"/>
+                    <a:lumMod val="75000"/>
                   </a:schemeClr>
                 </a:solidFill>
               </a:rPr>
@@ -5308,7 +4904,7 @@
             <a:endParaRPr lang="zh-CN" altLang="en-US" sz="3600">
               <a:solidFill>
                 <a:schemeClr val="accent1">
-                  <a:lumMod val="50000"/>
+                  <a:lumMod val="75000"/>
                 </a:schemeClr>
               </a:solidFill>
             </a:endParaRPr>
@@ -5322,7 +4918,7 @@
             <a:endParaRPr lang="zh-CN" altLang="en-US" sz="3600">
               <a:solidFill>
                 <a:schemeClr val="accent1">
-                  <a:lumMod val="50000"/>
+                  <a:lumMod val="75000"/>
                 </a:schemeClr>
               </a:solidFill>
             </a:endParaRPr>
@@ -5337,7 +4933,7 @@
               <a:rPr lang="en-US" altLang="zh-CN" sz="3600">
                 <a:solidFill>
                   <a:schemeClr val="accent1">
-                    <a:lumMod val="50000"/>
+                    <a:lumMod val="75000"/>
                   </a:schemeClr>
                 </a:solidFill>
               </a:rPr>
@@ -5347,16 +4943,16 @@
               <a:rPr lang="zh-CN" altLang="en-US" sz="3600">
                 <a:solidFill>
                   <a:schemeClr val="accent1">
-                    <a:lumMod val="50000"/>
+                    <a:lumMod val="75000"/>
                   </a:schemeClr>
                 </a:solidFill>
               </a:rPr>
               <a:t>你又将要如何坚持？</a:t>
             </a:r>
-            <a:endParaRPr lang="en-US" altLang="zh-CN" sz="3600">
+            <a:endParaRPr lang="zh-CN" altLang="en-US" sz="3600">
               <a:solidFill>
                 <a:schemeClr val="accent1">
-                  <a:lumMod val="50000"/>
+                  <a:lumMod val="75000"/>
                 </a:schemeClr>
               </a:solidFill>
             </a:endParaRPr>
@@ -7606,7 +7202,7 @@
         <p:spPr>
           <a:xfrm>
             <a:off x="648335" y="1923415"/>
-            <a:ext cx="11071225" cy="2861310"/>
+            <a:ext cx="11071225" cy="3415030"/>
           </a:xfrm>
           <a:prstGeom prst="rect">
             <a:avLst/>
@@ -7782,6 +7378,44 @@
                 </a:solidFill>
               </a:rPr>
               <a:t>读得最多的人获胜</a:t>
+            </a:r>
+            <a:endParaRPr lang="zh-CN" altLang="en-US" sz="3600">
+              <a:ln>
+                <a:noFill/>
+              </a:ln>
+              <a:solidFill>
+                <a:schemeClr val="accent1">
+                  <a:lumMod val="50000"/>
+                </a:schemeClr>
+              </a:solidFill>
+            </a:endParaRPr>
+          </a:p>
+          <a:p>
+            <a:r>
+              <a:rPr lang="en-US" altLang="zh-CN" sz="3600">
+                <a:ln>
+                  <a:noFill/>
+                </a:ln>
+                <a:solidFill>
+                  <a:schemeClr val="accent1">
+                    <a:lumMod val="50000"/>
+                  </a:schemeClr>
+                </a:solidFill>
+              </a:rPr>
+              <a:t>	</a:t>
+            </a:r>
+            <a:r>
+              <a:rPr lang="zh-CN" altLang="en-US" sz="3600">
+                <a:ln>
+                  <a:noFill/>
+                </a:ln>
+                <a:solidFill>
+                  <a:schemeClr val="accent1">
+                    <a:lumMod val="50000"/>
+                  </a:schemeClr>
+                </a:solidFill>
+              </a:rPr>
+              <a:t>如果挑战成功第一篇，可以选择挑战更长的文章</a:t>
             </a:r>
             <a:endParaRPr lang="zh-CN" altLang="en-US" sz="3600">
               <a:ln>
@@ -8711,6 +8345,184 @@
                             </p:childTnLst>
                           </p:cTn>
                         </p:par>
+                        <p:par>
+                          <p:cTn id="44" fill="hold">
+                            <p:stCondLst>
+                              <p:cond delay="5650"/>
+                            </p:stCondLst>
+                            <p:childTnLst>
+                              <p:par>
+                                <p:cTn id="45" presetID="41" presetClass="entr" presetSubtype="0" fill="hold" nodeType="afterEffect">
+                                  <p:stCondLst>
+                                    <p:cond delay="0"/>
+                                  </p:stCondLst>
+                                  <p:iterate type="lt">
+                                    <p:tmPct val="10000"/>
+                                  </p:iterate>
+                                  <p:childTnLst>
+                                    <p:set>
+                                      <p:cBhvr>
+                                        <p:cTn id="46" dur="1" fill="hold">
+                                          <p:stCondLst>
+                                            <p:cond delay="0"/>
+                                          </p:stCondLst>
+                                        </p:cTn>
+                                        <p:tgtEl>
+                                          <p:spTgt spid="4">
+                                            <p:txEl>
+                                              <p:pRg st="5" end="5"/>
+                                            </p:txEl>
+                                          </p:spTgt>
+                                        </p:tgtEl>
+                                        <p:attrNameLst>
+                                          <p:attrName>style.visibility</p:attrName>
+                                        </p:attrNameLst>
+                                      </p:cBhvr>
+                                      <p:to>
+                                        <p:strVal val="visible"/>
+                                      </p:to>
+                                    </p:set>
+                                    <p:anim calcmode="lin" valueType="num">
+                                      <p:cBhvr>
+                                        <p:cTn id="47" dur="500" fill="hold"/>
+                                        <p:tgtEl>
+                                          <p:spTgt spid="4">
+                                            <p:txEl>
+                                              <p:pRg st="5" end="5"/>
+                                            </p:txEl>
+                                          </p:spTgt>
+                                        </p:tgtEl>
+                                        <p:attrNameLst>
+                                          <p:attrName>ppt_x</p:attrName>
+                                        </p:attrNameLst>
+                                      </p:cBhvr>
+                                      <p:tavLst>
+                                        <p:tav tm="0">
+                                          <p:val>
+                                            <p:strVal val="#ppt_x"/>
+                                          </p:val>
+                                        </p:tav>
+                                        <p:tav tm="50000">
+                                          <p:val>
+                                            <p:strVal val="#ppt_x+.1"/>
+                                          </p:val>
+                                        </p:tav>
+                                        <p:tav tm="100000">
+                                          <p:val>
+                                            <p:strVal val="#ppt_x"/>
+                                          </p:val>
+                                        </p:tav>
+                                      </p:tavLst>
+                                    </p:anim>
+                                    <p:anim calcmode="lin" valueType="num">
+                                      <p:cBhvr>
+                                        <p:cTn id="48" dur="500" fill="hold"/>
+                                        <p:tgtEl>
+                                          <p:spTgt spid="4">
+                                            <p:txEl>
+                                              <p:pRg st="5" end="5"/>
+                                            </p:txEl>
+                                          </p:spTgt>
+                                        </p:tgtEl>
+                                        <p:attrNameLst>
+                                          <p:attrName>ppt_y</p:attrName>
+                                        </p:attrNameLst>
+                                      </p:cBhvr>
+                                      <p:tavLst>
+                                        <p:tav tm="0">
+                                          <p:val>
+                                            <p:strVal val="#ppt_y"/>
+                                          </p:val>
+                                        </p:tav>
+                                        <p:tav tm="100000">
+                                          <p:val>
+                                            <p:strVal val="#ppt_y"/>
+                                          </p:val>
+                                        </p:tav>
+                                      </p:tavLst>
+                                    </p:anim>
+                                    <p:anim calcmode="lin" valueType="num">
+                                      <p:cBhvr>
+                                        <p:cTn id="49" dur="500" fill="hold"/>
+                                        <p:tgtEl>
+                                          <p:spTgt spid="4">
+                                            <p:txEl>
+                                              <p:pRg st="5" end="5"/>
+                                            </p:txEl>
+                                          </p:spTgt>
+                                        </p:tgtEl>
+                                        <p:attrNameLst>
+                                          <p:attrName>ppt_h</p:attrName>
+                                        </p:attrNameLst>
+                                      </p:cBhvr>
+                                      <p:tavLst>
+                                        <p:tav tm="0">
+                                          <p:val>
+                                            <p:strVal val="#ppt_h/10"/>
+                                          </p:val>
+                                        </p:tav>
+                                        <p:tav tm="50000">
+                                          <p:val>
+                                            <p:strVal val="#ppt_h+.01"/>
+                                          </p:val>
+                                        </p:tav>
+                                        <p:tav tm="100000">
+                                          <p:val>
+                                            <p:strVal val="#ppt_h"/>
+                                          </p:val>
+                                        </p:tav>
+                                      </p:tavLst>
+                                    </p:anim>
+                                    <p:anim calcmode="lin" valueType="num">
+                                      <p:cBhvr>
+                                        <p:cTn id="50" dur="500" fill="hold"/>
+                                        <p:tgtEl>
+                                          <p:spTgt spid="4">
+                                            <p:txEl>
+                                              <p:pRg st="5" end="5"/>
+                                            </p:txEl>
+                                          </p:spTgt>
+                                        </p:tgtEl>
+                                        <p:attrNameLst>
+                                          <p:attrName>ppt_w</p:attrName>
+                                        </p:attrNameLst>
+                                      </p:cBhvr>
+                                      <p:tavLst>
+                                        <p:tav tm="0">
+                                          <p:val>
+                                            <p:strVal val="#ppt_w/10"/>
+                                          </p:val>
+                                        </p:tav>
+                                        <p:tav tm="50000">
+                                          <p:val>
+                                            <p:strVal val="#ppt_w+.01"/>
+                                          </p:val>
+                                        </p:tav>
+                                        <p:tav tm="100000">
+                                          <p:val>
+                                            <p:strVal val="#ppt_w"/>
+                                          </p:val>
+                                        </p:tav>
+                                      </p:tavLst>
+                                    </p:anim>
+                                    <p:animEffect transition="in" filter="fade">
+                                      <p:cBhvr>
+                                        <p:cTn id="51" dur="500" tmFilter="0,0; .5, 1; 1, 1"/>
+                                        <p:tgtEl>
+                                          <p:spTgt spid="4">
+                                            <p:txEl>
+                                              <p:pRg st="5" end="5"/>
+                                            </p:txEl>
+                                          </p:spTgt>
+                                        </p:tgtEl>
+                                      </p:cBhvr>
+                                    </p:animEffect>
+                                  </p:childTnLst>
+                                </p:cTn>
+                              </p:par>
+                            </p:childTnLst>
+                          </p:cTn>
+                        </p:par>
                       </p:childTnLst>
                     </p:cTn>
                   </p:par>
@@ -8779,8 +8591,7 @@
               </a:spcAft>
             </a:pPr>
             <a:r>
-              <a:rPr lang="" altLang="zh-CN" sz="4000">
-                <a:ln/>
+              <a:rPr lang="en-US" altLang="zh-CN" sz="4000">
                 <a:gradFill>
                   <a:gsLst>
                     <a:gs pos="0">
@@ -8807,7 +8618,7 @@
               </a:rPr>
               <a:t>Austria creates COVID stamp</a:t>
             </a:r>
-            <a:endParaRPr lang="" altLang="zh-CN" sz="4000">
+            <a:endParaRPr lang="en-US" altLang="zh-CN" sz="4000">
               <a:solidFill>
                 <a:schemeClr val="accent1">
                   <a:lumMod val="50000"/>
@@ -8822,19 +8633,19 @@
               </a:lnSpc>
             </a:pPr>
             <a:r>
-              <a:rPr lang="" altLang="zh-CN" sz="3200">
+              <a:rPr lang="en-US" altLang="zh-CN" sz="3200">
                 <a:solidFill>
                   <a:schemeClr val="accent1">
-                    <a:lumMod val="50000"/>
+                    <a:lumMod val="75000"/>
                   </a:schemeClr>
                 </a:solidFill>
               </a:rPr>
               <a:t>  You might remember seeing pictures of empty store shelves in some countries earlier this year.People were panic-buying food, soap and even toilet paper during the COVID-19 pandemic.</a:t>
             </a:r>
-            <a:endParaRPr lang="" altLang="zh-CN" sz="3200">
+            <a:endParaRPr lang="en-US" altLang="zh-CN" sz="3200">
               <a:solidFill>
                 <a:schemeClr val="accent1">
-                  <a:lumMod val="50000"/>
+                  <a:lumMod val="75000"/>
                 </a:schemeClr>
               </a:solidFill>
             </a:endParaRPr>
@@ -8846,19 +8657,19 @@
               </a:lnSpc>
             </a:pPr>
             <a:r>
-              <a:rPr lang="" altLang="zh-CN" sz="3200">
+              <a:rPr lang="en-US" altLang="zh-CN" sz="3200">
                 <a:solidFill>
                   <a:schemeClr val="accent1">
-                    <a:lumMod val="50000"/>
+                    <a:lumMod val="75000"/>
                   </a:schemeClr>
                 </a:solidFill>
               </a:rPr>
               <a:t>  In memory of this, Austria made a toilet paper stamp. Each stamp is about 10 cm long, the same size and shape of a single sheet of toilet paper.</a:t>
             </a:r>
-            <a:endParaRPr lang="" altLang="zh-CN" sz="3200">
+            <a:endParaRPr lang="en-US" altLang="zh-CN" sz="3200">
               <a:solidFill>
                 <a:schemeClr val="accent1">
-                  <a:lumMod val="50000"/>
+                  <a:lumMod val="75000"/>
                 </a:schemeClr>
               </a:solidFill>
             </a:endParaRPr>
@@ -8870,39 +8681,59 @@
               </a:lnSpc>
             </a:pPr>
             <a:r>
-              <a:rPr lang="" altLang="zh-CN" sz="3200">
+              <a:rPr lang="en-US" altLang="zh-CN" sz="3200">
                 <a:solidFill>
                   <a:schemeClr val="accent1">
-                    <a:lumMod val="50000"/>
+                    <a:lumMod val="75000"/>
                   </a:schemeClr>
                 </a:solidFill>
               </a:rPr>
               <a:t>  There is a picture of the COVID-19 pathogen(</a:t>
             </a:r>
             <a:r>
-              <a:rPr lang="zh-CN" altLang="" sz="3200">
+              <a:rPr lang="zh-CN" altLang="en-US" sz="3200">
                 <a:solidFill>
                   <a:schemeClr val="accent1">
-                    <a:lumMod val="50000"/>
+                    <a:lumMod val="75000"/>
                   </a:schemeClr>
                 </a:solidFill>
               </a:rPr>
               <a:t>病原体</a:t>
             </a:r>
             <a:r>
-              <a:rPr lang="" altLang="zh-CN" sz="3200">
+              <a:rPr lang="en-US" altLang="zh-CN" sz="3200">
                 <a:solidFill>
                   <a:schemeClr val="accent1">
-                    <a:lumMod val="50000"/>
+                    <a:lumMod val="75000"/>
                   </a:schemeClr>
                 </a:solidFill>
               </a:rPr>
-              <a:t>) and a baby elephant on the stamp. On average, a baby elephant is one meter long. The pictuire remind people to stay one meter away from each other in public areas.</a:t>
-            </a:r>
-            <a:endParaRPr lang="" altLang="zh-CN" sz="3200">
+              <a:t>) and a baby elephant on the stamp. On average, a baby elephant is one meter long. The pictu</a:t>
+            </a:r>
+            <a:r>
+              <a:rPr lang="" altLang="en-US" sz="3200">
+                <a:solidFill>
+                  <a:schemeClr val="accent1">
+                    <a:lumMod val="75000"/>
+                  </a:schemeClr>
+                </a:solidFill>
+              </a:rPr>
+              <a:t>r</a:t>
+            </a:r>
+            <a:r>
+              <a:rPr lang="en-US" altLang="zh-CN" sz="3200">
+                <a:solidFill>
+                  <a:schemeClr val="accent1">
+                    <a:lumMod val="75000"/>
+                  </a:schemeClr>
+                </a:solidFill>
+              </a:rPr>
+              <a:t>e remind people to stay one meter away from each other in public areas.</a:t>
+            </a:r>
+            <a:endParaRPr lang="en-US" altLang="zh-CN" sz="3200">
               <a:solidFill>
                 <a:schemeClr val="accent1">
-                  <a:lumMod val="50000"/>
+                  <a:lumMod val="75000"/>
                 </a:schemeClr>
               </a:solidFill>
             </a:endParaRPr>
@@ -9218,8 +9049,8 @@
         </p:nvSpPr>
         <p:spPr>
           <a:xfrm>
-            <a:off x="2454275" y="2411095"/>
-            <a:ext cx="8836660" cy="2861310"/>
+            <a:off x="753745" y="367030"/>
+            <a:ext cx="10684510" cy="6436995"/>
           </a:xfrm>
           <a:prstGeom prst="rect">
             <a:avLst/>
@@ -9231,135 +9062,16 @@
             <a:spAutoFit/>
           </a:bodyPr>
           <a:p>
-            <a:r>
-              <a:rPr lang="en-US" altLang="zh-CN" sz="3600">
-                <a:solidFill>
-                  <a:schemeClr val="accent1">
-                    <a:lumMod val="50000"/>
-                  </a:schemeClr>
-                </a:solidFill>
-              </a:rPr>
-              <a:t>1. </a:t>
-            </a:r>
-            <a:r>
-              <a:rPr lang="zh-CN" altLang="en-US" sz="3600">
-                <a:solidFill>
-                  <a:schemeClr val="accent1">
-                    <a:lumMod val="50000"/>
-                  </a:schemeClr>
-                </a:solidFill>
-              </a:rPr>
-              <a:t>你们是怎么坚持下来的？</a:t>
-            </a:r>
-            <a:endParaRPr lang="zh-CN" altLang="en-US" sz="3600">
-              <a:solidFill>
-                <a:schemeClr val="accent1">
-                  <a:lumMod val="50000"/>
-                </a:schemeClr>
-              </a:solidFill>
-            </a:endParaRPr>
-          </a:p>
-          <a:p>
-            <a:endParaRPr lang="zh-CN" altLang="en-US" sz="3600">
-              <a:solidFill>
-                <a:schemeClr val="accent1">
-                  <a:lumMod val="50000"/>
-                </a:schemeClr>
-              </a:solidFill>
-            </a:endParaRPr>
-          </a:p>
-          <a:p>
-            <a:r>
-              <a:rPr lang="en-US" altLang="zh-CN" sz="3600">
-                <a:solidFill>
-                  <a:schemeClr val="accent1">
-                    <a:lumMod val="50000"/>
-                  </a:schemeClr>
-                </a:solidFill>
-              </a:rPr>
-              <a:t>2. </a:t>
-            </a:r>
-            <a:r>
-              <a:rPr lang="zh-CN" altLang="en-US" sz="3600">
-                <a:solidFill>
-                  <a:schemeClr val="accent1">
-                    <a:lumMod val="50000"/>
-                  </a:schemeClr>
-                </a:solidFill>
-              </a:rPr>
-              <a:t>为什么又坚持不了？</a:t>
-            </a:r>
-            <a:endParaRPr lang="zh-CN" altLang="en-US" sz="3600">
-              <a:solidFill>
-                <a:schemeClr val="accent1">
-                  <a:lumMod val="50000"/>
-                </a:schemeClr>
-              </a:solidFill>
-            </a:endParaRPr>
-          </a:p>
-          <a:p>
-            <a:endParaRPr lang="zh-CN" altLang="en-US" sz="3600">
-              <a:solidFill>
-                <a:schemeClr val="accent1">
-                  <a:lumMod val="50000"/>
-                </a:schemeClr>
-              </a:solidFill>
-            </a:endParaRPr>
-          </a:p>
-          <a:p>
-            <a:r>
-              <a:rPr lang="en-US" altLang="zh-CN" sz="3600">
-                <a:solidFill>
-                  <a:schemeClr val="accent1">
-                    <a:lumMod val="50000"/>
-                  </a:schemeClr>
-                </a:solidFill>
-              </a:rPr>
-              <a:t>3. </a:t>
-            </a:r>
-            <a:r>
-              <a:rPr lang="zh-CN" altLang="en-US" sz="3600">
-                <a:solidFill>
-                  <a:schemeClr val="accent1">
-                    <a:lumMod val="50000"/>
-                  </a:schemeClr>
-                </a:solidFill>
-              </a:rPr>
-              <a:t>谈谈你在生活中又是如何坚持的</a:t>
-            </a:r>
-            <a:endParaRPr lang="zh-CN" altLang="en-US" sz="3600">
-              <a:solidFill>
-                <a:schemeClr val="accent1">
-                  <a:lumMod val="50000"/>
-                </a:schemeClr>
-              </a:solidFill>
-            </a:endParaRPr>
-          </a:p>
-        </p:txBody>
-      </p:sp>
-      <p:sp>
-        <p:nvSpPr>
-          <p:cNvPr id="5" name="Text Box 4"/>
-          <p:cNvSpPr txBox="true"/>
-          <p:nvPr/>
-        </p:nvSpPr>
-        <p:spPr>
-          <a:xfrm>
-            <a:off x="1286510" y="794385"/>
-            <a:ext cx="4307205" cy="829945"/>
-          </a:xfrm>
-          <a:prstGeom prst="rect">
-            <a:avLst/>
-          </a:prstGeom>
-          <a:noFill/>
-        </p:spPr>
-        <p:txBody>
-          <a:bodyPr wrap="square" rtlCol="0">
-            <a:spAutoFit/>
-          </a:bodyPr>
-          <a:p>
-            <a:r>
-              <a:rPr lang="zh-CN" altLang="en-US" sz="4800" b="1">
+            <a:pPr algn="ctr" fontAlgn="auto">
+              <a:lnSpc>
+                <a:spcPct val="120000"/>
+              </a:lnSpc>
+              <a:spcAft>
+                <a:spcPts val="1800"/>
+              </a:spcAft>
+            </a:pPr>
+            <a:r>
+              <a:rPr lang="" altLang="en-US" sz="4000">
                 <a:gradFill>
                   <a:gsLst>
                     <a:gs pos="0">
@@ -9368,12 +9080,13 @@
                       </a:schemeClr>
                     </a:gs>
                     <a:gs pos="50000">
-                      <a:schemeClr val="accent5"/>
+                      <a:schemeClr val="accent1">
+                        <a:lumMod val="75000"/>
+                      </a:schemeClr>
                     </a:gs>
                     <a:gs pos="100000">
                       <a:schemeClr val="accent5">
-                        <a:lumMod val="60000"/>
-                        <a:lumOff val="40000"/>
+                        <a:lumMod val="86000"/>
                       </a:schemeClr>
                     </a:gs>
                   </a:gsLst>
@@ -9383,31 +9096,134 @@
                   <a:reflection blurRad="6350" stA="53000" endA="300" endPos="35500" dir="5400000" sy="-90000" algn="bl" rotWithShape="0"/>
                 </a:effectLst>
               </a:rPr>
-              <a:t>小组分享</a:t>
-            </a:r>
-            <a:endParaRPr lang="zh-CN" altLang="en-US" sz="4800" b="1">
-              <a:gradFill>
-                <a:gsLst>
-                  <a:gs pos="0">
-                    <a:schemeClr val="accent5">
-                      <a:lumMod val="50000"/>
-                    </a:schemeClr>
-                  </a:gs>
-                  <a:gs pos="50000">
-                    <a:schemeClr val="accent5"/>
-                  </a:gs>
-                  <a:gs pos="100000">
-                    <a:schemeClr val="accent5">
-                      <a:lumMod val="60000"/>
-                      <a:lumOff val="40000"/>
-                    </a:schemeClr>
-                  </a:gs>
-                </a:gsLst>
-                <a:lin ang="5400000"/>
-              </a:gradFill>
-              <a:effectLst>
-                <a:reflection blurRad="6350" stA="53000" endA="300" endPos="35500" dir="5400000" sy="-90000" algn="bl" rotWithShape="0"/>
-              </a:effectLst>
+              <a:t>Playing with a penguin</a:t>
+            </a:r>
+            <a:endParaRPr lang="en-US" altLang="zh-CN" sz="4000">
+              <a:solidFill>
+                <a:schemeClr val="accent1">
+                  <a:lumMod val="50000"/>
+                </a:schemeClr>
+              </a:solidFill>
+            </a:endParaRPr>
+          </a:p>
+          <a:p>
+            <a:pPr algn="l" fontAlgn="auto">
+              <a:lnSpc>
+                <a:spcPct val="84000"/>
+              </a:lnSpc>
+            </a:pPr>
+            <a:r>
+              <a:rPr lang="" altLang="en-US" sz="3200">
+                <a:solidFill>
+                  <a:schemeClr val="accent1">
+                    <a:lumMod val="75000"/>
+                  </a:schemeClr>
+                </a:solidFill>
+              </a:rPr>
+              <a:t> A man was driving down the highway with his pet penguin when he got pulled over by a police officer for speeding.</a:t>
+            </a:r>
+            <a:endParaRPr lang="" altLang="en-US" sz="3200">
+              <a:solidFill>
+                <a:schemeClr val="accent1">
+                  <a:lumMod val="75000"/>
+                </a:schemeClr>
+              </a:solidFill>
+            </a:endParaRPr>
+          </a:p>
+          <a:p>
+            <a:pPr algn="l" fontAlgn="auto">
+              <a:lnSpc>
+                <a:spcPct val="84000"/>
+              </a:lnSpc>
+            </a:pPr>
+            <a:r>
+              <a:rPr lang="" altLang="en-US" sz="3200">
+                <a:solidFill>
+                  <a:schemeClr val="accent1">
+                    <a:lumMod val="75000"/>
+                  </a:schemeClr>
+                </a:solidFill>
+              </a:rPr>
+              <a:t>  After the cop handed the speeding ticket to the driver, he noticed the penguin. He told the driver that he must take the penguin to the zoo. The driver agreed to do so.</a:t>
+            </a:r>
+            <a:endParaRPr lang="" altLang="en-US" sz="3200">
+              <a:solidFill>
+                <a:schemeClr val="accent1">
+                  <a:lumMod val="75000"/>
+                </a:schemeClr>
+              </a:solidFill>
+            </a:endParaRPr>
+          </a:p>
+          <a:p>
+            <a:pPr algn="l" fontAlgn="auto">
+              <a:lnSpc>
+                <a:spcPct val="84000"/>
+              </a:lnSpc>
+            </a:pPr>
+            <a:r>
+              <a:rPr lang="" altLang="en-US" sz="3200">
+                <a:solidFill>
+                  <a:schemeClr val="accent1">
+                    <a:lumMod val="75000"/>
+                  </a:schemeClr>
+                </a:solidFill>
+              </a:rPr>
+              <a:t>  Two months later, the same driver was pulled over by the same cop for speeding. The cop saw the penguin again, only this time it was wearing sunglasses and eating ice cream.</a:t>
+            </a:r>
+            <a:endParaRPr lang="" altLang="en-US" sz="3200">
+              <a:solidFill>
+                <a:schemeClr val="accent1">
+                  <a:lumMod val="75000"/>
+                </a:schemeClr>
+              </a:solidFill>
+            </a:endParaRPr>
+          </a:p>
+          <a:p>
+            <a:pPr algn="l" fontAlgn="auto">
+              <a:lnSpc>
+                <a:spcPct val="84000"/>
+              </a:lnSpc>
+            </a:pPr>
+            <a:r>
+              <a:rPr lang="" altLang="en-US" sz="3200">
+                <a:solidFill>
+                  <a:schemeClr val="accent1">
+                    <a:lumMod val="75000"/>
+                  </a:schemeClr>
+                </a:solidFill>
+              </a:rPr>
+              <a:t>  The cop said, “I thought I told you to take the penguin to the zoo”.</a:t>
+            </a:r>
+            <a:endParaRPr lang="" altLang="en-US" sz="3200">
+              <a:solidFill>
+                <a:schemeClr val="accent1">
+                  <a:lumMod val="75000"/>
+                </a:schemeClr>
+              </a:solidFill>
+            </a:endParaRPr>
+          </a:p>
+          <a:p>
+            <a:pPr algn="l" fontAlgn="auto">
+              <a:lnSpc>
+                <a:spcPct val="84000"/>
+              </a:lnSpc>
+            </a:pPr>
+            <a:r>
+              <a:rPr lang="" altLang="en-US" sz="3200">
+                <a:solidFill>
+                  <a:schemeClr val="accent1">
+                    <a:lumMod val="75000"/>
+                  </a:schemeClr>
+                </a:solidFill>
+              </a:rPr>
+              <a:t>  The man replied, “I did take it to the zoo. Now I’m taking it to the beach.”</a:t>
+            </a:r>
+            <a:endParaRPr lang="" altLang="en-US" sz="3200">
+              <a:solidFill>
+                <a:schemeClr val="accent1">
+                  <a:lumMod val="75000"/>
+                </a:schemeClr>
+              </a:solidFill>
             </a:endParaRPr>
           </a:p>
         </p:txBody>
@@ -9444,10 +9260,13 @@
                             </p:stCondLst>
                             <p:childTnLst>
                               <p:par>
-                                <p:cTn id="5" presetID="7" presetClass="entr" presetSubtype="2" fill="hold" nodeType="afterEffect">
+                                <p:cTn id="5" presetID="40" presetClass="entr" presetSubtype="0" fill="hold" nodeType="withEffect">
                                   <p:stCondLst>
-                                    <p:cond delay="1000"/>
+                                    <p:cond delay="0"/>
                                   </p:stCondLst>
+                                  <p:iterate type="lt">
+                                    <p:tmPct val="7000"/>
+                                  </p:iterate>
                                   <p:childTnLst>
                                     <p:set>
                                       <p:cBhvr>
@@ -9471,9 +9290,21 @@
                                         <p:strVal val="visible"/>
                                       </p:to>
                                     </p:set>
+                                    <p:animEffect transition="in" filter="fade">
+                                      <p:cBhvr>
+                                        <p:cTn id="7" dur="1000"/>
+                                        <p:tgtEl>
+                                          <p:spTgt spid="4">
+                                            <p:txEl>
+                                              <p:pRg st="0" end="0"/>
+                                            </p:txEl>
+                                          </p:spTgt>
+                                        </p:tgtEl>
+                                      </p:cBhvr>
+                                    </p:animEffect>
                                     <p:anim calcmode="lin" valueType="num">
-                                      <p:cBhvr additive="base">
-                                        <p:cTn id="7" dur="1000" fill="hold"/>
+                                      <p:cBhvr>
+                                        <p:cTn id="8" dur="1000" fill="hold"/>
                                         <p:tgtEl>
                                           <p:spTgt spid="4">
                                             <p:txEl>
@@ -9486,12 +9317,12 @@
                                         </p:attrNameLst>
                                       </p:cBhvr>
                                       <p:tavLst>
-                                        <p:tav tm="0" fmla="">
+                                        <p:tav tm="0">
                                           <p:val>
-                                            <p:strVal val="1+#ppt_w/2"/>
+                                            <p:strVal val="#ppt_x-.1"/>
                                           </p:val>
                                         </p:tav>
-                                        <p:tav tm="100000" fmla="">
+                                        <p:tav tm="100000">
                                           <p:val>
                                             <p:strVal val="#ppt_x"/>
                                           </p:val>
@@ -9499,8 +9330,8 @@
                                       </p:tavLst>
                                     </p:anim>
                                     <p:anim calcmode="lin" valueType="num">
-                                      <p:cBhvr additive="base">
-                                        <p:cTn id="8" dur="1000" fill="hold"/>
+                                      <p:cBhvr>
+                                        <p:cTn id="9" dur="1000" fill="hold"/>
                                         <p:tgtEl>
                                           <p:spTgt spid="4">
                                             <p:txEl>
@@ -9513,12 +9344,12 @@
                                         </p:attrNameLst>
                                       </p:cBhvr>
                                       <p:tavLst>
-                                        <p:tav tm="0" fmla="">
+                                        <p:tav tm="0">
                                           <p:val>
                                             <p:strVal val="#ppt_y"/>
                                           </p:val>
                                         </p:tav>
-                                        <p:tav tm="100000" fmla="">
+                                        <p:tav tm="100000">
                                           <p:val>
                                             <p:strVal val="#ppt_y"/>
                                           </p:val>
@@ -9529,14 +9360,57 @@
                                 </p:cTn>
                               </p:par>
                               <p:par>
-                                <p:cTn id="9" presetID="8" presetClass="entr" presetSubtype="16" fill="hold" nodeType="withEffect">
+                                <p:cTn id="10" presetID="8" presetClass="entr" presetSubtype="16" fill="hold" nodeType="withEffect">
                                   <p:stCondLst>
-                                    <p:cond delay="1500"/>
+                                    <p:cond delay="500"/>
                                   </p:stCondLst>
                                   <p:childTnLst>
                                     <p:set>
                                       <p:cBhvr>
-                                        <p:cTn id="10" dur="1000" fill="hold">
+                                        <p:cTn id="11" dur="2000" fill="hold">
+                                          <p:stCondLst>
+                                            <p:cond delay="0"/>
+                                          </p:stCondLst>
+                                        </p:cTn>
+                                        <p:tgtEl>
+                                          <p:spTgt spid="4">
+                                            <p:txEl>
+                                              <p:pRg st="1" end="1"/>
+                                            </p:txEl>
+                                          </p:spTgt>
+                                        </p:tgtEl>
+                                        <p:attrNameLst>
+                                          <p:attrName>style.visibility</p:attrName>
+                                        </p:attrNameLst>
+                                      </p:cBhvr>
+                                      <p:to>
+                                        <p:strVal val="visible"/>
+                                      </p:to>
+                                    </p:set>
+                                    <p:animEffect transition="in" filter="diamond(in)">
+                                      <p:cBhvr>
+                                        <p:cTn id="12" dur="2000"/>
+                                        <p:tgtEl>
+                                          <p:spTgt spid="4">
+                                            <p:txEl>
+                                              <p:pRg st="1" end="1"/>
+                                            </p:txEl>
+                                          </p:spTgt>
+                                        </p:tgtEl>
+                                      </p:cBhvr>
+                                    </p:animEffect>
+                                  </p:childTnLst>
+                                </p:cTn>
+                              </p:par>
+                              <p:par>
+                                <p:cTn id="13" presetID="8" presetClass="entr" presetSubtype="16" fill="hold" nodeType="withEffect">
+                                  <p:stCondLst>
+                                    <p:cond delay="500"/>
+                                  </p:stCondLst>
+                                  <p:childTnLst>
+                                    <p:set>
+                                      <p:cBhvr>
+                                        <p:cTn id="14" dur="2000" fill="hold">
                                           <p:stCondLst>
                                             <p:cond delay="0"/>
                                           </p:stCondLst>
@@ -9558,7 +9432,7 @@
                                     </p:set>
                                     <p:animEffect transition="in" filter="diamond(in)">
                                       <p:cBhvr>
-                                        <p:cTn id="11" dur="1000"/>
+                                        <p:cTn id="15" dur="2000"/>
                                         <p:tgtEl>
                                           <p:spTgt spid="4">
                                             <p:txEl>
@@ -9572,14 +9446,14 @@
                                 </p:cTn>
                               </p:par>
                               <p:par>
-                                <p:cTn id="12" presetID="12" presetClass="entr" presetSubtype="4" fill="hold" nodeType="withEffect">
+                                <p:cTn id="16" presetID="8" presetClass="entr" presetSubtype="16" fill="hold" nodeType="withEffect">
                                   <p:stCondLst>
-                                    <p:cond delay="2000"/>
+                                    <p:cond delay="500"/>
                                   </p:stCondLst>
                                   <p:childTnLst>
                                     <p:set>
                                       <p:cBhvr>
-                                        <p:cTn id="13" dur="1000" fill="hold">
+                                        <p:cTn id="17" dur="2000" fill="hold">
                                           <p:stCondLst>
                                             <p:cond delay="0"/>
                                           </p:stCondLst>
@@ -9599,9 +9473,9 @@
                                         <p:strVal val="visible"/>
                                       </p:to>
                                     </p:set>
-                                    <p:anim calcmode="lin" valueType="num">
-                                      <p:cBhvr additive="base">
-                                        <p:cTn id="14" dur="1000"/>
+                                    <p:animEffect transition="in" filter="diamond(in)">
+                                      <p:cBhvr>
+                                        <p:cTn id="18" dur="2000"/>
                                         <p:tgtEl>
                                           <p:spTgt spid="4">
                                             <p:txEl>
@@ -9609,30 +9483,89 @@
                                             </p:txEl>
                                           </p:spTgt>
                                         </p:tgtEl>
-                                        <p:attrNameLst>
-                                          <p:attrName>ppt_y</p:attrName>
-                                        </p:attrNameLst>
                                       </p:cBhvr>
-                                      <p:tavLst>
-                                        <p:tav tm="0">
-                                          <p:val>
-                                            <p:strVal val="#ppt_y+#ppt_h*1.125000"/>
-                                          </p:val>
-                                        </p:tav>
-                                        <p:tav tm="100000">
-                                          <p:val>
-                                            <p:strVal val="#ppt_y"/>
-                                          </p:val>
-                                        </p:tav>
-                                      </p:tavLst>
-                                    </p:anim>
-                                    <p:animEffect transition="in" filter="wipe(up)">
+                                    </p:animEffect>
+                                  </p:childTnLst>
+                                </p:cTn>
+                              </p:par>
+                              <p:par>
+                                <p:cTn id="19" presetID="8" presetClass="entr" presetSubtype="16" fill="hold" nodeType="withEffect">
+                                  <p:stCondLst>
+                                    <p:cond delay="500"/>
+                                  </p:stCondLst>
+                                  <p:childTnLst>
+                                    <p:set>
                                       <p:cBhvr>
-                                        <p:cTn id="15" dur="1000"/>
+                                        <p:cTn id="20" dur="2000" fill="hold">
+                                          <p:stCondLst>
+                                            <p:cond delay="0"/>
+                                          </p:stCondLst>
+                                        </p:cTn>
                                         <p:tgtEl>
                                           <p:spTgt spid="4">
                                             <p:txEl>
-                                              <p:pRg st="4" end="4"/>
+                                              <p:pRg st="3" end="3"/>
+                                            </p:txEl>
+                                          </p:spTgt>
+                                        </p:tgtEl>
+                                        <p:attrNameLst>
+                                          <p:attrName>style.visibility</p:attrName>
+                                        </p:attrNameLst>
+                                      </p:cBhvr>
+                                      <p:to>
+                                        <p:strVal val="visible"/>
+                                      </p:to>
+                                    </p:set>
+                                    <p:animEffect transition="in" filter="diamond(in)">
+                                      <p:cBhvr>
+                                        <p:cTn id="21" dur="2000"/>
+                                        <p:tgtEl>
+                                          <p:spTgt spid="4">
+                                            <p:txEl>
+                                              <p:pRg st="3" end="3"/>
+                                            </p:txEl>
+                                          </p:spTgt>
+                                        </p:tgtEl>
+                                      </p:cBhvr>
+                                    </p:animEffect>
+                                  </p:childTnLst>
+                                </p:cTn>
+                              </p:par>
+                              <p:par>
+                                <p:cTn id="22" presetID="8" presetClass="entr" presetSubtype="16" fill="hold" nodeType="withEffect">
+                                  <p:stCondLst>
+                                    <p:cond delay="500"/>
+                                  </p:stCondLst>
+                                  <p:childTnLst>
+                                    <p:set>
+                                      <p:cBhvr>
+                                        <p:cTn id="23" dur="2000" fill="hold">
+                                          <p:stCondLst>
+                                            <p:cond delay="0"/>
+                                          </p:stCondLst>
+                                        </p:cTn>
+                                        <p:tgtEl>
+                                          <p:spTgt spid="4">
+                                            <p:txEl>
+                                              <p:pRg st="5" end="5"/>
+                                            </p:txEl>
+                                          </p:spTgt>
+                                        </p:tgtEl>
+                                        <p:attrNameLst>
+                                          <p:attrName>style.visibility</p:attrName>
+                                        </p:attrNameLst>
+                                      </p:cBhvr>
+                                      <p:to>
+                                        <p:strVal val="visible"/>
+                                      </p:to>
+                                    </p:set>
+                                    <p:animEffect transition="in" filter="diamond(in)">
+                                      <p:cBhvr>
+                                        <p:cTn id="24" dur="2000"/>
+                                        <p:tgtEl>
+                                          <p:spTgt spid="4">
+                                            <p:txEl>
+                                              <p:pRg st="5" end="5"/>
                                             </p:txEl>
                                           </p:spTgt>
                                         </p:tgtEl>

--- a/坚持.pptx
+++ b/坚持.pptx
@@ -5,10 +5,10 @@
     <p:sldMasterId id="2147483648" r:id="rId1"/>
   </p:sldMasterIdLst>
   <p:notesMasterIdLst>
-    <p:notesMasterId r:id="rId18"/>
+    <p:notesMasterId r:id="rId19"/>
   </p:notesMasterIdLst>
   <p:handoutMasterIdLst>
-    <p:handoutMasterId r:id="rId19"/>
+    <p:handoutMasterId r:id="rId20"/>
   </p:handoutMasterIdLst>
   <p:sldIdLst>
     <p:sldId id="256" r:id="rId3"/>
@@ -21,11 +21,12 @@
     <p:sldId id="297" r:id="rId10"/>
     <p:sldId id="305" r:id="rId11"/>
     <p:sldId id="275" r:id="rId12"/>
-    <p:sldId id="259" r:id="rId13"/>
-    <p:sldId id="261" r:id="rId14"/>
-    <p:sldId id="285" r:id="rId15"/>
-    <p:sldId id="277" r:id="rId16"/>
-    <p:sldId id="278" r:id="rId17"/>
+    <p:sldId id="312" r:id="rId13"/>
+    <p:sldId id="259" r:id="rId14"/>
+    <p:sldId id="261" r:id="rId15"/>
+    <p:sldId id="285" r:id="rId16"/>
+    <p:sldId id="277" r:id="rId17"/>
+    <p:sldId id="278" r:id="rId18"/>
   </p:sldIdLst>
   <p:sldSz cx="12192000" cy="6858000"/>
   <p:notesSz cx="7103745" cy="10234295"/>
@@ -147,10 +148,15 @@
         </p14:section>
         <p14:section name="游戏" id="{31574325-10de-4d02-82e4-eb85caf11fd1}">
           <p14:sldIdLst>
+            <p14:sldId id="268"/>
             <p14:sldId id="297"/>
-            <p14:sldId id="268"/>
             <p14:sldId id="305"/>
             <p14:sldId id="275"/>
+          </p14:sldIdLst>
+        </p14:section>
+        <p14:section name="剪辑的视频" id="{d8873243-3635-435b-a21d-6ffd8896ddc8}">
+          <p14:sldIdLst>
+            <p14:sldId id="312"/>
           </p14:sldIdLst>
         </p14:section>
         <p14:section name="狄更斯" id="{ac32b775-c28d-457f-b24f-26f493094af9}">
@@ -4321,6 +4327,151 @@
         <p:nvPr/>
       </p:nvGrpSpPr>
       <p:grpSpPr/>
+      <p:pic>
+        <p:nvPicPr>
+          <p:cNvPr id="4" name="合并视频">
+            <a:hlinkClick r:id="" action="ppaction://media"/>
+          </p:cNvPr>
+          <p:cNvPicPr/>
+          <p:nvPr>
+            <p:ph idx="1"/>
+            <a:videoFile r:link="rId1"/>
+            <p:extLst>
+              <p:ext uri="{DAA4B4D4-6D71-4841-9C94-3DE7FCFB9230}">
+                <p14:media xmlns:p14="http://schemas.microsoft.com/office/powerpoint/2010/main" r:link="rId2"/>
+              </p:ext>
+            </p:extLst>
+          </p:nvPr>
+        </p:nvPicPr>
+        <p:blipFill>
+          <a:blip r:embed="rId3"/>
+          <a:stretch>
+            <a:fillRect/>
+          </a:stretch>
+        </p:blipFill>
+        <p:spPr>
+          <a:xfrm>
+            <a:off x="4206875" y="100965"/>
+            <a:ext cx="3778250" cy="6656070"/>
+          </a:xfrm>
+          <a:prstGeom prst="rect">
+            <a:avLst/>
+          </a:prstGeom>
+        </p:spPr>
+      </p:pic>
+    </p:spTree>
+  </p:cSld>
+  <p:clrMapOvr>
+    <a:masterClrMapping/>
+  </p:clrMapOvr>
+  <p:transition>
+    <p:fade/>
+  </p:transition>
+  <p:timing>
+    <p:tnLst>
+      <p:par>
+        <p:cTn id="1" dur="indefinite" restart="never" nodeType="tmRoot">
+          <p:childTnLst>
+            <p:video fullScrn="false">
+              <p:cMediaNode>
+                <p:cTn id="2" fill="hold" display="1">
+                  <p:stCondLst>
+                    <p:cond delay="indefinite"/>
+                  </p:stCondLst>
+                  <p:endCondLst>
+                    <p:cond evt="onNext">
+                      <p:tgtEl>
+                        <p:sldTgt/>
+                      </p:tgtEl>
+                    </p:cond>
+                    <p:cond evt="onPrev">
+                      <p:tgtEl>
+                        <p:sldTgt/>
+                      </p:tgtEl>
+                    </p:cond>
+                  </p:endCondLst>
+                </p:cTn>
+                <p:tgtEl>
+                  <p:spTgt spid="4"/>
+                </p:tgtEl>
+              </p:cMediaNode>
+            </p:video>
+            <p:seq concurrent="1" nextAc="seek">
+              <p:cTn id="3" restart="whenNotActive" fill="hold" evtFilter="cancelBubble" nodeType="interactiveSeq">
+                <p:stCondLst>
+                  <p:cond evt="onClick" delay="0">
+                    <p:tgtEl>
+                      <p:spTgt spid="4"/>
+                    </p:tgtEl>
+                  </p:cond>
+                </p:stCondLst>
+                <p:endSync evt="end" delay="0">
+                  <p:rtn val="all"/>
+                </p:endSync>
+                <p:childTnLst>
+                  <p:par>
+                    <p:cTn id="4" fill="hold">
+                      <p:stCondLst>
+                        <p:cond delay="0"/>
+                      </p:stCondLst>
+                      <p:childTnLst>
+                        <p:par>
+                          <p:cTn id="5" fill="hold">
+                            <p:stCondLst>
+                              <p:cond delay="0"/>
+                            </p:stCondLst>
+                            <p:childTnLst>
+                              <p:par>
+                                <p:cTn id="6" presetID="2" presetClass="mediacall" presetSubtype="0" fill="hold" nodeType="clickEffect">
+                                  <p:stCondLst>
+                                    <p:cond delay="0"/>
+                                  </p:stCondLst>
+                                  <p:childTnLst>
+                                    <p:cmd type="call" cmd="togglePause">
+                                      <p:cBhvr additive="base">
+                                        <p:cTn id="7" dur="1" fill="hold"/>
+                                        <p:tgtEl>
+                                          <p:spTgt spid="4"/>
+                                        </p:tgtEl>
+                                      </p:cBhvr>
+                                    </p:cmd>
+                                  </p:childTnLst>
+                                </p:cTn>
+                              </p:par>
+                            </p:childTnLst>
+                          </p:cTn>
+                        </p:par>
+                      </p:childTnLst>
+                    </p:cTn>
+                  </p:par>
+                </p:childTnLst>
+              </p:cTn>
+              <p:nextCondLst>
+                <p:cond evt="onClick" delay="0">
+                  <p:tgtEl>
+                    <p:spTgt spid="4"/>
+                  </p:tgtEl>
+                </p:cond>
+              </p:nextCondLst>
+            </p:seq>
+          </p:childTnLst>
+        </p:cTn>
+      </p:par>
+    </p:tnLst>
+  </p:timing>
+</p:sld>
+</file>
+
+<file path=ppt/slides/slide12.xml><?xml version="1.0" encoding="utf-8"?>
+<p:sld xmlns:a="http://schemas.openxmlformats.org/drawingml/2006/main" xmlns:r="http://schemas.openxmlformats.org/officeDocument/2006/relationships" xmlns:p="http://schemas.openxmlformats.org/presentationml/2006/main">
+  <p:cSld>
+    <p:spTree>
+      <p:nvGrpSpPr>
+        <p:cNvPr id="1" name=""/>
+        <p:cNvGrpSpPr/>
+        <p:nvPr/>
+      </p:nvGrpSpPr>
+      <p:grpSpPr/>
       <p:sp>
         <p:nvSpPr>
           <p:cNvPr id="4" name="Text Box 3"/>
@@ -4573,7 +4724,7 @@
 </p:sld>
 </file>
 
-<file path=ppt/slides/slide12.xml><?xml version="1.0" encoding="utf-8"?>
+<file path=ppt/slides/slide13.xml><?xml version="1.0" encoding="utf-8"?>
 <p:sld xmlns:a="http://schemas.openxmlformats.org/drawingml/2006/main" xmlns:r="http://schemas.openxmlformats.org/officeDocument/2006/relationships" xmlns:p="http://schemas.openxmlformats.org/presentationml/2006/main">
   <p:cSld>
     <p:spTree>
@@ -4703,7 +4854,7 @@
 </p:sld>
 </file>
 
-<file path=ppt/slides/slide13.xml><?xml version="1.0" encoding="utf-8"?>
+<file path=ppt/slides/slide14.xml><?xml version="1.0" encoding="utf-8"?>
 <p:sld xmlns:a="http://schemas.openxmlformats.org/drawingml/2006/main" xmlns:r="http://schemas.openxmlformats.org/officeDocument/2006/relationships" xmlns:p="http://schemas.openxmlformats.org/presentationml/2006/main">
   <p:cSld>
     <p:spTree>
@@ -4845,7 +4996,7 @@
 </p:sld>
 </file>
 
-<file path=ppt/slides/slide14.xml><?xml version="1.0" encoding="utf-8"?>
+<file path=ppt/slides/slide15.xml><?xml version="1.0" encoding="utf-8"?>
 <p:sld xmlns:a="http://schemas.openxmlformats.org/drawingml/2006/main" xmlns:r="http://schemas.openxmlformats.org/officeDocument/2006/relationships" xmlns:p="http://schemas.openxmlformats.org/presentationml/2006/main">
   <p:cSld>
     <p:spTree>
@@ -5045,7 +5196,7 @@
 </p:sld>
 </file>
 
-<file path=ppt/slides/slide15.xml><?xml version="1.0" encoding="utf-8"?>
+<file path=ppt/slides/slide16.xml><?xml version="1.0" encoding="utf-8"?>
 <p:sld xmlns:a="http://schemas.openxmlformats.org/drawingml/2006/main" xmlns:r="http://schemas.openxmlformats.org/officeDocument/2006/relationships" xmlns:p="http://schemas.openxmlformats.org/presentationml/2006/main">
   <p:cSld>
     <p:spTree>
@@ -8711,7 +8862,7 @@
               <a:t>) and a baby elephant on the stamp. On average, a baby elephant is one meter long. The pictu</a:t>
             </a:r>
             <a:r>
-              <a:rPr lang="" altLang="en-US" sz="3200">
+              <a:rPr lang="en-US" altLang="en-US" sz="3200">
                 <a:solidFill>
                   <a:schemeClr val="accent1">
                     <a:lumMod val="75000"/>
@@ -9071,7 +9222,7 @@
               </a:spcAft>
             </a:pPr>
             <a:r>
-              <a:rPr lang="" altLang="en-US" sz="4000">
+              <a:rPr lang="en-US" altLang="en-US" sz="4000">
                 <a:gradFill>
                   <a:gsLst>
                     <a:gs pos="0">
@@ -9113,7 +9264,7 @@
               </a:lnSpc>
             </a:pPr>
             <a:r>
-              <a:rPr lang="" altLang="en-US" sz="3200">
+              <a:rPr lang="en-US" altLang="en-US" sz="3200">
                 <a:solidFill>
                   <a:schemeClr val="accent1">
                     <a:lumMod val="75000"/>
@@ -9122,7 +9273,7 @@
               </a:rPr>
               <a:t> A man was driving down the highway with his pet penguin when he got pulled over by a police officer for speeding.</a:t>
             </a:r>
-            <a:endParaRPr lang="" altLang="en-US" sz="3200">
+            <a:endParaRPr lang="en-US" altLang="en-US" sz="3200">
               <a:solidFill>
                 <a:schemeClr val="accent1">
                   <a:lumMod val="75000"/>
@@ -9137,7 +9288,7 @@
               </a:lnSpc>
             </a:pPr>
             <a:r>
-              <a:rPr lang="" altLang="en-US" sz="3200">
+              <a:rPr lang="en-US" altLang="en-US" sz="3200">
                 <a:solidFill>
                   <a:schemeClr val="accent1">
                     <a:lumMod val="75000"/>
@@ -9146,7 +9297,7 @@
               </a:rPr>
               <a:t>  After the cop handed the speeding ticket to the driver, he noticed the penguin. He told the driver that he must take the penguin to the zoo. The driver agreed to do so.</a:t>
             </a:r>
-            <a:endParaRPr lang="" altLang="en-US" sz="3200">
+            <a:endParaRPr lang="en-US" altLang="en-US" sz="3200">
               <a:solidFill>
                 <a:schemeClr val="accent1">
                   <a:lumMod val="75000"/>
@@ -9161,7 +9312,7 @@
               </a:lnSpc>
             </a:pPr>
             <a:r>
-              <a:rPr lang="" altLang="en-US" sz="3200">
+              <a:rPr lang="en-US" altLang="en-US" sz="3200">
                 <a:solidFill>
                   <a:schemeClr val="accent1">
                     <a:lumMod val="75000"/>
@@ -9170,7 +9321,7 @@
               </a:rPr>
               <a:t>  Two months later, the same driver was pulled over by the same cop for speeding. The cop saw the penguin again, only this time it was wearing sunglasses and eating ice cream.</a:t>
             </a:r>
-            <a:endParaRPr lang="" altLang="en-US" sz="3200">
+            <a:endParaRPr lang="en-US" altLang="en-US" sz="3200">
               <a:solidFill>
                 <a:schemeClr val="accent1">
                   <a:lumMod val="75000"/>
@@ -9185,7 +9336,7 @@
               </a:lnSpc>
             </a:pPr>
             <a:r>
-              <a:rPr lang="" altLang="en-US" sz="3200">
+              <a:rPr lang="en-US" altLang="en-US" sz="3200">
                 <a:solidFill>
                   <a:schemeClr val="accent1">
                     <a:lumMod val="75000"/>
@@ -9194,7 +9345,7 @@
               </a:rPr>
               <a:t>  The cop said, “I thought I told you to take the penguin to the zoo”.</a:t>
             </a:r>
-            <a:endParaRPr lang="" altLang="en-US" sz="3200">
+            <a:endParaRPr lang="en-US" altLang="en-US" sz="3200">
               <a:solidFill>
                 <a:schemeClr val="accent1">
                   <a:lumMod val="75000"/>
@@ -9209,7 +9360,7 @@
               </a:lnSpc>
             </a:pPr>
             <a:r>
-              <a:rPr lang="" altLang="en-US" sz="3200">
+              <a:rPr lang="en-US" altLang="en-US" sz="3200">
                 <a:solidFill>
                   <a:schemeClr val="accent1">
                     <a:lumMod val="75000"/>
@@ -9218,7 +9369,7 @@
               </a:rPr>
               <a:t>  The man replied, “I did take it to the zoo. Now I’m taking it to the beach.”</a:t>
             </a:r>
-            <a:endParaRPr lang="" altLang="en-US" sz="3200">
+            <a:endParaRPr lang="en-US" altLang="en-US" sz="3200">
               <a:solidFill>
                 <a:schemeClr val="accent1">
                   <a:lumMod val="75000"/>
